--- a/introdemo/Illustrations/Illustrations (Introduction to LabBench).pptx
+++ b/introdemo/Illustrations/Illustrations (Introduction to LabBench).pptx
@@ -4,9 +4,13 @@
   <p:sldMasterIdLst>
     <p:sldMasterId id="2147483648" r:id="rId1"/>
   </p:sldMasterIdLst>
+  <p:notesMasterIdLst>
+    <p:notesMasterId r:id="rId5"/>
+  </p:notesMasterIdLst>
   <p:sldIdLst>
     <p:sldId id="256" r:id="rId2"/>
     <p:sldId id="257" r:id="rId3"/>
+    <p:sldId id="258" r:id="rId4"/>
   </p:sldIdLst>
   <p:sldSz cx="12192000" cy="6858000"/>
   <p:notesSz cx="6858000" cy="9144000"/>
@@ -106,6 +110,536 @@
     </a:lvl9pPr>
   </p:defaultTextStyle>
 </p:presentation>
+</file>
+
+<file path=ppt/notesMasters/notesMaster1.xml><?xml version="1.0" encoding="utf-8"?>
+<p:notesMaster xmlns:a="http://schemas.openxmlformats.org/drawingml/2006/main" xmlns:r="http://schemas.openxmlformats.org/officeDocument/2006/relationships" xmlns:p="http://schemas.openxmlformats.org/presentationml/2006/main">
+  <p:cSld>
+    <p:bg>
+      <p:bgRef idx="1001">
+        <a:schemeClr val="bg1"/>
+      </p:bgRef>
+    </p:bg>
+    <p:spTree>
+      <p:nvGrpSpPr>
+        <p:cNvPr id="1" name=""/>
+        <p:cNvGrpSpPr/>
+        <p:nvPr/>
+      </p:nvGrpSpPr>
+      <p:grpSpPr>
+        <a:xfrm>
+          <a:off x="0" y="0"/>
+          <a:ext cx="0" cy="0"/>
+          <a:chOff x="0" y="0"/>
+          <a:chExt cx="0" cy="0"/>
+        </a:xfrm>
+      </p:grpSpPr>
+      <p:sp>
+        <p:nvSpPr>
+          <p:cNvPr id="2" name="Header Placeholder 1"/>
+          <p:cNvSpPr>
+            <a:spLocks noGrp="1"/>
+          </p:cNvSpPr>
+          <p:nvPr>
+            <p:ph type="hdr" sz="quarter"/>
+          </p:nvPr>
+        </p:nvSpPr>
+        <p:spPr>
+          <a:xfrm>
+            <a:off x="0" y="0"/>
+            <a:ext cx="2971800" cy="458788"/>
+          </a:xfrm>
+          <a:prstGeom prst="rect">
+            <a:avLst/>
+          </a:prstGeom>
+        </p:spPr>
+        <p:txBody>
+          <a:bodyPr vert="horz" lIns="91440" tIns="45720" rIns="91440" bIns="45720" rtlCol="0"/>
+          <a:lstStyle>
+            <a:lvl1pPr algn="l">
+              <a:defRPr sz="1200"/>
+            </a:lvl1pPr>
+          </a:lstStyle>
+          <a:p>
+            <a:endParaRPr lang="en-DK"/>
+          </a:p>
+        </p:txBody>
+      </p:sp>
+      <p:sp>
+        <p:nvSpPr>
+          <p:cNvPr id="3" name="Date Placeholder 2"/>
+          <p:cNvSpPr>
+            <a:spLocks noGrp="1"/>
+          </p:cNvSpPr>
+          <p:nvPr>
+            <p:ph type="dt" idx="1"/>
+          </p:nvPr>
+        </p:nvSpPr>
+        <p:spPr>
+          <a:xfrm>
+            <a:off x="3884613" y="0"/>
+            <a:ext cx="2971800" cy="458788"/>
+          </a:xfrm>
+          <a:prstGeom prst="rect">
+            <a:avLst/>
+          </a:prstGeom>
+        </p:spPr>
+        <p:txBody>
+          <a:bodyPr vert="horz" lIns="91440" tIns="45720" rIns="91440" bIns="45720" rtlCol="0"/>
+          <a:lstStyle>
+            <a:lvl1pPr algn="r">
+              <a:defRPr sz="1200"/>
+            </a:lvl1pPr>
+          </a:lstStyle>
+          <a:p>
+            <a:fld id="{2D646BAE-8E37-4DBA-A74E-0A3DD4A9F90C}" type="datetimeFigureOut">
+              <a:rPr lang="en-DK" smtClean="0"/>
+              <a:t>24/12/2024</a:t>
+            </a:fld>
+            <a:endParaRPr lang="en-DK"/>
+          </a:p>
+        </p:txBody>
+      </p:sp>
+      <p:sp>
+        <p:nvSpPr>
+          <p:cNvPr id="4" name="Slide Image Placeholder 3"/>
+          <p:cNvSpPr>
+            <a:spLocks noGrp="1" noRot="1" noChangeAspect="1"/>
+          </p:cNvSpPr>
+          <p:nvPr>
+            <p:ph type="sldImg" idx="2"/>
+          </p:nvPr>
+        </p:nvSpPr>
+        <p:spPr>
+          <a:xfrm>
+            <a:off x="685800" y="1143000"/>
+            <a:ext cx="5486400" cy="3086100"/>
+          </a:xfrm>
+          <a:prstGeom prst="rect">
+            <a:avLst/>
+          </a:prstGeom>
+          <a:noFill/>
+          <a:ln w="12700">
+            <a:solidFill>
+              <a:prstClr val="black"/>
+            </a:solidFill>
+          </a:ln>
+        </p:spPr>
+        <p:txBody>
+          <a:bodyPr vert="horz" lIns="91440" tIns="45720" rIns="91440" bIns="45720" rtlCol="0" anchor="ctr"/>
+          <a:lstStyle/>
+          <a:p>
+            <a:endParaRPr lang="en-DK"/>
+          </a:p>
+        </p:txBody>
+      </p:sp>
+      <p:sp>
+        <p:nvSpPr>
+          <p:cNvPr id="5" name="Notes Placeholder 4"/>
+          <p:cNvSpPr>
+            <a:spLocks noGrp="1"/>
+          </p:cNvSpPr>
+          <p:nvPr>
+            <p:ph type="body" sz="quarter" idx="3"/>
+          </p:nvPr>
+        </p:nvSpPr>
+        <p:spPr>
+          <a:xfrm>
+            <a:off x="685800" y="4400550"/>
+            <a:ext cx="5486400" cy="3600450"/>
+          </a:xfrm>
+          <a:prstGeom prst="rect">
+            <a:avLst/>
+          </a:prstGeom>
+        </p:spPr>
+        <p:txBody>
+          <a:bodyPr vert="horz" lIns="91440" tIns="45720" rIns="91440" bIns="45720" rtlCol="0"/>
+          <a:lstStyle/>
+          <a:p>
+            <a:pPr lvl="0"/>
+            <a:r>
+              <a:rPr lang="en-US"/>
+              <a:t>Click to edit Master text styles</a:t>
+            </a:r>
+          </a:p>
+          <a:p>
+            <a:pPr lvl="1"/>
+            <a:r>
+              <a:rPr lang="en-US"/>
+              <a:t>Second level</a:t>
+            </a:r>
+          </a:p>
+          <a:p>
+            <a:pPr lvl="2"/>
+            <a:r>
+              <a:rPr lang="en-US"/>
+              <a:t>Third level</a:t>
+            </a:r>
+          </a:p>
+          <a:p>
+            <a:pPr lvl="3"/>
+            <a:r>
+              <a:rPr lang="en-US"/>
+              <a:t>Fourth level</a:t>
+            </a:r>
+          </a:p>
+          <a:p>
+            <a:pPr lvl="4"/>
+            <a:r>
+              <a:rPr lang="en-US"/>
+              <a:t>Fifth level</a:t>
+            </a:r>
+            <a:endParaRPr lang="en-DK"/>
+          </a:p>
+        </p:txBody>
+      </p:sp>
+      <p:sp>
+        <p:nvSpPr>
+          <p:cNvPr id="6" name="Footer Placeholder 5"/>
+          <p:cNvSpPr>
+            <a:spLocks noGrp="1"/>
+          </p:cNvSpPr>
+          <p:nvPr>
+            <p:ph type="ftr" sz="quarter" idx="4"/>
+          </p:nvPr>
+        </p:nvSpPr>
+        <p:spPr>
+          <a:xfrm>
+            <a:off x="0" y="8685213"/>
+            <a:ext cx="2971800" cy="458787"/>
+          </a:xfrm>
+          <a:prstGeom prst="rect">
+            <a:avLst/>
+          </a:prstGeom>
+        </p:spPr>
+        <p:txBody>
+          <a:bodyPr vert="horz" lIns="91440" tIns="45720" rIns="91440" bIns="45720" rtlCol="0" anchor="b"/>
+          <a:lstStyle>
+            <a:lvl1pPr algn="l">
+              <a:defRPr sz="1200"/>
+            </a:lvl1pPr>
+          </a:lstStyle>
+          <a:p>
+            <a:endParaRPr lang="en-DK"/>
+          </a:p>
+        </p:txBody>
+      </p:sp>
+      <p:sp>
+        <p:nvSpPr>
+          <p:cNvPr id="7" name="Slide Number Placeholder 6"/>
+          <p:cNvSpPr>
+            <a:spLocks noGrp="1"/>
+          </p:cNvSpPr>
+          <p:nvPr>
+            <p:ph type="sldNum" sz="quarter" idx="5"/>
+          </p:nvPr>
+        </p:nvSpPr>
+        <p:spPr>
+          <a:xfrm>
+            <a:off x="3884613" y="8685213"/>
+            <a:ext cx="2971800" cy="458787"/>
+          </a:xfrm>
+          <a:prstGeom prst="rect">
+            <a:avLst/>
+          </a:prstGeom>
+        </p:spPr>
+        <p:txBody>
+          <a:bodyPr vert="horz" lIns="91440" tIns="45720" rIns="91440" bIns="45720" rtlCol="0" anchor="b"/>
+          <a:lstStyle>
+            <a:lvl1pPr algn="r">
+              <a:defRPr sz="1200"/>
+            </a:lvl1pPr>
+          </a:lstStyle>
+          <a:p>
+            <a:fld id="{013998F9-4E6E-4F05-BAC2-F95D22B0FDB7}" type="slidenum">
+              <a:rPr lang="en-DK" smtClean="0"/>
+              <a:t>‹#›</a:t>
+            </a:fld>
+            <a:endParaRPr lang="en-DK"/>
+          </a:p>
+        </p:txBody>
+      </p:sp>
+    </p:spTree>
+    <p:extLst>
+      <p:ext uri="{BB962C8B-B14F-4D97-AF65-F5344CB8AC3E}">
+        <p14:creationId xmlns:p14="http://schemas.microsoft.com/office/powerpoint/2010/main" val="969131728"/>
+      </p:ext>
+    </p:extLst>
+  </p:cSld>
+  <p:clrMap bg1="lt1" tx1="dk1" bg2="lt2" tx2="dk2" accent1="accent1" accent2="accent2" accent3="accent3" accent4="accent4" accent5="accent5" accent6="accent6" hlink="hlink" folHlink="folHlink"/>
+  <p:notesStyle>
+    <a:lvl1pPr marL="0" algn="l" defTabSz="914400" rtl="0" eaLnBrk="1" latinLnBrk="0" hangingPunct="1">
+      <a:defRPr sz="1200" kern="1200">
+        <a:solidFill>
+          <a:schemeClr val="tx1"/>
+        </a:solidFill>
+        <a:latin typeface="+mn-lt"/>
+        <a:ea typeface="+mn-ea"/>
+        <a:cs typeface="+mn-cs"/>
+      </a:defRPr>
+    </a:lvl1pPr>
+    <a:lvl2pPr marL="457200" algn="l" defTabSz="914400" rtl="0" eaLnBrk="1" latinLnBrk="0" hangingPunct="1">
+      <a:defRPr sz="1200" kern="1200">
+        <a:solidFill>
+          <a:schemeClr val="tx1"/>
+        </a:solidFill>
+        <a:latin typeface="+mn-lt"/>
+        <a:ea typeface="+mn-ea"/>
+        <a:cs typeface="+mn-cs"/>
+      </a:defRPr>
+    </a:lvl2pPr>
+    <a:lvl3pPr marL="914400" algn="l" defTabSz="914400" rtl="0" eaLnBrk="1" latinLnBrk="0" hangingPunct="1">
+      <a:defRPr sz="1200" kern="1200">
+        <a:solidFill>
+          <a:schemeClr val="tx1"/>
+        </a:solidFill>
+        <a:latin typeface="+mn-lt"/>
+        <a:ea typeface="+mn-ea"/>
+        <a:cs typeface="+mn-cs"/>
+      </a:defRPr>
+    </a:lvl3pPr>
+    <a:lvl4pPr marL="1371600" algn="l" defTabSz="914400" rtl="0" eaLnBrk="1" latinLnBrk="0" hangingPunct="1">
+      <a:defRPr sz="1200" kern="1200">
+        <a:solidFill>
+          <a:schemeClr val="tx1"/>
+        </a:solidFill>
+        <a:latin typeface="+mn-lt"/>
+        <a:ea typeface="+mn-ea"/>
+        <a:cs typeface="+mn-cs"/>
+      </a:defRPr>
+    </a:lvl4pPr>
+    <a:lvl5pPr marL="1828800" algn="l" defTabSz="914400" rtl="0" eaLnBrk="1" latinLnBrk="0" hangingPunct="1">
+      <a:defRPr sz="1200" kern="1200">
+        <a:solidFill>
+          <a:schemeClr val="tx1"/>
+        </a:solidFill>
+        <a:latin typeface="+mn-lt"/>
+        <a:ea typeface="+mn-ea"/>
+        <a:cs typeface="+mn-cs"/>
+      </a:defRPr>
+    </a:lvl5pPr>
+    <a:lvl6pPr marL="2286000" algn="l" defTabSz="914400" rtl="0" eaLnBrk="1" latinLnBrk="0" hangingPunct="1">
+      <a:defRPr sz="1200" kern="1200">
+        <a:solidFill>
+          <a:schemeClr val="tx1"/>
+        </a:solidFill>
+        <a:latin typeface="+mn-lt"/>
+        <a:ea typeface="+mn-ea"/>
+        <a:cs typeface="+mn-cs"/>
+      </a:defRPr>
+    </a:lvl6pPr>
+    <a:lvl7pPr marL="2743200" algn="l" defTabSz="914400" rtl="0" eaLnBrk="1" latinLnBrk="0" hangingPunct="1">
+      <a:defRPr sz="1200" kern="1200">
+        <a:solidFill>
+          <a:schemeClr val="tx1"/>
+        </a:solidFill>
+        <a:latin typeface="+mn-lt"/>
+        <a:ea typeface="+mn-ea"/>
+        <a:cs typeface="+mn-cs"/>
+      </a:defRPr>
+    </a:lvl7pPr>
+    <a:lvl8pPr marL="3200400" algn="l" defTabSz="914400" rtl="0" eaLnBrk="1" latinLnBrk="0" hangingPunct="1">
+      <a:defRPr sz="1200" kern="1200">
+        <a:solidFill>
+          <a:schemeClr val="tx1"/>
+        </a:solidFill>
+        <a:latin typeface="+mn-lt"/>
+        <a:ea typeface="+mn-ea"/>
+        <a:cs typeface="+mn-cs"/>
+      </a:defRPr>
+    </a:lvl8pPr>
+    <a:lvl9pPr marL="3657600" algn="l" defTabSz="914400" rtl="0" eaLnBrk="1" latinLnBrk="0" hangingPunct="1">
+      <a:defRPr sz="1200" kern="1200">
+        <a:solidFill>
+          <a:schemeClr val="tx1"/>
+        </a:solidFill>
+        <a:latin typeface="+mn-lt"/>
+        <a:ea typeface="+mn-ea"/>
+        <a:cs typeface="+mn-cs"/>
+      </a:defRPr>
+    </a:lvl9pPr>
+  </p:notesStyle>
+</p:notesMaster>
+</file>
+
+<file path=ppt/notesSlides/notesSlide1.xml><?xml version="1.0" encoding="utf-8"?>
+<p:notes xmlns:a="http://schemas.openxmlformats.org/drawingml/2006/main" xmlns:r="http://schemas.openxmlformats.org/officeDocument/2006/relationships" xmlns:p="http://schemas.openxmlformats.org/presentationml/2006/main">
+  <p:cSld>
+    <p:spTree>
+      <p:nvGrpSpPr>
+        <p:cNvPr id="1" name=""/>
+        <p:cNvGrpSpPr/>
+        <p:nvPr/>
+      </p:nvGrpSpPr>
+      <p:grpSpPr>
+        <a:xfrm>
+          <a:off x="0" y="0"/>
+          <a:ext cx="0" cy="0"/>
+          <a:chOff x="0" y="0"/>
+          <a:chExt cx="0" cy="0"/>
+        </a:xfrm>
+      </p:grpSpPr>
+      <p:sp>
+        <p:nvSpPr>
+          <p:cNvPr id="2" name="Slide Image Placeholder 1"/>
+          <p:cNvSpPr>
+            <a:spLocks noGrp="1" noRot="1" noChangeAspect="1"/>
+          </p:cNvSpPr>
+          <p:nvPr>
+            <p:ph type="sldImg"/>
+          </p:nvPr>
+        </p:nvSpPr>
+        <p:spPr/>
+      </p:sp>
+      <p:sp>
+        <p:nvSpPr>
+          <p:cNvPr id="3" name="Notes Placeholder 2"/>
+          <p:cNvSpPr>
+            <a:spLocks noGrp="1"/>
+          </p:cNvSpPr>
+          <p:nvPr>
+            <p:ph type="body" idx="1"/>
+          </p:nvPr>
+        </p:nvSpPr>
+        <p:spPr/>
+        <p:txBody>
+          <a:bodyPr/>
+          <a:lstStyle/>
+          <a:p>
+            <a:r>
+              <a:rPr lang="en-GB" dirty="0"/>
+              <a:t>Joystick Experimental Setup</a:t>
+            </a:r>
+            <a:endParaRPr lang="en-DK" dirty="0"/>
+          </a:p>
+        </p:txBody>
+      </p:sp>
+      <p:sp>
+        <p:nvSpPr>
+          <p:cNvPr id="4" name="Slide Number Placeholder 3"/>
+          <p:cNvSpPr>
+            <a:spLocks noGrp="1"/>
+          </p:cNvSpPr>
+          <p:nvPr>
+            <p:ph type="sldNum" sz="quarter" idx="5"/>
+          </p:nvPr>
+        </p:nvSpPr>
+        <p:spPr/>
+        <p:txBody>
+          <a:bodyPr/>
+          <a:lstStyle/>
+          <a:p>
+            <a:fld id="{013998F9-4E6E-4F05-BAC2-F95D22B0FDB7}" type="slidenum">
+              <a:rPr lang="en-DK" smtClean="0"/>
+              <a:t>2</a:t>
+            </a:fld>
+            <a:endParaRPr lang="en-DK"/>
+          </a:p>
+        </p:txBody>
+      </p:sp>
+    </p:spTree>
+    <p:extLst>
+      <p:ext uri="{BB962C8B-B14F-4D97-AF65-F5344CB8AC3E}">
+        <p14:creationId xmlns:p14="http://schemas.microsoft.com/office/powerpoint/2010/main" val="3496583598"/>
+      </p:ext>
+    </p:extLst>
+  </p:cSld>
+  <p:clrMapOvr>
+    <a:masterClrMapping/>
+  </p:clrMapOvr>
+</p:notes>
+</file>
+
+<file path=ppt/notesSlides/notesSlide2.xml><?xml version="1.0" encoding="utf-8"?>
+<p:notes xmlns:a="http://schemas.openxmlformats.org/drawingml/2006/main" xmlns:r="http://schemas.openxmlformats.org/officeDocument/2006/relationships" xmlns:p="http://schemas.openxmlformats.org/presentationml/2006/main">
+  <p:cSld>
+    <p:spTree>
+      <p:nvGrpSpPr>
+        <p:cNvPr id="1" name=""/>
+        <p:cNvGrpSpPr/>
+        <p:nvPr/>
+      </p:nvGrpSpPr>
+      <p:grpSpPr>
+        <a:xfrm>
+          <a:off x="0" y="0"/>
+          <a:ext cx="0" cy="0"/>
+          <a:chOff x="0" y="0"/>
+          <a:chExt cx="0" cy="0"/>
+        </a:xfrm>
+      </p:grpSpPr>
+      <p:sp>
+        <p:nvSpPr>
+          <p:cNvPr id="2" name="Slide Image Placeholder 1"/>
+          <p:cNvSpPr>
+            <a:spLocks noGrp="1" noRot="1" noChangeAspect="1"/>
+          </p:cNvSpPr>
+          <p:nvPr>
+            <p:ph type="sldImg"/>
+          </p:nvPr>
+        </p:nvSpPr>
+        <p:spPr/>
+      </p:sp>
+      <p:sp>
+        <p:nvSpPr>
+          <p:cNvPr id="3" name="Notes Placeholder 2"/>
+          <p:cNvSpPr>
+            <a:spLocks noGrp="1"/>
+          </p:cNvSpPr>
+          <p:nvPr>
+            <p:ph type="body" idx="1"/>
+          </p:nvPr>
+        </p:nvSpPr>
+        <p:spPr/>
+        <p:txBody>
+          <a:bodyPr/>
+          <a:lstStyle/>
+          <a:p>
+            <a:r>
+              <a:rPr lang="en-GB" dirty="0"/>
+              <a:t>LabBench I/</a:t>
+            </a:r>
+            <a:r>
+              <a:rPr lang="en-GB"/>
+              <a:t>O Experimental Setup</a:t>
+            </a:r>
+            <a:endParaRPr lang="en-DK"/>
+          </a:p>
+        </p:txBody>
+      </p:sp>
+      <p:sp>
+        <p:nvSpPr>
+          <p:cNvPr id="4" name="Slide Number Placeholder 3"/>
+          <p:cNvSpPr>
+            <a:spLocks noGrp="1"/>
+          </p:cNvSpPr>
+          <p:nvPr>
+            <p:ph type="sldNum" sz="quarter" idx="5"/>
+          </p:nvPr>
+        </p:nvSpPr>
+        <p:spPr/>
+        <p:txBody>
+          <a:bodyPr/>
+          <a:lstStyle/>
+          <a:p>
+            <a:fld id="{013998F9-4E6E-4F05-BAC2-F95D22B0FDB7}" type="slidenum">
+              <a:rPr lang="en-DK" smtClean="0"/>
+              <a:t>3</a:t>
+            </a:fld>
+            <a:endParaRPr lang="en-DK"/>
+          </a:p>
+        </p:txBody>
+      </p:sp>
+    </p:spTree>
+    <p:extLst>
+      <p:ext uri="{BB962C8B-B14F-4D97-AF65-F5344CB8AC3E}">
+        <p14:creationId xmlns:p14="http://schemas.microsoft.com/office/powerpoint/2010/main" val="1290388804"/>
+      </p:ext>
+    </p:extLst>
+  </p:cSld>
+  <p:clrMapOvr>
+    <a:masterClrMapping/>
+  </p:clrMapOvr>
+</p:notes>
 </file>
 
 <file path=ppt/slideLayouts/slideLayout1.xml><?xml version="1.0" encoding="utf-8"?>
@@ -3435,6 +3969,36 @@
     <p:extLst>
       <p:ext uri="{BB962C8B-B14F-4D97-AF65-F5344CB8AC3E}">
         <p14:creationId xmlns:p14="http://schemas.microsoft.com/office/powerpoint/2010/main" val="1165474774"/>
+      </p:ext>
+    </p:extLst>
+  </p:cSld>
+  <p:clrMapOvr>
+    <a:masterClrMapping/>
+  </p:clrMapOvr>
+</p:sld>
+</file>
+
+<file path=ppt/slides/slide3.xml><?xml version="1.0" encoding="utf-8"?>
+<p:sld xmlns:a="http://schemas.openxmlformats.org/drawingml/2006/main" xmlns:r="http://schemas.openxmlformats.org/officeDocument/2006/relationships" xmlns:p="http://schemas.openxmlformats.org/presentationml/2006/main">
+  <p:cSld>
+    <p:spTree>
+      <p:nvGrpSpPr>
+        <p:cNvPr id="1" name=""/>
+        <p:cNvGrpSpPr/>
+        <p:nvPr/>
+      </p:nvGrpSpPr>
+      <p:grpSpPr>
+        <a:xfrm>
+          <a:off x="0" y="0"/>
+          <a:ext cx="0" cy="0"/>
+          <a:chOff x="0" y="0"/>
+          <a:chExt cx="0" cy="0"/>
+        </a:xfrm>
+      </p:grpSpPr>
+    </p:spTree>
+    <p:extLst>
+      <p:ext uri="{BB962C8B-B14F-4D97-AF65-F5344CB8AC3E}">
+        <p14:creationId xmlns:p14="http://schemas.microsoft.com/office/powerpoint/2010/main" val="4072599821"/>
       </p:ext>
     </p:extLst>
   </p:cSld>
@@ -3757,4 +4321,319 @@
     </a:ext>
   </a:extLst>
 </a:theme>
+</file>
+
+<file path=ppt/theme/theme2.xml><?xml version="1.0" encoding="utf-8"?>
+<a:theme xmlns:a="http://schemas.openxmlformats.org/drawingml/2006/main" name="Office Theme">
+  <a:themeElements>
+    <a:clrScheme name="Office">
+      <a:dk1>
+        <a:sysClr val="windowText" lastClr="000000"/>
+      </a:dk1>
+      <a:lt1>
+        <a:sysClr val="window" lastClr="FFFFFF"/>
+      </a:lt1>
+      <a:dk2>
+        <a:srgbClr val="0E2841"/>
+      </a:dk2>
+      <a:lt2>
+        <a:srgbClr val="E8E8E8"/>
+      </a:lt2>
+      <a:accent1>
+        <a:srgbClr val="156082"/>
+      </a:accent1>
+      <a:accent2>
+        <a:srgbClr val="E97132"/>
+      </a:accent2>
+      <a:accent3>
+        <a:srgbClr val="196B24"/>
+      </a:accent3>
+      <a:accent4>
+        <a:srgbClr val="0F9ED5"/>
+      </a:accent4>
+      <a:accent5>
+        <a:srgbClr val="A02B93"/>
+      </a:accent5>
+      <a:accent6>
+        <a:srgbClr val="4EA72E"/>
+      </a:accent6>
+      <a:hlink>
+        <a:srgbClr val="467886"/>
+      </a:hlink>
+      <a:folHlink>
+        <a:srgbClr val="96607D"/>
+      </a:folHlink>
+    </a:clrScheme>
+    <a:fontScheme name="Office">
+      <a:majorFont>
+        <a:latin typeface="Aptos Display" panose="02110004020202020204"/>
+        <a:ea typeface=""/>
+        <a:cs typeface=""/>
+        <a:font script="Jpan" typeface="游ゴシック Light"/>
+        <a:font script="Hang" typeface="맑은 고딕"/>
+        <a:font script="Hans" typeface="等线 Light"/>
+        <a:font script="Hant" typeface="新細明體"/>
+        <a:font script="Arab" typeface="Times New Roman"/>
+        <a:font script="Hebr" typeface="Times New Roman"/>
+        <a:font script="Thai" typeface="Angsana New"/>
+        <a:font script="Ethi" typeface="Nyala"/>
+        <a:font script="Beng" typeface="Vrinda"/>
+        <a:font script="Gujr" typeface="Shruti"/>
+        <a:font script="Khmr" typeface="MoolBoran"/>
+        <a:font script="Knda" typeface="Tunga"/>
+        <a:font script="Guru" typeface="Raavi"/>
+        <a:font script="Cans" typeface="Euphemia"/>
+        <a:font script="Cher" typeface="Plantagenet Cherokee"/>
+        <a:font script="Yiii" typeface="Microsoft Yi Baiti"/>
+        <a:font script="Tibt" typeface="Microsoft Himalaya"/>
+        <a:font script="Thaa" typeface="MV Boli"/>
+        <a:font script="Deva" typeface="Mangal"/>
+        <a:font script="Telu" typeface="Gautami"/>
+        <a:font script="Taml" typeface="Latha"/>
+        <a:font script="Syrc" typeface="Estrangelo Edessa"/>
+        <a:font script="Orya" typeface="Kalinga"/>
+        <a:font script="Mlym" typeface="Kartika"/>
+        <a:font script="Laoo" typeface="DokChampa"/>
+        <a:font script="Sinh" typeface="Iskoola Pota"/>
+        <a:font script="Mong" typeface="Mongolian Baiti"/>
+        <a:font script="Viet" typeface="Times New Roman"/>
+        <a:font script="Uigh" typeface="Microsoft Uighur"/>
+        <a:font script="Geor" typeface="Sylfaen"/>
+        <a:font script="Armn" typeface="Arial"/>
+        <a:font script="Bugi" typeface="Leelawadee UI"/>
+        <a:font script="Bopo" typeface="Microsoft JhengHei"/>
+        <a:font script="Java" typeface="Javanese Text"/>
+        <a:font script="Lisu" typeface="Segoe UI"/>
+        <a:font script="Mymr" typeface="Myanmar Text"/>
+        <a:font script="Nkoo" typeface="Ebrima"/>
+        <a:font script="Olck" typeface="Nirmala UI"/>
+        <a:font script="Osma" typeface="Ebrima"/>
+        <a:font script="Phag" typeface="Phagspa"/>
+        <a:font script="Syrn" typeface="Estrangelo Edessa"/>
+        <a:font script="Syrj" typeface="Estrangelo Edessa"/>
+        <a:font script="Syre" typeface="Estrangelo Edessa"/>
+        <a:font script="Sora" typeface="Nirmala UI"/>
+        <a:font script="Tale" typeface="Microsoft Tai Le"/>
+        <a:font script="Talu" typeface="Microsoft New Tai Lue"/>
+        <a:font script="Tfng" typeface="Ebrima"/>
+      </a:majorFont>
+      <a:minorFont>
+        <a:latin typeface="Aptos" panose="02110004020202020204"/>
+        <a:ea typeface=""/>
+        <a:cs typeface=""/>
+        <a:font script="Jpan" typeface="游ゴシック"/>
+        <a:font script="Hang" typeface="맑은 고딕"/>
+        <a:font script="Hans" typeface="等线"/>
+        <a:font script="Hant" typeface="新細明體"/>
+        <a:font script="Arab" typeface="Arial"/>
+        <a:font script="Hebr" typeface="Arial"/>
+        <a:font script="Thai" typeface="Cordia New"/>
+        <a:font script="Ethi" typeface="Nyala"/>
+        <a:font script="Beng" typeface="Vrinda"/>
+        <a:font script="Gujr" typeface="Shruti"/>
+        <a:font script="Khmr" typeface="DaunPenh"/>
+        <a:font script="Knda" typeface="Tunga"/>
+        <a:font script="Guru" typeface="Raavi"/>
+        <a:font script="Cans" typeface="Euphemia"/>
+        <a:font script="Cher" typeface="Plantagenet Cherokee"/>
+        <a:font script="Yiii" typeface="Microsoft Yi Baiti"/>
+        <a:font script="Tibt" typeface="Microsoft Himalaya"/>
+        <a:font script="Thaa" typeface="MV Boli"/>
+        <a:font script="Deva" typeface="Mangal"/>
+        <a:font script="Telu" typeface="Gautami"/>
+        <a:font script="Taml" typeface="Latha"/>
+        <a:font script="Syrc" typeface="Estrangelo Edessa"/>
+        <a:font script="Orya" typeface="Kalinga"/>
+        <a:font script="Mlym" typeface="Kartika"/>
+        <a:font script="Laoo" typeface="DokChampa"/>
+        <a:font script="Sinh" typeface="Iskoola Pota"/>
+        <a:font script="Mong" typeface="Mongolian Baiti"/>
+        <a:font script="Viet" typeface="Arial"/>
+        <a:font script="Uigh" typeface="Microsoft Uighur"/>
+        <a:font script="Geor" typeface="Sylfaen"/>
+        <a:font script="Armn" typeface="Arial"/>
+        <a:font script="Bugi" typeface="Leelawadee UI"/>
+        <a:font script="Bopo" typeface="Microsoft JhengHei"/>
+        <a:font script="Java" typeface="Javanese Text"/>
+        <a:font script="Lisu" typeface="Segoe UI"/>
+        <a:font script="Mymr" typeface="Myanmar Text"/>
+        <a:font script="Nkoo" typeface="Ebrima"/>
+        <a:font script="Olck" typeface="Nirmala UI"/>
+        <a:font script="Osma" typeface="Ebrima"/>
+        <a:font script="Phag" typeface="Phagspa"/>
+        <a:font script="Syrn" typeface="Estrangelo Edessa"/>
+        <a:font script="Syrj" typeface="Estrangelo Edessa"/>
+        <a:font script="Syre" typeface="Estrangelo Edessa"/>
+        <a:font script="Sora" typeface="Nirmala UI"/>
+        <a:font script="Tale" typeface="Microsoft Tai Le"/>
+        <a:font script="Talu" typeface="Microsoft New Tai Lue"/>
+        <a:font script="Tfng" typeface="Ebrima"/>
+      </a:minorFont>
+    </a:fontScheme>
+    <a:fmtScheme name="Office">
+      <a:fillStyleLst>
+        <a:solidFill>
+          <a:schemeClr val="phClr"/>
+        </a:solidFill>
+        <a:gradFill rotWithShape="1">
+          <a:gsLst>
+            <a:gs pos="0">
+              <a:schemeClr val="phClr">
+                <a:lumMod val="110000"/>
+                <a:satMod val="105000"/>
+                <a:tint val="67000"/>
+              </a:schemeClr>
+            </a:gs>
+            <a:gs pos="50000">
+              <a:schemeClr val="phClr">
+                <a:lumMod val="105000"/>
+                <a:satMod val="103000"/>
+                <a:tint val="73000"/>
+              </a:schemeClr>
+            </a:gs>
+            <a:gs pos="100000">
+              <a:schemeClr val="phClr">
+                <a:lumMod val="105000"/>
+                <a:satMod val="109000"/>
+                <a:tint val="81000"/>
+              </a:schemeClr>
+            </a:gs>
+          </a:gsLst>
+          <a:lin ang="5400000" scaled="0"/>
+        </a:gradFill>
+        <a:gradFill rotWithShape="1">
+          <a:gsLst>
+            <a:gs pos="0">
+              <a:schemeClr val="phClr">
+                <a:satMod val="103000"/>
+                <a:lumMod val="102000"/>
+                <a:tint val="94000"/>
+              </a:schemeClr>
+            </a:gs>
+            <a:gs pos="50000">
+              <a:schemeClr val="phClr">
+                <a:satMod val="110000"/>
+                <a:lumMod val="100000"/>
+                <a:shade val="100000"/>
+              </a:schemeClr>
+            </a:gs>
+            <a:gs pos="100000">
+              <a:schemeClr val="phClr">
+                <a:lumMod val="99000"/>
+                <a:satMod val="120000"/>
+                <a:shade val="78000"/>
+              </a:schemeClr>
+            </a:gs>
+          </a:gsLst>
+          <a:lin ang="5400000" scaled="0"/>
+        </a:gradFill>
+      </a:fillStyleLst>
+      <a:lnStyleLst>
+        <a:ln w="12700" cap="flat" cmpd="sng" algn="ctr">
+          <a:solidFill>
+            <a:schemeClr val="phClr"/>
+          </a:solidFill>
+          <a:prstDash val="solid"/>
+          <a:miter lim="800000"/>
+        </a:ln>
+        <a:ln w="19050" cap="flat" cmpd="sng" algn="ctr">
+          <a:solidFill>
+            <a:schemeClr val="phClr"/>
+          </a:solidFill>
+          <a:prstDash val="solid"/>
+          <a:miter lim="800000"/>
+        </a:ln>
+        <a:ln w="25400" cap="flat" cmpd="sng" algn="ctr">
+          <a:solidFill>
+            <a:schemeClr val="phClr"/>
+          </a:solidFill>
+          <a:prstDash val="solid"/>
+          <a:miter lim="800000"/>
+        </a:ln>
+      </a:lnStyleLst>
+      <a:effectStyleLst>
+        <a:effectStyle>
+          <a:effectLst/>
+        </a:effectStyle>
+        <a:effectStyle>
+          <a:effectLst/>
+        </a:effectStyle>
+        <a:effectStyle>
+          <a:effectLst>
+            <a:outerShdw blurRad="57150" dist="19050" dir="5400000" algn="ctr" rotWithShape="0">
+              <a:srgbClr val="000000">
+                <a:alpha val="63000"/>
+              </a:srgbClr>
+            </a:outerShdw>
+          </a:effectLst>
+        </a:effectStyle>
+      </a:effectStyleLst>
+      <a:bgFillStyleLst>
+        <a:solidFill>
+          <a:schemeClr val="phClr"/>
+        </a:solidFill>
+        <a:solidFill>
+          <a:schemeClr val="phClr">
+            <a:tint val="95000"/>
+            <a:satMod val="170000"/>
+          </a:schemeClr>
+        </a:solidFill>
+        <a:gradFill rotWithShape="1">
+          <a:gsLst>
+            <a:gs pos="0">
+              <a:schemeClr val="phClr">
+                <a:tint val="93000"/>
+                <a:satMod val="150000"/>
+                <a:shade val="98000"/>
+                <a:lumMod val="102000"/>
+              </a:schemeClr>
+            </a:gs>
+            <a:gs pos="50000">
+              <a:schemeClr val="phClr">
+                <a:tint val="98000"/>
+                <a:satMod val="130000"/>
+                <a:shade val="90000"/>
+                <a:lumMod val="103000"/>
+              </a:schemeClr>
+            </a:gs>
+            <a:gs pos="100000">
+              <a:schemeClr val="phClr">
+                <a:shade val="63000"/>
+                <a:satMod val="120000"/>
+              </a:schemeClr>
+            </a:gs>
+          </a:gsLst>
+          <a:lin ang="5400000" scaled="0"/>
+        </a:gradFill>
+      </a:bgFillStyleLst>
+    </a:fmtScheme>
+  </a:themeElements>
+  <a:objectDefaults>
+    <a:lnDef>
+      <a:spPr/>
+      <a:bodyPr/>
+      <a:lstStyle/>
+      <a:style>
+        <a:lnRef idx="2">
+          <a:schemeClr val="accent1"/>
+        </a:lnRef>
+        <a:fillRef idx="0">
+          <a:schemeClr val="accent1"/>
+        </a:fillRef>
+        <a:effectRef idx="1">
+          <a:schemeClr val="accent1"/>
+        </a:effectRef>
+        <a:fontRef idx="minor">
+          <a:schemeClr val="tx1"/>
+        </a:fontRef>
+      </a:style>
+    </a:lnDef>
+  </a:objectDefaults>
+  <a:extraClrSchemeLst/>
+  <a:extLst>
+    <a:ext uri="{05A4C25C-085E-4340-85A3-A5531E510DB2}">
+      <thm15:themeFamily xmlns:thm15="http://schemas.microsoft.com/office/thememl/2012/main" name="Office Theme" id="{2E142A2C-CD16-42D6-873A-C26D2A0506FA}" vid="{1BDDFF52-6CD6-40A5-AB3C-68EB2F1E4D0A}"/>
+    </a:ext>
+  </a:extLst>
+</a:theme>
 </file>
--- a/introdemo/Illustrations/Illustrations (Introduction to LabBench).pptx
+++ b/introdemo/Illustrations/Illustrations (Introduction to LabBench).pptx
@@ -5,12 +5,11 @@
     <p:sldMasterId id="2147483648" r:id="rId1"/>
   </p:sldMasterIdLst>
   <p:notesMasterIdLst>
-    <p:notesMasterId r:id="rId5"/>
+    <p:notesMasterId r:id="rId4"/>
   </p:notesMasterIdLst>
   <p:sldIdLst>
     <p:sldId id="256" r:id="rId2"/>
     <p:sldId id="257" r:id="rId3"/>
-    <p:sldId id="258" r:id="rId4"/>
   </p:sldIdLst>
   <p:sldSz cx="12192000" cy="6858000"/>
   <p:notesSz cx="6858000" cy="9144000"/>
@@ -109,6 +108,11 @@
       </a:defRPr>
     </a:lvl9pPr>
   </p:defaultTextStyle>
+  <p:extLst>
+    <p:ext uri="{EFAFB233-063F-42B5-8137-9DF3F51BA10A}">
+      <p15:sldGuideLst xmlns:p15="http://schemas.microsoft.com/office/powerpoint/2012/main"/>
+    </p:ext>
+  </p:extLst>
 </p:presentation>
 </file>
 
@@ -194,7 +198,7 @@
           <a:p>
             <a:fld id="{2D646BAE-8E37-4DBA-A74E-0A3DD4A9F90C}" type="datetimeFigureOut">
               <a:rPr lang="en-DK" smtClean="0"/>
-              <a:t>24/12/2024</a:t>
+              <a:t>25/12/2024</a:t>
             </a:fld>
             <a:endParaRPr lang="en-DK"/>
           </a:p>
@@ -550,98 +554,6 @@
 </p:notes>
 </file>
 
-<file path=ppt/notesSlides/notesSlide2.xml><?xml version="1.0" encoding="utf-8"?>
-<p:notes xmlns:a="http://schemas.openxmlformats.org/drawingml/2006/main" xmlns:r="http://schemas.openxmlformats.org/officeDocument/2006/relationships" xmlns:p="http://schemas.openxmlformats.org/presentationml/2006/main">
-  <p:cSld>
-    <p:spTree>
-      <p:nvGrpSpPr>
-        <p:cNvPr id="1" name=""/>
-        <p:cNvGrpSpPr/>
-        <p:nvPr/>
-      </p:nvGrpSpPr>
-      <p:grpSpPr>
-        <a:xfrm>
-          <a:off x="0" y="0"/>
-          <a:ext cx="0" cy="0"/>
-          <a:chOff x="0" y="0"/>
-          <a:chExt cx="0" cy="0"/>
-        </a:xfrm>
-      </p:grpSpPr>
-      <p:sp>
-        <p:nvSpPr>
-          <p:cNvPr id="2" name="Slide Image Placeholder 1"/>
-          <p:cNvSpPr>
-            <a:spLocks noGrp="1" noRot="1" noChangeAspect="1"/>
-          </p:cNvSpPr>
-          <p:nvPr>
-            <p:ph type="sldImg"/>
-          </p:nvPr>
-        </p:nvSpPr>
-        <p:spPr/>
-      </p:sp>
-      <p:sp>
-        <p:nvSpPr>
-          <p:cNvPr id="3" name="Notes Placeholder 2"/>
-          <p:cNvSpPr>
-            <a:spLocks noGrp="1"/>
-          </p:cNvSpPr>
-          <p:nvPr>
-            <p:ph type="body" idx="1"/>
-          </p:nvPr>
-        </p:nvSpPr>
-        <p:spPr/>
-        <p:txBody>
-          <a:bodyPr/>
-          <a:lstStyle/>
-          <a:p>
-            <a:r>
-              <a:rPr lang="en-GB" dirty="0"/>
-              <a:t>LabBench I/</a:t>
-            </a:r>
-            <a:r>
-              <a:rPr lang="en-GB"/>
-              <a:t>O Experimental Setup</a:t>
-            </a:r>
-            <a:endParaRPr lang="en-DK"/>
-          </a:p>
-        </p:txBody>
-      </p:sp>
-      <p:sp>
-        <p:nvSpPr>
-          <p:cNvPr id="4" name="Slide Number Placeholder 3"/>
-          <p:cNvSpPr>
-            <a:spLocks noGrp="1"/>
-          </p:cNvSpPr>
-          <p:nvPr>
-            <p:ph type="sldNum" sz="quarter" idx="5"/>
-          </p:nvPr>
-        </p:nvSpPr>
-        <p:spPr/>
-        <p:txBody>
-          <a:bodyPr/>
-          <a:lstStyle/>
-          <a:p>
-            <a:fld id="{013998F9-4E6E-4F05-BAC2-F95D22B0FDB7}" type="slidenum">
-              <a:rPr lang="en-DK" smtClean="0"/>
-              <a:t>3</a:t>
-            </a:fld>
-            <a:endParaRPr lang="en-DK"/>
-          </a:p>
-        </p:txBody>
-      </p:sp>
-    </p:spTree>
-    <p:extLst>
-      <p:ext uri="{BB962C8B-B14F-4D97-AF65-F5344CB8AC3E}">
-        <p14:creationId xmlns:p14="http://schemas.microsoft.com/office/powerpoint/2010/main" val="1290388804"/>
-      </p:ext>
-    </p:extLst>
-  </p:cSld>
-  <p:clrMapOvr>
-    <a:masterClrMapping/>
-  </p:clrMapOvr>
-</p:notes>
-</file>
-
 <file path=ppt/slideLayouts/slideLayout1.xml><?xml version="1.0" encoding="utf-8"?>
 <p:sldLayout xmlns:a="http://schemas.openxmlformats.org/drawingml/2006/main" xmlns:r="http://schemas.openxmlformats.org/officeDocument/2006/relationships" xmlns:p="http://schemas.openxmlformats.org/presentationml/2006/main" type="title" preserve="1">
   <p:cSld name="Title Slide">
@@ -791,7 +703,7 @@
           <a:p>
             <a:fld id="{D4C52B10-47AD-4490-8483-919970C343B2}" type="datetimeFigureOut">
               <a:rPr lang="en-DK" smtClean="0"/>
-              <a:t>24/12/2024</a:t>
+              <a:t>25/12/2024</a:t>
             </a:fld>
             <a:endParaRPr lang="en-DK"/>
           </a:p>
@@ -991,7 +903,7 @@
           <a:p>
             <a:fld id="{D4C52B10-47AD-4490-8483-919970C343B2}" type="datetimeFigureOut">
               <a:rPr lang="en-DK" smtClean="0"/>
-              <a:t>24/12/2024</a:t>
+              <a:t>25/12/2024</a:t>
             </a:fld>
             <a:endParaRPr lang="en-DK"/>
           </a:p>
@@ -1201,7 +1113,7 @@
           <a:p>
             <a:fld id="{D4C52B10-47AD-4490-8483-919970C343B2}" type="datetimeFigureOut">
               <a:rPr lang="en-DK" smtClean="0"/>
-              <a:t>24/12/2024</a:t>
+              <a:t>25/12/2024</a:t>
             </a:fld>
             <a:endParaRPr lang="en-DK"/>
           </a:p>
@@ -1401,7 +1313,7 @@
           <a:p>
             <a:fld id="{D4C52B10-47AD-4490-8483-919970C343B2}" type="datetimeFigureOut">
               <a:rPr lang="en-DK" smtClean="0"/>
-              <a:t>24/12/2024</a:t>
+              <a:t>25/12/2024</a:t>
             </a:fld>
             <a:endParaRPr lang="en-DK"/>
           </a:p>
@@ -1677,7 +1589,7 @@
           <a:p>
             <a:fld id="{D4C52B10-47AD-4490-8483-919970C343B2}" type="datetimeFigureOut">
               <a:rPr lang="en-DK" smtClean="0"/>
-              <a:t>24/12/2024</a:t>
+              <a:t>25/12/2024</a:t>
             </a:fld>
             <a:endParaRPr lang="en-DK"/>
           </a:p>
@@ -1945,7 +1857,7 @@
           <a:p>
             <a:fld id="{D4C52B10-47AD-4490-8483-919970C343B2}" type="datetimeFigureOut">
               <a:rPr lang="en-DK" smtClean="0"/>
-              <a:t>24/12/2024</a:t>
+              <a:t>25/12/2024</a:t>
             </a:fld>
             <a:endParaRPr lang="en-DK"/>
           </a:p>
@@ -2360,7 +2272,7 @@
           <a:p>
             <a:fld id="{D4C52B10-47AD-4490-8483-919970C343B2}" type="datetimeFigureOut">
               <a:rPr lang="en-DK" smtClean="0"/>
-              <a:t>24/12/2024</a:t>
+              <a:t>25/12/2024</a:t>
             </a:fld>
             <a:endParaRPr lang="en-DK"/>
           </a:p>
@@ -2502,7 +2414,7 @@
           <a:p>
             <a:fld id="{D4C52B10-47AD-4490-8483-919970C343B2}" type="datetimeFigureOut">
               <a:rPr lang="en-DK" smtClean="0"/>
-              <a:t>24/12/2024</a:t>
+              <a:t>25/12/2024</a:t>
             </a:fld>
             <a:endParaRPr lang="en-DK"/>
           </a:p>
@@ -2615,7 +2527,7 @@
           <a:p>
             <a:fld id="{D4C52B10-47AD-4490-8483-919970C343B2}" type="datetimeFigureOut">
               <a:rPr lang="en-DK" smtClean="0"/>
-              <a:t>24/12/2024</a:t>
+              <a:t>25/12/2024</a:t>
             </a:fld>
             <a:endParaRPr lang="en-DK"/>
           </a:p>
@@ -2928,7 +2840,7 @@
           <a:p>
             <a:fld id="{D4C52B10-47AD-4490-8483-919970C343B2}" type="datetimeFigureOut">
               <a:rPr lang="en-DK" smtClean="0"/>
-              <a:t>24/12/2024</a:t>
+              <a:t>25/12/2024</a:t>
             </a:fld>
             <a:endParaRPr lang="en-DK"/>
           </a:p>
@@ -3217,7 +3129,7 @@
           <a:p>
             <a:fld id="{D4C52B10-47AD-4490-8483-919970C343B2}" type="datetimeFigureOut">
               <a:rPr lang="en-DK" smtClean="0"/>
-              <a:t>24/12/2024</a:t>
+              <a:t>25/12/2024</a:t>
             </a:fld>
             <a:endParaRPr lang="en-DK"/>
           </a:p>
@@ -3460,7 +3372,7 @@
           <a:p>
             <a:fld id="{D4C52B10-47AD-4490-8483-919970C343B2}" type="datetimeFigureOut">
               <a:rPr lang="en-DK" smtClean="0"/>
-              <a:t>24/12/2024</a:t>
+              <a:t>25/12/2024</a:t>
             </a:fld>
             <a:endParaRPr lang="en-DK"/>
           </a:p>
@@ -3969,36 +3881,6 @@
     <p:extLst>
       <p:ext uri="{BB962C8B-B14F-4D97-AF65-F5344CB8AC3E}">
         <p14:creationId xmlns:p14="http://schemas.microsoft.com/office/powerpoint/2010/main" val="1165474774"/>
-      </p:ext>
-    </p:extLst>
-  </p:cSld>
-  <p:clrMapOvr>
-    <a:masterClrMapping/>
-  </p:clrMapOvr>
-</p:sld>
-</file>
-
-<file path=ppt/slides/slide3.xml><?xml version="1.0" encoding="utf-8"?>
-<p:sld xmlns:a="http://schemas.openxmlformats.org/drawingml/2006/main" xmlns:r="http://schemas.openxmlformats.org/officeDocument/2006/relationships" xmlns:p="http://schemas.openxmlformats.org/presentationml/2006/main">
-  <p:cSld>
-    <p:spTree>
-      <p:nvGrpSpPr>
-        <p:cNvPr id="1" name=""/>
-        <p:cNvGrpSpPr/>
-        <p:nvPr/>
-      </p:nvGrpSpPr>
-      <p:grpSpPr>
-        <a:xfrm>
-          <a:off x="0" y="0"/>
-          <a:ext cx="0" cy="0"/>
-          <a:chOff x="0" y="0"/>
-          <a:chExt cx="0" cy="0"/>
-        </a:xfrm>
-      </p:grpSpPr>
-    </p:spTree>
-    <p:extLst>
-      <p:ext uri="{BB962C8B-B14F-4D97-AF65-F5344CB8AC3E}">
-        <p14:creationId xmlns:p14="http://schemas.microsoft.com/office/powerpoint/2010/main" val="4072599821"/>
       </p:ext>
     </p:extLst>
   </p:cSld>

--- a/introdemo/Illustrations/Illustrations (Introduction to LabBench).pptx
+++ b/introdemo/Illustrations/Illustrations (Introduction to LabBench).pptx
@@ -5,11 +5,15 @@
     <p:sldMasterId id="2147483648" r:id="rId1"/>
   </p:sldMasterIdLst>
   <p:notesMasterIdLst>
-    <p:notesMasterId r:id="rId4"/>
+    <p:notesMasterId r:id="rId8"/>
   </p:notesMasterIdLst>
   <p:sldIdLst>
     <p:sldId id="256" r:id="rId2"/>
-    <p:sldId id="257" r:id="rId3"/>
+    <p:sldId id="261" r:id="rId3"/>
+    <p:sldId id="258" r:id="rId4"/>
+    <p:sldId id="259" r:id="rId5"/>
+    <p:sldId id="260" r:id="rId6"/>
+    <p:sldId id="257" r:id="rId7"/>
   </p:sldIdLst>
   <p:sldSz cx="12192000" cy="6858000"/>
   <p:notesSz cx="6858000" cy="9144000"/>
@@ -198,7 +202,7 @@
           <a:p>
             <a:fld id="{2D646BAE-8E37-4DBA-A74E-0A3DD4A9F90C}" type="datetimeFigureOut">
               <a:rPr lang="en-DK" smtClean="0"/>
-              <a:t>25/12/2024</a:t>
+              <a:t>26/12/2024</a:t>
             </a:fld>
             <a:endParaRPr lang="en-DK"/>
           </a:p>
@@ -535,7 +539,7 @@
           <a:p>
             <a:fld id="{013998F9-4E6E-4F05-BAC2-F95D22B0FDB7}" type="slidenum">
               <a:rPr lang="en-DK" smtClean="0"/>
-              <a:t>2</a:t>
+              <a:t>6</a:t>
             </a:fld>
             <a:endParaRPr lang="en-DK"/>
           </a:p>
@@ -703,7 +707,7 @@
           <a:p>
             <a:fld id="{D4C52B10-47AD-4490-8483-919970C343B2}" type="datetimeFigureOut">
               <a:rPr lang="en-DK" smtClean="0"/>
-              <a:t>25/12/2024</a:t>
+              <a:t>26/12/2024</a:t>
             </a:fld>
             <a:endParaRPr lang="en-DK"/>
           </a:p>
@@ -903,7 +907,7 @@
           <a:p>
             <a:fld id="{D4C52B10-47AD-4490-8483-919970C343B2}" type="datetimeFigureOut">
               <a:rPr lang="en-DK" smtClean="0"/>
-              <a:t>25/12/2024</a:t>
+              <a:t>26/12/2024</a:t>
             </a:fld>
             <a:endParaRPr lang="en-DK"/>
           </a:p>
@@ -1113,7 +1117,7 @@
           <a:p>
             <a:fld id="{D4C52B10-47AD-4490-8483-919970C343B2}" type="datetimeFigureOut">
               <a:rPr lang="en-DK" smtClean="0"/>
-              <a:t>25/12/2024</a:t>
+              <a:t>26/12/2024</a:t>
             </a:fld>
             <a:endParaRPr lang="en-DK"/>
           </a:p>
@@ -1313,7 +1317,7 @@
           <a:p>
             <a:fld id="{D4C52B10-47AD-4490-8483-919970C343B2}" type="datetimeFigureOut">
               <a:rPr lang="en-DK" smtClean="0"/>
-              <a:t>25/12/2024</a:t>
+              <a:t>26/12/2024</a:t>
             </a:fld>
             <a:endParaRPr lang="en-DK"/>
           </a:p>
@@ -1589,7 +1593,7 @@
           <a:p>
             <a:fld id="{D4C52B10-47AD-4490-8483-919970C343B2}" type="datetimeFigureOut">
               <a:rPr lang="en-DK" smtClean="0"/>
-              <a:t>25/12/2024</a:t>
+              <a:t>26/12/2024</a:t>
             </a:fld>
             <a:endParaRPr lang="en-DK"/>
           </a:p>
@@ -1857,7 +1861,7 @@
           <a:p>
             <a:fld id="{D4C52B10-47AD-4490-8483-919970C343B2}" type="datetimeFigureOut">
               <a:rPr lang="en-DK" smtClean="0"/>
-              <a:t>25/12/2024</a:t>
+              <a:t>26/12/2024</a:t>
             </a:fld>
             <a:endParaRPr lang="en-DK"/>
           </a:p>
@@ -2272,7 +2276,7 @@
           <a:p>
             <a:fld id="{D4C52B10-47AD-4490-8483-919970C343B2}" type="datetimeFigureOut">
               <a:rPr lang="en-DK" smtClean="0"/>
-              <a:t>25/12/2024</a:t>
+              <a:t>26/12/2024</a:t>
             </a:fld>
             <a:endParaRPr lang="en-DK"/>
           </a:p>
@@ -2414,7 +2418,7 @@
           <a:p>
             <a:fld id="{D4C52B10-47AD-4490-8483-919970C343B2}" type="datetimeFigureOut">
               <a:rPr lang="en-DK" smtClean="0"/>
-              <a:t>25/12/2024</a:t>
+              <a:t>26/12/2024</a:t>
             </a:fld>
             <a:endParaRPr lang="en-DK"/>
           </a:p>
@@ -2527,7 +2531,7 @@
           <a:p>
             <a:fld id="{D4C52B10-47AD-4490-8483-919970C343B2}" type="datetimeFigureOut">
               <a:rPr lang="en-DK" smtClean="0"/>
-              <a:t>25/12/2024</a:t>
+              <a:t>26/12/2024</a:t>
             </a:fld>
             <a:endParaRPr lang="en-DK"/>
           </a:p>
@@ -2840,7 +2844,7 @@
           <a:p>
             <a:fld id="{D4C52B10-47AD-4490-8483-919970C343B2}" type="datetimeFigureOut">
               <a:rPr lang="en-DK" smtClean="0"/>
-              <a:t>25/12/2024</a:t>
+              <a:t>26/12/2024</a:t>
             </a:fld>
             <a:endParaRPr lang="en-DK"/>
           </a:p>
@@ -3129,7 +3133,7 @@
           <a:p>
             <a:fld id="{D4C52B10-47AD-4490-8483-919970C343B2}" type="datetimeFigureOut">
               <a:rPr lang="en-DK" smtClean="0"/>
-              <a:t>25/12/2024</a:t>
+              <a:t>26/12/2024</a:t>
             </a:fld>
             <a:endParaRPr lang="en-DK"/>
           </a:p>
@@ -3372,7 +3376,7 @@
           <a:p>
             <a:fld id="{D4C52B10-47AD-4490-8483-919970C343B2}" type="datetimeFigureOut">
               <a:rPr lang="en-DK" smtClean="0"/>
-              <a:t>25/12/2024</a:t>
+              <a:t>26/12/2024</a:t>
             </a:fld>
             <a:endParaRPr lang="en-DK"/>
           </a:p>
@@ -3877,6 +3881,944 @@
           <a:chExt cx="0" cy="0"/>
         </a:xfrm>
       </p:grpSpPr>
+      <p:pic>
+        <p:nvPicPr>
+          <p:cNvPr id="3" name="Picture 2">
+            <a:extLst>
+              <a:ext uri="{FF2B5EF4-FFF2-40B4-BE49-F238E27FC236}">
+                <a16:creationId xmlns:a16="http://schemas.microsoft.com/office/drawing/2014/main" id="{E1E79476-4071-23AA-877B-989A79CE0D3F}"/>
+              </a:ext>
+            </a:extLst>
+          </p:cNvPr>
+          <p:cNvPicPr>
+            <a:picLocks noChangeAspect="1"/>
+          </p:cNvPicPr>
+          <p:nvPr/>
+        </p:nvPicPr>
+        <p:blipFill>
+          <a:blip r:embed="rId2"/>
+          <a:stretch>
+            <a:fillRect/>
+          </a:stretch>
+        </p:blipFill>
+        <p:spPr>
+          <a:xfrm>
+            <a:off x="3900181" y="1228418"/>
+            <a:ext cx="3449309" cy="3456791"/>
+          </a:xfrm>
+          <a:prstGeom prst="rect">
+            <a:avLst/>
+          </a:prstGeom>
+        </p:spPr>
+      </p:pic>
+    </p:spTree>
+    <p:extLst>
+      <p:ext uri="{BB962C8B-B14F-4D97-AF65-F5344CB8AC3E}">
+        <p14:creationId xmlns:p14="http://schemas.microsoft.com/office/powerpoint/2010/main" val="498027179"/>
+      </p:ext>
+    </p:extLst>
+  </p:cSld>
+  <p:clrMapOvr>
+    <a:masterClrMapping/>
+  </p:clrMapOvr>
+</p:sld>
+</file>
+
+<file path=ppt/slides/slide3.xml><?xml version="1.0" encoding="utf-8"?>
+<p:sld xmlns:a="http://schemas.openxmlformats.org/drawingml/2006/main" xmlns:r="http://schemas.openxmlformats.org/officeDocument/2006/relationships" xmlns:p="http://schemas.openxmlformats.org/presentationml/2006/main">
+  <p:cSld>
+    <p:spTree>
+      <p:nvGrpSpPr>
+        <p:cNvPr id="1" name=""/>
+        <p:cNvGrpSpPr/>
+        <p:nvPr/>
+      </p:nvGrpSpPr>
+      <p:grpSpPr>
+        <a:xfrm>
+          <a:off x="0" y="0"/>
+          <a:ext cx="0" cy="0"/>
+          <a:chOff x="0" y="0"/>
+          <a:chExt cx="0" cy="0"/>
+        </a:xfrm>
+      </p:grpSpPr>
+      <p:pic>
+        <p:nvPicPr>
+          <p:cNvPr id="5" name="Picture 4">
+            <a:extLst>
+              <a:ext uri="{FF2B5EF4-FFF2-40B4-BE49-F238E27FC236}">
+                <a16:creationId xmlns:a16="http://schemas.microsoft.com/office/drawing/2014/main" id="{D8CB696F-F744-2CBB-1DDC-C7D4D0C962C8}"/>
+              </a:ext>
+            </a:extLst>
+          </p:cNvPr>
+          <p:cNvPicPr>
+            <a:picLocks noChangeAspect="1"/>
+          </p:cNvPicPr>
+          <p:nvPr/>
+        </p:nvPicPr>
+        <p:blipFill>
+          <a:blip r:embed="rId2"/>
+          <a:stretch>
+            <a:fillRect/>
+          </a:stretch>
+        </p:blipFill>
+        <p:spPr>
+          <a:xfrm>
+            <a:off x="2496000" y="1672052"/>
+            <a:ext cx="7200000" cy="3249635"/>
+          </a:xfrm>
+          <a:prstGeom prst="rect">
+            <a:avLst/>
+          </a:prstGeom>
+        </p:spPr>
+      </p:pic>
+    </p:spTree>
+    <p:extLst>
+      <p:ext uri="{BB962C8B-B14F-4D97-AF65-F5344CB8AC3E}">
+        <p14:creationId xmlns:p14="http://schemas.microsoft.com/office/powerpoint/2010/main" val="4086865622"/>
+      </p:ext>
+    </p:extLst>
+  </p:cSld>
+  <p:clrMapOvr>
+    <a:masterClrMapping/>
+  </p:clrMapOvr>
+</p:sld>
+</file>
+
+<file path=ppt/slides/slide4.xml><?xml version="1.0" encoding="utf-8"?>
+<p:sld xmlns:a="http://schemas.openxmlformats.org/drawingml/2006/main" xmlns:r="http://schemas.openxmlformats.org/officeDocument/2006/relationships" xmlns:p="http://schemas.openxmlformats.org/presentationml/2006/main">
+  <p:cSld>
+    <p:spTree>
+      <p:nvGrpSpPr>
+        <p:cNvPr id="1" name=""/>
+        <p:cNvGrpSpPr/>
+        <p:nvPr/>
+      </p:nvGrpSpPr>
+      <p:grpSpPr>
+        <a:xfrm>
+          <a:off x="0" y="0"/>
+          <a:ext cx="0" cy="0"/>
+          <a:chOff x="0" y="0"/>
+          <a:chExt cx="0" cy="0"/>
+        </a:xfrm>
+      </p:grpSpPr>
+      <p:pic>
+        <p:nvPicPr>
+          <p:cNvPr id="3" name="Picture 2">
+            <a:extLst>
+              <a:ext uri="{FF2B5EF4-FFF2-40B4-BE49-F238E27FC236}">
+                <a16:creationId xmlns:a16="http://schemas.microsoft.com/office/drawing/2014/main" id="{C4BDFDE0-B672-637D-0672-5166AA64E3C2}"/>
+              </a:ext>
+            </a:extLst>
+          </p:cNvPr>
+          <p:cNvPicPr>
+            <a:picLocks noChangeAspect="1"/>
+          </p:cNvPicPr>
+          <p:nvPr/>
+        </p:nvPicPr>
+        <p:blipFill>
+          <a:blip r:embed="rId2"/>
+          <a:stretch>
+            <a:fillRect/>
+          </a:stretch>
+        </p:blipFill>
+        <p:spPr>
+          <a:xfrm>
+            <a:off x="2496000" y="1804182"/>
+            <a:ext cx="7200000" cy="3249635"/>
+          </a:xfrm>
+          <a:prstGeom prst="rect">
+            <a:avLst/>
+          </a:prstGeom>
+        </p:spPr>
+      </p:pic>
+      <p:sp>
+        <p:nvSpPr>
+          <p:cNvPr id="4" name="TextBox 3">
+            <a:extLst>
+              <a:ext uri="{FF2B5EF4-FFF2-40B4-BE49-F238E27FC236}">
+                <a16:creationId xmlns:a16="http://schemas.microsoft.com/office/drawing/2014/main" id="{3C45FB33-18D0-A4F8-6866-A0E147A64658}"/>
+              </a:ext>
+            </a:extLst>
+          </p:cNvPr>
+          <p:cNvSpPr txBox="1"/>
+          <p:nvPr/>
+        </p:nvSpPr>
+        <p:spPr>
+          <a:xfrm>
+            <a:off x="262890" y="994409"/>
+            <a:ext cx="3348032" cy="461665"/>
+          </a:xfrm>
+          <a:prstGeom prst="rect">
+            <a:avLst/>
+          </a:prstGeom>
+          <a:noFill/>
+        </p:spPr>
+        <p:txBody>
+          <a:bodyPr wrap="none" rtlCol="0">
+            <a:spAutoFit/>
+          </a:bodyPr>
+          <a:lstStyle/>
+          <a:p>
+            <a:r>
+              <a:rPr lang="en-GB" sz="2400" dirty="0"/>
+              <a:t>Select the Devices page</a:t>
+            </a:r>
+            <a:endParaRPr lang="en-DK" sz="2400" dirty="0"/>
+          </a:p>
+        </p:txBody>
+      </p:sp>
+      <p:sp>
+        <p:nvSpPr>
+          <p:cNvPr id="5" name="TextBox 4">
+            <a:extLst>
+              <a:ext uri="{FF2B5EF4-FFF2-40B4-BE49-F238E27FC236}">
+                <a16:creationId xmlns:a16="http://schemas.microsoft.com/office/drawing/2014/main" id="{77025DC6-04CF-5298-1293-BB5D199C30D4}"/>
+              </a:ext>
+            </a:extLst>
+          </p:cNvPr>
+          <p:cNvSpPr txBox="1"/>
+          <p:nvPr/>
+        </p:nvSpPr>
+        <p:spPr>
+          <a:xfrm>
+            <a:off x="2252158" y="5632758"/>
+            <a:ext cx="4903843" cy="461665"/>
+          </a:xfrm>
+          <a:prstGeom prst="rect">
+            <a:avLst/>
+          </a:prstGeom>
+          <a:noFill/>
+        </p:spPr>
+        <p:txBody>
+          <a:bodyPr wrap="none" rtlCol="0">
+            <a:spAutoFit/>
+          </a:bodyPr>
+          <a:lstStyle/>
+          <a:p>
+            <a:r>
+              <a:rPr lang="en-GB" sz="2400" dirty="0"/>
+              <a:t>Select the type of instrument to add</a:t>
+            </a:r>
+            <a:endParaRPr lang="en-DK" sz="2400" dirty="0"/>
+          </a:p>
+        </p:txBody>
+      </p:sp>
+      <p:sp>
+        <p:nvSpPr>
+          <p:cNvPr id="6" name="TextBox 5">
+            <a:extLst>
+              <a:ext uri="{FF2B5EF4-FFF2-40B4-BE49-F238E27FC236}">
+                <a16:creationId xmlns:a16="http://schemas.microsoft.com/office/drawing/2014/main" id="{0571233D-8F88-1B74-0657-50D5678FF591}"/>
+              </a:ext>
+            </a:extLst>
+          </p:cNvPr>
+          <p:cNvSpPr txBox="1"/>
+          <p:nvPr/>
+        </p:nvSpPr>
+        <p:spPr>
+          <a:xfrm>
+            <a:off x="7254690" y="994409"/>
+            <a:ext cx="4429931" cy="461665"/>
+          </a:xfrm>
+          <a:prstGeom prst="rect">
+            <a:avLst/>
+          </a:prstGeom>
+          <a:noFill/>
+        </p:spPr>
+        <p:txBody>
+          <a:bodyPr wrap="none" rtlCol="0">
+            <a:spAutoFit/>
+          </a:bodyPr>
+          <a:lstStyle/>
+          <a:p>
+            <a:r>
+              <a:rPr lang="en-GB" sz="2400" dirty="0"/>
+              <a:t>Click the “Scan and add” button</a:t>
+            </a:r>
+            <a:endParaRPr lang="en-DK" sz="2400" dirty="0"/>
+          </a:p>
+        </p:txBody>
+      </p:sp>
+      <p:sp>
+        <p:nvSpPr>
+          <p:cNvPr id="7" name="Oval 6">
+            <a:extLst>
+              <a:ext uri="{FF2B5EF4-FFF2-40B4-BE49-F238E27FC236}">
+                <a16:creationId xmlns:a16="http://schemas.microsoft.com/office/drawing/2014/main" id="{232BB1D5-4CE1-D31B-EFF3-D2191702C9B7}"/>
+              </a:ext>
+            </a:extLst>
+          </p:cNvPr>
+          <p:cNvSpPr/>
+          <p:nvPr/>
+        </p:nvSpPr>
+        <p:spPr>
+          <a:xfrm>
+            <a:off x="9346465" y="2144376"/>
+            <a:ext cx="252000" cy="252000"/>
+          </a:xfrm>
+          <a:prstGeom prst="ellipse">
+            <a:avLst/>
+          </a:prstGeom>
+          <a:noFill/>
+          <a:ln w="28575">
+            <a:solidFill>
+              <a:srgbClr val="FF0000"/>
+            </a:solidFill>
+          </a:ln>
+        </p:spPr>
+        <p:style>
+          <a:lnRef idx="2">
+            <a:schemeClr val="accent1">
+              <a:shade val="15000"/>
+            </a:schemeClr>
+          </a:lnRef>
+          <a:fillRef idx="1">
+            <a:schemeClr val="accent1"/>
+          </a:fillRef>
+          <a:effectRef idx="0">
+            <a:schemeClr val="accent1"/>
+          </a:effectRef>
+          <a:fontRef idx="minor">
+            <a:schemeClr val="lt1"/>
+          </a:fontRef>
+        </p:style>
+        <p:txBody>
+          <a:bodyPr rtlCol="0" anchor="ctr"/>
+          <a:lstStyle/>
+          <a:p>
+            <a:pPr algn="ctr"/>
+            <a:endParaRPr lang="en-DK"/>
+          </a:p>
+        </p:txBody>
+      </p:sp>
+      <p:sp>
+        <p:nvSpPr>
+          <p:cNvPr id="8" name="Rectangle 7">
+            <a:extLst>
+              <a:ext uri="{FF2B5EF4-FFF2-40B4-BE49-F238E27FC236}">
+                <a16:creationId xmlns:a16="http://schemas.microsoft.com/office/drawing/2014/main" id="{F457FAC5-6A63-900B-055D-BD54C3F7329C}"/>
+              </a:ext>
+            </a:extLst>
+          </p:cNvPr>
+          <p:cNvSpPr/>
+          <p:nvPr/>
+        </p:nvSpPr>
+        <p:spPr>
+          <a:xfrm>
+            <a:off x="3139440" y="3566160"/>
+            <a:ext cx="3129280" cy="721360"/>
+          </a:xfrm>
+          <a:prstGeom prst="rect">
+            <a:avLst/>
+          </a:prstGeom>
+          <a:noFill/>
+          <a:ln w="28575">
+            <a:solidFill>
+              <a:srgbClr val="FF0000"/>
+            </a:solidFill>
+          </a:ln>
+        </p:spPr>
+        <p:style>
+          <a:lnRef idx="2">
+            <a:schemeClr val="accent1">
+              <a:shade val="15000"/>
+            </a:schemeClr>
+          </a:lnRef>
+          <a:fillRef idx="1">
+            <a:schemeClr val="accent1"/>
+          </a:fillRef>
+          <a:effectRef idx="0">
+            <a:schemeClr val="accent1"/>
+          </a:effectRef>
+          <a:fontRef idx="minor">
+            <a:schemeClr val="lt1"/>
+          </a:fontRef>
+        </p:style>
+        <p:txBody>
+          <a:bodyPr rtlCol="0" anchor="ctr"/>
+          <a:lstStyle/>
+          <a:p>
+            <a:pPr algn="ctr"/>
+            <a:endParaRPr lang="en-DK"/>
+          </a:p>
+        </p:txBody>
+      </p:sp>
+      <p:sp>
+        <p:nvSpPr>
+          <p:cNvPr id="9" name="Rectangle 8">
+            <a:extLst>
+              <a:ext uri="{FF2B5EF4-FFF2-40B4-BE49-F238E27FC236}">
+                <a16:creationId xmlns:a16="http://schemas.microsoft.com/office/drawing/2014/main" id="{BD78DE58-2EC5-FF5F-6C3E-2AAA0B3E3AA7}"/>
+              </a:ext>
+            </a:extLst>
+          </p:cNvPr>
+          <p:cNvSpPr/>
+          <p:nvPr/>
+        </p:nvSpPr>
+        <p:spPr>
+          <a:xfrm>
+            <a:off x="2496000" y="2506852"/>
+            <a:ext cx="592640" cy="561468"/>
+          </a:xfrm>
+          <a:prstGeom prst="rect">
+            <a:avLst/>
+          </a:prstGeom>
+          <a:noFill/>
+          <a:ln w="28575">
+            <a:solidFill>
+              <a:srgbClr val="FF0000"/>
+            </a:solidFill>
+          </a:ln>
+        </p:spPr>
+        <p:style>
+          <a:lnRef idx="2">
+            <a:schemeClr val="accent1">
+              <a:shade val="15000"/>
+            </a:schemeClr>
+          </a:lnRef>
+          <a:fillRef idx="1">
+            <a:schemeClr val="accent1"/>
+          </a:fillRef>
+          <a:effectRef idx="0">
+            <a:schemeClr val="accent1"/>
+          </a:effectRef>
+          <a:fontRef idx="minor">
+            <a:schemeClr val="lt1"/>
+          </a:fontRef>
+        </p:style>
+        <p:txBody>
+          <a:bodyPr rtlCol="0" anchor="ctr"/>
+          <a:lstStyle/>
+          <a:p>
+            <a:pPr algn="ctr"/>
+            <a:endParaRPr lang="en-DK"/>
+          </a:p>
+        </p:txBody>
+      </p:sp>
+      <p:cxnSp>
+        <p:nvCxnSpPr>
+          <p:cNvPr id="11" name="Straight Arrow Connector 10">
+            <a:extLst>
+              <a:ext uri="{FF2B5EF4-FFF2-40B4-BE49-F238E27FC236}">
+                <a16:creationId xmlns:a16="http://schemas.microsoft.com/office/drawing/2014/main" id="{962CE354-5242-3880-478E-47F0C6CFD697}"/>
+              </a:ext>
+            </a:extLst>
+          </p:cNvPr>
+          <p:cNvCxnSpPr>
+            <a:stCxn id="5" idx="0"/>
+            <a:endCxn id="8" idx="2"/>
+          </p:cNvCxnSpPr>
+          <p:nvPr/>
+        </p:nvCxnSpPr>
+        <p:spPr>
+          <a:xfrm flipV="1">
+            <a:off x="4704080" y="4287520"/>
+            <a:ext cx="0" cy="1345238"/>
+          </a:xfrm>
+          <a:prstGeom prst="straightConnector1">
+            <a:avLst/>
+          </a:prstGeom>
+          <a:ln w="38100">
+            <a:solidFill>
+              <a:schemeClr val="tx1"/>
+            </a:solidFill>
+            <a:tailEnd type="triangle"/>
+          </a:ln>
+        </p:spPr>
+        <p:style>
+          <a:lnRef idx="2">
+            <a:schemeClr val="accent1"/>
+          </a:lnRef>
+          <a:fillRef idx="0">
+            <a:schemeClr val="accent1"/>
+          </a:fillRef>
+          <a:effectRef idx="1">
+            <a:schemeClr val="accent1"/>
+          </a:effectRef>
+          <a:fontRef idx="minor">
+            <a:schemeClr val="tx1"/>
+          </a:fontRef>
+        </p:style>
+      </p:cxnSp>
+      <p:cxnSp>
+        <p:nvCxnSpPr>
+          <p:cNvPr id="13" name="Straight Arrow Connector 12">
+            <a:extLst>
+              <a:ext uri="{FF2B5EF4-FFF2-40B4-BE49-F238E27FC236}">
+                <a16:creationId xmlns:a16="http://schemas.microsoft.com/office/drawing/2014/main" id="{3E7A65C9-1BF1-81F4-8452-E8CC8363DA44}"/>
+              </a:ext>
+            </a:extLst>
+          </p:cNvPr>
+          <p:cNvCxnSpPr>
+            <a:cxnSpLocks/>
+            <a:stCxn id="6" idx="2"/>
+            <a:endCxn id="7" idx="0"/>
+          </p:cNvCxnSpPr>
+          <p:nvPr/>
+        </p:nvCxnSpPr>
+        <p:spPr>
+          <a:xfrm>
+            <a:off x="9469656" y="1456074"/>
+            <a:ext cx="2809" cy="688302"/>
+          </a:xfrm>
+          <a:prstGeom prst="straightConnector1">
+            <a:avLst/>
+          </a:prstGeom>
+          <a:ln w="38100">
+            <a:solidFill>
+              <a:schemeClr val="tx1"/>
+            </a:solidFill>
+            <a:tailEnd type="triangle"/>
+          </a:ln>
+        </p:spPr>
+        <p:style>
+          <a:lnRef idx="2">
+            <a:schemeClr val="accent1"/>
+          </a:lnRef>
+          <a:fillRef idx="0">
+            <a:schemeClr val="accent1"/>
+          </a:fillRef>
+          <a:effectRef idx="1">
+            <a:schemeClr val="accent1"/>
+          </a:effectRef>
+          <a:fontRef idx="minor">
+            <a:schemeClr val="tx1"/>
+          </a:fontRef>
+        </p:style>
+      </p:cxnSp>
+      <p:cxnSp>
+        <p:nvCxnSpPr>
+          <p:cNvPr id="17" name="Connector: Elbow 16">
+            <a:extLst>
+              <a:ext uri="{FF2B5EF4-FFF2-40B4-BE49-F238E27FC236}">
+                <a16:creationId xmlns:a16="http://schemas.microsoft.com/office/drawing/2014/main" id="{6C97768A-12CE-D54C-AD71-8F0287FC8F31}"/>
+              </a:ext>
+            </a:extLst>
+          </p:cNvPr>
+          <p:cNvCxnSpPr>
+            <a:stCxn id="4" idx="2"/>
+            <a:endCxn id="9" idx="1"/>
+          </p:cNvCxnSpPr>
+          <p:nvPr/>
+        </p:nvCxnSpPr>
+        <p:spPr>
+          <a:xfrm rot="16200000" flipH="1">
+            <a:off x="1550697" y="1842283"/>
+            <a:ext cx="1331512" cy="559094"/>
+          </a:xfrm>
+          <a:prstGeom prst="bentConnector2">
+            <a:avLst/>
+          </a:prstGeom>
+          <a:ln w="38100">
+            <a:solidFill>
+              <a:schemeClr val="tx1"/>
+            </a:solidFill>
+            <a:tailEnd type="triangle"/>
+          </a:ln>
+        </p:spPr>
+        <p:style>
+          <a:lnRef idx="2">
+            <a:schemeClr val="accent1"/>
+          </a:lnRef>
+          <a:fillRef idx="0">
+            <a:schemeClr val="accent1"/>
+          </a:fillRef>
+          <a:effectRef idx="1">
+            <a:schemeClr val="accent1"/>
+          </a:effectRef>
+          <a:fontRef idx="minor">
+            <a:schemeClr val="tx1"/>
+          </a:fontRef>
+        </p:style>
+      </p:cxnSp>
+    </p:spTree>
+    <p:extLst>
+      <p:ext uri="{BB962C8B-B14F-4D97-AF65-F5344CB8AC3E}">
+        <p14:creationId xmlns:p14="http://schemas.microsoft.com/office/powerpoint/2010/main" val="2667736367"/>
+      </p:ext>
+    </p:extLst>
+  </p:cSld>
+  <p:clrMapOvr>
+    <a:masterClrMapping/>
+  </p:clrMapOvr>
+</p:sld>
+</file>
+
+<file path=ppt/slides/slide5.xml><?xml version="1.0" encoding="utf-8"?>
+<p:sld xmlns:a="http://schemas.openxmlformats.org/drawingml/2006/main" xmlns:r="http://schemas.openxmlformats.org/officeDocument/2006/relationships" xmlns:p="http://schemas.openxmlformats.org/presentationml/2006/main">
+  <p:cSld>
+    <p:spTree>
+      <p:nvGrpSpPr>
+        <p:cNvPr id="1" name=""/>
+        <p:cNvGrpSpPr/>
+        <p:nvPr/>
+      </p:nvGrpSpPr>
+      <p:grpSpPr>
+        <a:xfrm>
+          <a:off x="0" y="0"/>
+          <a:ext cx="0" cy="0"/>
+          <a:chOff x="0" y="0"/>
+          <a:chExt cx="0" cy="0"/>
+        </a:xfrm>
+      </p:grpSpPr>
+      <p:pic>
+        <p:nvPicPr>
+          <p:cNvPr id="3" name="Picture 2">
+            <a:extLst>
+              <a:ext uri="{FF2B5EF4-FFF2-40B4-BE49-F238E27FC236}">
+                <a16:creationId xmlns:a16="http://schemas.microsoft.com/office/drawing/2014/main" id="{3D7D5C2B-1AE2-D385-445F-4C0A455000F4}"/>
+              </a:ext>
+            </a:extLst>
+          </p:cNvPr>
+          <p:cNvPicPr>
+            <a:picLocks noChangeAspect="1"/>
+          </p:cNvPicPr>
+          <p:nvPr/>
+        </p:nvPicPr>
+        <p:blipFill>
+          <a:blip r:embed="rId2"/>
+          <a:stretch>
+            <a:fillRect/>
+          </a:stretch>
+        </p:blipFill>
+        <p:spPr>
+          <a:xfrm>
+            <a:off x="3498665" y="2185265"/>
+            <a:ext cx="5194669" cy="2884157"/>
+          </a:xfrm>
+          <a:prstGeom prst="rect">
+            <a:avLst/>
+          </a:prstGeom>
+        </p:spPr>
+      </p:pic>
+      <p:sp>
+        <p:nvSpPr>
+          <p:cNvPr id="4" name="TextBox 3">
+            <a:extLst>
+              <a:ext uri="{FF2B5EF4-FFF2-40B4-BE49-F238E27FC236}">
+                <a16:creationId xmlns:a16="http://schemas.microsoft.com/office/drawing/2014/main" id="{DB5557D0-1BDF-1B54-12C5-A466413011A6}"/>
+              </a:ext>
+            </a:extLst>
+          </p:cNvPr>
+          <p:cNvSpPr txBox="1"/>
+          <p:nvPr/>
+        </p:nvSpPr>
+        <p:spPr>
+          <a:xfrm>
+            <a:off x="6395062" y="1492768"/>
+            <a:ext cx="4163960" cy="461665"/>
+          </a:xfrm>
+          <a:prstGeom prst="rect">
+            <a:avLst/>
+          </a:prstGeom>
+          <a:noFill/>
+        </p:spPr>
+        <p:txBody>
+          <a:bodyPr wrap="none" rtlCol="0">
+            <a:spAutoFit/>
+          </a:bodyPr>
+          <a:lstStyle/>
+          <a:p>
+            <a:r>
+              <a:rPr lang="en-GB" sz="2400" dirty="0"/>
+              <a:t>“Scan all connections” button</a:t>
+            </a:r>
+            <a:endParaRPr lang="en-DK" sz="2400" dirty="0"/>
+          </a:p>
+        </p:txBody>
+      </p:sp>
+      <p:sp>
+        <p:nvSpPr>
+          <p:cNvPr id="5" name="Oval 4">
+            <a:extLst>
+              <a:ext uri="{FF2B5EF4-FFF2-40B4-BE49-F238E27FC236}">
+                <a16:creationId xmlns:a16="http://schemas.microsoft.com/office/drawing/2014/main" id="{3D629135-AA64-96F3-F112-368D354F66D5}"/>
+              </a:ext>
+            </a:extLst>
+          </p:cNvPr>
+          <p:cNvSpPr/>
+          <p:nvPr/>
+        </p:nvSpPr>
+        <p:spPr>
+          <a:xfrm>
+            <a:off x="8351042" y="2445319"/>
+            <a:ext cx="252000" cy="252000"/>
+          </a:xfrm>
+          <a:prstGeom prst="ellipse">
+            <a:avLst/>
+          </a:prstGeom>
+          <a:noFill/>
+          <a:ln w="28575">
+            <a:solidFill>
+              <a:srgbClr val="FF0000"/>
+            </a:solidFill>
+          </a:ln>
+        </p:spPr>
+        <p:style>
+          <a:lnRef idx="2">
+            <a:schemeClr val="accent1">
+              <a:shade val="15000"/>
+            </a:schemeClr>
+          </a:lnRef>
+          <a:fillRef idx="1">
+            <a:schemeClr val="accent1"/>
+          </a:fillRef>
+          <a:effectRef idx="0">
+            <a:schemeClr val="accent1"/>
+          </a:effectRef>
+          <a:fontRef idx="minor">
+            <a:schemeClr val="lt1"/>
+          </a:fontRef>
+        </p:style>
+        <p:txBody>
+          <a:bodyPr rtlCol="0" anchor="ctr"/>
+          <a:lstStyle/>
+          <a:p>
+            <a:pPr algn="ctr"/>
+            <a:endParaRPr lang="en-DK"/>
+          </a:p>
+        </p:txBody>
+      </p:sp>
+      <p:cxnSp>
+        <p:nvCxnSpPr>
+          <p:cNvPr id="6" name="Straight Arrow Connector 5">
+            <a:extLst>
+              <a:ext uri="{FF2B5EF4-FFF2-40B4-BE49-F238E27FC236}">
+                <a16:creationId xmlns:a16="http://schemas.microsoft.com/office/drawing/2014/main" id="{E21D3756-85C1-533F-F105-ECC822124311}"/>
+              </a:ext>
+            </a:extLst>
+          </p:cNvPr>
+          <p:cNvCxnSpPr>
+            <a:cxnSpLocks/>
+            <a:stCxn id="4" idx="2"/>
+            <a:endCxn id="5" idx="0"/>
+          </p:cNvCxnSpPr>
+          <p:nvPr/>
+        </p:nvCxnSpPr>
+        <p:spPr>
+          <a:xfrm>
+            <a:off x="8477042" y="1954433"/>
+            <a:ext cx="0" cy="490886"/>
+          </a:xfrm>
+          <a:prstGeom prst="straightConnector1">
+            <a:avLst/>
+          </a:prstGeom>
+          <a:ln w="38100">
+            <a:solidFill>
+              <a:schemeClr val="tx1"/>
+            </a:solidFill>
+            <a:tailEnd type="triangle"/>
+          </a:ln>
+        </p:spPr>
+        <p:style>
+          <a:lnRef idx="2">
+            <a:schemeClr val="accent1"/>
+          </a:lnRef>
+          <a:fillRef idx="0">
+            <a:schemeClr val="accent1"/>
+          </a:fillRef>
+          <a:effectRef idx="1">
+            <a:schemeClr val="accent1"/>
+          </a:effectRef>
+          <a:fontRef idx="minor">
+            <a:schemeClr val="tx1"/>
+          </a:fontRef>
+        </p:style>
+      </p:cxnSp>
+      <p:sp>
+        <p:nvSpPr>
+          <p:cNvPr id="7" name="Rectangle 6">
+            <a:extLst>
+              <a:ext uri="{FF2B5EF4-FFF2-40B4-BE49-F238E27FC236}">
+                <a16:creationId xmlns:a16="http://schemas.microsoft.com/office/drawing/2014/main" id="{DF7DD104-1D9E-9FDA-C600-8EF4A8FE48DE}"/>
+              </a:ext>
+            </a:extLst>
+          </p:cNvPr>
+          <p:cNvSpPr/>
+          <p:nvPr/>
+        </p:nvSpPr>
+        <p:spPr>
+          <a:xfrm>
+            <a:off x="8260750" y="2842519"/>
+            <a:ext cx="342292" cy="252000"/>
+          </a:xfrm>
+          <a:prstGeom prst="rect">
+            <a:avLst/>
+          </a:prstGeom>
+          <a:noFill/>
+          <a:ln w="28575">
+            <a:solidFill>
+              <a:srgbClr val="FF0000"/>
+            </a:solidFill>
+          </a:ln>
+        </p:spPr>
+        <p:style>
+          <a:lnRef idx="2">
+            <a:schemeClr val="accent1">
+              <a:shade val="15000"/>
+            </a:schemeClr>
+          </a:lnRef>
+          <a:fillRef idx="1">
+            <a:schemeClr val="accent1"/>
+          </a:fillRef>
+          <a:effectRef idx="0">
+            <a:schemeClr val="accent1"/>
+          </a:effectRef>
+          <a:fontRef idx="minor">
+            <a:schemeClr val="lt1"/>
+          </a:fontRef>
+        </p:style>
+        <p:txBody>
+          <a:bodyPr rtlCol="0" anchor="ctr"/>
+          <a:lstStyle/>
+          <a:p>
+            <a:pPr algn="ctr"/>
+            <a:endParaRPr lang="en-DK"/>
+          </a:p>
+        </p:txBody>
+      </p:sp>
+      <p:cxnSp>
+        <p:nvCxnSpPr>
+          <p:cNvPr id="8" name="Connector: Elbow 7">
+            <a:extLst>
+              <a:ext uri="{FF2B5EF4-FFF2-40B4-BE49-F238E27FC236}">
+                <a16:creationId xmlns:a16="http://schemas.microsoft.com/office/drawing/2014/main" id="{BFBBA733-5582-69EF-D56E-BA210F594960}"/>
+              </a:ext>
+            </a:extLst>
+          </p:cNvPr>
+          <p:cNvCxnSpPr>
+            <a:cxnSpLocks/>
+            <a:stCxn id="11" idx="0"/>
+            <a:endCxn id="7" idx="3"/>
+          </p:cNvCxnSpPr>
+          <p:nvPr/>
+        </p:nvCxnSpPr>
+        <p:spPr>
+          <a:xfrm rot="16200000" flipV="1">
+            <a:off x="7882276" y="3689286"/>
+            <a:ext cx="2246103" cy="804570"/>
+          </a:xfrm>
+          <a:prstGeom prst="bentConnector2">
+            <a:avLst/>
+          </a:prstGeom>
+          <a:ln w="38100">
+            <a:solidFill>
+              <a:schemeClr val="tx1"/>
+            </a:solidFill>
+            <a:tailEnd type="triangle"/>
+          </a:ln>
+        </p:spPr>
+        <p:style>
+          <a:lnRef idx="2">
+            <a:schemeClr val="accent1"/>
+          </a:lnRef>
+          <a:fillRef idx="0">
+            <a:schemeClr val="accent1"/>
+          </a:fillRef>
+          <a:effectRef idx="1">
+            <a:schemeClr val="accent1"/>
+          </a:effectRef>
+          <a:fontRef idx="minor">
+            <a:schemeClr val="tx1"/>
+          </a:fontRef>
+        </p:style>
+      </p:cxnSp>
+      <p:sp>
+        <p:nvSpPr>
+          <p:cNvPr id="11" name="TextBox 10">
+            <a:extLst>
+              <a:ext uri="{FF2B5EF4-FFF2-40B4-BE49-F238E27FC236}">
+                <a16:creationId xmlns:a16="http://schemas.microsoft.com/office/drawing/2014/main" id="{065925CD-094E-E10A-0136-D7E843D9B1FC}"/>
+              </a:ext>
+            </a:extLst>
+          </p:cNvPr>
+          <p:cNvSpPr txBox="1"/>
+          <p:nvPr/>
+        </p:nvSpPr>
+        <p:spPr>
+          <a:xfrm>
+            <a:off x="7594455" y="5214622"/>
+            <a:ext cx="3626314" cy="461665"/>
+          </a:xfrm>
+          <a:prstGeom prst="rect">
+            <a:avLst/>
+          </a:prstGeom>
+          <a:noFill/>
+        </p:spPr>
+        <p:txBody>
+          <a:bodyPr wrap="none" rtlCol="0">
+            <a:spAutoFit/>
+          </a:bodyPr>
+          <a:lstStyle/>
+          <a:p>
+            <a:r>
+              <a:rPr lang="en-GB" sz="2400" dirty="0"/>
+              <a:t>“Scan connection” button</a:t>
+            </a:r>
+            <a:endParaRPr lang="en-DK" sz="2400" dirty="0"/>
+          </a:p>
+        </p:txBody>
+      </p:sp>
+    </p:spTree>
+    <p:extLst>
+      <p:ext uri="{BB962C8B-B14F-4D97-AF65-F5344CB8AC3E}">
+        <p14:creationId xmlns:p14="http://schemas.microsoft.com/office/powerpoint/2010/main" val="2212373441"/>
+      </p:ext>
+    </p:extLst>
+  </p:cSld>
+  <p:clrMapOvr>
+    <a:masterClrMapping/>
+  </p:clrMapOvr>
+</p:sld>
+</file>
+
+<file path=ppt/slides/slide6.xml><?xml version="1.0" encoding="utf-8"?>
+<p:sld xmlns:a="http://schemas.openxmlformats.org/drawingml/2006/main" xmlns:r="http://schemas.openxmlformats.org/officeDocument/2006/relationships" xmlns:p="http://schemas.openxmlformats.org/presentationml/2006/main">
+  <p:cSld>
+    <p:spTree>
+      <p:nvGrpSpPr>
+        <p:cNvPr id="1" name=""/>
+        <p:cNvGrpSpPr/>
+        <p:nvPr/>
+      </p:nvGrpSpPr>
+      <p:grpSpPr>
+        <a:xfrm>
+          <a:off x="0" y="0"/>
+          <a:ext cx="0" cy="0"/>
+          <a:chOff x="0" y="0"/>
+          <a:chExt cx="0" cy="0"/>
+        </a:xfrm>
+      </p:grpSpPr>
+      <p:pic>
+        <p:nvPicPr>
+          <p:cNvPr id="3" name="Picture 2">
+            <a:extLst>
+              <a:ext uri="{FF2B5EF4-FFF2-40B4-BE49-F238E27FC236}">
+                <a16:creationId xmlns:a16="http://schemas.microsoft.com/office/drawing/2014/main" id="{E7CD7F46-E8EC-3BB7-A473-24FAE483305F}"/>
+              </a:ext>
+            </a:extLst>
+          </p:cNvPr>
+          <p:cNvPicPr>
+            <a:picLocks noChangeAspect="1"/>
+          </p:cNvPicPr>
+          <p:nvPr/>
+        </p:nvPicPr>
+        <p:blipFill>
+          <a:blip r:embed="rId3"/>
+          <a:stretch>
+            <a:fillRect/>
+          </a:stretch>
+        </p:blipFill>
+        <p:spPr>
+          <a:xfrm>
+            <a:off x="2478194" y="1796147"/>
+            <a:ext cx="7200000" cy="3249635"/>
+          </a:xfrm>
+          <a:prstGeom prst="rect">
+            <a:avLst/>
+          </a:prstGeom>
+        </p:spPr>
+      </p:pic>
     </p:spTree>
     <p:extLst>
       <p:ext uri="{BB962C8B-B14F-4D97-AF65-F5344CB8AC3E}">

--- a/introdemo/Illustrations/Illustrations (Introduction to LabBench).pptx
+++ b/introdemo/Illustrations/Illustrations (Introduction to LabBench).pptx
@@ -5,7 +5,7 @@
     <p:sldMasterId id="2147483648" r:id="rId1"/>
   </p:sldMasterIdLst>
   <p:notesMasterIdLst>
-    <p:notesMasterId r:id="rId8"/>
+    <p:notesMasterId r:id="rId15"/>
   </p:notesMasterIdLst>
   <p:sldIdLst>
     <p:sldId id="256" r:id="rId2"/>
@@ -14,6 +14,13 @@
     <p:sldId id="259" r:id="rId5"/>
     <p:sldId id="260" r:id="rId6"/>
     <p:sldId id="257" r:id="rId7"/>
+    <p:sldId id="262" r:id="rId8"/>
+    <p:sldId id="263" r:id="rId9"/>
+    <p:sldId id="264" r:id="rId10"/>
+    <p:sldId id="265" r:id="rId11"/>
+    <p:sldId id="266" r:id="rId12"/>
+    <p:sldId id="267" r:id="rId13"/>
+    <p:sldId id="268" r:id="rId14"/>
   </p:sldIdLst>
   <p:sldSz cx="12192000" cy="6858000"/>
   <p:notesSz cx="6858000" cy="9144000"/>
@@ -202,7 +209,7 @@
           <a:p>
             <a:fld id="{2D646BAE-8E37-4DBA-A74E-0A3DD4A9F90C}" type="datetimeFigureOut">
               <a:rPr lang="en-DK" smtClean="0"/>
-              <a:t>26/12/2024</a:t>
+              <a:t>29/12/2024</a:t>
             </a:fld>
             <a:endParaRPr lang="en-DK"/>
           </a:p>
@@ -707,7 +714,7 @@
           <a:p>
             <a:fld id="{D4C52B10-47AD-4490-8483-919970C343B2}" type="datetimeFigureOut">
               <a:rPr lang="en-DK" smtClean="0"/>
-              <a:t>26/12/2024</a:t>
+              <a:t>29/12/2024</a:t>
             </a:fld>
             <a:endParaRPr lang="en-DK"/>
           </a:p>
@@ -907,7 +914,7 @@
           <a:p>
             <a:fld id="{D4C52B10-47AD-4490-8483-919970C343B2}" type="datetimeFigureOut">
               <a:rPr lang="en-DK" smtClean="0"/>
-              <a:t>26/12/2024</a:t>
+              <a:t>29/12/2024</a:t>
             </a:fld>
             <a:endParaRPr lang="en-DK"/>
           </a:p>
@@ -1117,7 +1124,7 @@
           <a:p>
             <a:fld id="{D4C52B10-47AD-4490-8483-919970C343B2}" type="datetimeFigureOut">
               <a:rPr lang="en-DK" smtClean="0"/>
-              <a:t>26/12/2024</a:t>
+              <a:t>29/12/2024</a:t>
             </a:fld>
             <a:endParaRPr lang="en-DK"/>
           </a:p>
@@ -1317,7 +1324,7 @@
           <a:p>
             <a:fld id="{D4C52B10-47AD-4490-8483-919970C343B2}" type="datetimeFigureOut">
               <a:rPr lang="en-DK" smtClean="0"/>
-              <a:t>26/12/2024</a:t>
+              <a:t>29/12/2024</a:t>
             </a:fld>
             <a:endParaRPr lang="en-DK"/>
           </a:p>
@@ -1593,7 +1600,7 @@
           <a:p>
             <a:fld id="{D4C52B10-47AD-4490-8483-919970C343B2}" type="datetimeFigureOut">
               <a:rPr lang="en-DK" smtClean="0"/>
-              <a:t>26/12/2024</a:t>
+              <a:t>29/12/2024</a:t>
             </a:fld>
             <a:endParaRPr lang="en-DK"/>
           </a:p>
@@ -1861,7 +1868,7 @@
           <a:p>
             <a:fld id="{D4C52B10-47AD-4490-8483-919970C343B2}" type="datetimeFigureOut">
               <a:rPr lang="en-DK" smtClean="0"/>
-              <a:t>26/12/2024</a:t>
+              <a:t>29/12/2024</a:t>
             </a:fld>
             <a:endParaRPr lang="en-DK"/>
           </a:p>
@@ -2276,7 +2283,7 @@
           <a:p>
             <a:fld id="{D4C52B10-47AD-4490-8483-919970C343B2}" type="datetimeFigureOut">
               <a:rPr lang="en-DK" smtClean="0"/>
-              <a:t>26/12/2024</a:t>
+              <a:t>29/12/2024</a:t>
             </a:fld>
             <a:endParaRPr lang="en-DK"/>
           </a:p>
@@ -2418,7 +2425,7 @@
           <a:p>
             <a:fld id="{D4C52B10-47AD-4490-8483-919970C343B2}" type="datetimeFigureOut">
               <a:rPr lang="en-DK" smtClean="0"/>
-              <a:t>26/12/2024</a:t>
+              <a:t>29/12/2024</a:t>
             </a:fld>
             <a:endParaRPr lang="en-DK"/>
           </a:p>
@@ -2531,7 +2538,7 @@
           <a:p>
             <a:fld id="{D4C52B10-47AD-4490-8483-919970C343B2}" type="datetimeFigureOut">
               <a:rPr lang="en-DK" smtClean="0"/>
-              <a:t>26/12/2024</a:t>
+              <a:t>29/12/2024</a:t>
             </a:fld>
             <a:endParaRPr lang="en-DK"/>
           </a:p>
@@ -2844,7 +2851,7 @@
           <a:p>
             <a:fld id="{D4C52B10-47AD-4490-8483-919970C343B2}" type="datetimeFigureOut">
               <a:rPr lang="en-DK" smtClean="0"/>
-              <a:t>26/12/2024</a:t>
+              <a:t>29/12/2024</a:t>
             </a:fld>
             <a:endParaRPr lang="en-DK"/>
           </a:p>
@@ -3133,7 +3140,7 @@
           <a:p>
             <a:fld id="{D4C52B10-47AD-4490-8483-919970C343B2}" type="datetimeFigureOut">
               <a:rPr lang="en-DK" smtClean="0"/>
-              <a:t>26/12/2024</a:t>
+              <a:t>29/12/2024</a:t>
             </a:fld>
             <a:endParaRPr lang="en-DK"/>
           </a:p>
@@ -3376,7 +3383,7 @@
           <a:p>
             <a:fld id="{D4C52B10-47AD-4490-8483-919970C343B2}" type="datetimeFigureOut">
               <a:rPr lang="en-DK" smtClean="0"/>
-              <a:t>26/12/2024</a:t>
+              <a:t>29/12/2024</a:t>
             </a:fld>
             <a:endParaRPr lang="en-DK"/>
           </a:p>
@@ -3864,6 +3871,1050 @@
 </p:sld>
 </file>
 
+<file path=ppt/slides/slide10.xml><?xml version="1.0" encoding="utf-8"?>
+<p:sld xmlns:a="http://schemas.openxmlformats.org/drawingml/2006/main" xmlns:r="http://schemas.openxmlformats.org/officeDocument/2006/relationships" xmlns:p="http://schemas.openxmlformats.org/presentationml/2006/main">
+  <p:cSld>
+    <p:spTree>
+      <p:nvGrpSpPr>
+        <p:cNvPr id="1" name=""/>
+        <p:cNvGrpSpPr/>
+        <p:nvPr/>
+      </p:nvGrpSpPr>
+      <p:grpSpPr>
+        <a:xfrm>
+          <a:off x="0" y="0"/>
+          <a:ext cx="0" cy="0"/>
+          <a:chOff x="0" y="0"/>
+          <a:chExt cx="0" cy="0"/>
+        </a:xfrm>
+      </p:grpSpPr>
+      <p:pic>
+        <p:nvPicPr>
+          <p:cNvPr id="3" name="Picture 2">
+            <a:extLst>
+              <a:ext uri="{FF2B5EF4-FFF2-40B4-BE49-F238E27FC236}">
+                <a16:creationId xmlns:a16="http://schemas.microsoft.com/office/drawing/2014/main" id="{2E31C314-7703-8F7F-5022-86C6323D1FE4}"/>
+              </a:ext>
+            </a:extLst>
+          </p:cNvPr>
+          <p:cNvPicPr>
+            <a:picLocks noChangeAspect="1"/>
+          </p:cNvPicPr>
+          <p:nvPr/>
+        </p:nvPicPr>
+        <p:blipFill>
+          <a:blip r:embed="rId2"/>
+          <a:stretch>
+            <a:fillRect/>
+          </a:stretch>
+        </p:blipFill>
+        <p:spPr>
+          <a:xfrm>
+            <a:off x="1334768" y="1464657"/>
+            <a:ext cx="5763262" cy="3118773"/>
+          </a:xfrm>
+          <a:prstGeom prst="rect">
+            <a:avLst/>
+          </a:prstGeom>
+        </p:spPr>
+      </p:pic>
+      <p:sp>
+        <p:nvSpPr>
+          <p:cNvPr id="4" name="TextBox 3">
+            <a:extLst>
+              <a:ext uri="{FF2B5EF4-FFF2-40B4-BE49-F238E27FC236}">
+                <a16:creationId xmlns:a16="http://schemas.microsoft.com/office/drawing/2014/main" id="{2A175505-041B-201C-613F-237C50E2A9C8}"/>
+              </a:ext>
+            </a:extLst>
+          </p:cNvPr>
+          <p:cNvSpPr txBox="1"/>
+          <p:nvPr/>
+        </p:nvSpPr>
+        <p:spPr>
+          <a:xfrm>
+            <a:off x="7453800" y="3557911"/>
+            <a:ext cx="2419509" cy="461665"/>
+          </a:xfrm>
+          <a:prstGeom prst="rect">
+            <a:avLst/>
+          </a:prstGeom>
+          <a:noFill/>
+        </p:spPr>
+        <p:txBody>
+          <a:bodyPr wrap="none" rtlCol="0">
+            <a:spAutoFit/>
+          </a:bodyPr>
+          <a:lstStyle/>
+          <a:p>
+            <a:r>
+              <a:rPr lang="en-GB" sz="2400" dirty="0"/>
+              <a:t>Configure device</a:t>
+            </a:r>
+            <a:endParaRPr lang="en-DK" sz="2400" dirty="0"/>
+          </a:p>
+        </p:txBody>
+      </p:sp>
+      <p:sp>
+        <p:nvSpPr>
+          <p:cNvPr id="5" name="Oval 4">
+            <a:extLst>
+              <a:ext uri="{FF2B5EF4-FFF2-40B4-BE49-F238E27FC236}">
+                <a16:creationId xmlns:a16="http://schemas.microsoft.com/office/drawing/2014/main" id="{307B86C2-11D4-A6CE-D2D9-69D04B75F1E5}"/>
+              </a:ext>
+            </a:extLst>
+          </p:cNvPr>
+          <p:cNvSpPr/>
+          <p:nvPr/>
+        </p:nvSpPr>
+        <p:spPr>
+          <a:xfrm>
+            <a:off x="6657990" y="3611309"/>
+            <a:ext cx="351060" cy="354870"/>
+          </a:xfrm>
+          <a:prstGeom prst="ellipse">
+            <a:avLst/>
+          </a:prstGeom>
+          <a:noFill/>
+          <a:ln w="38100">
+            <a:solidFill>
+              <a:srgbClr val="FF0000"/>
+            </a:solidFill>
+          </a:ln>
+        </p:spPr>
+        <p:style>
+          <a:lnRef idx="2">
+            <a:schemeClr val="accent1">
+              <a:shade val="15000"/>
+            </a:schemeClr>
+          </a:lnRef>
+          <a:fillRef idx="1">
+            <a:schemeClr val="accent1"/>
+          </a:fillRef>
+          <a:effectRef idx="0">
+            <a:schemeClr val="accent1"/>
+          </a:effectRef>
+          <a:fontRef idx="minor">
+            <a:schemeClr val="lt1"/>
+          </a:fontRef>
+        </p:style>
+        <p:txBody>
+          <a:bodyPr rtlCol="0" anchor="ctr"/>
+          <a:lstStyle/>
+          <a:p>
+            <a:pPr algn="ctr"/>
+            <a:endParaRPr lang="en-DK"/>
+          </a:p>
+        </p:txBody>
+      </p:sp>
+      <p:sp>
+        <p:nvSpPr>
+          <p:cNvPr id="6" name="Oval 5">
+            <a:extLst>
+              <a:ext uri="{FF2B5EF4-FFF2-40B4-BE49-F238E27FC236}">
+                <a16:creationId xmlns:a16="http://schemas.microsoft.com/office/drawing/2014/main" id="{A83AEC08-60A6-AF8A-C100-2E49C7988282}"/>
+              </a:ext>
+            </a:extLst>
+          </p:cNvPr>
+          <p:cNvSpPr/>
+          <p:nvPr/>
+        </p:nvSpPr>
+        <p:spPr>
+          <a:xfrm>
+            <a:off x="6658260" y="1691100"/>
+            <a:ext cx="351060" cy="354870"/>
+          </a:xfrm>
+          <a:prstGeom prst="ellipse">
+            <a:avLst/>
+          </a:prstGeom>
+          <a:noFill/>
+          <a:ln w="38100">
+            <a:solidFill>
+              <a:srgbClr val="FF0000"/>
+            </a:solidFill>
+          </a:ln>
+        </p:spPr>
+        <p:style>
+          <a:lnRef idx="2">
+            <a:schemeClr val="accent1">
+              <a:shade val="15000"/>
+            </a:schemeClr>
+          </a:lnRef>
+          <a:fillRef idx="1">
+            <a:schemeClr val="accent1"/>
+          </a:fillRef>
+          <a:effectRef idx="0">
+            <a:schemeClr val="accent1"/>
+          </a:effectRef>
+          <a:fontRef idx="minor">
+            <a:schemeClr val="lt1"/>
+          </a:fontRef>
+        </p:style>
+        <p:txBody>
+          <a:bodyPr rtlCol="0" anchor="ctr"/>
+          <a:lstStyle/>
+          <a:p>
+            <a:pPr algn="ctr"/>
+            <a:endParaRPr lang="en-DK"/>
+          </a:p>
+        </p:txBody>
+      </p:sp>
+      <p:cxnSp>
+        <p:nvCxnSpPr>
+          <p:cNvPr id="7" name="Straight Arrow Connector 6">
+            <a:extLst>
+              <a:ext uri="{FF2B5EF4-FFF2-40B4-BE49-F238E27FC236}">
+                <a16:creationId xmlns:a16="http://schemas.microsoft.com/office/drawing/2014/main" id="{25C02E09-5313-B447-7AB3-E0D9025358C1}"/>
+              </a:ext>
+            </a:extLst>
+          </p:cNvPr>
+          <p:cNvCxnSpPr>
+            <a:cxnSpLocks/>
+            <a:stCxn id="4" idx="1"/>
+            <a:endCxn id="5" idx="6"/>
+          </p:cNvCxnSpPr>
+          <p:nvPr/>
+        </p:nvCxnSpPr>
+        <p:spPr>
+          <a:xfrm flipH="1">
+            <a:off x="7009050" y="3788744"/>
+            <a:ext cx="444750" cy="0"/>
+          </a:xfrm>
+          <a:prstGeom prst="straightConnector1">
+            <a:avLst/>
+          </a:prstGeom>
+          <a:ln w="38100">
+            <a:solidFill>
+              <a:schemeClr val="tx1"/>
+            </a:solidFill>
+            <a:tailEnd type="triangle"/>
+          </a:ln>
+        </p:spPr>
+        <p:style>
+          <a:lnRef idx="2">
+            <a:schemeClr val="accent1"/>
+          </a:lnRef>
+          <a:fillRef idx="0">
+            <a:schemeClr val="accent1"/>
+          </a:fillRef>
+          <a:effectRef idx="1">
+            <a:schemeClr val="accent1"/>
+          </a:effectRef>
+          <a:fontRef idx="minor">
+            <a:schemeClr val="tx1"/>
+          </a:fontRef>
+        </p:style>
+      </p:cxnSp>
+      <p:sp>
+        <p:nvSpPr>
+          <p:cNvPr id="13" name="TextBox 12">
+            <a:extLst>
+              <a:ext uri="{FF2B5EF4-FFF2-40B4-BE49-F238E27FC236}">
+                <a16:creationId xmlns:a16="http://schemas.microsoft.com/office/drawing/2014/main" id="{DE39DAA0-A2B3-6618-7476-7EB5A322BCE9}"/>
+              </a:ext>
+            </a:extLst>
+          </p:cNvPr>
+          <p:cNvSpPr txBox="1"/>
+          <p:nvPr/>
+        </p:nvSpPr>
+        <p:spPr>
+          <a:xfrm>
+            <a:off x="7537620" y="1641455"/>
+            <a:ext cx="2570960" cy="461665"/>
+          </a:xfrm>
+          <a:prstGeom prst="rect">
+            <a:avLst/>
+          </a:prstGeom>
+          <a:noFill/>
+        </p:spPr>
+        <p:txBody>
+          <a:bodyPr wrap="none" rtlCol="0">
+            <a:spAutoFit/>
+          </a:bodyPr>
+          <a:lstStyle/>
+          <a:p>
+            <a:r>
+              <a:rPr lang="en-GB" sz="2400" dirty="0"/>
+              <a:t>Assign equipment</a:t>
+            </a:r>
+            <a:endParaRPr lang="en-DK" sz="2400" dirty="0"/>
+          </a:p>
+        </p:txBody>
+      </p:sp>
+      <p:cxnSp>
+        <p:nvCxnSpPr>
+          <p:cNvPr id="14" name="Straight Arrow Connector 13">
+            <a:extLst>
+              <a:ext uri="{FF2B5EF4-FFF2-40B4-BE49-F238E27FC236}">
+                <a16:creationId xmlns:a16="http://schemas.microsoft.com/office/drawing/2014/main" id="{BB0C41DD-1E5D-6990-1765-C0DD379CA639}"/>
+              </a:ext>
+            </a:extLst>
+          </p:cNvPr>
+          <p:cNvCxnSpPr>
+            <a:cxnSpLocks/>
+            <a:stCxn id="13" idx="1"/>
+            <a:endCxn id="6" idx="6"/>
+          </p:cNvCxnSpPr>
+          <p:nvPr/>
+        </p:nvCxnSpPr>
+        <p:spPr>
+          <a:xfrm flipH="1" flipV="1">
+            <a:off x="7009320" y="1868535"/>
+            <a:ext cx="528300" cy="3753"/>
+          </a:xfrm>
+          <a:prstGeom prst="straightConnector1">
+            <a:avLst/>
+          </a:prstGeom>
+          <a:ln w="38100">
+            <a:solidFill>
+              <a:schemeClr val="tx1"/>
+            </a:solidFill>
+            <a:tailEnd type="triangle"/>
+          </a:ln>
+        </p:spPr>
+        <p:style>
+          <a:lnRef idx="2">
+            <a:schemeClr val="accent1"/>
+          </a:lnRef>
+          <a:fillRef idx="0">
+            <a:schemeClr val="accent1"/>
+          </a:fillRef>
+          <a:effectRef idx="1">
+            <a:schemeClr val="accent1"/>
+          </a:effectRef>
+          <a:fontRef idx="minor">
+            <a:schemeClr val="tx1"/>
+          </a:fontRef>
+        </p:style>
+      </p:cxnSp>
+    </p:spTree>
+    <p:extLst>
+      <p:ext uri="{BB962C8B-B14F-4D97-AF65-F5344CB8AC3E}">
+        <p14:creationId xmlns:p14="http://schemas.microsoft.com/office/powerpoint/2010/main" val="3644246962"/>
+      </p:ext>
+    </p:extLst>
+  </p:cSld>
+  <p:clrMapOvr>
+    <a:masterClrMapping/>
+  </p:clrMapOvr>
+</p:sld>
+</file>
+
+<file path=ppt/slides/slide11.xml><?xml version="1.0" encoding="utf-8"?>
+<p:sld xmlns:a="http://schemas.openxmlformats.org/drawingml/2006/main" xmlns:r="http://schemas.openxmlformats.org/officeDocument/2006/relationships" xmlns:p="http://schemas.openxmlformats.org/presentationml/2006/main">
+  <p:cSld>
+    <p:spTree>
+      <p:nvGrpSpPr>
+        <p:cNvPr id="1" name=""/>
+        <p:cNvGrpSpPr/>
+        <p:nvPr/>
+      </p:nvGrpSpPr>
+      <p:grpSpPr>
+        <a:xfrm>
+          <a:off x="0" y="0"/>
+          <a:ext cx="0" cy="0"/>
+          <a:chOff x="0" y="0"/>
+          <a:chExt cx="0" cy="0"/>
+        </a:xfrm>
+      </p:grpSpPr>
+      <p:pic>
+        <p:nvPicPr>
+          <p:cNvPr id="3" name="Picture 2">
+            <a:extLst>
+              <a:ext uri="{FF2B5EF4-FFF2-40B4-BE49-F238E27FC236}">
+                <a16:creationId xmlns:a16="http://schemas.microsoft.com/office/drawing/2014/main" id="{691BB2D8-84FE-6E87-8A80-12647BA7CBBC}"/>
+              </a:ext>
+            </a:extLst>
+          </p:cNvPr>
+          <p:cNvPicPr>
+            <a:picLocks noChangeAspect="1"/>
+          </p:cNvPicPr>
+          <p:nvPr/>
+        </p:nvPicPr>
+        <p:blipFill>
+          <a:blip r:embed="rId2"/>
+          <a:stretch>
+            <a:fillRect/>
+          </a:stretch>
+        </p:blipFill>
+        <p:spPr>
+          <a:xfrm>
+            <a:off x="4093527" y="1522731"/>
+            <a:ext cx="2547303" cy="2541974"/>
+          </a:xfrm>
+          <a:prstGeom prst="rect">
+            <a:avLst/>
+          </a:prstGeom>
+        </p:spPr>
+      </p:pic>
+      <p:sp>
+        <p:nvSpPr>
+          <p:cNvPr id="4" name="Rectangle 3">
+            <a:extLst>
+              <a:ext uri="{FF2B5EF4-FFF2-40B4-BE49-F238E27FC236}">
+                <a16:creationId xmlns:a16="http://schemas.microsoft.com/office/drawing/2014/main" id="{DC20FDEC-E354-2BDF-662A-66F8CDEE441C}"/>
+              </a:ext>
+            </a:extLst>
+          </p:cNvPr>
+          <p:cNvSpPr/>
+          <p:nvPr/>
+        </p:nvSpPr>
+        <p:spPr>
+          <a:xfrm>
+            <a:off x="5367178" y="1936636"/>
+            <a:ext cx="1170782" cy="292214"/>
+          </a:xfrm>
+          <a:prstGeom prst="rect">
+            <a:avLst/>
+          </a:prstGeom>
+          <a:noFill/>
+          <a:ln w="28575">
+            <a:solidFill>
+              <a:srgbClr val="FF0000"/>
+            </a:solidFill>
+          </a:ln>
+        </p:spPr>
+        <p:style>
+          <a:lnRef idx="2">
+            <a:schemeClr val="accent1">
+              <a:shade val="15000"/>
+            </a:schemeClr>
+          </a:lnRef>
+          <a:fillRef idx="1">
+            <a:schemeClr val="accent1"/>
+          </a:fillRef>
+          <a:effectRef idx="0">
+            <a:schemeClr val="accent1"/>
+          </a:effectRef>
+          <a:fontRef idx="minor">
+            <a:schemeClr val="lt1"/>
+          </a:fontRef>
+        </p:style>
+        <p:txBody>
+          <a:bodyPr rtlCol="0" anchor="ctr"/>
+          <a:lstStyle/>
+          <a:p>
+            <a:pPr algn="ctr"/>
+            <a:endParaRPr lang="en-DK"/>
+          </a:p>
+        </p:txBody>
+      </p:sp>
+      <p:sp>
+        <p:nvSpPr>
+          <p:cNvPr id="5" name="Rectangle 4">
+            <a:extLst>
+              <a:ext uri="{FF2B5EF4-FFF2-40B4-BE49-F238E27FC236}">
+                <a16:creationId xmlns:a16="http://schemas.microsoft.com/office/drawing/2014/main" id="{9B6E8131-8462-87F3-EC06-3A772901755D}"/>
+              </a:ext>
+            </a:extLst>
+          </p:cNvPr>
+          <p:cNvSpPr/>
+          <p:nvPr/>
+        </p:nvSpPr>
+        <p:spPr>
+          <a:xfrm>
+            <a:off x="4099242" y="1936636"/>
+            <a:ext cx="427038" cy="292214"/>
+          </a:xfrm>
+          <a:prstGeom prst="rect">
+            <a:avLst/>
+          </a:prstGeom>
+          <a:noFill/>
+          <a:ln w="28575">
+            <a:solidFill>
+              <a:srgbClr val="FF0000"/>
+            </a:solidFill>
+          </a:ln>
+        </p:spPr>
+        <p:style>
+          <a:lnRef idx="2">
+            <a:schemeClr val="accent1">
+              <a:shade val="15000"/>
+            </a:schemeClr>
+          </a:lnRef>
+          <a:fillRef idx="1">
+            <a:schemeClr val="accent1"/>
+          </a:fillRef>
+          <a:effectRef idx="0">
+            <a:schemeClr val="accent1"/>
+          </a:effectRef>
+          <a:fontRef idx="minor">
+            <a:schemeClr val="lt1"/>
+          </a:fontRef>
+        </p:style>
+        <p:txBody>
+          <a:bodyPr rtlCol="0" anchor="ctr"/>
+          <a:lstStyle/>
+          <a:p>
+            <a:pPr algn="ctr"/>
+            <a:endParaRPr lang="en-DK"/>
+          </a:p>
+        </p:txBody>
+      </p:sp>
+      <p:sp>
+        <p:nvSpPr>
+          <p:cNvPr id="6" name="TextBox 5">
+            <a:extLst>
+              <a:ext uri="{FF2B5EF4-FFF2-40B4-BE49-F238E27FC236}">
+                <a16:creationId xmlns:a16="http://schemas.microsoft.com/office/drawing/2014/main" id="{B37007C0-B68D-B5E5-5ADC-51A5DA63671E}"/>
+              </a:ext>
+            </a:extLst>
+          </p:cNvPr>
+          <p:cNvSpPr txBox="1"/>
+          <p:nvPr/>
+        </p:nvSpPr>
+        <p:spPr>
+          <a:xfrm>
+            <a:off x="1680210" y="896389"/>
+            <a:ext cx="4213398" cy="461665"/>
+          </a:xfrm>
+          <a:prstGeom prst="rect">
+            <a:avLst/>
+          </a:prstGeom>
+          <a:noFill/>
+        </p:spPr>
+        <p:txBody>
+          <a:bodyPr wrap="none" rtlCol="0">
+            <a:spAutoFit/>
+          </a:bodyPr>
+          <a:lstStyle/>
+          <a:p>
+            <a:r>
+              <a:rPr lang="en-GB" sz="2400" dirty="0"/>
+              <a:t>ID of the device in the protocol</a:t>
+            </a:r>
+            <a:endParaRPr lang="en-DK" sz="2400" dirty="0"/>
+          </a:p>
+        </p:txBody>
+      </p:sp>
+      <p:cxnSp>
+        <p:nvCxnSpPr>
+          <p:cNvPr id="7" name="Connector: Elbow 6">
+            <a:extLst>
+              <a:ext uri="{FF2B5EF4-FFF2-40B4-BE49-F238E27FC236}">
+                <a16:creationId xmlns:a16="http://schemas.microsoft.com/office/drawing/2014/main" id="{EFFC6550-D237-CCDD-087C-DE63218F8157}"/>
+              </a:ext>
+            </a:extLst>
+          </p:cNvPr>
+          <p:cNvCxnSpPr>
+            <a:cxnSpLocks/>
+            <a:stCxn id="6" idx="2"/>
+            <a:endCxn id="5" idx="1"/>
+          </p:cNvCxnSpPr>
+          <p:nvPr/>
+        </p:nvCxnSpPr>
+        <p:spPr>
+          <a:xfrm rot="16200000" flipH="1">
+            <a:off x="3580731" y="1564231"/>
+            <a:ext cx="724689" cy="312333"/>
+          </a:xfrm>
+          <a:prstGeom prst="bentConnector2">
+            <a:avLst/>
+          </a:prstGeom>
+          <a:ln w="38100">
+            <a:solidFill>
+              <a:schemeClr val="tx1"/>
+            </a:solidFill>
+            <a:tailEnd type="triangle"/>
+          </a:ln>
+        </p:spPr>
+        <p:style>
+          <a:lnRef idx="2">
+            <a:schemeClr val="accent1"/>
+          </a:lnRef>
+          <a:fillRef idx="0">
+            <a:schemeClr val="accent1"/>
+          </a:fillRef>
+          <a:effectRef idx="1">
+            <a:schemeClr val="accent1"/>
+          </a:effectRef>
+          <a:fontRef idx="minor">
+            <a:schemeClr val="tx1"/>
+          </a:fontRef>
+        </p:style>
+      </p:cxnSp>
+      <p:sp>
+        <p:nvSpPr>
+          <p:cNvPr id="8" name="TextBox 7">
+            <a:extLst>
+              <a:ext uri="{FF2B5EF4-FFF2-40B4-BE49-F238E27FC236}">
+                <a16:creationId xmlns:a16="http://schemas.microsoft.com/office/drawing/2014/main" id="{8C7E1EA3-6BFB-9BEA-2B4C-6B8811D04B5F}"/>
+              </a:ext>
+            </a:extLst>
+          </p:cNvPr>
+          <p:cNvSpPr txBox="1"/>
+          <p:nvPr/>
+        </p:nvSpPr>
+        <p:spPr>
+          <a:xfrm>
+            <a:off x="4781391" y="4290135"/>
+            <a:ext cx="5000536" cy="461665"/>
+          </a:xfrm>
+          <a:prstGeom prst="rect">
+            <a:avLst/>
+          </a:prstGeom>
+          <a:noFill/>
+        </p:spPr>
+        <p:txBody>
+          <a:bodyPr wrap="none" rtlCol="0">
+            <a:spAutoFit/>
+          </a:bodyPr>
+          <a:lstStyle/>
+          <a:p>
+            <a:r>
+              <a:rPr lang="en-GB" sz="2400" dirty="0"/>
+              <a:t>Equipment ID from the Devices Page</a:t>
+            </a:r>
+            <a:endParaRPr lang="en-DK" sz="2400" dirty="0"/>
+          </a:p>
+        </p:txBody>
+      </p:sp>
+      <p:cxnSp>
+        <p:nvCxnSpPr>
+          <p:cNvPr id="11" name="Connector: Elbow 10">
+            <a:extLst>
+              <a:ext uri="{FF2B5EF4-FFF2-40B4-BE49-F238E27FC236}">
+                <a16:creationId xmlns:a16="http://schemas.microsoft.com/office/drawing/2014/main" id="{01933161-5E71-E645-16A3-F34138C34FC9}"/>
+              </a:ext>
+            </a:extLst>
+          </p:cNvPr>
+          <p:cNvCxnSpPr>
+            <a:cxnSpLocks/>
+            <a:stCxn id="8" idx="0"/>
+            <a:endCxn id="4" idx="3"/>
+          </p:cNvCxnSpPr>
+          <p:nvPr/>
+        </p:nvCxnSpPr>
+        <p:spPr>
+          <a:xfrm rot="16200000" flipV="1">
+            <a:off x="5806114" y="2814589"/>
+            <a:ext cx="2207392" cy="743699"/>
+          </a:xfrm>
+          <a:prstGeom prst="bentConnector2">
+            <a:avLst/>
+          </a:prstGeom>
+          <a:ln w="38100">
+            <a:solidFill>
+              <a:schemeClr val="tx1"/>
+            </a:solidFill>
+            <a:tailEnd type="triangle"/>
+          </a:ln>
+        </p:spPr>
+        <p:style>
+          <a:lnRef idx="2">
+            <a:schemeClr val="accent1"/>
+          </a:lnRef>
+          <a:fillRef idx="0">
+            <a:schemeClr val="accent1"/>
+          </a:fillRef>
+          <a:effectRef idx="1">
+            <a:schemeClr val="accent1"/>
+          </a:effectRef>
+          <a:fontRef idx="minor">
+            <a:schemeClr val="tx1"/>
+          </a:fontRef>
+        </p:style>
+      </p:cxnSp>
+    </p:spTree>
+    <p:extLst>
+      <p:ext uri="{BB962C8B-B14F-4D97-AF65-F5344CB8AC3E}">
+        <p14:creationId xmlns:p14="http://schemas.microsoft.com/office/powerpoint/2010/main" val="3537912471"/>
+      </p:ext>
+    </p:extLst>
+  </p:cSld>
+  <p:clrMapOvr>
+    <a:masterClrMapping/>
+  </p:clrMapOvr>
+</p:sld>
+</file>
+
+<file path=ppt/slides/slide12.xml><?xml version="1.0" encoding="utf-8"?>
+<p:sld xmlns:a="http://schemas.openxmlformats.org/drawingml/2006/main" xmlns:r="http://schemas.openxmlformats.org/officeDocument/2006/relationships" xmlns:p="http://schemas.openxmlformats.org/presentationml/2006/main">
+  <p:cSld>
+    <p:spTree>
+      <p:nvGrpSpPr>
+        <p:cNvPr id="1" name=""/>
+        <p:cNvGrpSpPr/>
+        <p:nvPr/>
+      </p:nvGrpSpPr>
+      <p:grpSpPr>
+        <a:xfrm>
+          <a:off x="0" y="0"/>
+          <a:ext cx="0" cy="0"/>
+          <a:chOff x="0" y="0"/>
+          <a:chExt cx="0" cy="0"/>
+        </a:xfrm>
+      </p:grpSpPr>
+      <p:pic>
+        <p:nvPicPr>
+          <p:cNvPr id="3" name="Picture 2">
+            <a:extLst>
+              <a:ext uri="{FF2B5EF4-FFF2-40B4-BE49-F238E27FC236}">
+                <a16:creationId xmlns:a16="http://schemas.microsoft.com/office/drawing/2014/main" id="{C7F841DC-1AE7-F7BA-2D01-9B08D3173643}"/>
+              </a:ext>
+            </a:extLst>
+          </p:cNvPr>
+          <p:cNvPicPr>
+            <a:picLocks noChangeAspect="1"/>
+          </p:cNvPicPr>
+          <p:nvPr/>
+        </p:nvPicPr>
+        <p:blipFill>
+          <a:blip r:embed="rId2"/>
+          <a:stretch>
+            <a:fillRect/>
+          </a:stretch>
+        </p:blipFill>
+        <p:spPr>
+          <a:xfrm>
+            <a:off x="4260229" y="807316"/>
+            <a:ext cx="3671542" cy="4164734"/>
+          </a:xfrm>
+          <a:prstGeom prst="rect">
+            <a:avLst/>
+          </a:prstGeom>
+        </p:spPr>
+      </p:pic>
+    </p:spTree>
+    <p:extLst>
+      <p:ext uri="{BB962C8B-B14F-4D97-AF65-F5344CB8AC3E}">
+        <p14:creationId xmlns:p14="http://schemas.microsoft.com/office/powerpoint/2010/main" val="4292007652"/>
+      </p:ext>
+    </p:extLst>
+  </p:cSld>
+  <p:clrMapOvr>
+    <a:masterClrMapping/>
+  </p:clrMapOvr>
+</p:sld>
+</file>
+
+<file path=ppt/slides/slide13.xml><?xml version="1.0" encoding="utf-8"?>
+<p:sld xmlns:a="http://schemas.openxmlformats.org/drawingml/2006/main" xmlns:r="http://schemas.openxmlformats.org/officeDocument/2006/relationships" xmlns:p="http://schemas.openxmlformats.org/presentationml/2006/main">
+  <p:cSld>
+    <p:spTree>
+      <p:nvGrpSpPr>
+        <p:cNvPr id="1" name=""/>
+        <p:cNvGrpSpPr/>
+        <p:nvPr/>
+      </p:nvGrpSpPr>
+      <p:grpSpPr>
+        <a:xfrm>
+          <a:off x="0" y="0"/>
+          <a:ext cx="0" cy="0"/>
+          <a:chOff x="0" y="0"/>
+          <a:chExt cx="0" cy="0"/>
+        </a:xfrm>
+      </p:grpSpPr>
+      <p:pic>
+        <p:nvPicPr>
+          <p:cNvPr id="3" name="Picture 2">
+            <a:extLst>
+              <a:ext uri="{FF2B5EF4-FFF2-40B4-BE49-F238E27FC236}">
+                <a16:creationId xmlns:a16="http://schemas.microsoft.com/office/drawing/2014/main" id="{966D044B-7E3C-43AA-FEC1-3B52CA969CEC}"/>
+              </a:ext>
+            </a:extLst>
+          </p:cNvPr>
+          <p:cNvPicPr>
+            <a:picLocks noChangeAspect="1"/>
+          </p:cNvPicPr>
+          <p:nvPr/>
+        </p:nvPicPr>
+        <p:blipFill>
+          <a:blip r:embed="rId2"/>
+          <a:stretch>
+            <a:fillRect/>
+          </a:stretch>
+        </p:blipFill>
+        <p:spPr>
+          <a:xfrm>
+            <a:off x="1754925" y="2342991"/>
+            <a:ext cx="4845279" cy="1451769"/>
+          </a:xfrm>
+          <a:prstGeom prst="rect">
+            <a:avLst/>
+          </a:prstGeom>
+        </p:spPr>
+      </p:pic>
+      <p:sp>
+        <p:nvSpPr>
+          <p:cNvPr id="4" name="TextBox 3">
+            <a:extLst>
+              <a:ext uri="{FF2B5EF4-FFF2-40B4-BE49-F238E27FC236}">
+                <a16:creationId xmlns:a16="http://schemas.microsoft.com/office/drawing/2014/main" id="{AA69CAF4-EE98-743B-C099-760CF178B5A3}"/>
+              </a:ext>
+            </a:extLst>
+          </p:cNvPr>
+          <p:cNvSpPr txBox="1"/>
+          <p:nvPr/>
+        </p:nvSpPr>
+        <p:spPr>
+          <a:xfrm>
+            <a:off x="4253044" y="3989039"/>
+            <a:ext cx="3403432" cy="461665"/>
+          </a:xfrm>
+          <a:prstGeom prst="rect">
+            <a:avLst/>
+          </a:prstGeom>
+          <a:noFill/>
+        </p:spPr>
+        <p:txBody>
+          <a:bodyPr wrap="none" rtlCol="0">
+            <a:spAutoFit/>
+          </a:bodyPr>
+          <a:lstStyle/>
+          <a:p>
+            <a:r>
+              <a:rPr lang="en-GB" sz="2400" dirty="0"/>
+              <a:t>Change output directory</a:t>
+            </a:r>
+            <a:endParaRPr lang="en-DK" sz="2400" dirty="0"/>
+          </a:p>
+        </p:txBody>
+      </p:sp>
+      <p:sp>
+        <p:nvSpPr>
+          <p:cNvPr id="5" name="Oval 4">
+            <a:extLst>
+              <a:ext uri="{FF2B5EF4-FFF2-40B4-BE49-F238E27FC236}">
+                <a16:creationId xmlns:a16="http://schemas.microsoft.com/office/drawing/2014/main" id="{95308CBF-75AC-4533-ADA5-1C5902738426}"/>
+              </a:ext>
+            </a:extLst>
+          </p:cNvPr>
+          <p:cNvSpPr/>
+          <p:nvPr/>
+        </p:nvSpPr>
+        <p:spPr>
+          <a:xfrm>
+            <a:off x="5779230" y="3119850"/>
+            <a:ext cx="351060" cy="354870"/>
+          </a:xfrm>
+          <a:prstGeom prst="ellipse">
+            <a:avLst/>
+          </a:prstGeom>
+          <a:noFill/>
+          <a:ln w="38100">
+            <a:solidFill>
+              <a:srgbClr val="FF0000"/>
+            </a:solidFill>
+          </a:ln>
+        </p:spPr>
+        <p:style>
+          <a:lnRef idx="2">
+            <a:schemeClr val="accent1">
+              <a:shade val="15000"/>
+            </a:schemeClr>
+          </a:lnRef>
+          <a:fillRef idx="1">
+            <a:schemeClr val="accent1"/>
+          </a:fillRef>
+          <a:effectRef idx="0">
+            <a:schemeClr val="accent1"/>
+          </a:effectRef>
+          <a:fontRef idx="minor">
+            <a:schemeClr val="lt1"/>
+          </a:fontRef>
+        </p:style>
+        <p:txBody>
+          <a:bodyPr rtlCol="0" anchor="ctr"/>
+          <a:lstStyle/>
+          <a:p>
+            <a:pPr algn="ctr"/>
+            <a:endParaRPr lang="en-DK"/>
+          </a:p>
+        </p:txBody>
+      </p:sp>
+      <p:cxnSp>
+        <p:nvCxnSpPr>
+          <p:cNvPr id="6" name="Straight Arrow Connector 5">
+            <a:extLst>
+              <a:ext uri="{FF2B5EF4-FFF2-40B4-BE49-F238E27FC236}">
+                <a16:creationId xmlns:a16="http://schemas.microsoft.com/office/drawing/2014/main" id="{11EE31CC-CDB9-9C1F-865A-9092D08036D7}"/>
+              </a:ext>
+            </a:extLst>
+          </p:cNvPr>
+          <p:cNvCxnSpPr>
+            <a:cxnSpLocks/>
+            <a:stCxn id="8" idx="2"/>
+            <a:endCxn id="7" idx="0"/>
+          </p:cNvCxnSpPr>
+          <p:nvPr/>
+        </p:nvCxnSpPr>
+        <p:spPr>
+          <a:xfrm>
+            <a:off x="5584650" y="2148712"/>
+            <a:ext cx="0" cy="971138"/>
+          </a:xfrm>
+          <a:prstGeom prst="straightConnector1">
+            <a:avLst/>
+          </a:prstGeom>
+          <a:ln w="38100">
+            <a:solidFill>
+              <a:schemeClr val="tx1"/>
+            </a:solidFill>
+            <a:tailEnd type="triangle"/>
+          </a:ln>
+        </p:spPr>
+        <p:style>
+          <a:lnRef idx="2">
+            <a:schemeClr val="accent1"/>
+          </a:lnRef>
+          <a:fillRef idx="0">
+            <a:schemeClr val="accent1"/>
+          </a:fillRef>
+          <a:effectRef idx="1">
+            <a:schemeClr val="accent1"/>
+          </a:effectRef>
+          <a:fontRef idx="minor">
+            <a:schemeClr val="tx1"/>
+          </a:fontRef>
+        </p:style>
+      </p:cxnSp>
+      <p:sp>
+        <p:nvSpPr>
+          <p:cNvPr id="7" name="Oval 6">
+            <a:extLst>
+              <a:ext uri="{FF2B5EF4-FFF2-40B4-BE49-F238E27FC236}">
+                <a16:creationId xmlns:a16="http://schemas.microsoft.com/office/drawing/2014/main" id="{038BA0A9-2727-E9A1-E9E7-13C243939F61}"/>
+              </a:ext>
+            </a:extLst>
+          </p:cNvPr>
+          <p:cNvSpPr/>
+          <p:nvPr/>
+        </p:nvSpPr>
+        <p:spPr>
+          <a:xfrm>
+            <a:off x="5409120" y="3119850"/>
+            <a:ext cx="351060" cy="354870"/>
+          </a:xfrm>
+          <a:prstGeom prst="ellipse">
+            <a:avLst/>
+          </a:prstGeom>
+          <a:noFill/>
+          <a:ln w="38100">
+            <a:solidFill>
+              <a:srgbClr val="FF0000"/>
+            </a:solidFill>
+          </a:ln>
+        </p:spPr>
+        <p:style>
+          <a:lnRef idx="2">
+            <a:schemeClr val="accent1">
+              <a:shade val="15000"/>
+            </a:schemeClr>
+          </a:lnRef>
+          <a:fillRef idx="1">
+            <a:schemeClr val="accent1"/>
+          </a:fillRef>
+          <a:effectRef idx="0">
+            <a:schemeClr val="accent1"/>
+          </a:effectRef>
+          <a:fontRef idx="minor">
+            <a:schemeClr val="lt1"/>
+          </a:fontRef>
+        </p:style>
+        <p:txBody>
+          <a:bodyPr rtlCol="0" anchor="ctr"/>
+          <a:lstStyle/>
+          <a:p>
+            <a:pPr algn="ctr"/>
+            <a:endParaRPr lang="en-DK"/>
+          </a:p>
+        </p:txBody>
+      </p:sp>
+      <p:sp>
+        <p:nvSpPr>
+          <p:cNvPr id="8" name="TextBox 7">
+            <a:extLst>
+              <a:ext uri="{FF2B5EF4-FFF2-40B4-BE49-F238E27FC236}">
+                <a16:creationId xmlns:a16="http://schemas.microsoft.com/office/drawing/2014/main" id="{5F3D90DD-3F0D-0A00-95E1-D2417F4B7F30}"/>
+              </a:ext>
+            </a:extLst>
+          </p:cNvPr>
+          <p:cNvSpPr txBox="1"/>
+          <p:nvPr/>
+        </p:nvSpPr>
+        <p:spPr>
+          <a:xfrm>
+            <a:off x="4645931" y="1687047"/>
+            <a:ext cx="1877437" cy="461665"/>
+          </a:xfrm>
+          <a:prstGeom prst="rect">
+            <a:avLst/>
+          </a:prstGeom>
+          <a:noFill/>
+        </p:spPr>
+        <p:txBody>
+          <a:bodyPr wrap="none" rtlCol="0">
+            <a:spAutoFit/>
+          </a:bodyPr>
+          <a:lstStyle/>
+          <a:p>
+            <a:r>
+              <a:rPr lang="en-GB" sz="2400" dirty="0"/>
+              <a:t>Rerun action</a:t>
+            </a:r>
+            <a:endParaRPr lang="en-DK" sz="2400" dirty="0"/>
+          </a:p>
+        </p:txBody>
+      </p:sp>
+      <p:cxnSp>
+        <p:nvCxnSpPr>
+          <p:cNvPr id="9" name="Straight Arrow Connector 8">
+            <a:extLst>
+              <a:ext uri="{FF2B5EF4-FFF2-40B4-BE49-F238E27FC236}">
+                <a16:creationId xmlns:a16="http://schemas.microsoft.com/office/drawing/2014/main" id="{24348D09-1613-C877-2E1C-69B830551984}"/>
+              </a:ext>
+            </a:extLst>
+          </p:cNvPr>
+          <p:cNvCxnSpPr>
+            <a:cxnSpLocks/>
+            <a:stCxn id="4" idx="0"/>
+            <a:endCxn id="5" idx="4"/>
+          </p:cNvCxnSpPr>
+          <p:nvPr/>
+        </p:nvCxnSpPr>
+        <p:spPr>
+          <a:xfrm flipV="1">
+            <a:off x="5954760" y="3474720"/>
+            <a:ext cx="0" cy="514319"/>
+          </a:xfrm>
+          <a:prstGeom prst="straightConnector1">
+            <a:avLst/>
+          </a:prstGeom>
+          <a:ln w="38100">
+            <a:solidFill>
+              <a:schemeClr val="tx1"/>
+            </a:solidFill>
+            <a:tailEnd type="triangle"/>
+          </a:ln>
+        </p:spPr>
+        <p:style>
+          <a:lnRef idx="2">
+            <a:schemeClr val="accent1"/>
+          </a:lnRef>
+          <a:fillRef idx="0">
+            <a:schemeClr val="accent1"/>
+          </a:fillRef>
+          <a:effectRef idx="1">
+            <a:schemeClr val="accent1"/>
+          </a:effectRef>
+          <a:fontRef idx="minor">
+            <a:schemeClr val="tx1"/>
+          </a:fontRef>
+        </p:style>
+      </p:cxnSp>
+    </p:spTree>
+    <p:extLst>
+      <p:ext uri="{BB962C8B-B14F-4D97-AF65-F5344CB8AC3E}">
+        <p14:creationId xmlns:p14="http://schemas.microsoft.com/office/powerpoint/2010/main" val="3476744341"/>
+      </p:ext>
+    </p:extLst>
+  </p:cSld>
+  <p:clrMapOvr>
+    <a:masterClrMapping/>
+  </p:clrMapOvr>
+</p:sld>
+</file>
+
 <file path=ppt/slides/slide2.xml><?xml version="1.0" encoding="utf-8"?>
 <p:sld xmlns:a="http://schemas.openxmlformats.org/drawingml/2006/main" xmlns:r="http://schemas.openxmlformats.org/officeDocument/2006/relationships" xmlns:p="http://schemas.openxmlformats.org/presentationml/2006/main">
   <p:cSld>
@@ -4811,8 +5862,2071 @@
         </p:blipFill>
         <p:spPr>
           <a:xfrm>
-            <a:off x="2478194" y="1796147"/>
+            <a:off x="2488354" y="1801227"/>
             <a:ext cx="7200000" cy="3249635"/>
+          </a:xfrm>
+          <a:prstGeom prst="rect">
+            <a:avLst/>
+          </a:prstGeom>
+        </p:spPr>
+      </p:pic>
+      <p:sp>
+        <p:nvSpPr>
+          <p:cNvPr id="2" name="TextBox 1">
+            <a:extLst>
+              <a:ext uri="{FF2B5EF4-FFF2-40B4-BE49-F238E27FC236}">
+                <a16:creationId xmlns:a16="http://schemas.microsoft.com/office/drawing/2014/main" id="{6677FA99-0C13-9DE5-5A67-9AB4806EC1D7}"/>
+              </a:ext>
+            </a:extLst>
+          </p:cNvPr>
+          <p:cNvSpPr txBox="1"/>
+          <p:nvPr/>
+        </p:nvSpPr>
+        <p:spPr>
+          <a:xfrm>
+            <a:off x="7151820" y="1154429"/>
+            <a:ext cx="4617546" cy="461665"/>
+          </a:xfrm>
+          <a:prstGeom prst="rect">
+            <a:avLst/>
+          </a:prstGeom>
+          <a:noFill/>
+        </p:spPr>
+        <p:txBody>
+          <a:bodyPr wrap="none" rtlCol="0">
+            <a:spAutoFit/>
+          </a:bodyPr>
+          <a:lstStyle/>
+          <a:p>
+            <a:r>
+              <a:rPr lang="en-GB" sz="2400" dirty="0"/>
+              <a:t>Click the “Install protocol” button</a:t>
+            </a:r>
+            <a:endParaRPr lang="en-DK" sz="2400" dirty="0"/>
+          </a:p>
+        </p:txBody>
+      </p:sp>
+      <p:sp>
+        <p:nvSpPr>
+          <p:cNvPr id="4" name="Oval 3">
+            <a:extLst>
+              <a:ext uri="{FF2B5EF4-FFF2-40B4-BE49-F238E27FC236}">
+                <a16:creationId xmlns:a16="http://schemas.microsoft.com/office/drawing/2014/main" id="{1DC4B956-6C96-8B5F-4195-D0FD1B8DF5B8}"/>
+              </a:ext>
+            </a:extLst>
+          </p:cNvPr>
+          <p:cNvSpPr/>
+          <p:nvPr/>
+        </p:nvSpPr>
+        <p:spPr>
+          <a:xfrm>
+            <a:off x="9346465" y="2144376"/>
+            <a:ext cx="252000" cy="252000"/>
+          </a:xfrm>
+          <a:prstGeom prst="ellipse">
+            <a:avLst/>
+          </a:prstGeom>
+          <a:noFill/>
+          <a:ln w="28575">
+            <a:solidFill>
+              <a:srgbClr val="FF0000"/>
+            </a:solidFill>
+          </a:ln>
+        </p:spPr>
+        <p:style>
+          <a:lnRef idx="2">
+            <a:schemeClr val="accent1">
+              <a:shade val="15000"/>
+            </a:schemeClr>
+          </a:lnRef>
+          <a:fillRef idx="1">
+            <a:schemeClr val="accent1"/>
+          </a:fillRef>
+          <a:effectRef idx="0">
+            <a:schemeClr val="accent1"/>
+          </a:effectRef>
+          <a:fontRef idx="minor">
+            <a:schemeClr val="lt1"/>
+          </a:fontRef>
+        </p:style>
+        <p:txBody>
+          <a:bodyPr rtlCol="0" anchor="ctr"/>
+          <a:lstStyle/>
+          <a:p>
+            <a:pPr algn="ctr"/>
+            <a:endParaRPr lang="en-DK"/>
+          </a:p>
+        </p:txBody>
+      </p:sp>
+      <p:cxnSp>
+        <p:nvCxnSpPr>
+          <p:cNvPr id="5" name="Straight Arrow Connector 4">
+            <a:extLst>
+              <a:ext uri="{FF2B5EF4-FFF2-40B4-BE49-F238E27FC236}">
+                <a16:creationId xmlns:a16="http://schemas.microsoft.com/office/drawing/2014/main" id="{93E64279-4F6F-8D88-372A-DC5ED4486621}"/>
+              </a:ext>
+            </a:extLst>
+          </p:cNvPr>
+          <p:cNvCxnSpPr>
+            <a:cxnSpLocks/>
+            <a:stCxn id="2" idx="2"/>
+            <a:endCxn id="4" idx="0"/>
+          </p:cNvCxnSpPr>
+          <p:nvPr/>
+        </p:nvCxnSpPr>
+        <p:spPr>
+          <a:xfrm>
+            <a:off x="9460593" y="1616094"/>
+            <a:ext cx="11872" cy="528282"/>
+          </a:xfrm>
+          <a:prstGeom prst="straightConnector1">
+            <a:avLst/>
+          </a:prstGeom>
+          <a:ln w="38100">
+            <a:solidFill>
+              <a:schemeClr val="tx1"/>
+            </a:solidFill>
+            <a:tailEnd type="triangle"/>
+          </a:ln>
+        </p:spPr>
+        <p:style>
+          <a:lnRef idx="2">
+            <a:schemeClr val="accent1"/>
+          </a:lnRef>
+          <a:fillRef idx="0">
+            <a:schemeClr val="accent1"/>
+          </a:fillRef>
+          <a:effectRef idx="1">
+            <a:schemeClr val="accent1"/>
+          </a:effectRef>
+          <a:fontRef idx="minor">
+            <a:schemeClr val="tx1"/>
+          </a:fontRef>
+        </p:style>
+      </p:cxnSp>
+      <p:sp>
+        <p:nvSpPr>
+          <p:cNvPr id="6" name="TextBox 5">
+            <a:extLst>
+              <a:ext uri="{FF2B5EF4-FFF2-40B4-BE49-F238E27FC236}">
+                <a16:creationId xmlns:a16="http://schemas.microsoft.com/office/drawing/2014/main" id="{F76A0597-FD8A-F512-3A91-EE00B602208C}"/>
+              </a:ext>
+            </a:extLst>
+          </p:cNvPr>
+          <p:cNvSpPr txBox="1"/>
+          <p:nvPr/>
+        </p:nvSpPr>
+        <p:spPr>
+          <a:xfrm>
+            <a:off x="262890" y="1154429"/>
+            <a:ext cx="3560847" cy="461665"/>
+          </a:xfrm>
+          <a:prstGeom prst="rect">
+            <a:avLst/>
+          </a:prstGeom>
+          <a:noFill/>
+        </p:spPr>
+        <p:txBody>
+          <a:bodyPr wrap="none" rtlCol="0">
+            <a:spAutoFit/>
+          </a:bodyPr>
+          <a:lstStyle/>
+          <a:p>
+            <a:r>
+              <a:rPr lang="en-GB" sz="2400" dirty="0"/>
+              <a:t>Select the Protocols page</a:t>
+            </a:r>
+            <a:endParaRPr lang="en-DK" sz="2400" dirty="0"/>
+          </a:p>
+        </p:txBody>
+      </p:sp>
+      <p:sp>
+        <p:nvSpPr>
+          <p:cNvPr id="7" name="Rectangle 6">
+            <a:extLst>
+              <a:ext uri="{FF2B5EF4-FFF2-40B4-BE49-F238E27FC236}">
+                <a16:creationId xmlns:a16="http://schemas.microsoft.com/office/drawing/2014/main" id="{06B6924F-C6A3-DE95-814F-1E6083FCF9AD}"/>
+              </a:ext>
+            </a:extLst>
+          </p:cNvPr>
+          <p:cNvSpPr/>
+          <p:nvPr/>
+        </p:nvSpPr>
+        <p:spPr>
+          <a:xfrm>
+            <a:off x="2496000" y="3055492"/>
+            <a:ext cx="592640" cy="561468"/>
+          </a:xfrm>
+          <a:prstGeom prst="rect">
+            <a:avLst/>
+          </a:prstGeom>
+          <a:noFill/>
+          <a:ln w="28575">
+            <a:solidFill>
+              <a:srgbClr val="FF0000"/>
+            </a:solidFill>
+          </a:ln>
+        </p:spPr>
+        <p:style>
+          <a:lnRef idx="2">
+            <a:schemeClr val="accent1">
+              <a:shade val="15000"/>
+            </a:schemeClr>
+          </a:lnRef>
+          <a:fillRef idx="1">
+            <a:schemeClr val="accent1"/>
+          </a:fillRef>
+          <a:effectRef idx="0">
+            <a:schemeClr val="accent1"/>
+          </a:effectRef>
+          <a:fontRef idx="minor">
+            <a:schemeClr val="lt1"/>
+          </a:fontRef>
+        </p:style>
+        <p:txBody>
+          <a:bodyPr rtlCol="0" anchor="ctr"/>
+          <a:lstStyle/>
+          <a:p>
+            <a:pPr algn="ctr"/>
+            <a:endParaRPr lang="en-DK"/>
+          </a:p>
+        </p:txBody>
+      </p:sp>
+      <p:cxnSp>
+        <p:nvCxnSpPr>
+          <p:cNvPr id="8" name="Connector: Elbow 7">
+            <a:extLst>
+              <a:ext uri="{FF2B5EF4-FFF2-40B4-BE49-F238E27FC236}">
+                <a16:creationId xmlns:a16="http://schemas.microsoft.com/office/drawing/2014/main" id="{8714B5E4-9805-1AB1-CDD2-B8EDE472EF7B}"/>
+              </a:ext>
+            </a:extLst>
+          </p:cNvPr>
+          <p:cNvCxnSpPr>
+            <a:stCxn id="6" idx="2"/>
+            <a:endCxn id="7" idx="1"/>
+          </p:cNvCxnSpPr>
+          <p:nvPr/>
+        </p:nvCxnSpPr>
+        <p:spPr>
+          <a:xfrm rot="16200000" flipH="1">
+            <a:off x="1409591" y="2249817"/>
+            <a:ext cx="1720132" cy="452686"/>
+          </a:xfrm>
+          <a:prstGeom prst="bentConnector2">
+            <a:avLst/>
+          </a:prstGeom>
+          <a:ln w="38100">
+            <a:solidFill>
+              <a:schemeClr val="tx1"/>
+            </a:solidFill>
+            <a:tailEnd type="triangle"/>
+          </a:ln>
+        </p:spPr>
+        <p:style>
+          <a:lnRef idx="2">
+            <a:schemeClr val="accent1"/>
+          </a:lnRef>
+          <a:fillRef idx="0">
+            <a:schemeClr val="accent1"/>
+          </a:fillRef>
+          <a:effectRef idx="1">
+            <a:schemeClr val="accent1"/>
+          </a:effectRef>
+          <a:fontRef idx="minor">
+            <a:schemeClr val="tx1"/>
+          </a:fontRef>
+        </p:style>
+      </p:cxnSp>
+      <p:sp>
+        <p:nvSpPr>
+          <p:cNvPr id="9" name="TextBox 8">
+            <a:extLst>
+              <a:ext uri="{FF2B5EF4-FFF2-40B4-BE49-F238E27FC236}">
+                <a16:creationId xmlns:a16="http://schemas.microsoft.com/office/drawing/2014/main" id="{1BDB8B3B-96EE-D52F-0A38-B95A10631AA7}"/>
+              </a:ext>
+            </a:extLst>
+          </p:cNvPr>
+          <p:cNvSpPr txBox="1"/>
+          <p:nvPr/>
+        </p:nvSpPr>
+        <p:spPr>
+          <a:xfrm>
+            <a:off x="1440628" y="5324148"/>
+            <a:ext cx="4569456" cy="461665"/>
+          </a:xfrm>
+          <a:prstGeom prst="rect">
+            <a:avLst/>
+          </a:prstGeom>
+          <a:noFill/>
+        </p:spPr>
+        <p:txBody>
+          <a:bodyPr wrap="none" rtlCol="0">
+            <a:spAutoFit/>
+          </a:bodyPr>
+          <a:lstStyle/>
+          <a:p>
+            <a:r>
+              <a:rPr lang="en-GB" sz="2400" dirty="0"/>
+              <a:t>Select the labbench.io repository</a:t>
+            </a:r>
+            <a:endParaRPr lang="en-DK" sz="2400" dirty="0"/>
+          </a:p>
+        </p:txBody>
+      </p:sp>
+      <p:sp>
+        <p:nvSpPr>
+          <p:cNvPr id="10" name="Rectangle 9">
+            <a:extLst>
+              <a:ext uri="{FF2B5EF4-FFF2-40B4-BE49-F238E27FC236}">
+                <a16:creationId xmlns:a16="http://schemas.microsoft.com/office/drawing/2014/main" id="{6817383C-5401-4FA9-9F50-435DF7DEB2D3}"/>
+              </a:ext>
+            </a:extLst>
+          </p:cNvPr>
+          <p:cNvSpPr/>
+          <p:nvPr/>
+        </p:nvSpPr>
+        <p:spPr>
+          <a:xfrm>
+            <a:off x="3096286" y="2447176"/>
+            <a:ext cx="1304264" cy="364604"/>
+          </a:xfrm>
+          <a:prstGeom prst="rect">
+            <a:avLst/>
+          </a:prstGeom>
+          <a:noFill/>
+          <a:ln w="28575">
+            <a:solidFill>
+              <a:srgbClr val="FF0000"/>
+            </a:solidFill>
+          </a:ln>
+        </p:spPr>
+        <p:style>
+          <a:lnRef idx="2">
+            <a:schemeClr val="accent1">
+              <a:shade val="15000"/>
+            </a:schemeClr>
+          </a:lnRef>
+          <a:fillRef idx="1">
+            <a:schemeClr val="accent1"/>
+          </a:fillRef>
+          <a:effectRef idx="0">
+            <a:schemeClr val="accent1"/>
+          </a:effectRef>
+          <a:fontRef idx="minor">
+            <a:schemeClr val="lt1"/>
+          </a:fontRef>
+        </p:style>
+        <p:txBody>
+          <a:bodyPr rtlCol="0" anchor="ctr"/>
+          <a:lstStyle/>
+          <a:p>
+            <a:pPr algn="ctr"/>
+            <a:endParaRPr lang="en-DK"/>
+          </a:p>
+        </p:txBody>
+      </p:sp>
+      <p:cxnSp>
+        <p:nvCxnSpPr>
+          <p:cNvPr id="11" name="Straight Arrow Connector 10">
+            <a:extLst>
+              <a:ext uri="{FF2B5EF4-FFF2-40B4-BE49-F238E27FC236}">
+                <a16:creationId xmlns:a16="http://schemas.microsoft.com/office/drawing/2014/main" id="{87C4BC75-E149-F74E-D0E8-5596CE4CD0FB}"/>
+              </a:ext>
+            </a:extLst>
+          </p:cNvPr>
+          <p:cNvCxnSpPr>
+            <a:cxnSpLocks/>
+            <a:stCxn id="9" idx="0"/>
+            <a:endCxn id="10" idx="2"/>
+          </p:cNvCxnSpPr>
+          <p:nvPr/>
+        </p:nvCxnSpPr>
+        <p:spPr>
+          <a:xfrm flipV="1">
+            <a:off x="3725356" y="2811780"/>
+            <a:ext cx="23062" cy="2512368"/>
+          </a:xfrm>
+          <a:prstGeom prst="straightConnector1">
+            <a:avLst/>
+          </a:prstGeom>
+          <a:ln w="38100">
+            <a:solidFill>
+              <a:schemeClr val="tx1"/>
+            </a:solidFill>
+            <a:tailEnd type="triangle"/>
+          </a:ln>
+        </p:spPr>
+        <p:style>
+          <a:lnRef idx="2">
+            <a:schemeClr val="accent1"/>
+          </a:lnRef>
+          <a:fillRef idx="0">
+            <a:schemeClr val="accent1"/>
+          </a:fillRef>
+          <a:effectRef idx="1">
+            <a:schemeClr val="accent1"/>
+          </a:effectRef>
+          <a:fontRef idx="minor">
+            <a:schemeClr val="tx1"/>
+          </a:fontRef>
+        </p:style>
+      </p:cxnSp>
+      <p:sp>
+        <p:nvSpPr>
+          <p:cNvPr id="14" name="Rectangle 13">
+            <a:extLst>
+              <a:ext uri="{FF2B5EF4-FFF2-40B4-BE49-F238E27FC236}">
+                <a16:creationId xmlns:a16="http://schemas.microsoft.com/office/drawing/2014/main" id="{E66900B7-B313-359B-B99E-F96AF9B23241}"/>
+              </a:ext>
+            </a:extLst>
+          </p:cNvPr>
+          <p:cNvSpPr/>
+          <p:nvPr/>
+        </p:nvSpPr>
+        <p:spPr>
+          <a:xfrm>
+            <a:off x="4487770" y="2462416"/>
+            <a:ext cx="1545376" cy="486524"/>
+          </a:xfrm>
+          <a:prstGeom prst="rect">
+            <a:avLst/>
+          </a:prstGeom>
+          <a:noFill/>
+          <a:ln w="28575">
+            <a:solidFill>
+              <a:srgbClr val="FF0000"/>
+            </a:solidFill>
+          </a:ln>
+        </p:spPr>
+        <p:style>
+          <a:lnRef idx="2">
+            <a:schemeClr val="accent1">
+              <a:shade val="15000"/>
+            </a:schemeClr>
+          </a:lnRef>
+          <a:fillRef idx="1">
+            <a:schemeClr val="accent1"/>
+          </a:fillRef>
+          <a:effectRef idx="0">
+            <a:schemeClr val="accent1"/>
+          </a:effectRef>
+          <a:fontRef idx="minor">
+            <a:schemeClr val="lt1"/>
+          </a:fontRef>
+        </p:style>
+        <p:txBody>
+          <a:bodyPr rtlCol="0" anchor="ctr"/>
+          <a:lstStyle/>
+          <a:p>
+            <a:pPr algn="ctr"/>
+            <a:endParaRPr lang="en-DK"/>
+          </a:p>
+        </p:txBody>
+      </p:sp>
+      <p:sp>
+        <p:nvSpPr>
+          <p:cNvPr id="15" name="TextBox 14">
+            <a:extLst>
+              <a:ext uri="{FF2B5EF4-FFF2-40B4-BE49-F238E27FC236}">
+                <a16:creationId xmlns:a16="http://schemas.microsoft.com/office/drawing/2014/main" id="{924305A6-1AB4-8177-647B-C1EA4453EEE9}"/>
+              </a:ext>
+            </a:extLst>
+          </p:cNvPr>
+          <p:cNvSpPr txBox="1"/>
+          <p:nvPr/>
+        </p:nvSpPr>
+        <p:spPr>
+          <a:xfrm>
+            <a:off x="3029879" y="510462"/>
+            <a:ext cx="4461158" cy="461665"/>
+          </a:xfrm>
+          <a:prstGeom prst="rect">
+            <a:avLst/>
+          </a:prstGeom>
+          <a:noFill/>
+        </p:spPr>
+        <p:txBody>
+          <a:bodyPr wrap="none" rtlCol="0">
+            <a:spAutoFit/>
+          </a:bodyPr>
+          <a:lstStyle/>
+          <a:p>
+            <a:r>
+              <a:rPr lang="en-GB" sz="2400" dirty="0"/>
+              <a:t>Select Introduction to LabBench</a:t>
+            </a:r>
+            <a:endParaRPr lang="en-DK" sz="2400" dirty="0"/>
+          </a:p>
+        </p:txBody>
+      </p:sp>
+      <p:cxnSp>
+        <p:nvCxnSpPr>
+          <p:cNvPr id="16" name="Straight Arrow Connector 15">
+            <a:extLst>
+              <a:ext uri="{FF2B5EF4-FFF2-40B4-BE49-F238E27FC236}">
+                <a16:creationId xmlns:a16="http://schemas.microsoft.com/office/drawing/2014/main" id="{31090E74-C18F-6FB4-4238-FC8793294D2D}"/>
+              </a:ext>
+            </a:extLst>
+          </p:cNvPr>
+          <p:cNvCxnSpPr>
+            <a:cxnSpLocks/>
+            <a:stCxn id="15" idx="2"/>
+            <a:endCxn id="14" idx="0"/>
+          </p:cNvCxnSpPr>
+          <p:nvPr/>
+        </p:nvCxnSpPr>
+        <p:spPr>
+          <a:xfrm>
+            <a:off x="5260458" y="972127"/>
+            <a:ext cx="0" cy="1490289"/>
+          </a:xfrm>
+          <a:prstGeom prst="straightConnector1">
+            <a:avLst/>
+          </a:prstGeom>
+          <a:ln w="38100">
+            <a:solidFill>
+              <a:schemeClr val="tx1"/>
+            </a:solidFill>
+            <a:tailEnd type="triangle"/>
+          </a:ln>
+        </p:spPr>
+        <p:style>
+          <a:lnRef idx="2">
+            <a:schemeClr val="accent1"/>
+          </a:lnRef>
+          <a:fillRef idx="0">
+            <a:schemeClr val="accent1"/>
+          </a:fillRef>
+          <a:effectRef idx="1">
+            <a:schemeClr val="accent1"/>
+          </a:effectRef>
+          <a:fontRef idx="minor">
+            <a:schemeClr val="tx1"/>
+          </a:fontRef>
+        </p:style>
+      </p:cxnSp>
+    </p:spTree>
+    <p:extLst>
+      <p:ext uri="{BB962C8B-B14F-4D97-AF65-F5344CB8AC3E}">
+        <p14:creationId xmlns:p14="http://schemas.microsoft.com/office/powerpoint/2010/main" val="1165474774"/>
+      </p:ext>
+    </p:extLst>
+  </p:cSld>
+  <p:clrMapOvr>
+    <a:masterClrMapping/>
+  </p:clrMapOvr>
+</p:sld>
+</file>
+
+<file path=ppt/slides/slide7.xml><?xml version="1.0" encoding="utf-8"?>
+<p:sld xmlns:a="http://schemas.openxmlformats.org/drawingml/2006/main" xmlns:r="http://schemas.openxmlformats.org/officeDocument/2006/relationships" xmlns:p="http://schemas.openxmlformats.org/presentationml/2006/main">
+  <p:cSld>
+    <p:spTree>
+      <p:nvGrpSpPr>
+        <p:cNvPr id="1" name=""/>
+        <p:cNvGrpSpPr/>
+        <p:nvPr/>
+      </p:nvGrpSpPr>
+      <p:grpSpPr>
+        <a:xfrm>
+          <a:off x="0" y="0"/>
+          <a:ext cx="0" cy="0"/>
+          <a:chOff x="0" y="0"/>
+          <a:chExt cx="0" cy="0"/>
+        </a:xfrm>
+      </p:grpSpPr>
+      <p:pic>
+        <p:nvPicPr>
+          <p:cNvPr id="3" name="Picture 2">
+            <a:extLst>
+              <a:ext uri="{FF2B5EF4-FFF2-40B4-BE49-F238E27FC236}">
+                <a16:creationId xmlns:a16="http://schemas.microsoft.com/office/drawing/2014/main" id="{65A7B9E7-9DD2-B775-2F49-D48F10242CB5}"/>
+              </a:ext>
+            </a:extLst>
+          </p:cNvPr>
+          <p:cNvPicPr>
+            <a:picLocks noChangeAspect="1"/>
+          </p:cNvPicPr>
+          <p:nvPr/>
+        </p:nvPicPr>
+        <p:blipFill>
+          <a:blip r:embed="rId2"/>
+          <a:stretch>
+            <a:fillRect/>
+          </a:stretch>
+        </p:blipFill>
+        <p:spPr>
+          <a:xfrm>
+            <a:off x="1017068" y="1188086"/>
+            <a:ext cx="4572638" cy="3029373"/>
+          </a:xfrm>
+          <a:prstGeom prst="rect">
+            <a:avLst/>
+          </a:prstGeom>
+        </p:spPr>
+      </p:pic>
+      <p:sp>
+        <p:nvSpPr>
+          <p:cNvPr id="4" name="TextBox 3">
+            <a:extLst>
+              <a:ext uri="{FF2B5EF4-FFF2-40B4-BE49-F238E27FC236}">
+                <a16:creationId xmlns:a16="http://schemas.microsoft.com/office/drawing/2014/main" id="{48A845C3-F93A-5B59-2F5C-5F94E0007C62}"/>
+              </a:ext>
+            </a:extLst>
+          </p:cNvPr>
+          <p:cNvSpPr txBox="1"/>
+          <p:nvPr/>
+        </p:nvSpPr>
+        <p:spPr>
+          <a:xfrm>
+            <a:off x="5817870" y="1907155"/>
+            <a:ext cx="5574411" cy="461665"/>
+          </a:xfrm>
+          <a:prstGeom prst="rect">
+            <a:avLst/>
+          </a:prstGeom>
+          <a:noFill/>
+        </p:spPr>
+        <p:txBody>
+          <a:bodyPr wrap="none" rtlCol="0">
+            <a:spAutoFit/>
+          </a:bodyPr>
+          <a:lstStyle/>
+          <a:p>
+            <a:r>
+              <a:rPr lang="en-GB" sz="2400" dirty="0"/>
+              <a:t>ID of the experiment that must be unique</a:t>
+            </a:r>
+            <a:endParaRPr lang="en-DK" sz="2400" dirty="0"/>
+          </a:p>
+        </p:txBody>
+      </p:sp>
+      <p:sp>
+        <p:nvSpPr>
+          <p:cNvPr id="5" name="Rectangle 4">
+            <a:extLst>
+              <a:ext uri="{FF2B5EF4-FFF2-40B4-BE49-F238E27FC236}">
+                <a16:creationId xmlns:a16="http://schemas.microsoft.com/office/drawing/2014/main" id="{034337C5-BC39-1C80-37BE-C0E1A131FD86}"/>
+              </a:ext>
+            </a:extLst>
+          </p:cNvPr>
+          <p:cNvSpPr/>
+          <p:nvPr/>
+        </p:nvSpPr>
+        <p:spPr>
+          <a:xfrm>
+            <a:off x="1679402" y="1955686"/>
+            <a:ext cx="3795568" cy="364604"/>
+          </a:xfrm>
+          <a:prstGeom prst="rect">
+            <a:avLst/>
+          </a:prstGeom>
+          <a:noFill/>
+          <a:ln w="28575">
+            <a:solidFill>
+              <a:srgbClr val="FF0000"/>
+            </a:solidFill>
+          </a:ln>
+        </p:spPr>
+        <p:style>
+          <a:lnRef idx="2">
+            <a:schemeClr val="accent1">
+              <a:shade val="15000"/>
+            </a:schemeClr>
+          </a:lnRef>
+          <a:fillRef idx="1">
+            <a:schemeClr val="accent1"/>
+          </a:fillRef>
+          <a:effectRef idx="0">
+            <a:schemeClr val="accent1"/>
+          </a:effectRef>
+          <a:fontRef idx="minor">
+            <a:schemeClr val="lt1"/>
+          </a:fontRef>
+        </p:style>
+        <p:txBody>
+          <a:bodyPr rtlCol="0" anchor="ctr"/>
+          <a:lstStyle/>
+          <a:p>
+            <a:pPr algn="ctr"/>
+            <a:endParaRPr lang="en-DK"/>
+          </a:p>
+        </p:txBody>
+      </p:sp>
+      <p:cxnSp>
+        <p:nvCxnSpPr>
+          <p:cNvPr id="6" name="Straight Arrow Connector 5">
+            <a:extLst>
+              <a:ext uri="{FF2B5EF4-FFF2-40B4-BE49-F238E27FC236}">
+                <a16:creationId xmlns:a16="http://schemas.microsoft.com/office/drawing/2014/main" id="{59D1DC78-C598-3160-5728-D7CE12B13951}"/>
+              </a:ext>
+            </a:extLst>
+          </p:cNvPr>
+          <p:cNvCxnSpPr>
+            <a:cxnSpLocks/>
+          </p:cNvCxnSpPr>
+          <p:nvPr/>
+        </p:nvCxnSpPr>
+        <p:spPr>
+          <a:xfrm flipH="1">
+            <a:off x="5474970" y="2125980"/>
+            <a:ext cx="342900" cy="0"/>
+          </a:xfrm>
+          <a:prstGeom prst="straightConnector1">
+            <a:avLst/>
+          </a:prstGeom>
+          <a:ln w="38100">
+            <a:solidFill>
+              <a:schemeClr val="tx1"/>
+            </a:solidFill>
+            <a:tailEnd type="triangle"/>
+          </a:ln>
+        </p:spPr>
+        <p:style>
+          <a:lnRef idx="2">
+            <a:schemeClr val="accent1"/>
+          </a:lnRef>
+          <a:fillRef idx="0">
+            <a:schemeClr val="accent1"/>
+          </a:fillRef>
+          <a:effectRef idx="1">
+            <a:schemeClr val="accent1"/>
+          </a:effectRef>
+          <a:fontRef idx="minor">
+            <a:schemeClr val="tx1"/>
+          </a:fontRef>
+        </p:style>
+      </p:cxnSp>
+      <p:sp>
+        <p:nvSpPr>
+          <p:cNvPr id="8" name="Rectangle 7">
+            <a:extLst>
+              <a:ext uri="{FF2B5EF4-FFF2-40B4-BE49-F238E27FC236}">
+                <a16:creationId xmlns:a16="http://schemas.microsoft.com/office/drawing/2014/main" id="{01AD0939-0692-8BD0-3A1A-B3C68FE184A0}"/>
+              </a:ext>
+            </a:extLst>
+          </p:cNvPr>
+          <p:cNvSpPr/>
+          <p:nvPr/>
+        </p:nvSpPr>
+        <p:spPr>
+          <a:xfrm>
+            <a:off x="1679402" y="2384954"/>
+            <a:ext cx="3795568" cy="364604"/>
+          </a:xfrm>
+          <a:prstGeom prst="rect">
+            <a:avLst/>
+          </a:prstGeom>
+          <a:noFill/>
+          <a:ln w="28575">
+            <a:solidFill>
+              <a:srgbClr val="FF0000"/>
+            </a:solidFill>
+          </a:ln>
+        </p:spPr>
+        <p:style>
+          <a:lnRef idx="2">
+            <a:schemeClr val="accent1">
+              <a:shade val="15000"/>
+            </a:schemeClr>
+          </a:lnRef>
+          <a:fillRef idx="1">
+            <a:schemeClr val="accent1"/>
+          </a:fillRef>
+          <a:effectRef idx="0">
+            <a:schemeClr val="accent1"/>
+          </a:effectRef>
+          <a:fontRef idx="minor">
+            <a:schemeClr val="lt1"/>
+          </a:fontRef>
+        </p:style>
+        <p:txBody>
+          <a:bodyPr rtlCol="0" anchor="ctr"/>
+          <a:lstStyle/>
+          <a:p>
+            <a:pPr algn="ctr"/>
+            <a:endParaRPr lang="en-DK"/>
+          </a:p>
+        </p:txBody>
+      </p:sp>
+      <p:sp>
+        <p:nvSpPr>
+          <p:cNvPr id="9" name="Rectangle 8">
+            <a:extLst>
+              <a:ext uri="{FF2B5EF4-FFF2-40B4-BE49-F238E27FC236}">
+                <a16:creationId xmlns:a16="http://schemas.microsoft.com/office/drawing/2014/main" id="{8115D8F7-78F6-3A34-B208-CFDBCF12438C}"/>
+              </a:ext>
+            </a:extLst>
+          </p:cNvPr>
+          <p:cNvSpPr/>
+          <p:nvPr/>
+        </p:nvSpPr>
+        <p:spPr>
+          <a:xfrm>
+            <a:off x="1679402" y="2811386"/>
+            <a:ext cx="3795568" cy="364604"/>
+          </a:xfrm>
+          <a:prstGeom prst="rect">
+            <a:avLst/>
+          </a:prstGeom>
+          <a:noFill/>
+          <a:ln w="28575">
+            <a:solidFill>
+              <a:srgbClr val="FF0000"/>
+            </a:solidFill>
+          </a:ln>
+        </p:spPr>
+        <p:style>
+          <a:lnRef idx="2">
+            <a:schemeClr val="accent1">
+              <a:shade val="15000"/>
+            </a:schemeClr>
+          </a:lnRef>
+          <a:fillRef idx="1">
+            <a:schemeClr val="accent1"/>
+          </a:fillRef>
+          <a:effectRef idx="0">
+            <a:schemeClr val="accent1"/>
+          </a:effectRef>
+          <a:fontRef idx="minor">
+            <a:schemeClr val="lt1"/>
+          </a:fontRef>
+        </p:style>
+        <p:txBody>
+          <a:bodyPr rtlCol="0" anchor="ctr"/>
+          <a:lstStyle/>
+          <a:p>
+            <a:pPr algn="ctr"/>
+            <a:endParaRPr lang="en-DK"/>
+          </a:p>
+        </p:txBody>
+      </p:sp>
+      <p:sp>
+        <p:nvSpPr>
+          <p:cNvPr id="10" name="Rectangle 9">
+            <a:extLst>
+              <a:ext uri="{FF2B5EF4-FFF2-40B4-BE49-F238E27FC236}">
+                <a16:creationId xmlns:a16="http://schemas.microsoft.com/office/drawing/2014/main" id="{EB671691-7505-DF9D-8874-918A137C8066}"/>
+              </a:ext>
+            </a:extLst>
+          </p:cNvPr>
+          <p:cNvSpPr/>
+          <p:nvPr/>
+        </p:nvSpPr>
+        <p:spPr>
+          <a:xfrm>
+            <a:off x="1679402" y="3230381"/>
+            <a:ext cx="3795568" cy="364604"/>
+          </a:xfrm>
+          <a:prstGeom prst="rect">
+            <a:avLst/>
+          </a:prstGeom>
+          <a:noFill/>
+          <a:ln w="28575">
+            <a:solidFill>
+              <a:srgbClr val="FF0000"/>
+            </a:solidFill>
+          </a:ln>
+        </p:spPr>
+        <p:style>
+          <a:lnRef idx="2">
+            <a:schemeClr val="accent1">
+              <a:shade val="15000"/>
+            </a:schemeClr>
+          </a:lnRef>
+          <a:fillRef idx="1">
+            <a:schemeClr val="accent1"/>
+          </a:fillRef>
+          <a:effectRef idx="0">
+            <a:schemeClr val="accent1"/>
+          </a:effectRef>
+          <a:fontRef idx="minor">
+            <a:schemeClr val="lt1"/>
+          </a:fontRef>
+        </p:style>
+        <p:txBody>
+          <a:bodyPr rtlCol="0" anchor="ctr"/>
+          <a:lstStyle/>
+          <a:p>
+            <a:pPr algn="ctr"/>
+            <a:endParaRPr lang="en-DK"/>
+          </a:p>
+        </p:txBody>
+      </p:sp>
+      <p:sp>
+        <p:nvSpPr>
+          <p:cNvPr id="11" name="Rectangle 10">
+            <a:extLst>
+              <a:ext uri="{FF2B5EF4-FFF2-40B4-BE49-F238E27FC236}">
+                <a16:creationId xmlns:a16="http://schemas.microsoft.com/office/drawing/2014/main" id="{A6FE7FBE-DA88-6ACF-509D-592D10C125B0}"/>
+              </a:ext>
+            </a:extLst>
+          </p:cNvPr>
+          <p:cNvSpPr/>
+          <p:nvPr/>
+        </p:nvSpPr>
+        <p:spPr>
+          <a:xfrm>
+            <a:off x="4460702" y="3669319"/>
+            <a:ext cx="1014268" cy="428770"/>
+          </a:xfrm>
+          <a:prstGeom prst="rect">
+            <a:avLst/>
+          </a:prstGeom>
+          <a:noFill/>
+          <a:ln w="28575">
+            <a:solidFill>
+              <a:srgbClr val="FF0000"/>
+            </a:solidFill>
+          </a:ln>
+        </p:spPr>
+        <p:style>
+          <a:lnRef idx="2">
+            <a:schemeClr val="accent1">
+              <a:shade val="15000"/>
+            </a:schemeClr>
+          </a:lnRef>
+          <a:fillRef idx="1">
+            <a:schemeClr val="accent1"/>
+          </a:fillRef>
+          <a:effectRef idx="0">
+            <a:schemeClr val="accent1"/>
+          </a:effectRef>
+          <a:fontRef idx="minor">
+            <a:schemeClr val="lt1"/>
+          </a:fontRef>
+        </p:style>
+        <p:txBody>
+          <a:bodyPr rtlCol="0" anchor="ctr"/>
+          <a:lstStyle/>
+          <a:p>
+            <a:pPr algn="ctr"/>
+            <a:endParaRPr lang="en-DK"/>
+          </a:p>
+        </p:txBody>
+      </p:sp>
+      <p:cxnSp>
+        <p:nvCxnSpPr>
+          <p:cNvPr id="15" name="Straight Arrow Connector 14">
+            <a:extLst>
+              <a:ext uri="{FF2B5EF4-FFF2-40B4-BE49-F238E27FC236}">
+                <a16:creationId xmlns:a16="http://schemas.microsoft.com/office/drawing/2014/main" id="{F45A180E-078B-365F-6DF9-4D666B14CEAB}"/>
+              </a:ext>
+            </a:extLst>
+          </p:cNvPr>
+          <p:cNvCxnSpPr>
+            <a:cxnSpLocks/>
+            <a:stCxn id="26" idx="1"/>
+            <a:endCxn id="8" idx="3"/>
+          </p:cNvCxnSpPr>
+          <p:nvPr/>
+        </p:nvCxnSpPr>
+        <p:spPr>
+          <a:xfrm flipH="1" flipV="1">
+            <a:off x="5474970" y="2567256"/>
+            <a:ext cx="342900" cy="1"/>
+          </a:xfrm>
+          <a:prstGeom prst="straightConnector1">
+            <a:avLst/>
+          </a:prstGeom>
+          <a:ln w="38100">
+            <a:solidFill>
+              <a:schemeClr val="tx1"/>
+            </a:solidFill>
+            <a:tailEnd type="triangle"/>
+          </a:ln>
+        </p:spPr>
+        <p:style>
+          <a:lnRef idx="2">
+            <a:schemeClr val="accent1"/>
+          </a:lnRef>
+          <a:fillRef idx="0">
+            <a:schemeClr val="accent1"/>
+          </a:fillRef>
+          <a:effectRef idx="1">
+            <a:schemeClr val="accent1"/>
+          </a:effectRef>
+          <a:fontRef idx="minor">
+            <a:schemeClr val="tx1"/>
+          </a:fontRef>
+        </p:style>
+      </p:cxnSp>
+      <p:cxnSp>
+        <p:nvCxnSpPr>
+          <p:cNvPr id="17" name="Straight Arrow Connector 16">
+            <a:extLst>
+              <a:ext uri="{FF2B5EF4-FFF2-40B4-BE49-F238E27FC236}">
+                <a16:creationId xmlns:a16="http://schemas.microsoft.com/office/drawing/2014/main" id="{58EAD067-62C1-75BB-ED87-98042510D5F1}"/>
+              </a:ext>
+            </a:extLst>
+          </p:cNvPr>
+          <p:cNvCxnSpPr>
+            <a:cxnSpLocks/>
+            <a:stCxn id="28" idx="1"/>
+            <a:endCxn id="9" idx="3"/>
+          </p:cNvCxnSpPr>
+          <p:nvPr/>
+        </p:nvCxnSpPr>
+        <p:spPr>
+          <a:xfrm flipH="1">
+            <a:off x="5474970" y="2992505"/>
+            <a:ext cx="342900" cy="1183"/>
+          </a:xfrm>
+          <a:prstGeom prst="straightConnector1">
+            <a:avLst/>
+          </a:prstGeom>
+          <a:ln w="38100">
+            <a:solidFill>
+              <a:schemeClr val="tx1"/>
+            </a:solidFill>
+            <a:tailEnd type="triangle"/>
+          </a:ln>
+        </p:spPr>
+        <p:style>
+          <a:lnRef idx="2">
+            <a:schemeClr val="accent1"/>
+          </a:lnRef>
+          <a:fillRef idx="0">
+            <a:schemeClr val="accent1"/>
+          </a:fillRef>
+          <a:effectRef idx="1">
+            <a:schemeClr val="accent1"/>
+          </a:effectRef>
+          <a:fontRef idx="minor">
+            <a:schemeClr val="tx1"/>
+          </a:fontRef>
+        </p:style>
+      </p:cxnSp>
+      <p:cxnSp>
+        <p:nvCxnSpPr>
+          <p:cNvPr id="23" name="Straight Arrow Connector 22">
+            <a:extLst>
+              <a:ext uri="{FF2B5EF4-FFF2-40B4-BE49-F238E27FC236}">
+                <a16:creationId xmlns:a16="http://schemas.microsoft.com/office/drawing/2014/main" id="{72B89881-1F68-1A61-4E12-9B3152109BD5}"/>
+              </a:ext>
+            </a:extLst>
+          </p:cNvPr>
+          <p:cNvCxnSpPr>
+            <a:cxnSpLocks/>
+            <a:stCxn id="30" idx="1"/>
+            <a:endCxn id="10" idx="3"/>
+          </p:cNvCxnSpPr>
+          <p:nvPr/>
+        </p:nvCxnSpPr>
+        <p:spPr>
+          <a:xfrm flipH="1" flipV="1">
+            <a:off x="5474970" y="3412683"/>
+            <a:ext cx="342899" cy="6254"/>
+          </a:xfrm>
+          <a:prstGeom prst="straightConnector1">
+            <a:avLst/>
+          </a:prstGeom>
+          <a:ln w="38100">
+            <a:solidFill>
+              <a:schemeClr val="tx1"/>
+            </a:solidFill>
+            <a:tailEnd type="triangle"/>
+          </a:ln>
+        </p:spPr>
+        <p:style>
+          <a:lnRef idx="2">
+            <a:schemeClr val="accent1"/>
+          </a:lnRef>
+          <a:fillRef idx="0">
+            <a:schemeClr val="accent1"/>
+          </a:fillRef>
+          <a:effectRef idx="1">
+            <a:schemeClr val="accent1"/>
+          </a:effectRef>
+          <a:fontRef idx="minor">
+            <a:schemeClr val="tx1"/>
+          </a:fontRef>
+        </p:style>
+      </p:cxnSp>
+      <p:sp>
+        <p:nvSpPr>
+          <p:cNvPr id="26" name="TextBox 25">
+            <a:extLst>
+              <a:ext uri="{FF2B5EF4-FFF2-40B4-BE49-F238E27FC236}">
+                <a16:creationId xmlns:a16="http://schemas.microsoft.com/office/drawing/2014/main" id="{A0E605B0-1949-A8BC-E20A-01B43F75D430}"/>
+              </a:ext>
+            </a:extLst>
+          </p:cNvPr>
+          <p:cNvSpPr txBox="1"/>
+          <p:nvPr/>
+        </p:nvSpPr>
+        <p:spPr>
+          <a:xfrm>
+            <a:off x="5817870" y="2336424"/>
+            <a:ext cx="5863272" cy="461665"/>
+          </a:xfrm>
+          <a:prstGeom prst="rect">
+            <a:avLst/>
+          </a:prstGeom>
+          <a:noFill/>
+        </p:spPr>
+        <p:txBody>
+          <a:bodyPr wrap="none" rtlCol="0">
+            <a:spAutoFit/>
+          </a:bodyPr>
+          <a:lstStyle/>
+          <a:p>
+            <a:r>
+              <a:rPr lang="en-GB" sz="2400" dirty="0"/>
+              <a:t>Name that is displayed to the experimenter</a:t>
+            </a:r>
+            <a:endParaRPr lang="en-DK" sz="2400" dirty="0"/>
+          </a:p>
+        </p:txBody>
+      </p:sp>
+      <p:sp>
+        <p:nvSpPr>
+          <p:cNvPr id="28" name="TextBox 27">
+            <a:extLst>
+              <a:ext uri="{FF2B5EF4-FFF2-40B4-BE49-F238E27FC236}">
+                <a16:creationId xmlns:a16="http://schemas.microsoft.com/office/drawing/2014/main" id="{18025A67-6066-1A0F-08EC-D36A42749870}"/>
+              </a:ext>
+            </a:extLst>
+          </p:cNvPr>
+          <p:cNvSpPr txBox="1"/>
+          <p:nvPr/>
+        </p:nvSpPr>
+        <p:spPr>
+          <a:xfrm>
+            <a:off x="5817870" y="2761672"/>
+            <a:ext cx="3731471" cy="461665"/>
+          </a:xfrm>
+          <a:prstGeom prst="rect">
+            <a:avLst/>
+          </a:prstGeom>
+          <a:noFill/>
+        </p:spPr>
+        <p:txBody>
+          <a:bodyPr wrap="none" rtlCol="0">
+            <a:spAutoFit/>
+          </a:bodyPr>
+          <a:lstStyle/>
+          <a:p>
+            <a:r>
+              <a:rPr lang="en-GB" sz="2400" dirty="0"/>
+              <a:t>Experimental setup variant</a:t>
+            </a:r>
+            <a:endParaRPr lang="en-DK" sz="2400" dirty="0"/>
+          </a:p>
+        </p:txBody>
+      </p:sp>
+      <p:sp>
+        <p:nvSpPr>
+          <p:cNvPr id="30" name="TextBox 29">
+            <a:extLst>
+              <a:ext uri="{FF2B5EF4-FFF2-40B4-BE49-F238E27FC236}">
+                <a16:creationId xmlns:a16="http://schemas.microsoft.com/office/drawing/2014/main" id="{60DFDEC9-4700-B6BD-0CE6-3678366177EE}"/>
+              </a:ext>
+            </a:extLst>
+          </p:cNvPr>
+          <p:cNvSpPr txBox="1"/>
+          <p:nvPr/>
+        </p:nvSpPr>
+        <p:spPr>
+          <a:xfrm>
+            <a:off x="5817869" y="3188104"/>
+            <a:ext cx="4830553" cy="461665"/>
+          </a:xfrm>
+          <a:prstGeom prst="rect">
+            <a:avLst/>
+          </a:prstGeom>
+          <a:noFill/>
+        </p:spPr>
+        <p:txBody>
+          <a:bodyPr wrap="none" rtlCol="0">
+            <a:spAutoFit/>
+          </a:bodyPr>
+          <a:lstStyle/>
+          <a:p>
+            <a:r>
+              <a:rPr lang="en-GB" sz="2400" dirty="0"/>
+              <a:t>Store the protocol in the repository</a:t>
+            </a:r>
+            <a:endParaRPr lang="en-DK" sz="2400" dirty="0"/>
+          </a:p>
+        </p:txBody>
+      </p:sp>
+      <p:sp>
+        <p:nvSpPr>
+          <p:cNvPr id="32" name="TextBox 31">
+            <a:extLst>
+              <a:ext uri="{FF2B5EF4-FFF2-40B4-BE49-F238E27FC236}">
+                <a16:creationId xmlns:a16="http://schemas.microsoft.com/office/drawing/2014/main" id="{6B71552F-72C9-0259-BC8E-58F93AB9F1C5}"/>
+              </a:ext>
+            </a:extLst>
+          </p:cNvPr>
+          <p:cNvSpPr txBox="1"/>
+          <p:nvPr/>
+        </p:nvSpPr>
+        <p:spPr>
+          <a:xfrm>
+            <a:off x="5817868" y="3652848"/>
+            <a:ext cx="4153573" cy="461665"/>
+          </a:xfrm>
+          <a:prstGeom prst="rect">
+            <a:avLst/>
+          </a:prstGeom>
+          <a:noFill/>
+        </p:spPr>
+        <p:txBody>
+          <a:bodyPr wrap="none" rtlCol="0">
+            <a:spAutoFit/>
+          </a:bodyPr>
+          <a:lstStyle/>
+          <a:p>
+            <a:r>
+              <a:rPr lang="en-GB" sz="2400" dirty="0"/>
+              <a:t>Click to create the experiment</a:t>
+            </a:r>
+            <a:endParaRPr lang="en-DK" sz="2400" dirty="0"/>
+          </a:p>
+        </p:txBody>
+      </p:sp>
+      <p:cxnSp>
+        <p:nvCxnSpPr>
+          <p:cNvPr id="33" name="Straight Arrow Connector 32">
+            <a:extLst>
+              <a:ext uri="{FF2B5EF4-FFF2-40B4-BE49-F238E27FC236}">
+                <a16:creationId xmlns:a16="http://schemas.microsoft.com/office/drawing/2014/main" id="{C6045B32-3FC4-2023-0C9D-40AE9EB4EC9C}"/>
+              </a:ext>
+            </a:extLst>
+          </p:cNvPr>
+          <p:cNvCxnSpPr>
+            <a:cxnSpLocks/>
+            <a:stCxn id="32" idx="1"/>
+            <a:endCxn id="11" idx="3"/>
+          </p:cNvCxnSpPr>
+          <p:nvPr/>
+        </p:nvCxnSpPr>
+        <p:spPr>
+          <a:xfrm flipH="1">
+            <a:off x="5474970" y="3883681"/>
+            <a:ext cx="342898" cy="23"/>
+          </a:xfrm>
+          <a:prstGeom prst="straightConnector1">
+            <a:avLst/>
+          </a:prstGeom>
+          <a:ln w="38100">
+            <a:solidFill>
+              <a:schemeClr val="tx1"/>
+            </a:solidFill>
+            <a:tailEnd type="triangle"/>
+          </a:ln>
+        </p:spPr>
+        <p:style>
+          <a:lnRef idx="2">
+            <a:schemeClr val="accent1"/>
+          </a:lnRef>
+          <a:fillRef idx="0">
+            <a:schemeClr val="accent1"/>
+          </a:fillRef>
+          <a:effectRef idx="1">
+            <a:schemeClr val="accent1"/>
+          </a:effectRef>
+          <a:fontRef idx="minor">
+            <a:schemeClr val="tx1"/>
+          </a:fontRef>
+        </p:style>
+      </p:cxnSp>
+    </p:spTree>
+    <p:extLst>
+      <p:ext uri="{BB962C8B-B14F-4D97-AF65-F5344CB8AC3E}">
+        <p14:creationId xmlns:p14="http://schemas.microsoft.com/office/powerpoint/2010/main" val="251639221"/>
+      </p:ext>
+    </p:extLst>
+  </p:cSld>
+  <p:clrMapOvr>
+    <a:masterClrMapping/>
+  </p:clrMapOvr>
+</p:sld>
+</file>
+
+<file path=ppt/slides/slide8.xml><?xml version="1.0" encoding="utf-8"?>
+<p:sld xmlns:a="http://schemas.openxmlformats.org/drawingml/2006/main" xmlns:r="http://schemas.openxmlformats.org/officeDocument/2006/relationships" xmlns:p="http://schemas.openxmlformats.org/presentationml/2006/main">
+  <p:cSld>
+    <p:spTree>
+      <p:nvGrpSpPr>
+        <p:cNvPr id="1" name=""/>
+        <p:cNvGrpSpPr/>
+        <p:nvPr/>
+      </p:nvGrpSpPr>
+      <p:grpSpPr>
+        <a:xfrm>
+          <a:off x="0" y="0"/>
+          <a:ext cx="0" cy="0"/>
+          <a:chOff x="0" y="0"/>
+          <a:chExt cx="0" cy="0"/>
+        </a:xfrm>
+      </p:grpSpPr>
+      <p:pic>
+        <p:nvPicPr>
+          <p:cNvPr id="3" name="Picture 2">
+            <a:extLst>
+              <a:ext uri="{FF2B5EF4-FFF2-40B4-BE49-F238E27FC236}">
+                <a16:creationId xmlns:a16="http://schemas.microsoft.com/office/drawing/2014/main" id="{4EF425E4-D863-92C7-397E-876543B6C702}"/>
+              </a:ext>
+            </a:extLst>
+          </p:cNvPr>
+          <p:cNvPicPr>
+            <a:picLocks noChangeAspect="1"/>
+          </p:cNvPicPr>
+          <p:nvPr/>
+        </p:nvPicPr>
+        <p:blipFill>
+          <a:blip r:embed="rId2"/>
+          <a:stretch>
+            <a:fillRect/>
+          </a:stretch>
+        </p:blipFill>
+        <p:spPr>
+          <a:xfrm>
+            <a:off x="2526030" y="1404133"/>
+            <a:ext cx="7429500" cy="3359347"/>
+          </a:xfrm>
+          <a:prstGeom prst="rect">
+            <a:avLst/>
+          </a:prstGeom>
+        </p:spPr>
+      </p:pic>
+      <p:sp>
+        <p:nvSpPr>
+          <p:cNvPr id="4" name="TextBox 3">
+            <a:extLst>
+              <a:ext uri="{FF2B5EF4-FFF2-40B4-BE49-F238E27FC236}">
+                <a16:creationId xmlns:a16="http://schemas.microsoft.com/office/drawing/2014/main" id="{E9EADEC2-A331-5BA3-6CAF-1A880DD6A21D}"/>
+              </a:ext>
+            </a:extLst>
+          </p:cNvPr>
+          <p:cNvSpPr txBox="1"/>
+          <p:nvPr/>
+        </p:nvSpPr>
+        <p:spPr>
+          <a:xfrm>
+            <a:off x="297180" y="5017769"/>
+            <a:ext cx="3949864" cy="461665"/>
+          </a:xfrm>
+          <a:prstGeom prst="rect">
+            <a:avLst/>
+          </a:prstGeom>
+          <a:noFill/>
+        </p:spPr>
+        <p:txBody>
+          <a:bodyPr wrap="none" rtlCol="0">
+            <a:spAutoFit/>
+          </a:bodyPr>
+          <a:lstStyle/>
+          <a:p>
+            <a:r>
+              <a:rPr lang="en-GB" sz="2400" dirty="0"/>
+              <a:t>Select the Experiments page</a:t>
+            </a:r>
+            <a:endParaRPr lang="en-DK" sz="2400" dirty="0"/>
+          </a:p>
+        </p:txBody>
+      </p:sp>
+      <p:sp>
+        <p:nvSpPr>
+          <p:cNvPr id="5" name="Rectangle 4">
+            <a:extLst>
+              <a:ext uri="{FF2B5EF4-FFF2-40B4-BE49-F238E27FC236}">
+                <a16:creationId xmlns:a16="http://schemas.microsoft.com/office/drawing/2014/main" id="{D4D021E6-3134-A066-2FB0-74EEDCFF0B95}"/>
+              </a:ext>
+            </a:extLst>
+          </p:cNvPr>
+          <p:cNvSpPr/>
+          <p:nvPr/>
+        </p:nvSpPr>
+        <p:spPr>
+          <a:xfrm>
+            <a:off x="2530290" y="3272662"/>
+            <a:ext cx="592640" cy="561468"/>
+          </a:xfrm>
+          <a:prstGeom prst="rect">
+            <a:avLst/>
+          </a:prstGeom>
+          <a:noFill/>
+          <a:ln w="28575">
+            <a:solidFill>
+              <a:srgbClr val="FF0000"/>
+            </a:solidFill>
+          </a:ln>
+        </p:spPr>
+        <p:style>
+          <a:lnRef idx="2">
+            <a:schemeClr val="accent1">
+              <a:shade val="15000"/>
+            </a:schemeClr>
+          </a:lnRef>
+          <a:fillRef idx="1">
+            <a:schemeClr val="accent1"/>
+          </a:fillRef>
+          <a:effectRef idx="0">
+            <a:schemeClr val="accent1"/>
+          </a:effectRef>
+          <a:fontRef idx="minor">
+            <a:schemeClr val="lt1"/>
+          </a:fontRef>
+        </p:style>
+        <p:txBody>
+          <a:bodyPr rtlCol="0" anchor="ctr"/>
+          <a:lstStyle/>
+          <a:p>
+            <a:pPr algn="ctr"/>
+            <a:endParaRPr lang="en-DK"/>
+          </a:p>
+        </p:txBody>
+      </p:sp>
+      <p:cxnSp>
+        <p:nvCxnSpPr>
+          <p:cNvPr id="6" name="Connector: Elbow 5">
+            <a:extLst>
+              <a:ext uri="{FF2B5EF4-FFF2-40B4-BE49-F238E27FC236}">
+                <a16:creationId xmlns:a16="http://schemas.microsoft.com/office/drawing/2014/main" id="{EF64CC2F-D387-2A93-16DC-817A313A1569}"/>
+              </a:ext>
+            </a:extLst>
+          </p:cNvPr>
+          <p:cNvCxnSpPr>
+            <a:cxnSpLocks/>
+            <a:stCxn id="4" idx="0"/>
+            <a:endCxn id="5" idx="1"/>
+          </p:cNvCxnSpPr>
+          <p:nvPr/>
+        </p:nvCxnSpPr>
+        <p:spPr>
+          <a:xfrm rot="5400000" flipH="1" flipV="1">
+            <a:off x="1669015" y="4156494"/>
+            <a:ext cx="1464373" cy="258178"/>
+          </a:xfrm>
+          <a:prstGeom prst="bentConnector2">
+            <a:avLst/>
+          </a:prstGeom>
+          <a:ln w="38100">
+            <a:solidFill>
+              <a:schemeClr val="tx1"/>
+            </a:solidFill>
+            <a:tailEnd type="triangle"/>
+          </a:ln>
+        </p:spPr>
+        <p:style>
+          <a:lnRef idx="2">
+            <a:schemeClr val="accent1"/>
+          </a:lnRef>
+          <a:fillRef idx="0">
+            <a:schemeClr val="accent1"/>
+          </a:fillRef>
+          <a:effectRef idx="1">
+            <a:schemeClr val="accent1"/>
+          </a:effectRef>
+          <a:fontRef idx="minor">
+            <a:schemeClr val="tx1"/>
+          </a:fontRef>
+        </p:style>
+      </p:cxnSp>
+      <p:sp>
+        <p:nvSpPr>
+          <p:cNvPr id="8" name="TextBox 7">
+            <a:extLst>
+              <a:ext uri="{FF2B5EF4-FFF2-40B4-BE49-F238E27FC236}">
+                <a16:creationId xmlns:a16="http://schemas.microsoft.com/office/drawing/2014/main" id="{C968A973-3DE4-1A19-0023-F08819EFCC27}"/>
+              </a:ext>
+            </a:extLst>
+          </p:cNvPr>
+          <p:cNvSpPr txBox="1"/>
+          <p:nvPr/>
+        </p:nvSpPr>
+        <p:spPr>
+          <a:xfrm>
+            <a:off x="2092465" y="789777"/>
+            <a:ext cx="4377737" cy="461665"/>
+          </a:xfrm>
+          <a:prstGeom prst="rect">
+            <a:avLst/>
+          </a:prstGeom>
+          <a:noFill/>
+        </p:spPr>
+        <p:txBody>
+          <a:bodyPr wrap="none" rtlCol="0">
+            <a:spAutoFit/>
+          </a:bodyPr>
+          <a:lstStyle/>
+          <a:p>
+            <a:r>
+              <a:rPr lang="en-GB" sz="2400" dirty="0"/>
+              <a:t>Select the experiment to mange</a:t>
+            </a:r>
+            <a:endParaRPr lang="en-DK" sz="2400" dirty="0"/>
+          </a:p>
+        </p:txBody>
+      </p:sp>
+      <p:sp>
+        <p:nvSpPr>
+          <p:cNvPr id="9" name="Rectangle 8">
+            <a:extLst>
+              <a:ext uri="{FF2B5EF4-FFF2-40B4-BE49-F238E27FC236}">
+                <a16:creationId xmlns:a16="http://schemas.microsoft.com/office/drawing/2014/main" id="{692C1DD8-E2AD-4BC3-7414-828C6C05E660}"/>
+              </a:ext>
+            </a:extLst>
+          </p:cNvPr>
+          <p:cNvSpPr/>
+          <p:nvPr/>
+        </p:nvSpPr>
+        <p:spPr>
+          <a:xfrm>
+            <a:off x="3145790" y="2228433"/>
+            <a:ext cx="2249170" cy="343317"/>
+          </a:xfrm>
+          <a:prstGeom prst="rect">
+            <a:avLst/>
+          </a:prstGeom>
+          <a:noFill/>
+          <a:ln w="28575">
+            <a:solidFill>
+              <a:srgbClr val="FF0000"/>
+            </a:solidFill>
+          </a:ln>
+        </p:spPr>
+        <p:style>
+          <a:lnRef idx="2">
+            <a:schemeClr val="accent1">
+              <a:shade val="15000"/>
+            </a:schemeClr>
+          </a:lnRef>
+          <a:fillRef idx="1">
+            <a:schemeClr val="accent1"/>
+          </a:fillRef>
+          <a:effectRef idx="0">
+            <a:schemeClr val="accent1"/>
+          </a:effectRef>
+          <a:fontRef idx="minor">
+            <a:schemeClr val="lt1"/>
+          </a:fontRef>
+        </p:style>
+        <p:txBody>
+          <a:bodyPr rtlCol="0" anchor="ctr"/>
+          <a:lstStyle/>
+          <a:p>
+            <a:pPr algn="ctr"/>
+            <a:endParaRPr lang="en-DK"/>
+          </a:p>
+        </p:txBody>
+      </p:sp>
+      <p:cxnSp>
+        <p:nvCxnSpPr>
+          <p:cNvPr id="10" name="Straight Arrow Connector 9">
+            <a:extLst>
+              <a:ext uri="{FF2B5EF4-FFF2-40B4-BE49-F238E27FC236}">
+                <a16:creationId xmlns:a16="http://schemas.microsoft.com/office/drawing/2014/main" id="{46E87455-0E83-2C3C-4D75-2EBE3DD1B4EA}"/>
+              </a:ext>
+            </a:extLst>
+          </p:cNvPr>
+          <p:cNvCxnSpPr>
+            <a:cxnSpLocks/>
+            <a:stCxn id="8" idx="2"/>
+            <a:endCxn id="9" idx="0"/>
+          </p:cNvCxnSpPr>
+          <p:nvPr/>
+        </p:nvCxnSpPr>
+        <p:spPr>
+          <a:xfrm flipH="1">
+            <a:off x="4270375" y="1251442"/>
+            <a:ext cx="10959" cy="976991"/>
+          </a:xfrm>
+          <a:prstGeom prst="straightConnector1">
+            <a:avLst/>
+          </a:prstGeom>
+          <a:ln w="38100">
+            <a:solidFill>
+              <a:schemeClr val="tx1"/>
+            </a:solidFill>
+            <a:tailEnd type="triangle"/>
+          </a:ln>
+        </p:spPr>
+        <p:style>
+          <a:lnRef idx="2">
+            <a:schemeClr val="accent1"/>
+          </a:lnRef>
+          <a:fillRef idx="0">
+            <a:schemeClr val="accent1"/>
+          </a:fillRef>
+          <a:effectRef idx="1">
+            <a:schemeClr val="accent1"/>
+          </a:effectRef>
+          <a:fontRef idx="minor">
+            <a:schemeClr val="tx1"/>
+          </a:fontRef>
+        </p:style>
+      </p:cxnSp>
+      <p:sp>
+        <p:nvSpPr>
+          <p:cNvPr id="13" name="Rectangle 12">
+            <a:extLst>
+              <a:ext uri="{FF2B5EF4-FFF2-40B4-BE49-F238E27FC236}">
+                <a16:creationId xmlns:a16="http://schemas.microsoft.com/office/drawing/2014/main" id="{02E6157E-E772-06E4-86BE-8602F6E1FFD2}"/>
+              </a:ext>
+            </a:extLst>
+          </p:cNvPr>
+          <p:cNvSpPr/>
+          <p:nvPr/>
+        </p:nvSpPr>
+        <p:spPr>
+          <a:xfrm>
+            <a:off x="5437505" y="1850154"/>
+            <a:ext cx="725620" cy="2890466"/>
+          </a:xfrm>
+          <a:prstGeom prst="rect">
+            <a:avLst/>
+          </a:prstGeom>
+          <a:noFill/>
+          <a:ln w="28575">
+            <a:solidFill>
+              <a:srgbClr val="FF0000"/>
+            </a:solidFill>
+          </a:ln>
+        </p:spPr>
+        <p:style>
+          <a:lnRef idx="2">
+            <a:schemeClr val="accent1">
+              <a:shade val="15000"/>
+            </a:schemeClr>
+          </a:lnRef>
+          <a:fillRef idx="1">
+            <a:schemeClr val="accent1"/>
+          </a:fillRef>
+          <a:effectRef idx="0">
+            <a:schemeClr val="accent1"/>
+          </a:effectRef>
+          <a:fontRef idx="minor">
+            <a:schemeClr val="lt1"/>
+          </a:fontRef>
+        </p:style>
+        <p:txBody>
+          <a:bodyPr rtlCol="0" anchor="ctr"/>
+          <a:lstStyle/>
+          <a:p>
+            <a:pPr algn="ctr"/>
+            <a:endParaRPr lang="en-DK"/>
+          </a:p>
+        </p:txBody>
+      </p:sp>
+      <p:sp>
+        <p:nvSpPr>
+          <p:cNvPr id="14" name="TextBox 13">
+            <a:extLst>
+              <a:ext uri="{FF2B5EF4-FFF2-40B4-BE49-F238E27FC236}">
+                <a16:creationId xmlns:a16="http://schemas.microsoft.com/office/drawing/2014/main" id="{09B3C657-F866-0E68-BCCC-8E42CD32CB17}"/>
+              </a:ext>
+            </a:extLst>
+          </p:cNvPr>
+          <p:cNvSpPr txBox="1"/>
+          <p:nvPr/>
+        </p:nvSpPr>
+        <p:spPr>
+          <a:xfrm>
+            <a:off x="3906463" y="5479434"/>
+            <a:ext cx="3787704" cy="461665"/>
+          </a:xfrm>
+          <a:prstGeom prst="rect">
+            <a:avLst/>
+          </a:prstGeom>
+          <a:noFill/>
+        </p:spPr>
+        <p:txBody>
+          <a:bodyPr wrap="none" rtlCol="0">
+            <a:spAutoFit/>
+          </a:bodyPr>
+          <a:lstStyle/>
+          <a:p>
+            <a:r>
+              <a:rPr lang="en-GB" sz="2400" dirty="0"/>
+              <a:t>Select the experiment page</a:t>
+            </a:r>
+            <a:endParaRPr lang="en-DK" sz="2400" dirty="0"/>
+          </a:p>
+        </p:txBody>
+      </p:sp>
+      <p:sp>
+        <p:nvSpPr>
+          <p:cNvPr id="15" name="Rectangle 14">
+            <a:extLst>
+              <a:ext uri="{FF2B5EF4-FFF2-40B4-BE49-F238E27FC236}">
+                <a16:creationId xmlns:a16="http://schemas.microsoft.com/office/drawing/2014/main" id="{7F9B9E7C-7535-E502-870F-ADCC0588FC4C}"/>
+              </a:ext>
+            </a:extLst>
+          </p:cNvPr>
+          <p:cNvSpPr/>
+          <p:nvPr/>
+        </p:nvSpPr>
+        <p:spPr>
+          <a:xfrm>
+            <a:off x="6163124" y="1850154"/>
+            <a:ext cx="3756763" cy="2890466"/>
+          </a:xfrm>
+          <a:prstGeom prst="rect">
+            <a:avLst/>
+          </a:prstGeom>
+          <a:noFill/>
+          <a:ln w="28575">
+            <a:solidFill>
+              <a:srgbClr val="FF0000"/>
+            </a:solidFill>
+          </a:ln>
+        </p:spPr>
+        <p:style>
+          <a:lnRef idx="2">
+            <a:schemeClr val="accent1">
+              <a:shade val="15000"/>
+            </a:schemeClr>
+          </a:lnRef>
+          <a:fillRef idx="1">
+            <a:schemeClr val="accent1"/>
+          </a:fillRef>
+          <a:effectRef idx="0">
+            <a:schemeClr val="accent1"/>
+          </a:effectRef>
+          <a:fontRef idx="minor">
+            <a:schemeClr val="lt1"/>
+          </a:fontRef>
+        </p:style>
+        <p:txBody>
+          <a:bodyPr rtlCol="0" anchor="ctr"/>
+          <a:lstStyle/>
+          <a:p>
+            <a:pPr algn="ctr"/>
+            <a:endParaRPr lang="en-DK"/>
+          </a:p>
+        </p:txBody>
+      </p:sp>
+      <p:cxnSp>
+        <p:nvCxnSpPr>
+          <p:cNvPr id="16" name="Straight Arrow Connector 15">
+            <a:extLst>
+              <a:ext uri="{FF2B5EF4-FFF2-40B4-BE49-F238E27FC236}">
+                <a16:creationId xmlns:a16="http://schemas.microsoft.com/office/drawing/2014/main" id="{B2A80DC5-FC87-6D1C-286E-CAF2C10FB41E}"/>
+              </a:ext>
+            </a:extLst>
+          </p:cNvPr>
+          <p:cNvCxnSpPr>
+            <a:cxnSpLocks/>
+            <a:stCxn id="14" idx="0"/>
+            <a:endCxn id="13" idx="2"/>
+          </p:cNvCxnSpPr>
+          <p:nvPr/>
+        </p:nvCxnSpPr>
+        <p:spPr>
+          <a:xfrm flipV="1">
+            <a:off x="5800315" y="4740620"/>
+            <a:ext cx="0" cy="738814"/>
+          </a:xfrm>
+          <a:prstGeom prst="straightConnector1">
+            <a:avLst/>
+          </a:prstGeom>
+          <a:ln w="38100">
+            <a:solidFill>
+              <a:schemeClr val="tx1"/>
+            </a:solidFill>
+            <a:tailEnd type="triangle"/>
+          </a:ln>
+        </p:spPr>
+        <p:style>
+          <a:lnRef idx="2">
+            <a:schemeClr val="accent1"/>
+          </a:lnRef>
+          <a:fillRef idx="0">
+            <a:schemeClr val="accent1"/>
+          </a:fillRef>
+          <a:effectRef idx="1">
+            <a:schemeClr val="accent1"/>
+          </a:effectRef>
+          <a:fontRef idx="minor">
+            <a:schemeClr val="tx1"/>
+          </a:fontRef>
+        </p:style>
+      </p:cxnSp>
+      <p:sp>
+        <p:nvSpPr>
+          <p:cNvPr id="22" name="TextBox 21">
+            <a:extLst>
+              <a:ext uri="{FF2B5EF4-FFF2-40B4-BE49-F238E27FC236}">
+                <a16:creationId xmlns:a16="http://schemas.microsoft.com/office/drawing/2014/main" id="{24639197-BCBA-3BCD-64E3-5BC0B964A43E}"/>
+              </a:ext>
+            </a:extLst>
+          </p:cNvPr>
+          <p:cNvSpPr txBox="1"/>
+          <p:nvPr/>
+        </p:nvSpPr>
+        <p:spPr>
+          <a:xfrm>
+            <a:off x="6109323" y="5017769"/>
+            <a:ext cx="3861570" cy="461665"/>
+          </a:xfrm>
+          <a:prstGeom prst="rect">
+            <a:avLst/>
+          </a:prstGeom>
+          <a:noFill/>
+        </p:spPr>
+        <p:txBody>
+          <a:bodyPr wrap="none" rtlCol="0">
+            <a:spAutoFit/>
+          </a:bodyPr>
+          <a:lstStyle/>
+          <a:p>
+            <a:r>
+              <a:rPr lang="en-GB" sz="2400" dirty="0"/>
+              <a:t>Content of experiment page</a:t>
+            </a:r>
+            <a:endParaRPr lang="en-DK" sz="2400" dirty="0"/>
+          </a:p>
+        </p:txBody>
+      </p:sp>
+      <p:cxnSp>
+        <p:nvCxnSpPr>
+          <p:cNvPr id="23" name="Straight Arrow Connector 22">
+            <a:extLst>
+              <a:ext uri="{FF2B5EF4-FFF2-40B4-BE49-F238E27FC236}">
+                <a16:creationId xmlns:a16="http://schemas.microsoft.com/office/drawing/2014/main" id="{71BF9281-FA3C-22D9-C81F-52286AC410AE}"/>
+              </a:ext>
+            </a:extLst>
+          </p:cNvPr>
+          <p:cNvCxnSpPr>
+            <a:cxnSpLocks/>
+            <a:stCxn id="22" idx="0"/>
+            <a:endCxn id="15" idx="2"/>
+          </p:cNvCxnSpPr>
+          <p:nvPr/>
+        </p:nvCxnSpPr>
+        <p:spPr>
+          <a:xfrm flipV="1">
+            <a:off x="8040108" y="4740620"/>
+            <a:ext cx="1398" cy="277149"/>
+          </a:xfrm>
+          <a:prstGeom prst="straightConnector1">
+            <a:avLst/>
+          </a:prstGeom>
+          <a:ln w="38100">
+            <a:solidFill>
+              <a:schemeClr val="tx1"/>
+            </a:solidFill>
+            <a:tailEnd type="triangle"/>
+          </a:ln>
+        </p:spPr>
+        <p:style>
+          <a:lnRef idx="2">
+            <a:schemeClr val="accent1"/>
+          </a:lnRef>
+          <a:fillRef idx="0">
+            <a:schemeClr val="accent1"/>
+          </a:fillRef>
+          <a:effectRef idx="1">
+            <a:schemeClr val="accent1"/>
+          </a:effectRef>
+          <a:fontRef idx="minor">
+            <a:schemeClr val="tx1"/>
+          </a:fontRef>
+        </p:style>
+      </p:cxnSp>
+    </p:spTree>
+    <p:extLst>
+      <p:ext uri="{BB962C8B-B14F-4D97-AF65-F5344CB8AC3E}">
+        <p14:creationId xmlns:p14="http://schemas.microsoft.com/office/powerpoint/2010/main" val="212760252"/>
+      </p:ext>
+    </p:extLst>
+  </p:cSld>
+  <p:clrMapOvr>
+    <a:masterClrMapping/>
+  </p:clrMapOvr>
+</p:sld>
+</file>
+
+<file path=ppt/slides/slide9.xml><?xml version="1.0" encoding="utf-8"?>
+<p:sld xmlns:a="http://schemas.openxmlformats.org/drawingml/2006/main" xmlns:r="http://schemas.openxmlformats.org/officeDocument/2006/relationships" xmlns:p="http://schemas.openxmlformats.org/presentationml/2006/main">
+  <p:cSld>
+    <p:spTree>
+      <p:nvGrpSpPr>
+        <p:cNvPr id="1" name=""/>
+        <p:cNvGrpSpPr/>
+        <p:nvPr/>
+      </p:nvGrpSpPr>
+      <p:grpSpPr>
+        <a:xfrm>
+          <a:off x="0" y="0"/>
+          <a:ext cx="0" cy="0"/>
+          <a:chOff x="0" y="0"/>
+          <a:chExt cx="0" cy="0"/>
+        </a:xfrm>
+      </p:grpSpPr>
+      <p:pic>
+        <p:nvPicPr>
+          <p:cNvPr id="3" name="Picture 2">
+            <a:extLst>
+              <a:ext uri="{FF2B5EF4-FFF2-40B4-BE49-F238E27FC236}">
+                <a16:creationId xmlns:a16="http://schemas.microsoft.com/office/drawing/2014/main" id="{5E7841D2-9076-1115-3E04-ACB5B824EBE0}"/>
+              </a:ext>
+            </a:extLst>
+          </p:cNvPr>
+          <p:cNvPicPr>
+            <a:picLocks noChangeAspect="1"/>
+          </p:cNvPicPr>
+          <p:nvPr/>
+        </p:nvPicPr>
+        <p:blipFill>
+          <a:blip r:embed="rId2"/>
+          <a:srcRect l="14827" t="17624" r="13693" b="5555"/>
+          <a:stretch/>
+        </p:blipFill>
+        <p:spPr>
+          <a:xfrm>
+            <a:off x="2960370" y="2080259"/>
+            <a:ext cx="960120" cy="922095"/>
+          </a:xfrm>
+          <a:prstGeom prst="rect">
+            <a:avLst/>
+          </a:prstGeom>
+        </p:spPr>
+      </p:pic>
+      <p:pic>
+        <p:nvPicPr>
+          <p:cNvPr id="5" name="Picture 4">
+            <a:extLst>
+              <a:ext uri="{FF2B5EF4-FFF2-40B4-BE49-F238E27FC236}">
+                <a16:creationId xmlns:a16="http://schemas.microsoft.com/office/drawing/2014/main" id="{A4B20A22-C329-C066-81A5-4FFCB7E440A4}"/>
+              </a:ext>
+            </a:extLst>
+          </p:cNvPr>
+          <p:cNvPicPr>
+            <a:picLocks noChangeAspect="1"/>
+          </p:cNvPicPr>
+          <p:nvPr/>
+        </p:nvPicPr>
+        <p:blipFill>
+          <a:blip r:embed="rId3"/>
+          <a:srcRect l="18694" t="19338" r="11799"/>
+          <a:stretch/>
+        </p:blipFill>
+        <p:spPr>
+          <a:xfrm>
+            <a:off x="5246370" y="2080259"/>
+            <a:ext cx="960120" cy="922096"/>
+          </a:xfrm>
+          <a:prstGeom prst="rect">
+            <a:avLst/>
+          </a:prstGeom>
+        </p:spPr>
+      </p:pic>
+      <p:pic>
+        <p:nvPicPr>
+          <p:cNvPr id="7" name="Picture 6">
+            <a:extLst>
+              <a:ext uri="{FF2B5EF4-FFF2-40B4-BE49-F238E27FC236}">
+                <a16:creationId xmlns:a16="http://schemas.microsoft.com/office/drawing/2014/main" id="{3FC053F6-23A8-419F-3EE0-13A648637D78}"/>
+              </a:ext>
+            </a:extLst>
+          </p:cNvPr>
+          <p:cNvPicPr>
+            <a:picLocks noChangeAspect="1"/>
+          </p:cNvPicPr>
+          <p:nvPr/>
+        </p:nvPicPr>
+        <p:blipFill>
+          <a:blip r:embed="rId4"/>
+          <a:srcRect l="17607" t="18273" r="13361" b="5511"/>
+          <a:stretch/>
+        </p:blipFill>
+        <p:spPr>
+          <a:xfrm>
+            <a:off x="4103370" y="2080259"/>
+            <a:ext cx="960120" cy="922095"/>
+          </a:xfrm>
+          <a:prstGeom prst="rect">
+            <a:avLst/>
+          </a:prstGeom>
+        </p:spPr>
+      </p:pic>
+      <p:pic>
+        <p:nvPicPr>
+          <p:cNvPr id="11" name="Picture 10">
+            <a:extLst>
+              <a:ext uri="{FF2B5EF4-FFF2-40B4-BE49-F238E27FC236}">
+                <a16:creationId xmlns:a16="http://schemas.microsoft.com/office/drawing/2014/main" id="{4C6D0045-F94F-27F9-280F-3C6A6E8925BA}"/>
+              </a:ext>
+            </a:extLst>
+          </p:cNvPr>
+          <p:cNvPicPr>
+            <a:picLocks noChangeAspect="1"/>
+          </p:cNvPicPr>
+          <p:nvPr/>
+        </p:nvPicPr>
+        <p:blipFill>
+          <a:blip r:embed="rId5"/>
+          <a:srcRect l="16005" t="10754" r="13928"/>
+          <a:stretch/>
+        </p:blipFill>
+        <p:spPr>
+          <a:xfrm>
+            <a:off x="7623810" y="4132895"/>
+            <a:ext cx="800976" cy="731155"/>
+          </a:xfrm>
+          <a:prstGeom prst="rect">
+            <a:avLst/>
+          </a:prstGeom>
+        </p:spPr>
+      </p:pic>
+      <p:pic>
+        <p:nvPicPr>
+          <p:cNvPr id="13" name="Picture 12">
+            <a:extLst>
+              <a:ext uri="{FF2B5EF4-FFF2-40B4-BE49-F238E27FC236}">
+                <a16:creationId xmlns:a16="http://schemas.microsoft.com/office/drawing/2014/main" id="{F4A00717-4FA9-B686-F591-F5748BD8CEC0}"/>
+              </a:ext>
+            </a:extLst>
+          </p:cNvPr>
+          <p:cNvPicPr>
+            <a:picLocks noChangeAspect="1"/>
+          </p:cNvPicPr>
+          <p:nvPr/>
+        </p:nvPicPr>
+        <p:blipFill>
+          <a:blip r:embed="rId6"/>
+          <a:srcRect l="14526" t="11781" r="12361"/>
+          <a:stretch/>
+        </p:blipFill>
+        <p:spPr>
+          <a:xfrm>
+            <a:off x="5817870" y="4137660"/>
+            <a:ext cx="800976" cy="731155"/>
+          </a:xfrm>
+          <a:prstGeom prst="rect">
+            <a:avLst/>
+          </a:prstGeom>
+        </p:spPr>
+      </p:pic>
+      <p:pic>
+        <p:nvPicPr>
+          <p:cNvPr id="15" name="Picture 14">
+            <a:extLst>
+              <a:ext uri="{FF2B5EF4-FFF2-40B4-BE49-F238E27FC236}">
+                <a16:creationId xmlns:a16="http://schemas.microsoft.com/office/drawing/2014/main" id="{C8E623DF-D4D3-8E7E-DD16-880459D7C75E}"/>
+              </a:ext>
+            </a:extLst>
+          </p:cNvPr>
+          <p:cNvPicPr>
+            <a:picLocks noChangeAspect="1"/>
+          </p:cNvPicPr>
+          <p:nvPr/>
+        </p:nvPicPr>
+        <p:blipFill>
+          <a:blip r:embed="rId7"/>
+          <a:srcRect l="17624" t="12783" r="15646"/>
+          <a:stretch/>
+        </p:blipFill>
+        <p:spPr>
+          <a:xfrm>
+            <a:off x="8869680" y="4142423"/>
+            <a:ext cx="800976" cy="731155"/>
           </a:xfrm>
           <a:prstGeom prst="rect">
             <a:avLst/>
@@ -4822,7 +7936,7 @@
     </p:spTree>
     <p:extLst>
       <p:ext uri="{BB962C8B-B14F-4D97-AF65-F5344CB8AC3E}">
-        <p14:creationId xmlns:p14="http://schemas.microsoft.com/office/powerpoint/2010/main" val="1165474774"/>
+        <p14:creationId xmlns:p14="http://schemas.microsoft.com/office/powerpoint/2010/main" val="3034765692"/>
       </p:ext>
     </p:extLst>
   </p:cSld>

--- a/introdemo/Illustrations/Illustrations (Introduction to LabBench).pptx
+++ b/introdemo/Illustrations/Illustrations (Introduction to LabBench).pptx
@@ -5,7 +5,7 @@
     <p:sldMasterId id="2147483648" r:id="rId1"/>
   </p:sldMasterIdLst>
   <p:notesMasterIdLst>
-    <p:notesMasterId r:id="rId15"/>
+    <p:notesMasterId r:id="rId20"/>
   </p:notesMasterIdLst>
   <p:sldIdLst>
     <p:sldId id="256" r:id="rId2"/>
@@ -21,6 +21,11 @@
     <p:sldId id="266" r:id="rId12"/>
     <p:sldId id="267" r:id="rId13"/>
     <p:sldId id="268" r:id="rId14"/>
+    <p:sldId id="270" r:id="rId15"/>
+    <p:sldId id="271" r:id="rId16"/>
+    <p:sldId id="272" r:id="rId17"/>
+    <p:sldId id="273" r:id="rId18"/>
+    <p:sldId id="274" r:id="rId19"/>
   </p:sldIdLst>
   <p:sldSz cx="12192000" cy="6858000"/>
   <p:notesSz cx="6858000" cy="9144000"/>
@@ -209,7 +214,7 @@
           <a:p>
             <a:fld id="{2D646BAE-8E37-4DBA-A74E-0A3DD4A9F90C}" type="datetimeFigureOut">
               <a:rPr lang="en-DK" smtClean="0"/>
-              <a:t>29/12/2024</a:t>
+              <a:t>31/12/2024</a:t>
             </a:fld>
             <a:endParaRPr lang="en-DK"/>
           </a:p>
@@ -714,7 +719,7 @@
           <a:p>
             <a:fld id="{D4C52B10-47AD-4490-8483-919970C343B2}" type="datetimeFigureOut">
               <a:rPr lang="en-DK" smtClean="0"/>
-              <a:t>29/12/2024</a:t>
+              <a:t>31/12/2024</a:t>
             </a:fld>
             <a:endParaRPr lang="en-DK"/>
           </a:p>
@@ -914,7 +919,7 @@
           <a:p>
             <a:fld id="{D4C52B10-47AD-4490-8483-919970C343B2}" type="datetimeFigureOut">
               <a:rPr lang="en-DK" smtClean="0"/>
-              <a:t>29/12/2024</a:t>
+              <a:t>31/12/2024</a:t>
             </a:fld>
             <a:endParaRPr lang="en-DK"/>
           </a:p>
@@ -1124,7 +1129,7 @@
           <a:p>
             <a:fld id="{D4C52B10-47AD-4490-8483-919970C343B2}" type="datetimeFigureOut">
               <a:rPr lang="en-DK" smtClean="0"/>
-              <a:t>29/12/2024</a:t>
+              <a:t>31/12/2024</a:t>
             </a:fld>
             <a:endParaRPr lang="en-DK"/>
           </a:p>
@@ -1324,7 +1329,7 @@
           <a:p>
             <a:fld id="{D4C52B10-47AD-4490-8483-919970C343B2}" type="datetimeFigureOut">
               <a:rPr lang="en-DK" smtClean="0"/>
-              <a:t>29/12/2024</a:t>
+              <a:t>31/12/2024</a:t>
             </a:fld>
             <a:endParaRPr lang="en-DK"/>
           </a:p>
@@ -1600,7 +1605,7 @@
           <a:p>
             <a:fld id="{D4C52B10-47AD-4490-8483-919970C343B2}" type="datetimeFigureOut">
               <a:rPr lang="en-DK" smtClean="0"/>
-              <a:t>29/12/2024</a:t>
+              <a:t>31/12/2024</a:t>
             </a:fld>
             <a:endParaRPr lang="en-DK"/>
           </a:p>
@@ -1868,7 +1873,7 @@
           <a:p>
             <a:fld id="{D4C52B10-47AD-4490-8483-919970C343B2}" type="datetimeFigureOut">
               <a:rPr lang="en-DK" smtClean="0"/>
-              <a:t>29/12/2024</a:t>
+              <a:t>31/12/2024</a:t>
             </a:fld>
             <a:endParaRPr lang="en-DK"/>
           </a:p>
@@ -2283,7 +2288,7 @@
           <a:p>
             <a:fld id="{D4C52B10-47AD-4490-8483-919970C343B2}" type="datetimeFigureOut">
               <a:rPr lang="en-DK" smtClean="0"/>
-              <a:t>29/12/2024</a:t>
+              <a:t>31/12/2024</a:t>
             </a:fld>
             <a:endParaRPr lang="en-DK"/>
           </a:p>
@@ -2425,7 +2430,7 @@
           <a:p>
             <a:fld id="{D4C52B10-47AD-4490-8483-919970C343B2}" type="datetimeFigureOut">
               <a:rPr lang="en-DK" smtClean="0"/>
-              <a:t>29/12/2024</a:t>
+              <a:t>31/12/2024</a:t>
             </a:fld>
             <a:endParaRPr lang="en-DK"/>
           </a:p>
@@ -2538,7 +2543,7 @@
           <a:p>
             <a:fld id="{D4C52B10-47AD-4490-8483-919970C343B2}" type="datetimeFigureOut">
               <a:rPr lang="en-DK" smtClean="0"/>
-              <a:t>29/12/2024</a:t>
+              <a:t>31/12/2024</a:t>
             </a:fld>
             <a:endParaRPr lang="en-DK"/>
           </a:p>
@@ -2851,7 +2856,7 @@
           <a:p>
             <a:fld id="{D4C52B10-47AD-4490-8483-919970C343B2}" type="datetimeFigureOut">
               <a:rPr lang="en-DK" smtClean="0"/>
-              <a:t>29/12/2024</a:t>
+              <a:t>31/12/2024</a:t>
             </a:fld>
             <a:endParaRPr lang="en-DK"/>
           </a:p>
@@ -3140,7 +3145,7 @@
           <a:p>
             <a:fld id="{D4C52B10-47AD-4490-8483-919970C343B2}" type="datetimeFigureOut">
               <a:rPr lang="en-DK" smtClean="0"/>
-              <a:t>29/12/2024</a:t>
+              <a:t>31/12/2024</a:t>
             </a:fld>
             <a:endParaRPr lang="en-DK"/>
           </a:p>
@@ -3383,7 +3388,7 @@
           <a:p>
             <a:fld id="{D4C52B10-47AD-4490-8483-919970C343B2}" type="datetimeFigureOut">
               <a:rPr lang="en-DK" smtClean="0"/>
-              <a:t>29/12/2024</a:t>
+              <a:t>31/12/2024</a:t>
             </a:fld>
             <a:endParaRPr lang="en-DK"/>
           </a:p>
@@ -4906,6 +4911,306 @@
     <p:extLst>
       <p:ext uri="{BB962C8B-B14F-4D97-AF65-F5344CB8AC3E}">
         <p14:creationId xmlns:p14="http://schemas.microsoft.com/office/powerpoint/2010/main" val="3476744341"/>
+      </p:ext>
+    </p:extLst>
+  </p:cSld>
+  <p:clrMapOvr>
+    <a:masterClrMapping/>
+  </p:clrMapOvr>
+</p:sld>
+</file>
+
+<file path=ppt/slides/slide14.xml><?xml version="1.0" encoding="utf-8"?>
+<p:sld xmlns:a="http://schemas.openxmlformats.org/drawingml/2006/main" xmlns:r="http://schemas.openxmlformats.org/officeDocument/2006/relationships" xmlns:p="http://schemas.openxmlformats.org/presentationml/2006/main">
+  <p:cSld>
+    <p:spTree>
+      <p:nvGrpSpPr>
+        <p:cNvPr id="1" name=""/>
+        <p:cNvGrpSpPr/>
+        <p:nvPr/>
+      </p:nvGrpSpPr>
+      <p:grpSpPr>
+        <a:xfrm>
+          <a:off x="0" y="0"/>
+          <a:ext cx="0" cy="0"/>
+          <a:chOff x="0" y="0"/>
+          <a:chExt cx="0" cy="0"/>
+        </a:xfrm>
+      </p:grpSpPr>
+      <p:pic>
+        <p:nvPicPr>
+          <p:cNvPr id="5" name="Picture 4">
+            <a:extLst>
+              <a:ext uri="{FF2B5EF4-FFF2-40B4-BE49-F238E27FC236}">
+                <a16:creationId xmlns:a16="http://schemas.microsoft.com/office/drawing/2014/main" id="{50D4B995-E28F-3301-4C2A-4CDF7D9EEF25}"/>
+              </a:ext>
+            </a:extLst>
+          </p:cNvPr>
+          <p:cNvPicPr>
+            <a:picLocks noChangeAspect="1"/>
+          </p:cNvPicPr>
+          <p:nvPr/>
+        </p:nvPicPr>
+        <p:blipFill>
+          <a:blip r:embed="rId2"/>
+          <a:stretch>
+            <a:fillRect/>
+          </a:stretch>
+        </p:blipFill>
+        <p:spPr>
+          <a:xfrm>
+            <a:off x="3156857" y="0"/>
+            <a:ext cx="5878286" cy="6858000"/>
+          </a:xfrm>
+          <a:prstGeom prst="rect">
+            <a:avLst/>
+          </a:prstGeom>
+        </p:spPr>
+      </p:pic>
+    </p:spTree>
+    <p:extLst>
+      <p:ext uri="{BB962C8B-B14F-4D97-AF65-F5344CB8AC3E}">
+        <p14:creationId xmlns:p14="http://schemas.microsoft.com/office/powerpoint/2010/main" val="4148396750"/>
+      </p:ext>
+    </p:extLst>
+  </p:cSld>
+  <p:clrMapOvr>
+    <a:masterClrMapping/>
+  </p:clrMapOvr>
+</p:sld>
+</file>
+
+<file path=ppt/slides/slide15.xml><?xml version="1.0" encoding="utf-8"?>
+<p:sld xmlns:a="http://schemas.openxmlformats.org/drawingml/2006/main" xmlns:r="http://schemas.openxmlformats.org/officeDocument/2006/relationships" xmlns:p="http://schemas.openxmlformats.org/presentationml/2006/main">
+  <p:cSld>
+    <p:spTree>
+      <p:nvGrpSpPr>
+        <p:cNvPr id="1" name=""/>
+        <p:cNvGrpSpPr/>
+        <p:nvPr/>
+      </p:nvGrpSpPr>
+      <p:grpSpPr>
+        <a:xfrm>
+          <a:off x="0" y="0"/>
+          <a:ext cx="0" cy="0"/>
+          <a:chOff x="0" y="0"/>
+          <a:chExt cx="0" cy="0"/>
+        </a:xfrm>
+      </p:grpSpPr>
+      <p:pic>
+        <p:nvPicPr>
+          <p:cNvPr id="5" name="Picture 4">
+            <a:extLst>
+              <a:ext uri="{FF2B5EF4-FFF2-40B4-BE49-F238E27FC236}">
+                <a16:creationId xmlns:a16="http://schemas.microsoft.com/office/drawing/2014/main" id="{93CAA074-306E-94F4-3ED7-BB4946D61A3B}"/>
+              </a:ext>
+            </a:extLst>
+          </p:cNvPr>
+          <p:cNvPicPr>
+            <a:picLocks noChangeAspect="1"/>
+          </p:cNvPicPr>
+          <p:nvPr/>
+        </p:nvPicPr>
+        <p:blipFill>
+          <a:blip r:embed="rId2"/>
+          <a:stretch>
+            <a:fillRect/>
+          </a:stretch>
+        </p:blipFill>
+        <p:spPr>
+          <a:xfrm>
+            <a:off x="3156857" y="0"/>
+            <a:ext cx="5878286" cy="6858000"/>
+          </a:xfrm>
+          <a:prstGeom prst="rect">
+            <a:avLst/>
+          </a:prstGeom>
+        </p:spPr>
+      </p:pic>
+    </p:spTree>
+    <p:extLst>
+      <p:ext uri="{BB962C8B-B14F-4D97-AF65-F5344CB8AC3E}">
+        <p14:creationId xmlns:p14="http://schemas.microsoft.com/office/powerpoint/2010/main" val="1142021142"/>
+      </p:ext>
+    </p:extLst>
+  </p:cSld>
+  <p:clrMapOvr>
+    <a:masterClrMapping/>
+  </p:clrMapOvr>
+</p:sld>
+</file>
+
+<file path=ppt/slides/slide16.xml><?xml version="1.0" encoding="utf-8"?>
+<p:sld xmlns:a="http://schemas.openxmlformats.org/drawingml/2006/main" xmlns:r="http://schemas.openxmlformats.org/officeDocument/2006/relationships" xmlns:p="http://schemas.openxmlformats.org/presentationml/2006/main">
+  <p:cSld>
+    <p:spTree>
+      <p:nvGrpSpPr>
+        <p:cNvPr id="1" name=""/>
+        <p:cNvGrpSpPr/>
+        <p:nvPr/>
+      </p:nvGrpSpPr>
+      <p:grpSpPr>
+        <a:xfrm>
+          <a:off x="0" y="0"/>
+          <a:ext cx="0" cy="0"/>
+          <a:chOff x="0" y="0"/>
+          <a:chExt cx="0" cy="0"/>
+        </a:xfrm>
+      </p:grpSpPr>
+      <p:pic>
+        <p:nvPicPr>
+          <p:cNvPr id="3" name="Picture 2">
+            <a:extLst>
+              <a:ext uri="{FF2B5EF4-FFF2-40B4-BE49-F238E27FC236}">
+                <a16:creationId xmlns:a16="http://schemas.microsoft.com/office/drawing/2014/main" id="{07A952A0-5DC6-A655-198A-C3E3D4F7D98F}"/>
+              </a:ext>
+            </a:extLst>
+          </p:cNvPr>
+          <p:cNvPicPr>
+            <a:picLocks noChangeAspect="1"/>
+          </p:cNvPicPr>
+          <p:nvPr/>
+        </p:nvPicPr>
+        <p:blipFill>
+          <a:blip r:embed="rId2"/>
+          <a:stretch>
+            <a:fillRect/>
+          </a:stretch>
+        </p:blipFill>
+        <p:spPr>
+          <a:xfrm>
+            <a:off x="3156857" y="0"/>
+            <a:ext cx="5878286" cy="6858000"/>
+          </a:xfrm>
+          <a:prstGeom prst="rect">
+            <a:avLst/>
+          </a:prstGeom>
+        </p:spPr>
+      </p:pic>
+    </p:spTree>
+    <p:extLst>
+      <p:ext uri="{BB962C8B-B14F-4D97-AF65-F5344CB8AC3E}">
+        <p14:creationId xmlns:p14="http://schemas.microsoft.com/office/powerpoint/2010/main" val="408536176"/>
+      </p:ext>
+    </p:extLst>
+  </p:cSld>
+  <p:clrMapOvr>
+    <a:masterClrMapping/>
+  </p:clrMapOvr>
+</p:sld>
+</file>
+
+<file path=ppt/slides/slide17.xml><?xml version="1.0" encoding="utf-8"?>
+<p:sld xmlns:a="http://schemas.openxmlformats.org/drawingml/2006/main" xmlns:r="http://schemas.openxmlformats.org/officeDocument/2006/relationships" xmlns:p="http://schemas.openxmlformats.org/presentationml/2006/main">
+  <p:cSld>
+    <p:spTree>
+      <p:nvGrpSpPr>
+        <p:cNvPr id="1" name=""/>
+        <p:cNvGrpSpPr/>
+        <p:nvPr/>
+      </p:nvGrpSpPr>
+      <p:grpSpPr>
+        <a:xfrm>
+          <a:off x="0" y="0"/>
+          <a:ext cx="0" cy="0"/>
+          <a:chOff x="0" y="0"/>
+          <a:chExt cx="0" cy="0"/>
+        </a:xfrm>
+      </p:grpSpPr>
+      <p:pic>
+        <p:nvPicPr>
+          <p:cNvPr id="3" name="Picture 2">
+            <a:extLst>
+              <a:ext uri="{FF2B5EF4-FFF2-40B4-BE49-F238E27FC236}">
+                <a16:creationId xmlns:a16="http://schemas.microsoft.com/office/drawing/2014/main" id="{3417ED0A-9878-3FE4-F6CE-7BD89B06EA08}"/>
+              </a:ext>
+            </a:extLst>
+          </p:cNvPr>
+          <p:cNvPicPr>
+            <a:picLocks noChangeAspect="1"/>
+          </p:cNvPicPr>
+          <p:nvPr/>
+        </p:nvPicPr>
+        <p:blipFill>
+          <a:blip r:embed="rId2"/>
+          <a:stretch>
+            <a:fillRect/>
+          </a:stretch>
+        </p:blipFill>
+        <p:spPr>
+          <a:xfrm>
+            <a:off x="3156857" y="0"/>
+            <a:ext cx="5878286" cy="6858000"/>
+          </a:xfrm>
+          <a:prstGeom prst="rect">
+            <a:avLst/>
+          </a:prstGeom>
+        </p:spPr>
+      </p:pic>
+    </p:spTree>
+    <p:extLst>
+      <p:ext uri="{BB962C8B-B14F-4D97-AF65-F5344CB8AC3E}">
+        <p14:creationId xmlns:p14="http://schemas.microsoft.com/office/powerpoint/2010/main" val="2682983898"/>
+      </p:ext>
+    </p:extLst>
+  </p:cSld>
+  <p:clrMapOvr>
+    <a:masterClrMapping/>
+  </p:clrMapOvr>
+</p:sld>
+</file>
+
+<file path=ppt/slides/slide18.xml><?xml version="1.0" encoding="utf-8"?>
+<p:sld xmlns:a="http://schemas.openxmlformats.org/drawingml/2006/main" xmlns:r="http://schemas.openxmlformats.org/officeDocument/2006/relationships" xmlns:p="http://schemas.openxmlformats.org/presentationml/2006/main">
+  <p:cSld>
+    <p:spTree>
+      <p:nvGrpSpPr>
+        <p:cNvPr id="1" name=""/>
+        <p:cNvGrpSpPr/>
+        <p:nvPr/>
+      </p:nvGrpSpPr>
+      <p:grpSpPr>
+        <a:xfrm>
+          <a:off x="0" y="0"/>
+          <a:ext cx="0" cy="0"/>
+          <a:chOff x="0" y="0"/>
+          <a:chExt cx="0" cy="0"/>
+        </a:xfrm>
+      </p:grpSpPr>
+      <p:pic>
+        <p:nvPicPr>
+          <p:cNvPr id="3" name="Picture 2">
+            <a:extLst>
+              <a:ext uri="{FF2B5EF4-FFF2-40B4-BE49-F238E27FC236}">
+                <a16:creationId xmlns:a16="http://schemas.microsoft.com/office/drawing/2014/main" id="{082D3BA2-CC2A-E723-EC7D-E2C2CF2AEDBF}"/>
+              </a:ext>
+            </a:extLst>
+          </p:cNvPr>
+          <p:cNvPicPr>
+            <a:picLocks noChangeAspect="1"/>
+          </p:cNvPicPr>
+          <p:nvPr/>
+        </p:nvPicPr>
+        <p:blipFill>
+          <a:blip r:embed="rId2"/>
+          <a:stretch>
+            <a:fillRect/>
+          </a:stretch>
+        </p:blipFill>
+        <p:spPr>
+          <a:xfrm>
+            <a:off x="3068064" y="1005840"/>
+            <a:ext cx="6288020" cy="4137660"/>
+          </a:xfrm>
+          <a:prstGeom prst="rect">
+            <a:avLst/>
+          </a:prstGeom>
+        </p:spPr>
+      </p:pic>
+    </p:spTree>
+    <p:extLst>
+      <p:ext uri="{BB962C8B-B14F-4D97-AF65-F5344CB8AC3E}">
+        <p14:creationId xmlns:p14="http://schemas.microsoft.com/office/powerpoint/2010/main" val="4155984765"/>
       </p:ext>
     </p:extLst>
   </p:cSld>

--- a/introdemo/Illustrations/Illustrations (Introduction to LabBench).pptx
+++ b/introdemo/Illustrations/Illustrations (Introduction to LabBench).pptx
@@ -5,7 +5,7 @@
     <p:sldMasterId id="2147483648" r:id="rId1"/>
   </p:sldMasterIdLst>
   <p:notesMasterIdLst>
-    <p:notesMasterId r:id="rId20"/>
+    <p:notesMasterId r:id="rId21"/>
   </p:notesMasterIdLst>
   <p:sldIdLst>
     <p:sldId id="256" r:id="rId2"/>
@@ -24,8 +24,9 @@
     <p:sldId id="270" r:id="rId15"/>
     <p:sldId id="271" r:id="rId16"/>
     <p:sldId id="272" r:id="rId17"/>
-    <p:sldId id="273" r:id="rId18"/>
-    <p:sldId id="274" r:id="rId19"/>
+    <p:sldId id="275" r:id="rId18"/>
+    <p:sldId id="273" r:id="rId19"/>
+    <p:sldId id="274" r:id="rId20"/>
   </p:sldIdLst>
   <p:sldSz cx="12192000" cy="6858000"/>
   <p:notesSz cx="6858000" cy="9144000"/>
@@ -561,6 +562,90 @@
     <p:extLst>
       <p:ext uri="{BB962C8B-B14F-4D97-AF65-F5344CB8AC3E}">
         <p14:creationId xmlns:p14="http://schemas.microsoft.com/office/powerpoint/2010/main" val="3496583598"/>
+      </p:ext>
+    </p:extLst>
+  </p:cSld>
+  <p:clrMapOvr>
+    <a:masterClrMapping/>
+  </p:clrMapOvr>
+</p:notes>
+</file>
+
+<file path=ppt/notesSlides/notesSlide2.xml><?xml version="1.0" encoding="utf-8"?>
+<p:notes xmlns:a="http://schemas.openxmlformats.org/drawingml/2006/main" xmlns:r="http://schemas.openxmlformats.org/officeDocument/2006/relationships" xmlns:p="http://schemas.openxmlformats.org/presentationml/2006/main">
+  <p:cSld>
+    <p:spTree>
+      <p:nvGrpSpPr>
+        <p:cNvPr id="1" name=""/>
+        <p:cNvGrpSpPr/>
+        <p:nvPr/>
+      </p:nvGrpSpPr>
+      <p:grpSpPr>
+        <a:xfrm>
+          <a:off x="0" y="0"/>
+          <a:ext cx="0" cy="0"/>
+          <a:chOff x="0" y="0"/>
+          <a:chExt cx="0" cy="0"/>
+        </a:xfrm>
+      </p:grpSpPr>
+      <p:sp>
+        <p:nvSpPr>
+          <p:cNvPr id="2" name="Slide Image Placeholder 1"/>
+          <p:cNvSpPr>
+            <a:spLocks noGrp="1" noRot="1" noChangeAspect="1"/>
+          </p:cNvSpPr>
+          <p:nvPr>
+            <p:ph type="sldImg"/>
+          </p:nvPr>
+        </p:nvSpPr>
+        <p:spPr/>
+      </p:sp>
+      <p:sp>
+        <p:nvSpPr>
+          <p:cNvPr id="3" name="Notes Placeholder 2"/>
+          <p:cNvSpPr>
+            <a:spLocks noGrp="1"/>
+          </p:cNvSpPr>
+          <p:nvPr>
+            <p:ph type="body" idx="1"/>
+          </p:nvPr>
+        </p:nvSpPr>
+        <p:spPr/>
+        <p:txBody>
+          <a:bodyPr/>
+          <a:lstStyle/>
+          <a:p>
+            <a:endParaRPr lang="en-DK" dirty="0"/>
+          </a:p>
+        </p:txBody>
+      </p:sp>
+      <p:sp>
+        <p:nvSpPr>
+          <p:cNvPr id="4" name="Slide Number Placeholder 3"/>
+          <p:cNvSpPr>
+            <a:spLocks noGrp="1"/>
+          </p:cNvSpPr>
+          <p:nvPr>
+            <p:ph type="sldNum" sz="quarter" idx="5"/>
+          </p:nvPr>
+        </p:nvSpPr>
+        <p:spPr/>
+        <p:txBody>
+          <a:bodyPr/>
+          <a:lstStyle/>
+          <a:p>
+            <a:fld id="{013998F9-4E6E-4F05-BAC2-F95D22B0FDB7}" type="slidenum">
+              <a:rPr lang="en-DK" smtClean="0"/>
+              <a:t>19</a:t>
+            </a:fld>
+            <a:endParaRPr lang="en-DK"/>
+          </a:p>
+        </p:txBody>
+      </p:sp>
+    </p:spTree>
+    <p:extLst>
+      <p:ext uri="{BB962C8B-B14F-4D97-AF65-F5344CB8AC3E}">
+        <p14:creationId xmlns:p14="http://schemas.microsoft.com/office/powerpoint/2010/main" val="320055904"/>
       </p:ext>
     </p:extLst>
   </p:cSld>
@@ -5059,10 +5144,10 @@
       </p:grpSpPr>
       <p:pic>
         <p:nvPicPr>
-          <p:cNvPr id="3" name="Picture 2">
-            <a:extLst>
-              <a:ext uri="{FF2B5EF4-FFF2-40B4-BE49-F238E27FC236}">
-                <a16:creationId xmlns:a16="http://schemas.microsoft.com/office/drawing/2014/main" id="{07A952A0-5DC6-A655-198A-C3E3D4F7D98F}"/>
+          <p:cNvPr id="5" name="Picture 4">
+            <a:extLst>
+              <a:ext uri="{FF2B5EF4-FFF2-40B4-BE49-F238E27FC236}">
+                <a16:creationId xmlns:a16="http://schemas.microsoft.com/office/drawing/2014/main" id="{E83D5CE8-B943-529B-0F73-DC81A42CBD68}"/>
               </a:ext>
             </a:extLst>
           </p:cNvPr>
@@ -5122,7 +5207,7 @@
           <p:cNvPr id="3" name="Picture 2">
             <a:extLst>
               <a:ext uri="{FF2B5EF4-FFF2-40B4-BE49-F238E27FC236}">
-                <a16:creationId xmlns:a16="http://schemas.microsoft.com/office/drawing/2014/main" id="{3417ED0A-9878-3FE4-F6CE-7BD89B06EA08}"/>
+                <a16:creationId xmlns:a16="http://schemas.microsoft.com/office/drawing/2014/main" id="{99CFDC20-CDE4-8E21-4372-75FABB8AB26B}"/>
               </a:ext>
             </a:extLst>
           </p:cNvPr>
@@ -5150,7 +5235,7 @@
     </p:spTree>
     <p:extLst>
       <p:ext uri="{BB962C8B-B14F-4D97-AF65-F5344CB8AC3E}">
-        <p14:creationId xmlns:p14="http://schemas.microsoft.com/office/powerpoint/2010/main" val="2682983898"/>
+        <p14:creationId xmlns:p14="http://schemas.microsoft.com/office/powerpoint/2010/main" val="84227143"/>
       </p:ext>
     </p:extLst>
   </p:cSld>
@@ -5182,7 +5267,7 @@
           <p:cNvPr id="3" name="Picture 2">
             <a:extLst>
               <a:ext uri="{FF2B5EF4-FFF2-40B4-BE49-F238E27FC236}">
-                <a16:creationId xmlns:a16="http://schemas.microsoft.com/office/drawing/2014/main" id="{082D3BA2-CC2A-E723-EC7D-E2C2CF2AEDBF}"/>
+                <a16:creationId xmlns:a16="http://schemas.microsoft.com/office/drawing/2014/main" id="{3417ED0A-9878-3FE4-F6CE-7BD89B06EA08}"/>
               </a:ext>
             </a:extLst>
           </p:cNvPr>
@@ -5199,14 +5284,181 @@
         </p:blipFill>
         <p:spPr>
           <a:xfrm>
-            <a:off x="3068064" y="1005840"/>
-            <a:ext cx="6288020" cy="4137660"/>
+            <a:off x="3156857" y="0"/>
+            <a:ext cx="5878286" cy="6858000"/>
           </a:xfrm>
           <a:prstGeom prst="rect">
             <a:avLst/>
           </a:prstGeom>
         </p:spPr>
       </p:pic>
+    </p:spTree>
+    <p:extLst>
+      <p:ext uri="{BB962C8B-B14F-4D97-AF65-F5344CB8AC3E}">
+        <p14:creationId xmlns:p14="http://schemas.microsoft.com/office/powerpoint/2010/main" val="2682983898"/>
+      </p:ext>
+    </p:extLst>
+  </p:cSld>
+  <p:clrMapOvr>
+    <a:masterClrMapping/>
+  </p:clrMapOvr>
+</p:sld>
+</file>
+
+<file path=ppt/slides/slide19.xml><?xml version="1.0" encoding="utf-8"?>
+<p:sld xmlns:a="http://schemas.openxmlformats.org/drawingml/2006/main" xmlns:r="http://schemas.openxmlformats.org/officeDocument/2006/relationships" xmlns:p="http://schemas.openxmlformats.org/presentationml/2006/main">
+  <p:cSld>
+    <p:spTree>
+      <p:nvGrpSpPr>
+        <p:cNvPr id="1" name=""/>
+        <p:cNvGrpSpPr/>
+        <p:nvPr/>
+      </p:nvGrpSpPr>
+      <p:grpSpPr>
+        <a:xfrm>
+          <a:off x="0" y="0"/>
+          <a:ext cx="0" cy="0"/>
+          <a:chOff x="0" y="0"/>
+          <a:chExt cx="0" cy="0"/>
+        </a:xfrm>
+      </p:grpSpPr>
+      <p:pic>
+        <p:nvPicPr>
+          <p:cNvPr id="5" name="Picture 4">
+            <a:extLst>
+              <a:ext uri="{FF2B5EF4-FFF2-40B4-BE49-F238E27FC236}">
+                <a16:creationId xmlns:a16="http://schemas.microsoft.com/office/drawing/2014/main" id="{A297D7BB-5FA3-768D-FF6E-1F595CCE18E7}"/>
+              </a:ext>
+            </a:extLst>
+          </p:cNvPr>
+          <p:cNvPicPr>
+            <a:picLocks noChangeAspect="1"/>
+          </p:cNvPicPr>
+          <p:nvPr/>
+        </p:nvPicPr>
+        <p:blipFill>
+          <a:blip r:embed="rId3"/>
+          <a:stretch>
+            <a:fillRect/>
+          </a:stretch>
+        </p:blipFill>
+        <p:spPr>
+          <a:xfrm>
+            <a:off x="1335759" y="2141615"/>
+            <a:ext cx="3486072" cy="2396096"/>
+          </a:xfrm>
+          <a:prstGeom prst="rect">
+            <a:avLst/>
+          </a:prstGeom>
+        </p:spPr>
+      </p:pic>
+      <p:pic>
+        <p:nvPicPr>
+          <p:cNvPr id="7" name="Picture 6">
+            <a:extLst>
+              <a:ext uri="{FF2B5EF4-FFF2-40B4-BE49-F238E27FC236}">
+                <a16:creationId xmlns:a16="http://schemas.microsoft.com/office/drawing/2014/main" id="{E8A07562-67AE-B90E-225F-143CA739C08D}"/>
+              </a:ext>
+            </a:extLst>
+          </p:cNvPr>
+          <p:cNvPicPr>
+            <a:picLocks noChangeAspect="1"/>
+          </p:cNvPicPr>
+          <p:nvPr/>
+        </p:nvPicPr>
+        <p:blipFill>
+          <a:blip r:embed="rId4"/>
+          <a:stretch>
+            <a:fillRect/>
+          </a:stretch>
+        </p:blipFill>
+        <p:spPr>
+          <a:xfrm>
+            <a:off x="5947410" y="2141615"/>
+            <a:ext cx="4351020" cy="2396096"/>
+          </a:xfrm>
+          <a:prstGeom prst="rect">
+            <a:avLst/>
+          </a:prstGeom>
+          <a:ln>
+            <a:solidFill>
+              <a:schemeClr val="tx1"/>
+            </a:solidFill>
+          </a:ln>
+        </p:spPr>
+      </p:pic>
+      <p:sp>
+        <p:nvSpPr>
+          <p:cNvPr id="8" name="TextBox 7">
+            <a:extLst>
+              <a:ext uri="{FF2B5EF4-FFF2-40B4-BE49-F238E27FC236}">
+                <a16:creationId xmlns:a16="http://schemas.microsoft.com/office/drawing/2014/main" id="{A9A9BA76-154B-6625-BCCC-4F322E964E88}"/>
+              </a:ext>
+            </a:extLst>
+          </p:cNvPr>
+          <p:cNvSpPr txBox="1"/>
+          <p:nvPr/>
+        </p:nvSpPr>
+        <p:spPr>
+          <a:xfrm>
+            <a:off x="1335759" y="1668840"/>
+            <a:ext cx="1771767" cy="400110"/>
+          </a:xfrm>
+          <a:prstGeom prst="rect">
+            <a:avLst/>
+          </a:prstGeom>
+          <a:noFill/>
+        </p:spPr>
+        <p:txBody>
+          <a:bodyPr wrap="none" lIns="0" rtlCol="0">
+            <a:spAutoFit/>
+          </a:bodyPr>
+          <a:lstStyle/>
+          <a:p>
+            <a:r>
+              <a:rPr lang="en-GB" sz="2000" dirty="0"/>
+              <a:t>Primary Screen</a:t>
+            </a:r>
+            <a:endParaRPr lang="en-DK" sz="2000" dirty="0"/>
+          </a:p>
+        </p:txBody>
+      </p:sp>
+      <p:sp>
+        <p:nvSpPr>
+          <p:cNvPr id="9" name="TextBox 8">
+            <a:extLst>
+              <a:ext uri="{FF2B5EF4-FFF2-40B4-BE49-F238E27FC236}">
+                <a16:creationId xmlns:a16="http://schemas.microsoft.com/office/drawing/2014/main" id="{BF0637E5-F674-88CC-7A0E-14E0124AE20C}"/>
+              </a:ext>
+            </a:extLst>
+          </p:cNvPr>
+          <p:cNvSpPr txBox="1"/>
+          <p:nvPr/>
+        </p:nvSpPr>
+        <p:spPr>
+          <a:xfrm>
+            <a:off x="5947410" y="1668840"/>
+            <a:ext cx="4395819" cy="400110"/>
+          </a:xfrm>
+          <a:prstGeom prst="rect">
+            <a:avLst/>
+          </a:prstGeom>
+          <a:noFill/>
+        </p:spPr>
+        <p:txBody>
+          <a:bodyPr wrap="none" lIns="0" rtlCol="0">
+            <a:spAutoFit/>
+          </a:bodyPr>
+          <a:lstStyle/>
+          <a:p>
+            <a:r>
+              <a:rPr lang="en-GB" sz="2000" dirty="0"/>
+              <a:t>Secondary Screen (LabBench Display)</a:t>
+            </a:r>
+            <a:endParaRPr lang="en-DK" sz="2000" dirty="0"/>
+          </a:p>
+        </p:txBody>
+      </p:sp>
     </p:spTree>
     <p:extLst>
       <p:ext uri="{BB962C8B-B14F-4D97-AF65-F5344CB8AC3E}">

--- a/introdemo/Illustrations/Illustrations (Introduction to LabBench).pptx
+++ b/introdemo/Illustrations/Illustrations (Introduction to LabBench).pptx
@@ -5,7 +5,7 @@
     <p:sldMasterId id="2147483648" r:id="rId1"/>
   </p:sldMasterIdLst>
   <p:notesMasterIdLst>
-    <p:notesMasterId r:id="rId21"/>
+    <p:notesMasterId r:id="rId25"/>
   </p:notesMasterIdLst>
   <p:sldIdLst>
     <p:sldId id="256" r:id="rId2"/>
@@ -26,7 +26,11 @@
     <p:sldId id="272" r:id="rId17"/>
     <p:sldId id="275" r:id="rId18"/>
     <p:sldId id="273" r:id="rId19"/>
-    <p:sldId id="274" r:id="rId20"/>
+    <p:sldId id="277" r:id="rId20"/>
+    <p:sldId id="276" r:id="rId21"/>
+    <p:sldId id="279" r:id="rId22"/>
+    <p:sldId id="278" r:id="rId23"/>
+    <p:sldId id="274" r:id="rId24"/>
   </p:sldIdLst>
   <p:sldSz cx="12192000" cy="6858000"/>
   <p:notesSz cx="6858000" cy="9144000"/>
@@ -636,7 +640,7 @@
           <a:p>
             <a:fld id="{013998F9-4E6E-4F05-BAC2-F95D22B0FDB7}" type="slidenum">
               <a:rPr lang="en-DK" smtClean="0"/>
-              <a:t>19</a:t>
+              <a:t>23</a:t>
             </a:fld>
             <a:endParaRPr lang="en-DK"/>
           </a:p>
@@ -5324,10 +5328,10 @@
       </p:grpSpPr>
       <p:pic>
         <p:nvPicPr>
-          <p:cNvPr id="5" name="Picture 4">
-            <a:extLst>
-              <a:ext uri="{FF2B5EF4-FFF2-40B4-BE49-F238E27FC236}">
-                <a16:creationId xmlns:a16="http://schemas.microsoft.com/office/drawing/2014/main" id="{A297D7BB-5FA3-768D-FF6E-1F595CCE18E7}"/>
+          <p:cNvPr id="3" name="Picture 2">
+            <a:extLst>
+              <a:ext uri="{FF2B5EF4-FFF2-40B4-BE49-F238E27FC236}">
+                <a16:creationId xmlns:a16="http://schemas.microsoft.com/office/drawing/2014/main" id="{8D5C035E-9EF1-2CBC-0347-95A74CA7F0DA}"/>
               </a:ext>
             </a:extLst>
           </p:cNvPr>
@@ -5337,132 +5341,25 @@
           <p:nvPr/>
         </p:nvPicPr>
         <p:blipFill>
-          <a:blip r:embed="rId3"/>
+          <a:blip r:embed="rId2"/>
           <a:stretch>
             <a:fillRect/>
           </a:stretch>
         </p:blipFill>
         <p:spPr>
           <a:xfrm>
-            <a:off x="1335759" y="2141615"/>
-            <a:ext cx="3486072" cy="2396096"/>
+            <a:off x="2470155" y="1200150"/>
+            <a:ext cx="6070171" cy="3714750"/>
           </a:xfrm>
           <a:prstGeom prst="rect">
             <a:avLst/>
           </a:prstGeom>
         </p:spPr>
       </p:pic>
-      <p:pic>
-        <p:nvPicPr>
-          <p:cNvPr id="7" name="Picture 6">
-            <a:extLst>
-              <a:ext uri="{FF2B5EF4-FFF2-40B4-BE49-F238E27FC236}">
-                <a16:creationId xmlns:a16="http://schemas.microsoft.com/office/drawing/2014/main" id="{E8A07562-67AE-B90E-225F-143CA739C08D}"/>
-              </a:ext>
-            </a:extLst>
-          </p:cNvPr>
-          <p:cNvPicPr>
-            <a:picLocks noChangeAspect="1"/>
-          </p:cNvPicPr>
-          <p:nvPr/>
-        </p:nvPicPr>
-        <p:blipFill>
-          <a:blip r:embed="rId4"/>
-          <a:stretch>
-            <a:fillRect/>
-          </a:stretch>
-        </p:blipFill>
-        <p:spPr>
-          <a:xfrm>
-            <a:off x="5947410" y="2141615"/>
-            <a:ext cx="4351020" cy="2396096"/>
-          </a:xfrm>
-          <a:prstGeom prst="rect">
-            <a:avLst/>
-          </a:prstGeom>
-          <a:ln>
-            <a:solidFill>
-              <a:schemeClr val="tx1"/>
-            </a:solidFill>
-          </a:ln>
-        </p:spPr>
-      </p:pic>
-      <p:sp>
-        <p:nvSpPr>
-          <p:cNvPr id="8" name="TextBox 7">
-            <a:extLst>
-              <a:ext uri="{FF2B5EF4-FFF2-40B4-BE49-F238E27FC236}">
-                <a16:creationId xmlns:a16="http://schemas.microsoft.com/office/drawing/2014/main" id="{A9A9BA76-154B-6625-BCCC-4F322E964E88}"/>
-              </a:ext>
-            </a:extLst>
-          </p:cNvPr>
-          <p:cNvSpPr txBox="1"/>
-          <p:nvPr/>
-        </p:nvSpPr>
-        <p:spPr>
-          <a:xfrm>
-            <a:off x="1335759" y="1668840"/>
-            <a:ext cx="1771767" cy="400110"/>
-          </a:xfrm>
-          <a:prstGeom prst="rect">
-            <a:avLst/>
-          </a:prstGeom>
-          <a:noFill/>
-        </p:spPr>
-        <p:txBody>
-          <a:bodyPr wrap="none" lIns="0" rtlCol="0">
-            <a:spAutoFit/>
-          </a:bodyPr>
-          <a:lstStyle/>
-          <a:p>
-            <a:r>
-              <a:rPr lang="en-GB" sz="2000" dirty="0"/>
-              <a:t>Primary Screen</a:t>
-            </a:r>
-            <a:endParaRPr lang="en-DK" sz="2000" dirty="0"/>
-          </a:p>
-        </p:txBody>
-      </p:sp>
-      <p:sp>
-        <p:nvSpPr>
-          <p:cNvPr id="9" name="TextBox 8">
-            <a:extLst>
-              <a:ext uri="{FF2B5EF4-FFF2-40B4-BE49-F238E27FC236}">
-                <a16:creationId xmlns:a16="http://schemas.microsoft.com/office/drawing/2014/main" id="{BF0637E5-F674-88CC-7A0E-14E0124AE20C}"/>
-              </a:ext>
-            </a:extLst>
-          </p:cNvPr>
-          <p:cNvSpPr txBox="1"/>
-          <p:nvPr/>
-        </p:nvSpPr>
-        <p:spPr>
-          <a:xfrm>
-            <a:off x="5947410" y="1668840"/>
-            <a:ext cx="4395819" cy="400110"/>
-          </a:xfrm>
-          <a:prstGeom prst="rect">
-            <a:avLst/>
-          </a:prstGeom>
-          <a:noFill/>
-        </p:spPr>
-        <p:txBody>
-          <a:bodyPr wrap="none" lIns="0" rtlCol="0">
-            <a:spAutoFit/>
-          </a:bodyPr>
-          <a:lstStyle/>
-          <a:p>
-            <a:r>
-              <a:rPr lang="en-GB" sz="2000" dirty="0"/>
-              <a:t>Secondary Screen (LabBench Display)</a:t>
-            </a:r>
-            <a:endParaRPr lang="en-DK" sz="2000" dirty="0"/>
-          </a:p>
-        </p:txBody>
-      </p:sp>
     </p:spTree>
     <p:extLst>
       <p:ext uri="{BB962C8B-B14F-4D97-AF65-F5344CB8AC3E}">
-        <p14:creationId xmlns:p14="http://schemas.microsoft.com/office/powerpoint/2010/main" val="4155984765"/>
+        <p14:creationId xmlns:p14="http://schemas.microsoft.com/office/powerpoint/2010/main" val="3682180786"/>
       </p:ext>
     </p:extLst>
   </p:cSld>
@@ -5523,6 +5420,358 @@
     <p:extLst>
       <p:ext uri="{BB962C8B-B14F-4D97-AF65-F5344CB8AC3E}">
         <p14:creationId xmlns:p14="http://schemas.microsoft.com/office/powerpoint/2010/main" val="498027179"/>
+      </p:ext>
+    </p:extLst>
+  </p:cSld>
+  <p:clrMapOvr>
+    <a:masterClrMapping/>
+  </p:clrMapOvr>
+</p:sld>
+</file>
+
+<file path=ppt/slides/slide20.xml><?xml version="1.0" encoding="utf-8"?>
+<p:sld xmlns:a="http://schemas.openxmlformats.org/drawingml/2006/main" xmlns:r="http://schemas.openxmlformats.org/officeDocument/2006/relationships" xmlns:p="http://schemas.openxmlformats.org/presentationml/2006/main">
+  <p:cSld>
+    <p:spTree>
+      <p:nvGrpSpPr>
+        <p:cNvPr id="1" name=""/>
+        <p:cNvGrpSpPr/>
+        <p:nvPr/>
+      </p:nvGrpSpPr>
+      <p:grpSpPr>
+        <a:xfrm>
+          <a:off x="0" y="0"/>
+          <a:ext cx="0" cy="0"/>
+          <a:chOff x="0" y="0"/>
+          <a:chExt cx="0" cy="0"/>
+        </a:xfrm>
+      </p:grpSpPr>
+      <p:pic>
+        <p:nvPicPr>
+          <p:cNvPr id="3" name="Picture 2">
+            <a:extLst>
+              <a:ext uri="{FF2B5EF4-FFF2-40B4-BE49-F238E27FC236}">
+                <a16:creationId xmlns:a16="http://schemas.microsoft.com/office/drawing/2014/main" id="{2ACDEB22-4A39-D62C-9DE5-5D4A31524EDE}"/>
+              </a:ext>
+            </a:extLst>
+          </p:cNvPr>
+          <p:cNvPicPr>
+            <a:picLocks noChangeAspect="1"/>
+          </p:cNvPicPr>
+          <p:nvPr/>
+        </p:nvPicPr>
+        <p:blipFill>
+          <a:blip r:embed="rId2"/>
+          <a:stretch>
+            <a:fillRect/>
+          </a:stretch>
+        </p:blipFill>
+        <p:spPr>
+          <a:xfrm>
+            <a:off x="1806077" y="1528330"/>
+            <a:ext cx="5749153" cy="3050284"/>
+          </a:xfrm>
+          <a:prstGeom prst="rect">
+            <a:avLst/>
+          </a:prstGeom>
+          <a:ln>
+            <a:solidFill>
+              <a:schemeClr val="tx1"/>
+            </a:solidFill>
+          </a:ln>
+        </p:spPr>
+      </p:pic>
+    </p:spTree>
+    <p:extLst>
+      <p:ext uri="{BB962C8B-B14F-4D97-AF65-F5344CB8AC3E}">
+        <p14:creationId xmlns:p14="http://schemas.microsoft.com/office/powerpoint/2010/main" val="2010364799"/>
+      </p:ext>
+    </p:extLst>
+  </p:cSld>
+  <p:clrMapOvr>
+    <a:masterClrMapping/>
+  </p:clrMapOvr>
+</p:sld>
+</file>
+
+<file path=ppt/slides/slide21.xml><?xml version="1.0" encoding="utf-8"?>
+<p:sld xmlns:a="http://schemas.openxmlformats.org/drawingml/2006/main" xmlns:r="http://schemas.openxmlformats.org/officeDocument/2006/relationships" xmlns:p="http://schemas.openxmlformats.org/presentationml/2006/main">
+  <p:cSld>
+    <p:spTree>
+      <p:nvGrpSpPr>
+        <p:cNvPr id="1" name=""/>
+        <p:cNvGrpSpPr/>
+        <p:nvPr/>
+      </p:nvGrpSpPr>
+      <p:grpSpPr>
+        <a:xfrm>
+          <a:off x="0" y="0"/>
+          <a:ext cx="0" cy="0"/>
+          <a:chOff x="0" y="0"/>
+          <a:chExt cx="0" cy="0"/>
+        </a:xfrm>
+      </p:grpSpPr>
+      <p:pic>
+        <p:nvPicPr>
+          <p:cNvPr id="5" name="Picture 4">
+            <a:extLst>
+              <a:ext uri="{FF2B5EF4-FFF2-40B4-BE49-F238E27FC236}">
+                <a16:creationId xmlns:a16="http://schemas.microsoft.com/office/drawing/2014/main" id="{0C5D5D2C-1E0F-BA25-62E2-E29F4E3A69B0}"/>
+              </a:ext>
+            </a:extLst>
+          </p:cNvPr>
+          <p:cNvPicPr>
+            <a:picLocks noChangeAspect="1"/>
+          </p:cNvPicPr>
+          <p:nvPr/>
+        </p:nvPicPr>
+        <p:blipFill>
+          <a:blip r:embed="rId2"/>
+          <a:stretch>
+            <a:fillRect/>
+          </a:stretch>
+        </p:blipFill>
+        <p:spPr>
+          <a:xfrm>
+            <a:off x="1139321" y="1029225"/>
+            <a:ext cx="8582779" cy="4468605"/>
+          </a:xfrm>
+          <a:prstGeom prst="rect">
+            <a:avLst/>
+          </a:prstGeom>
+        </p:spPr>
+      </p:pic>
+    </p:spTree>
+    <p:extLst>
+      <p:ext uri="{BB962C8B-B14F-4D97-AF65-F5344CB8AC3E}">
+        <p14:creationId xmlns:p14="http://schemas.microsoft.com/office/powerpoint/2010/main" val="2041255270"/>
+      </p:ext>
+    </p:extLst>
+  </p:cSld>
+  <p:clrMapOvr>
+    <a:masterClrMapping/>
+  </p:clrMapOvr>
+</p:sld>
+</file>
+
+<file path=ppt/slides/slide22.xml><?xml version="1.0" encoding="utf-8"?>
+<p:sld xmlns:a="http://schemas.openxmlformats.org/drawingml/2006/main" xmlns:r="http://schemas.openxmlformats.org/officeDocument/2006/relationships" xmlns:p="http://schemas.openxmlformats.org/presentationml/2006/main">
+  <p:cSld>
+    <p:spTree>
+      <p:nvGrpSpPr>
+        <p:cNvPr id="1" name=""/>
+        <p:cNvGrpSpPr/>
+        <p:nvPr/>
+      </p:nvGrpSpPr>
+      <p:grpSpPr>
+        <a:xfrm>
+          <a:off x="0" y="0"/>
+          <a:ext cx="0" cy="0"/>
+          <a:chOff x="0" y="0"/>
+          <a:chExt cx="0" cy="0"/>
+        </a:xfrm>
+      </p:grpSpPr>
+      <p:pic>
+        <p:nvPicPr>
+          <p:cNvPr id="3" name="Picture 2">
+            <a:extLst>
+              <a:ext uri="{FF2B5EF4-FFF2-40B4-BE49-F238E27FC236}">
+                <a16:creationId xmlns:a16="http://schemas.microsoft.com/office/drawing/2014/main" id="{076F2ED9-252F-475F-37A1-2818F6C0027D}"/>
+              </a:ext>
+            </a:extLst>
+          </p:cNvPr>
+          <p:cNvPicPr>
+            <a:picLocks noChangeAspect="1"/>
+          </p:cNvPicPr>
+          <p:nvPr/>
+        </p:nvPicPr>
+        <p:blipFill>
+          <a:blip r:embed="rId2"/>
+          <a:stretch>
+            <a:fillRect/>
+          </a:stretch>
+        </p:blipFill>
+        <p:spPr>
+          <a:xfrm>
+            <a:off x="170623" y="2204866"/>
+            <a:ext cx="11850754" cy="2448267"/>
+          </a:xfrm>
+          <a:prstGeom prst="rect">
+            <a:avLst/>
+          </a:prstGeom>
+        </p:spPr>
+      </p:pic>
+    </p:spTree>
+    <p:extLst>
+      <p:ext uri="{BB962C8B-B14F-4D97-AF65-F5344CB8AC3E}">
+        <p14:creationId xmlns:p14="http://schemas.microsoft.com/office/powerpoint/2010/main" val="2205650836"/>
+      </p:ext>
+    </p:extLst>
+  </p:cSld>
+  <p:clrMapOvr>
+    <a:masterClrMapping/>
+  </p:clrMapOvr>
+</p:sld>
+</file>
+
+<file path=ppt/slides/slide23.xml><?xml version="1.0" encoding="utf-8"?>
+<p:sld xmlns:a="http://schemas.openxmlformats.org/drawingml/2006/main" xmlns:r="http://schemas.openxmlformats.org/officeDocument/2006/relationships" xmlns:p="http://schemas.openxmlformats.org/presentationml/2006/main">
+  <p:cSld>
+    <p:spTree>
+      <p:nvGrpSpPr>
+        <p:cNvPr id="1" name=""/>
+        <p:cNvGrpSpPr/>
+        <p:nvPr/>
+      </p:nvGrpSpPr>
+      <p:grpSpPr>
+        <a:xfrm>
+          <a:off x="0" y="0"/>
+          <a:ext cx="0" cy="0"/>
+          <a:chOff x="0" y="0"/>
+          <a:chExt cx="0" cy="0"/>
+        </a:xfrm>
+      </p:grpSpPr>
+      <p:pic>
+        <p:nvPicPr>
+          <p:cNvPr id="5" name="Picture 4">
+            <a:extLst>
+              <a:ext uri="{FF2B5EF4-FFF2-40B4-BE49-F238E27FC236}">
+                <a16:creationId xmlns:a16="http://schemas.microsoft.com/office/drawing/2014/main" id="{A297D7BB-5FA3-768D-FF6E-1F595CCE18E7}"/>
+              </a:ext>
+            </a:extLst>
+          </p:cNvPr>
+          <p:cNvPicPr>
+            <a:picLocks noChangeAspect="1"/>
+          </p:cNvPicPr>
+          <p:nvPr/>
+        </p:nvPicPr>
+        <p:blipFill>
+          <a:blip r:embed="rId3"/>
+          <a:stretch>
+            <a:fillRect/>
+          </a:stretch>
+        </p:blipFill>
+        <p:spPr>
+          <a:xfrm>
+            <a:off x="1335759" y="2141615"/>
+            <a:ext cx="3486072" cy="2396096"/>
+          </a:xfrm>
+          <a:prstGeom prst="rect">
+            <a:avLst/>
+          </a:prstGeom>
+        </p:spPr>
+      </p:pic>
+      <p:pic>
+        <p:nvPicPr>
+          <p:cNvPr id="7" name="Picture 6">
+            <a:extLst>
+              <a:ext uri="{FF2B5EF4-FFF2-40B4-BE49-F238E27FC236}">
+                <a16:creationId xmlns:a16="http://schemas.microsoft.com/office/drawing/2014/main" id="{E8A07562-67AE-B90E-225F-143CA739C08D}"/>
+              </a:ext>
+            </a:extLst>
+          </p:cNvPr>
+          <p:cNvPicPr>
+            <a:picLocks noChangeAspect="1"/>
+          </p:cNvPicPr>
+          <p:nvPr/>
+        </p:nvPicPr>
+        <p:blipFill>
+          <a:blip r:embed="rId4"/>
+          <a:stretch>
+            <a:fillRect/>
+          </a:stretch>
+        </p:blipFill>
+        <p:spPr>
+          <a:xfrm>
+            <a:off x="5947410" y="2141615"/>
+            <a:ext cx="4351020" cy="2396096"/>
+          </a:xfrm>
+          <a:prstGeom prst="rect">
+            <a:avLst/>
+          </a:prstGeom>
+          <a:ln>
+            <a:solidFill>
+              <a:schemeClr val="tx1"/>
+            </a:solidFill>
+          </a:ln>
+        </p:spPr>
+      </p:pic>
+      <p:sp>
+        <p:nvSpPr>
+          <p:cNvPr id="8" name="TextBox 7">
+            <a:extLst>
+              <a:ext uri="{FF2B5EF4-FFF2-40B4-BE49-F238E27FC236}">
+                <a16:creationId xmlns:a16="http://schemas.microsoft.com/office/drawing/2014/main" id="{A9A9BA76-154B-6625-BCCC-4F322E964E88}"/>
+              </a:ext>
+            </a:extLst>
+          </p:cNvPr>
+          <p:cNvSpPr txBox="1"/>
+          <p:nvPr/>
+        </p:nvSpPr>
+        <p:spPr>
+          <a:xfrm>
+            <a:off x="1335759" y="1668840"/>
+            <a:ext cx="1771767" cy="400110"/>
+          </a:xfrm>
+          <a:prstGeom prst="rect">
+            <a:avLst/>
+          </a:prstGeom>
+          <a:noFill/>
+        </p:spPr>
+        <p:txBody>
+          <a:bodyPr wrap="none" lIns="0" rtlCol="0">
+            <a:spAutoFit/>
+          </a:bodyPr>
+          <a:lstStyle/>
+          <a:p>
+            <a:r>
+              <a:rPr lang="en-GB" sz="2000" dirty="0"/>
+              <a:t>Primary Screen</a:t>
+            </a:r>
+            <a:endParaRPr lang="en-DK" sz="2000" dirty="0"/>
+          </a:p>
+        </p:txBody>
+      </p:sp>
+      <p:sp>
+        <p:nvSpPr>
+          <p:cNvPr id="9" name="TextBox 8">
+            <a:extLst>
+              <a:ext uri="{FF2B5EF4-FFF2-40B4-BE49-F238E27FC236}">
+                <a16:creationId xmlns:a16="http://schemas.microsoft.com/office/drawing/2014/main" id="{BF0637E5-F674-88CC-7A0E-14E0124AE20C}"/>
+              </a:ext>
+            </a:extLst>
+          </p:cNvPr>
+          <p:cNvSpPr txBox="1"/>
+          <p:nvPr/>
+        </p:nvSpPr>
+        <p:spPr>
+          <a:xfrm>
+            <a:off x="5947410" y="1668840"/>
+            <a:ext cx="4395819" cy="400110"/>
+          </a:xfrm>
+          <a:prstGeom prst="rect">
+            <a:avLst/>
+          </a:prstGeom>
+          <a:noFill/>
+        </p:spPr>
+        <p:txBody>
+          <a:bodyPr wrap="none" lIns="0" rtlCol="0">
+            <a:spAutoFit/>
+          </a:bodyPr>
+          <a:lstStyle/>
+          <a:p>
+            <a:r>
+              <a:rPr lang="en-GB" sz="2000" dirty="0"/>
+              <a:t>Secondary Screen (LabBench Display)</a:t>
+            </a:r>
+            <a:endParaRPr lang="en-DK" sz="2000" dirty="0"/>
+          </a:p>
+        </p:txBody>
+      </p:sp>
+    </p:spTree>
+    <p:extLst>
+      <p:ext uri="{BB962C8B-B14F-4D97-AF65-F5344CB8AC3E}">
+        <p14:creationId xmlns:p14="http://schemas.microsoft.com/office/powerpoint/2010/main" val="4155984765"/>
       </p:ext>
     </p:extLst>
   </p:cSld>

--- a/introdemo/Illustrations/Illustrations (Introduction to LabBench).pptx
+++ b/introdemo/Illustrations/Illustrations (Introduction to LabBench).pptx
@@ -5,7 +5,7 @@
     <p:sldMasterId id="2147483648" r:id="rId1"/>
   </p:sldMasterIdLst>
   <p:notesMasterIdLst>
-    <p:notesMasterId r:id="rId25"/>
+    <p:notesMasterId r:id="rId23"/>
   </p:notesMasterIdLst>
   <p:sldIdLst>
     <p:sldId id="256" r:id="rId2"/>
@@ -22,15 +22,13 @@
     <p:sldId id="267" r:id="rId13"/>
     <p:sldId id="268" r:id="rId14"/>
     <p:sldId id="270" r:id="rId15"/>
-    <p:sldId id="271" r:id="rId16"/>
-    <p:sldId id="272" r:id="rId17"/>
-    <p:sldId id="275" r:id="rId18"/>
-    <p:sldId id="273" r:id="rId19"/>
-    <p:sldId id="277" r:id="rId20"/>
-    <p:sldId id="276" r:id="rId21"/>
-    <p:sldId id="279" r:id="rId22"/>
-    <p:sldId id="278" r:id="rId23"/>
-    <p:sldId id="274" r:id="rId24"/>
+    <p:sldId id="277" r:id="rId16"/>
+    <p:sldId id="281" r:id="rId17"/>
+    <p:sldId id="280" r:id="rId18"/>
+    <p:sldId id="278" r:id="rId19"/>
+    <p:sldId id="276" r:id="rId20"/>
+    <p:sldId id="279" r:id="rId21"/>
+    <p:sldId id="274" r:id="rId22"/>
   </p:sldIdLst>
   <p:sldSz cx="12192000" cy="6858000"/>
   <p:notesSz cx="6858000" cy="9144000"/>
@@ -640,7 +638,91 @@
           <a:p>
             <a:fld id="{013998F9-4E6E-4F05-BAC2-F95D22B0FDB7}" type="slidenum">
               <a:rPr lang="en-DK" smtClean="0"/>
-              <a:t>23</a:t>
+              <a:t>14</a:t>
+            </a:fld>
+            <a:endParaRPr lang="en-DK"/>
+          </a:p>
+        </p:txBody>
+      </p:sp>
+    </p:spTree>
+    <p:extLst>
+      <p:ext uri="{BB962C8B-B14F-4D97-AF65-F5344CB8AC3E}">
+        <p14:creationId xmlns:p14="http://schemas.microsoft.com/office/powerpoint/2010/main" val="1691931865"/>
+      </p:ext>
+    </p:extLst>
+  </p:cSld>
+  <p:clrMapOvr>
+    <a:masterClrMapping/>
+  </p:clrMapOvr>
+</p:notes>
+</file>
+
+<file path=ppt/notesSlides/notesSlide3.xml><?xml version="1.0" encoding="utf-8"?>
+<p:notes xmlns:a="http://schemas.openxmlformats.org/drawingml/2006/main" xmlns:r="http://schemas.openxmlformats.org/officeDocument/2006/relationships" xmlns:p="http://schemas.openxmlformats.org/presentationml/2006/main">
+  <p:cSld>
+    <p:spTree>
+      <p:nvGrpSpPr>
+        <p:cNvPr id="1" name=""/>
+        <p:cNvGrpSpPr/>
+        <p:nvPr/>
+      </p:nvGrpSpPr>
+      <p:grpSpPr>
+        <a:xfrm>
+          <a:off x="0" y="0"/>
+          <a:ext cx="0" cy="0"/>
+          <a:chOff x="0" y="0"/>
+          <a:chExt cx="0" cy="0"/>
+        </a:xfrm>
+      </p:grpSpPr>
+      <p:sp>
+        <p:nvSpPr>
+          <p:cNvPr id="2" name="Slide Image Placeholder 1"/>
+          <p:cNvSpPr>
+            <a:spLocks noGrp="1" noRot="1" noChangeAspect="1"/>
+          </p:cNvSpPr>
+          <p:nvPr>
+            <p:ph type="sldImg"/>
+          </p:nvPr>
+        </p:nvSpPr>
+        <p:spPr/>
+      </p:sp>
+      <p:sp>
+        <p:nvSpPr>
+          <p:cNvPr id="3" name="Notes Placeholder 2"/>
+          <p:cNvSpPr>
+            <a:spLocks noGrp="1"/>
+          </p:cNvSpPr>
+          <p:nvPr>
+            <p:ph type="body" idx="1"/>
+          </p:nvPr>
+        </p:nvSpPr>
+        <p:spPr/>
+        <p:txBody>
+          <a:bodyPr/>
+          <a:lstStyle/>
+          <a:p>
+            <a:endParaRPr lang="en-DK" dirty="0"/>
+          </a:p>
+        </p:txBody>
+      </p:sp>
+      <p:sp>
+        <p:nvSpPr>
+          <p:cNvPr id="4" name="Slide Number Placeholder 3"/>
+          <p:cNvSpPr>
+            <a:spLocks noGrp="1"/>
+          </p:cNvSpPr>
+          <p:nvPr>
+            <p:ph type="sldNum" sz="quarter" idx="5"/>
+          </p:nvPr>
+        </p:nvSpPr>
+        <p:spPr/>
+        <p:txBody>
+          <a:bodyPr/>
+          <a:lstStyle/>
+          <a:p>
+            <a:fld id="{013998F9-4E6E-4F05-BAC2-F95D22B0FDB7}" type="slidenum">
+              <a:rPr lang="en-DK" smtClean="0"/>
+              <a:t>21</a:t>
             </a:fld>
             <a:endParaRPr lang="en-DK"/>
           </a:p>
@@ -5026,36 +5108,1639 @@
           <a:chExt cx="0" cy="0"/>
         </a:xfrm>
       </p:grpSpPr>
-      <p:pic>
-        <p:nvPicPr>
-          <p:cNvPr id="5" name="Picture 4">
-            <a:extLst>
-              <a:ext uri="{FF2B5EF4-FFF2-40B4-BE49-F238E27FC236}">
-                <a16:creationId xmlns:a16="http://schemas.microsoft.com/office/drawing/2014/main" id="{50D4B995-E28F-3301-4C2A-4CDF7D9EEF25}"/>
-              </a:ext>
-            </a:extLst>
-          </p:cNvPr>
-          <p:cNvPicPr>
-            <a:picLocks noChangeAspect="1"/>
-          </p:cNvPicPr>
-          <p:nvPr/>
-        </p:nvPicPr>
-        <p:blipFill>
-          <a:blip r:embed="rId2"/>
-          <a:stretch>
-            <a:fillRect/>
-          </a:stretch>
-        </p:blipFill>
-        <p:spPr>
-          <a:xfrm>
-            <a:off x="3156857" y="0"/>
-            <a:ext cx="5878286" cy="6858000"/>
+      <p:grpSp>
+        <p:nvGrpSpPr>
+          <p:cNvPr id="44" name="Group 43">
+            <a:extLst>
+              <a:ext uri="{FF2B5EF4-FFF2-40B4-BE49-F238E27FC236}">
+                <a16:creationId xmlns:a16="http://schemas.microsoft.com/office/drawing/2014/main" id="{8F3D018A-DC14-AAD2-A798-229B4A674338}"/>
+              </a:ext>
+            </a:extLst>
+          </p:cNvPr>
+          <p:cNvGrpSpPr/>
+          <p:nvPr/>
+        </p:nvGrpSpPr>
+        <p:grpSpPr>
+          <a:xfrm>
+            <a:off x="1515655" y="765994"/>
+            <a:ext cx="1163139" cy="1798390"/>
+            <a:chOff x="2023655" y="1416234"/>
+            <a:chExt cx="1163139" cy="1798390"/>
+          </a:xfrm>
+        </p:grpSpPr>
+        <p:pic>
+          <p:nvPicPr>
+            <p:cNvPr id="5" name="Picture 4">
+              <a:extLst>
+                <a:ext uri="{FF2B5EF4-FFF2-40B4-BE49-F238E27FC236}">
+                  <a16:creationId xmlns:a16="http://schemas.microsoft.com/office/drawing/2014/main" id="{50D4B995-E28F-3301-4C2A-4CDF7D9EEF25}"/>
+                </a:ext>
+              </a:extLst>
+            </p:cNvPr>
+            <p:cNvPicPr>
+              <a:picLocks noChangeAspect="1"/>
+            </p:cNvPicPr>
+            <p:nvPr/>
+          </p:nvPicPr>
+          <p:blipFill>
+            <a:blip r:embed="rId3"/>
+            <a:stretch>
+              <a:fillRect/>
+            </a:stretch>
+          </p:blipFill>
+          <p:spPr>
+            <a:xfrm>
+              <a:off x="2023655" y="1968754"/>
+              <a:ext cx="1067889" cy="1245870"/>
+            </a:xfrm>
+            <a:prstGeom prst="rect">
+              <a:avLst/>
+            </a:prstGeom>
+          </p:spPr>
+        </p:pic>
+        <p:sp>
+          <p:nvSpPr>
+            <p:cNvPr id="10" name="TextBox 9">
+              <a:extLst>
+                <a:ext uri="{FF2B5EF4-FFF2-40B4-BE49-F238E27FC236}">
+                  <a16:creationId xmlns:a16="http://schemas.microsoft.com/office/drawing/2014/main" id="{BD70CFC0-8BC5-A478-A7F5-953DD4D605D6}"/>
+                </a:ext>
+              </a:extLst>
+            </p:cNvPr>
+            <p:cNvSpPr txBox="1"/>
+            <p:nvPr/>
+          </p:nvSpPr>
+          <p:spPr>
+            <a:xfrm>
+              <a:off x="2023655" y="1416234"/>
+              <a:ext cx="1163139" cy="338554"/>
+            </a:xfrm>
+            <a:prstGeom prst="rect">
+              <a:avLst/>
+            </a:prstGeom>
+            <a:noFill/>
+          </p:spPr>
+          <p:txBody>
+            <a:bodyPr wrap="none" lIns="0" rtlCol="0">
+              <a:spAutoFit/>
+            </a:bodyPr>
+            <a:lstStyle/>
+            <a:p>
+              <a:r>
+                <a:rPr lang="en-GB" sz="1600" b="1" dirty="0"/>
+                <a:t>Experiment</a:t>
+              </a:r>
+              <a:endParaRPr lang="en-DK" sz="1600" b="1" dirty="0"/>
+            </a:p>
+          </p:txBody>
+        </p:sp>
+      </p:grpSp>
+      <p:grpSp>
+        <p:nvGrpSpPr>
+          <p:cNvPr id="45" name="Group 44">
+            <a:extLst>
+              <a:ext uri="{FF2B5EF4-FFF2-40B4-BE49-F238E27FC236}">
+                <a16:creationId xmlns:a16="http://schemas.microsoft.com/office/drawing/2014/main" id="{EDA4255A-1D9A-BD3C-35F0-D4591DD28763}"/>
+              </a:ext>
+            </a:extLst>
+          </p:cNvPr>
+          <p:cNvGrpSpPr/>
+          <p:nvPr/>
+        </p:nvGrpSpPr>
+        <p:grpSpPr>
+          <a:xfrm>
+            <a:off x="3179080" y="762947"/>
+            <a:ext cx="1067889" cy="1798390"/>
+            <a:chOff x="3931379" y="1416234"/>
+            <a:chExt cx="1067889" cy="1798390"/>
+          </a:xfrm>
+        </p:grpSpPr>
+        <p:pic>
+          <p:nvPicPr>
+            <p:cNvPr id="6" name="Picture 5">
+              <a:extLst>
+                <a:ext uri="{FF2B5EF4-FFF2-40B4-BE49-F238E27FC236}">
+                  <a16:creationId xmlns:a16="http://schemas.microsoft.com/office/drawing/2014/main" id="{93CAA074-306E-94F4-3ED7-BB4946D61A3B}"/>
+                </a:ext>
+              </a:extLst>
+            </p:cNvPr>
+            <p:cNvPicPr>
+              <a:picLocks noChangeAspect="1"/>
+            </p:cNvPicPr>
+            <p:nvPr/>
+          </p:nvPicPr>
+          <p:blipFill>
+            <a:blip r:embed="rId4"/>
+            <a:stretch>
+              <a:fillRect/>
+            </a:stretch>
+          </p:blipFill>
+          <p:spPr>
+            <a:xfrm>
+              <a:off x="3931379" y="1968754"/>
+              <a:ext cx="1067889" cy="1245870"/>
+            </a:xfrm>
+            <a:prstGeom prst="rect">
+              <a:avLst/>
+            </a:prstGeom>
+          </p:spPr>
+        </p:pic>
+        <p:sp>
+          <p:nvSpPr>
+            <p:cNvPr id="12" name="TextBox 11">
+              <a:extLst>
+                <a:ext uri="{FF2B5EF4-FFF2-40B4-BE49-F238E27FC236}">
+                  <a16:creationId xmlns:a16="http://schemas.microsoft.com/office/drawing/2014/main" id="{8909148F-F5B2-4564-170B-558616CBFAC7}"/>
+                </a:ext>
+              </a:extLst>
+            </p:cNvPr>
+            <p:cNvSpPr txBox="1"/>
+            <p:nvPr/>
+          </p:nvSpPr>
+          <p:spPr>
+            <a:xfrm>
+              <a:off x="3931379" y="1416234"/>
+              <a:ext cx="986232" cy="553998"/>
+            </a:xfrm>
+            <a:prstGeom prst="rect">
+              <a:avLst/>
+            </a:prstGeom>
+            <a:noFill/>
+          </p:spPr>
+          <p:txBody>
+            <a:bodyPr wrap="none" lIns="0" rtlCol="0">
+              <a:spAutoFit/>
+            </a:bodyPr>
+            <a:lstStyle/>
+            <a:p>
+              <a:r>
+                <a:rPr lang="en-GB" sz="1600" b="1" dirty="0"/>
+                <a:t>Language</a:t>
+              </a:r>
+            </a:p>
+            <a:p>
+              <a:r>
+                <a:rPr lang="en-GB" sz="1400" i="1" dirty="0"/>
+                <a:t>(Optional)</a:t>
+              </a:r>
+              <a:endParaRPr lang="en-DK" sz="1400" i="1" dirty="0"/>
+            </a:p>
+          </p:txBody>
+        </p:sp>
+      </p:grpSp>
+      <p:grpSp>
+        <p:nvGrpSpPr>
+          <p:cNvPr id="46" name="Group 45">
+            <a:extLst>
+              <a:ext uri="{FF2B5EF4-FFF2-40B4-BE49-F238E27FC236}">
+                <a16:creationId xmlns:a16="http://schemas.microsoft.com/office/drawing/2014/main" id="{7DC5AB83-970E-8BF9-8DF8-044694495A68}"/>
+              </a:ext>
+            </a:extLst>
+          </p:cNvPr>
+          <p:cNvGrpSpPr/>
+          <p:nvPr/>
+        </p:nvGrpSpPr>
+        <p:grpSpPr>
+          <a:xfrm>
+            <a:off x="4511932" y="762946"/>
+            <a:ext cx="1074696" cy="1798391"/>
+            <a:chOff x="5486850" y="1416234"/>
+            <a:chExt cx="1074696" cy="1798391"/>
+          </a:xfrm>
+        </p:grpSpPr>
+        <p:pic>
+          <p:nvPicPr>
+            <p:cNvPr id="7" name="Picture 6">
+              <a:extLst>
+                <a:ext uri="{FF2B5EF4-FFF2-40B4-BE49-F238E27FC236}">
+                  <a16:creationId xmlns:a16="http://schemas.microsoft.com/office/drawing/2014/main" id="{E83D5CE8-B943-529B-0F73-DC81A42CBD68}"/>
+                </a:ext>
+              </a:extLst>
+            </p:cNvPr>
+            <p:cNvPicPr>
+              <a:picLocks noChangeAspect="1"/>
+            </p:cNvPicPr>
+            <p:nvPr/>
+          </p:nvPicPr>
+          <p:blipFill>
+            <a:blip r:embed="rId5"/>
+            <a:stretch>
+              <a:fillRect/>
+            </a:stretch>
+          </p:blipFill>
+          <p:spPr>
+            <a:xfrm>
+              <a:off x="5493657" y="1968755"/>
+              <a:ext cx="1067889" cy="1245870"/>
+            </a:xfrm>
+            <a:prstGeom prst="rect">
+              <a:avLst/>
+            </a:prstGeom>
+          </p:spPr>
+        </p:pic>
+        <p:sp>
+          <p:nvSpPr>
+            <p:cNvPr id="13" name="TextBox 12">
+              <a:extLst>
+                <a:ext uri="{FF2B5EF4-FFF2-40B4-BE49-F238E27FC236}">
+                  <a16:creationId xmlns:a16="http://schemas.microsoft.com/office/drawing/2014/main" id="{29353CD1-6C83-C635-F73A-AEE161FC28E3}"/>
+                </a:ext>
+              </a:extLst>
+            </p:cNvPr>
+            <p:cNvSpPr txBox="1"/>
+            <p:nvPr/>
+          </p:nvSpPr>
+          <p:spPr>
+            <a:xfrm>
+              <a:off x="5486850" y="1416234"/>
+              <a:ext cx="808876" cy="338554"/>
+            </a:xfrm>
+            <a:prstGeom prst="rect">
+              <a:avLst/>
+            </a:prstGeom>
+            <a:noFill/>
+          </p:spPr>
+          <p:txBody>
+            <a:bodyPr wrap="none" lIns="0" rtlCol="0">
+              <a:spAutoFit/>
+            </a:bodyPr>
+            <a:lstStyle/>
+            <a:p>
+              <a:r>
+                <a:rPr lang="en-GB" sz="1600" b="1" dirty="0"/>
+                <a:t>Subject</a:t>
+              </a:r>
+              <a:endParaRPr lang="en-DK" sz="1600" b="1" dirty="0"/>
+            </a:p>
+          </p:txBody>
+        </p:sp>
+      </p:grpSp>
+      <p:grpSp>
+        <p:nvGrpSpPr>
+          <p:cNvPr id="47" name="Group 46">
+            <a:extLst>
+              <a:ext uri="{FF2B5EF4-FFF2-40B4-BE49-F238E27FC236}">
+                <a16:creationId xmlns:a16="http://schemas.microsoft.com/office/drawing/2014/main" id="{FF5CE261-95E3-642E-C840-FC270123AF0A}"/>
+              </a:ext>
+            </a:extLst>
+          </p:cNvPr>
+          <p:cNvGrpSpPr/>
+          <p:nvPr/>
+        </p:nvGrpSpPr>
+        <p:grpSpPr>
+          <a:xfrm>
+            <a:off x="6193245" y="765994"/>
+            <a:ext cx="1067889" cy="1798391"/>
+            <a:chOff x="6914605" y="1416234"/>
+            <a:chExt cx="1067889" cy="1798391"/>
+          </a:xfrm>
+        </p:grpSpPr>
+        <p:pic>
+          <p:nvPicPr>
+            <p:cNvPr id="8" name="Picture 7">
+              <a:extLst>
+                <a:ext uri="{FF2B5EF4-FFF2-40B4-BE49-F238E27FC236}">
+                  <a16:creationId xmlns:a16="http://schemas.microsoft.com/office/drawing/2014/main" id="{99CFDC20-CDE4-8E21-4372-75FABB8AB26B}"/>
+                </a:ext>
+              </a:extLst>
+            </p:cNvPr>
+            <p:cNvPicPr>
+              <a:picLocks noChangeAspect="1"/>
+            </p:cNvPicPr>
+            <p:nvPr/>
+          </p:nvPicPr>
+          <p:blipFill>
+            <a:blip r:embed="rId6"/>
+            <a:stretch>
+              <a:fillRect/>
+            </a:stretch>
+          </p:blipFill>
+          <p:spPr>
+            <a:xfrm>
+              <a:off x="6914605" y="1968755"/>
+              <a:ext cx="1067889" cy="1245870"/>
+            </a:xfrm>
+            <a:prstGeom prst="rect">
+              <a:avLst/>
+            </a:prstGeom>
+          </p:spPr>
+        </p:pic>
+        <p:sp>
+          <p:nvSpPr>
+            <p:cNvPr id="14" name="TextBox 13">
+              <a:extLst>
+                <a:ext uri="{FF2B5EF4-FFF2-40B4-BE49-F238E27FC236}">
+                  <a16:creationId xmlns:a16="http://schemas.microsoft.com/office/drawing/2014/main" id="{EDF03F7F-2949-F3DD-496E-9BDCEE4197CC}"/>
+                </a:ext>
+              </a:extLst>
+            </p:cNvPr>
+            <p:cNvSpPr txBox="1"/>
+            <p:nvPr/>
+          </p:nvSpPr>
+          <p:spPr>
+            <a:xfrm>
+              <a:off x="6962082" y="1416234"/>
+              <a:ext cx="869790" cy="553998"/>
+            </a:xfrm>
+            <a:prstGeom prst="rect">
+              <a:avLst/>
+            </a:prstGeom>
+            <a:noFill/>
+          </p:spPr>
+          <p:txBody>
+            <a:bodyPr wrap="none" lIns="0" rtlCol="0">
+              <a:spAutoFit/>
+            </a:bodyPr>
+            <a:lstStyle/>
+            <a:p>
+              <a:r>
+                <a:rPr lang="en-GB" sz="1600" b="1" dirty="0"/>
+                <a:t>Session</a:t>
+              </a:r>
+            </a:p>
+            <a:p>
+              <a:r>
+                <a:rPr lang="en-GB" sz="1400" i="1" dirty="0"/>
+                <a:t>(Optional)</a:t>
+              </a:r>
+              <a:endParaRPr lang="en-DK" sz="1400" dirty="0"/>
+            </a:p>
+          </p:txBody>
+        </p:sp>
+      </p:grpSp>
+      <p:grpSp>
+        <p:nvGrpSpPr>
+          <p:cNvPr id="48" name="Group 47">
+            <a:extLst>
+              <a:ext uri="{FF2B5EF4-FFF2-40B4-BE49-F238E27FC236}">
+                <a16:creationId xmlns:a16="http://schemas.microsoft.com/office/drawing/2014/main" id="{5B544BD2-7AD7-4542-487C-53A89A9F50AE}"/>
+              </a:ext>
+            </a:extLst>
+          </p:cNvPr>
+          <p:cNvGrpSpPr/>
+          <p:nvPr/>
+        </p:nvGrpSpPr>
+        <p:grpSpPr>
+          <a:xfrm>
+            <a:off x="7968646" y="759899"/>
+            <a:ext cx="1067889" cy="1801438"/>
+            <a:chOff x="8442780" y="1413186"/>
+            <a:chExt cx="1067889" cy="1801438"/>
+          </a:xfrm>
+        </p:grpSpPr>
+        <p:pic>
+          <p:nvPicPr>
+            <p:cNvPr id="9" name="Picture 8">
+              <a:extLst>
+                <a:ext uri="{FF2B5EF4-FFF2-40B4-BE49-F238E27FC236}">
+                  <a16:creationId xmlns:a16="http://schemas.microsoft.com/office/drawing/2014/main" id="{3417ED0A-9878-3FE4-F6CE-7BD89B06EA08}"/>
+                </a:ext>
+              </a:extLst>
+            </p:cNvPr>
+            <p:cNvPicPr>
+              <a:picLocks noChangeAspect="1"/>
+            </p:cNvPicPr>
+            <p:nvPr/>
+          </p:nvPicPr>
+          <p:blipFill>
+            <a:blip r:embed="rId7"/>
+            <a:stretch>
+              <a:fillRect/>
+            </a:stretch>
+          </p:blipFill>
+          <p:spPr>
+            <a:xfrm>
+              <a:off x="8442780" y="1968754"/>
+              <a:ext cx="1067889" cy="1245870"/>
+            </a:xfrm>
+            <a:prstGeom prst="rect">
+              <a:avLst/>
+            </a:prstGeom>
+          </p:spPr>
+        </p:pic>
+        <p:sp>
+          <p:nvSpPr>
+            <p:cNvPr id="15" name="TextBox 14">
+              <a:extLst>
+                <a:ext uri="{FF2B5EF4-FFF2-40B4-BE49-F238E27FC236}">
+                  <a16:creationId xmlns:a16="http://schemas.microsoft.com/office/drawing/2014/main" id="{8726A38E-8DE1-DC42-CA29-765333D14366}"/>
+                </a:ext>
+              </a:extLst>
+            </p:cNvPr>
+            <p:cNvSpPr txBox="1"/>
+            <p:nvPr/>
+          </p:nvSpPr>
+          <p:spPr>
+            <a:xfrm>
+              <a:off x="8465957" y="1413186"/>
+              <a:ext cx="869790" cy="553998"/>
+            </a:xfrm>
+            <a:prstGeom prst="rect">
+              <a:avLst/>
+            </a:prstGeom>
+            <a:noFill/>
+          </p:spPr>
+          <p:txBody>
+            <a:bodyPr wrap="none" lIns="0" rtlCol="0">
+              <a:spAutoFit/>
+            </a:bodyPr>
+            <a:lstStyle/>
+            <a:p>
+              <a:r>
+                <a:rPr lang="en-GB" sz="1600" b="1" dirty="0"/>
+                <a:t>Devices</a:t>
+              </a:r>
+            </a:p>
+            <a:p>
+              <a:r>
+                <a:rPr lang="en-GB" sz="1400" i="1" dirty="0"/>
+                <a:t>(Optional)</a:t>
+              </a:r>
+              <a:endParaRPr lang="en-DK" sz="1400" dirty="0"/>
+            </a:p>
+          </p:txBody>
+        </p:sp>
+      </p:grpSp>
+      <p:sp>
+        <p:nvSpPr>
+          <p:cNvPr id="16" name="Oval 15">
+            <a:extLst>
+              <a:ext uri="{FF2B5EF4-FFF2-40B4-BE49-F238E27FC236}">
+                <a16:creationId xmlns:a16="http://schemas.microsoft.com/office/drawing/2014/main" id="{84046D84-CCBB-D4FF-97F0-40E4935ED5C4}"/>
+              </a:ext>
+            </a:extLst>
+          </p:cNvPr>
+          <p:cNvSpPr/>
+          <p:nvPr/>
+        </p:nvSpPr>
+        <p:spPr>
+          <a:xfrm>
+            <a:off x="9447293" y="2782697"/>
+            <a:ext cx="288000" cy="288000"/>
+          </a:xfrm>
+          <a:prstGeom prst="ellipse">
+            <a:avLst/>
+          </a:prstGeom>
+          <a:solidFill>
+            <a:schemeClr val="tx1"/>
+          </a:solidFill>
+        </p:spPr>
+        <p:style>
+          <a:lnRef idx="2">
+            <a:schemeClr val="accent1">
+              <a:shade val="15000"/>
+            </a:schemeClr>
+          </a:lnRef>
+          <a:fillRef idx="1">
+            <a:schemeClr val="accent1"/>
+          </a:fillRef>
+          <a:effectRef idx="0">
+            <a:schemeClr val="accent1"/>
+          </a:effectRef>
+          <a:fontRef idx="minor">
+            <a:schemeClr val="lt1"/>
+          </a:fontRef>
+        </p:style>
+        <p:txBody>
+          <a:bodyPr rtlCol="0" anchor="ctr"/>
+          <a:lstStyle/>
+          <a:p>
+            <a:pPr algn="ctr"/>
+            <a:endParaRPr lang="en-DK"/>
+          </a:p>
+        </p:txBody>
+      </p:sp>
+      <p:sp>
+        <p:nvSpPr>
+          <p:cNvPr id="17" name="TextBox 16">
+            <a:extLst>
+              <a:ext uri="{FF2B5EF4-FFF2-40B4-BE49-F238E27FC236}">
+                <a16:creationId xmlns:a16="http://schemas.microsoft.com/office/drawing/2014/main" id="{90058D13-AFAA-DFFF-87B5-695BBFA2B40D}"/>
+              </a:ext>
+            </a:extLst>
+          </p:cNvPr>
+          <p:cNvSpPr txBox="1"/>
+          <p:nvPr/>
+        </p:nvSpPr>
+        <p:spPr>
+          <a:xfrm>
+            <a:off x="9078170" y="3081801"/>
+            <a:ext cx="1026247" cy="646331"/>
           </a:xfrm>
           <a:prstGeom prst="rect">
             <a:avLst/>
           </a:prstGeom>
-        </p:spPr>
-      </p:pic>
+          <a:noFill/>
+        </p:spPr>
+        <p:txBody>
+          <a:bodyPr wrap="square" lIns="0" rIns="0" rtlCol="0">
+            <a:spAutoFit/>
+          </a:bodyPr>
+          <a:lstStyle/>
+          <a:p>
+            <a:pPr algn="ctr"/>
+            <a:r>
+              <a:rPr lang="en-GB" dirty="0"/>
+              <a:t>LabBench Runner</a:t>
+            </a:r>
+            <a:endParaRPr lang="en-DK" dirty="0"/>
+          </a:p>
+        </p:txBody>
+      </p:sp>
+      <p:sp>
+        <p:nvSpPr>
+          <p:cNvPr id="19" name="Oval 18">
+            <a:extLst>
+              <a:ext uri="{FF2B5EF4-FFF2-40B4-BE49-F238E27FC236}">
+                <a16:creationId xmlns:a16="http://schemas.microsoft.com/office/drawing/2014/main" id="{6E665656-95D1-4A60-B55B-E1D38DB9404F}"/>
+              </a:ext>
+            </a:extLst>
+          </p:cNvPr>
+          <p:cNvSpPr/>
+          <p:nvPr/>
+        </p:nvSpPr>
+        <p:spPr>
+          <a:xfrm>
+            <a:off x="1044731" y="2754340"/>
+            <a:ext cx="288000" cy="288000"/>
+          </a:xfrm>
+          <a:prstGeom prst="ellipse">
+            <a:avLst/>
+          </a:prstGeom>
+          <a:solidFill>
+            <a:schemeClr val="tx1"/>
+          </a:solidFill>
+        </p:spPr>
+        <p:style>
+          <a:lnRef idx="2">
+            <a:schemeClr val="accent1">
+              <a:shade val="15000"/>
+            </a:schemeClr>
+          </a:lnRef>
+          <a:fillRef idx="1">
+            <a:schemeClr val="accent1"/>
+          </a:fillRef>
+          <a:effectRef idx="0">
+            <a:schemeClr val="accent1"/>
+          </a:effectRef>
+          <a:fontRef idx="minor">
+            <a:schemeClr val="lt1"/>
+          </a:fontRef>
+        </p:style>
+        <p:txBody>
+          <a:bodyPr rtlCol="0" anchor="ctr"/>
+          <a:lstStyle/>
+          <a:p>
+            <a:pPr algn="ctr"/>
+            <a:endParaRPr lang="en-DK"/>
+          </a:p>
+        </p:txBody>
+      </p:sp>
+      <p:sp>
+        <p:nvSpPr>
+          <p:cNvPr id="20" name="TextBox 19">
+            <a:extLst>
+              <a:ext uri="{FF2B5EF4-FFF2-40B4-BE49-F238E27FC236}">
+                <a16:creationId xmlns:a16="http://schemas.microsoft.com/office/drawing/2014/main" id="{0C5599CD-21DD-AA0D-27ED-EF1503FA1DC1}"/>
+              </a:ext>
+            </a:extLst>
+          </p:cNvPr>
+          <p:cNvSpPr txBox="1"/>
+          <p:nvPr/>
+        </p:nvSpPr>
+        <p:spPr>
+          <a:xfrm>
+            <a:off x="710105" y="3081801"/>
+            <a:ext cx="968036" cy="369332"/>
+          </a:xfrm>
+          <a:prstGeom prst="rect">
+            <a:avLst/>
+          </a:prstGeom>
+          <a:noFill/>
+        </p:spPr>
+        <p:txBody>
+          <a:bodyPr wrap="square" lIns="0" rIns="0" rtlCol="0">
+            <a:spAutoFit/>
+          </a:bodyPr>
+          <a:lstStyle/>
+          <a:p>
+            <a:pPr algn="ctr"/>
+            <a:r>
+              <a:rPr lang="en-GB" dirty="0"/>
+              <a:t>Start</a:t>
+            </a:r>
+            <a:endParaRPr lang="en-DK" dirty="0"/>
+          </a:p>
+        </p:txBody>
+      </p:sp>
+      <p:sp>
+        <p:nvSpPr>
+          <p:cNvPr id="33" name="Diamond 32">
+            <a:extLst>
+              <a:ext uri="{FF2B5EF4-FFF2-40B4-BE49-F238E27FC236}">
+                <a16:creationId xmlns:a16="http://schemas.microsoft.com/office/drawing/2014/main" id="{CE485D16-990D-8715-DDD7-D5F03933B6BD}"/>
+              </a:ext>
+            </a:extLst>
+          </p:cNvPr>
+          <p:cNvSpPr/>
+          <p:nvPr/>
+        </p:nvSpPr>
+        <p:spPr>
+          <a:xfrm>
+            <a:off x="2802930" y="2754340"/>
+            <a:ext cx="458430" cy="325120"/>
+          </a:xfrm>
+          <a:prstGeom prst="diamond">
+            <a:avLst/>
+          </a:prstGeom>
+          <a:solidFill>
+            <a:schemeClr val="tx1"/>
+          </a:solidFill>
+          <a:ln>
+            <a:solidFill>
+              <a:schemeClr val="tx1"/>
+            </a:solidFill>
+          </a:ln>
+        </p:spPr>
+        <p:style>
+          <a:lnRef idx="2">
+            <a:schemeClr val="accent1">
+              <a:shade val="15000"/>
+            </a:schemeClr>
+          </a:lnRef>
+          <a:fillRef idx="1">
+            <a:schemeClr val="accent1"/>
+          </a:fillRef>
+          <a:effectRef idx="0">
+            <a:schemeClr val="accent1"/>
+          </a:effectRef>
+          <a:fontRef idx="minor">
+            <a:schemeClr val="lt1"/>
+          </a:fontRef>
+        </p:style>
+        <p:txBody>
+          <a:bodyPr rtlCol="0" anchor="ctr"/>
+          <a:lstStyle/>
+          <a:p>
+            <a:pPr algn="ctr"/>
+            <a:endParaRPr lang="en-DK"/>
+          </a:p>
+        </p:txBody>
+      </p:sp>
+      <p:cxnSp>
+        <p:nvCxnSpPr>
+          <p:cNvPr id="35" name="Connector: Elbow 34">
+            <a:extLst>
+              <a:ext uri="{FF2B5EF4-FFF2-40B4-BE49-F238E27FC236}">
+                <a16:creationId xmlns:a16="http://schemas.microsoft.com/office/drawing/2014/main" id="{F9B75451-54A8-CF31-0D51-C76F30963075}"/>
+              </a:ext>
+            </a:extLst>
+          </p:cNvPr>
+          <p:cNvCxnSpPr>
+            <a:cxnSpLocks/>
+            <a:stCxn id="5" idx="3"/>
+            <a:endCxn id="33" idx="1"/>
+          </p:cNvCxnSpPr>
+          <p:nvPr/>
+        </p:nvCxnSpPr>
+        <p:spPr>
+          <a:xfrm>
+            <a:off x="2583544" y="1941449"/>
+            <a:ext cx="219386" cy="975451"/>
+          </a:xfrm>
+          <a:prstGeom prst="bentConnector3">
+            <a:avLst/>
+          </a:prstGeom>
+          <a:ln>
+            <a:tailEnd type="triangle"/>
+          </a:ln>
+        </p:spPr>
+        <p:style>
+          <a:lnRef idx="2">
+            <a:schemeClr val="dk1"/>
+          </a:lnRef>
+          <a:fillRef idx="0">
+            <a:schemeClr val="dk1"/>
+          </a:fillRef>
+          <a:effectRef idx="1">
+            <a:schemeClr val="dk1"/>
+          </a:effectRef>
+          <a:fontRef idx="minor">
+            <a:schemeClr val="tx1"/>
+          </a:fontRef>
+        </p:style>
+      </p:cxnSp>
+      <p:cxnSp>
+        <p:nvCxnSpPr>
+          <p:cNvPr id="38" name="Connector: Elbow 37">
+            <a:extLst>
+              <a:ext uri="{FF2B5EF4-FFF2-40B4-BE49-F238E27FC236}">
+                <a16:creationId xmlns:a16="http://schemas.microsoft.com/office/drawing/2014/main" id="{EAEB176A-B16C-EB96-88AE-9F066B4FD192}"/>
+              </a:ext>
+            </a:extLst>
+          </p:cNvPr>
+          <p:cNvCxnSpPr>
+            <a:cxnSpLocks/>
+            <a:stCxn id="33" idx="0"/>
+            <a:endCxn id="6" idx="1"/>
+          </p:cNvCxnSpPr>
+          <p:nvPr/>
+        </p:nvCxnSpPr>
+        <p:spPr>
+          <a:xfrm rot="5400000" flipH="1" flipV="1">
+            <a:off x="2697643" y="2272904"/>
+            <a:ext cx="815938" cy="146935"/>
+          </a:xfrm>
+          <a:prstGeom prst="bentConnector2">
+            <a:avLst/>
+          </a:prstGeom>
+          <a:ln>
+            <a:tailEnd type="triangle"/>
+          </a:ln>
+        </p:spPr>
+        <p:style>
+          <a:lnRef idx="2">
+            <a:schemeClr val="dk1"/>
+          </a:lnRef>
+          <a:fillRef idx="0">
+            <a:schemeClr val="dk1"/>
+          </a:fillRef>
+          <a:effectRef idx="1">
+            <a:schemeClr val="dk1"/>
+          </a:effectRef>
+          <a:fontRef idx="minor">
+            <a:schemeClr val="tx1"/>
+          </a:fontRef>
+        </p:style>
+      </p:cxnSp>
+      <p:cxnSp>
+        <p:nvCxnSpPr>
+          <p:cNvPr id="40" name="Connector: Elbow 39">
+            <a:extLst>
+              <a:ext uri="{FF2B5EF4-FFF2-40B4-BE49-F238E27FC236}">
+                <a16:creationId xmlns:a16="http://schemas.microsoft.com/office/drawing/2014/main" id="{99852BEB-57F8-73C4-64CB-25CB07FEA185}"/>
+              </a:ext>
+            </a:extLst>
+          </p:cNvPr>
+          <p:cNvCxnSpPr>
+            <a:cxnSpLocks/>
+            <a:endCxn id="7" idx="1"/>
+          </p:cNvCxnSpPr>
+          <p:nvPr/>
+        </p:nvCxnSpPr>
+        <p:spPr>
+          <a:xfrm flipV="1">
+            <a:off x="2848595" y="1938402"/>
+            <a:ext cx="1670144" cy="984358"/>
+          </a:xfrm>
+          <a:prstGeom prst="bentConnector3">
+            <a:avLst>
+              <a:gd name="adj1" fmla="val 90150"/>
+            </a:avLst>
+          </a:prstGeom>
+          <a:ln>
+            <a:tailEnd type="triangle"/>
+          </a:ln>
+        </p:spPr>
+        <p:style>
+          <a:lnRef idx="2">
+            <a:schemeClr val="dk1"/>
+          </a:lnRef>
+          <a:fillRef idx="0">
+            <a:schemeClr val="dk1"/>
+          </a:fillRef>
+          <a:effectRef idx="1">
+            <a:schemeClr val="dk1"/>
+          </a:effectRef>
+          <a:fontRef idx="minor">
+            <a:schemeClr val="tx1"/>
+          </a:fontRef>
+        </p:style>
+      </p:cxnSp>
+      <p:sp>
+        <p:nvSpPr>
+          <p:cNvPr id="43" name="Diamond 42">
+            <a:extLst>
+              <a:ext uri="{FF2B5EF4-FFF2-40B4-BE49-F238E27FC236}">
+                <a16:creationId xmlns:a16="http://schemas.microsoft.com/office/drawing/2014/main" id="{58E6DD24-DAF4-E696-E007-98F36E5BC21C}"/>
+              </a:ext>
+            </a:extLst>
+          </p:cNvPr>
+          <p:cNvSpPr/>
+          <p:nvPr/>
+        </p:nvSpPr>
+        <p:spPr>
+          <a:xfrm>
+            <a:off x="5832977" y="2754340"/>
+            <a:ext cx="458430" cy="325120"/>
+          </a:xfrm>
+          <a:prstGeom prst="diamond">
+            <a:avLst/>
+          </a:prstGeom>
+          <a:solidFill>
+            <a:schemeClr val="tx1"/>
+          </a:solidFill>
+          <a:ln>
+            <a:solidFill>
+              <a:schemeClr val="tx1"/>
+            </a:solidFill>
+          </a:ln>
+        </p:spPr>
+        <p:style>
+          <a:lnRef idx="2">
+            <a:schemeClr val="accent1">
+              <a:shade val="15000"/>
+            </a:schemeClr>
+          </a:lnRef>
+          <a:fillRef idx="1">
+            <a:schemeClr val="accent1"/>
+          </a:fillRef>
+          <a:effectRef idx="0">
+            <a:schemeClr val="accent1"/>
+          </a:effectRef>
+          <a:fontRef idx="minor">
+            <a:schemeClr val="lt1"/>
+          </a:fontRef>
+        </p:style>
+        <p:txBody>
+          <a:bodyPr rtlCol="0" anchor="ctr"/>
+          <a:lstStyle/>
+          <a:p>
+            <a:pPr algn="ctr"/>
+            <a:endParaRPr lang="en-DK"/>
+          </a:p>
+        </p:txBody>
+      </p:sp>
+      <p:cxnSp>
+        <p:nvCxnSpPr>
+          <p:cNvPr id="53" name="Connector: Elbow 52">
+            <a:extLst>
+              <a:ext uri="{FF2B5EF4-FFF2-40B4-BE49-F238E27FC236}">
+                <a16:creationId xmlns:a16="http://schemas.microsoft.com/office/drawing/2014/main" id="{7AFB2F27-2873-5832-FE1D-84D29802BCC8}"/>
+              </a:ext>
+            </a:extLst>
+          </p:cNvPr>
+          <p:cNvCxnSpPr>
+            <a:stCxn id="7" idx="3"/>
+            <a:endCxn id="43" idx="1"/>
+          </p:cNvCxnSpPr>
+          <p:nvPr/>
+        </p:nvCxnSpPr>
+        <p:spPr>
+          <a:xfrm>
+            <a:off x="5586628" y="1938402"/>
+            <a:ext cx="246349" cy="978498"/>
+          </a:xfrm>
+          <a:prstGeom prst="bentConnector3">
+            <a:avLst/>
+          </a:prstGeom>
+          <a:ln>
+            <a:tailEnd type="triangle"/>
+          </a:ln>
+        </p:spPr>
+        <p:style>
+          <a:lnRef idx="2">
+            <a:schemeClr val="dk1"/>
+          </a:lnRef>
+          <a:fillRef idx="0">
+            <a:schemeClr val="dk1"/>
+          </a:fillRef>
+          <a:effectRef idx="1">
+            <a:schemeClr val="dk1"/>
+          </a:effectRef>
+          <a:fontRef idx="minor">
+            <a:schemeClr val="tx1"/>
+          </a:fontRef>
+        </p:style>
+      </p:cxnSp>
+      <p:cxnSp>
+        <p:nvCxnSpPr>
+          <p:cNvPr id="55" name="Connector: Elbow 54">
+            <a:extLst>
+              <a:ext uri="{FF2B5EF4-FFF2-40B4-BE49-F238E27FC236}">
+                <a16:creationId xmlns:a16="http://schemas.microsoft.com/office/drawing/2014/main" id="{1E3C8B64-E479-CE16-573C-F157D47D7E8C}"/>
+              </a:ext>
+            </a:extLst>
+          </p:cNvPr>
+          <p:cNvCxnSpPr>
+            <a:stCxn id="43" idx="0"/>
+            <a:endCxn id="8" idx="1"/>
+          </p:cNvCxnSpPr>
+          <p:nvPr/>
+        </p:nvCxnSpPr>
+        <p:spPr>
+          <a:xfrm rot="5400000" flipH="1" flipV="1">
+            <a:off x="5721273" y="2282369"/>
+            <a:ext cx="812890" cy="131053"/>
+          </a:xfrm>
+          <a:prstGeom prst="bentConnector2">
+            <a:avLst/>
+          </a:prstGeom>
+          <a:ln>
+            <a:tailEnd type="triangle"/>
+          </a:ln>
+        </p:spPr>
+        <p:style>
+          <a:lnRef idx="2">
+            <a:schemeClr val="dk1"/>
+          </a:lnRef>
+          <a:fillRef idx="0">
+            <a:schemeClr val="dk1"/>
+          </a:fillRef>
+          <a:effectRef idx="1">
+            <a:schemeClr val="dk1"/>
+          </a:effectRef>
+          <a:fontRef idx="minor">
+            <a:schemeClr val="tx1"/>
+          </a:fontRef>
+        </p:style>
+      </p:cxnSp>
+      <p:cxnSp>
+        <p:nvCxnSpPr>
+          <p:cNvPr id="63" name="Connector: Elbow 62">
+            <a:extLst>
+              <a:ext uri="{FF2B5EF4-FFF2-40B4-BE49-F238E27FC236}">
+                <a16:creationId xmlns:a16="http://schemas.microsoft.com/office/drawing/2014/main" id="{1E54C41E-CCCB-8931-8F8E-5A6E00198F59}"/>
+              </a:ext>
+            </a:extLst>
+          </p:cNvPr>
+          <p:cNvCxnSpPr>
+            <a:cxnSpLocks/>
+            <a:stCxn id="8" idx="3"/>
+            <a:endCxn id="51" idx="1"/>
+          </p:cNvCxnSpPr>
+          <p:nvPr/>
+        </p:nvCxnSpPr>
+        <p:spPr>
+          <a:xfrm>
+            <a:off x="7261134" y="1941450"/>
+            <a:ext cx="279990" cy="981298"/>
+          </a:xfrm>
+          <a:prstGeom prst="bentConnector3">
+            <a:avLst>
+              <a:gd name="adj1" fmla="val 25506"/>
+            </a:avLst>
+          </a:prstGeom>
+          <a:ln>
+            <a:tailEnd type="triangle"/>
+          </a:ln>
+        </p:spPr>
+        <p:style>
+          <a:lnRef idx="2">
+            <a:schemeClr val="dk1"/>
+          </a:lnRef>
+          <a:fillRef idx="0">
+            <a:schemeClr val="dk1"/>
+          </a:fillRef>
+          <a:effectRef idx="1">
+            <a:schemeClr val="dk1"/>
+          </a:effectRef>
+          <a:fontRef idx="minor">
+            <a:schemeClr val="tx1"/>
+          </a:fontRef>
+        </p:style>
+      </p:cxnSp>
+      <p:sp>
+        <p:nvSpPr>
+          <p:cNvPr id="51" name="Diamond 50">
+            <a:extLst>
+              <a:ext uri="{FF2B5EF4-FFF2-40B4-BE49-F238E27FC236}">
+                <a16:creationId xmlns:a16="http://schemas.microsoft.com/office/drawing/2014/main" id="{A48E3162-7921-CC20-F7A4-7B77A3FC3FB8}"/>
+              </a:ext>
+            </a:extLst>
+          </p:cNvPr>
+          <p:cNvSpPr/>
+          <p:nvPr/>
+        </p:nvSpPr>
+        <p:spPr>
+          <a:xfrm>
+            <a:off x="7541124" y="2760188"/>
+            <a:ext cx="458430" cy="325120"/>
+          </a:xfrm>
+          <a:prstGeom prst="diamond">
+            <a:avLst/>
+          </a:prstGeom>
+          <a:solidFill>
+            <a:schemeClr val="tx1"/>
+          </a:solidFill>
+          <a:ln>
+            <a:solidFill>
+              <a:schemeClr val="tx1"/>
+            </a:solidFill>
+          </a:ln>
+        </p:spPr>
+        <p:style>
+          <a:lnRef idx="2">
+            <a:schemeClr val="accent1">
+              <a:shade val="15000"/>
+            </a:schemeClr>
+          </a:lnRef>
+          <a:fillRef idx="1">
+            <a:schemeClr val="accent1"/>
+          </a:fillRef>
+          <a:effectRef idx="0">
+            <a:schemeClr val="accent1"/>
+          </a:effectRef>
+          <a:fontRef idx="minor">
+            <a:schemeClr val="lt1"/>
+          </a:fontRef>
+        </p:style>
+        <p:txBody>
+          <a:bodyPr rtlCol="0" anchor="ctr"/>
+          <a:lstStyle/>
+          <a:p>
+            <a:pPr algn="ctr"/>
+            <a:endParaRPr lang="en-DK"/>
+          </a:p>
+        </p:txBody>
+      </p:sp>
+      <p:cxnSp>
+        <p:nvCxnSpPr>
+          <p:cNvPr id="76" name="Straight Arrow Connector 75">
+            <a:extLst>
+              <a:ext uri="{FF2B5EF4-FFF2-40B4-BE49-F238E27FC236}">
+                <a16:creationId xmlns:a16="http://schemas.microsoft.com/office/drawing/2014/main" id="{3F674019-324A-4B31-B717-8953ABA37345}"/>
+              </a:ext>
+            </a:extLst>
+          </p:cNvPr>
+          <p:cNvCxnSpPr>
+            <a:cxnSpLocks/>
+            <a:stCxn id="43" idx="3"/>
+            <a:endCxn id="51" idx="1"/>
+          </p:cNvCxnSpPr>
+          <p:nvPr/>
+        </p:nvCxnSpPr>
+        <p:spPr>
+          <a:xfrm>
+            <a:off x="6291407" y="2916900"/>
+            <a:ext cx="1249717" cy="5848"/>
+          </a:xfrm>
+          <a:prstGeom prst="straightConnector1">
+            <a:avLst/>
+          </a:prstGeom>
+          <a:ln>
+            <a:tailEnd type="triangle"/>
+          </a:ln>
+        </p:spPr>
+        <p:style>
+          <a:lnRef idx="2">
+            <a:schemeClr val="dk1"/>
+          </a:lnRef>
+          <a:fillRef idx="0">
+            <a:schemeClr val="dk1"/>
+          </a:fillRef>
+          <a:effectRef idx="1">
+            <a:schemeClr val="dk1"/>
+          </a:effectRef>
+          <a:fontRef idx="minor">
+            <a:schemeClr val="tx1"/>
+          </a:fontRef>
+        </p:style>
+      </p:cxnSp>
+      <p:cxnSp>
+        <p:nvCxnSpPr>
+          <p:cNvPr id="80" name="Connector: Elbow 79">
+            <a:extLst>
+              <a:ext uri="{FF2B5EF4-FFF2-40B4-BE49-F238E27FC236}">
+                <a16:creationId xmlns:a16="http://schemas.microsoft.com/office/drawing/2014/main" id="{F9DA1C69-70F2-FE34-A1CF-408D6765C4AF}"/>
+              </a:ext>
+            </a:extLst>
+          </p:cNvPr>
+          <p:cNvCxnSpPr>
+            <a:cxnSpLocks/>
+            <a:endCxn id="9" idx="1"/>
+          </p:cNvCxnSpPr>
+          <p:nvPr/>
+        </p:nvCxnSpPr>
+        <p:spPr>
+          <a:xfrm rot="5400000" flipH="1" flipV="1">
+            <a:off x="7433407" y="2327661"/>
+            <a:ext cx="924498" cy="145980"/>
+          </a:xfrm>
+          <a:prstGeom prst="bentConnector2">
+            <a:avLst/>
+          </a:prstGeom>
+          <a:ln>
+            <a:tailEnd type="triangle"/>
+          </a:ln>
+        </p:spPr>
+        <p:style>
+          <a:lnRef idx="2">
+            <a:schemeClr val="dk1"/>
+          </a:lnRef>
+          <a:fillRef idx="0">
+            <a:schemeClr val="dk1"/>
+          </a:fillRef>
+          <a:effectRef idx="1">
+            <a:schemeClr val="dk1"/>
+          </a:effectRef>
+          <a:fontRef idx="minor">
+            <a:schemeClr val="tx1"/>
+          </a:fontRef>
+        </p:style>
+      </p:cxnSp>
+      <p:sp>
+        <p:nvSpPr>
+          <p:cNvPr id="83" name="Oval 82">
+            <a:extLst>
+              <a:ext uri="{FF2B5EF4-FFF2-40B4-BE49-F238E27FC236}">
+                <a16:creationId xmlns:a16="http://schemas.microsoft.com/office/drawing/2014/main" id="{0F1758F1-76CF-820F-BA00-1CC04168CB3B}"/>
+              </a:ext>
+            </a:extLst>
+          </p:cNvPr>
+          <p:cNvSpPr/>
+          <p:nvPr/>
+        </p:nvSpPr>
+        <p:spPr>
+          <a:xfrm>
+            <a:off x="9196146" y="2872697"/>
+            <a:ext cx="108000" cy="108000"/>
+          </a:xfrm>
+          <a:prstGeom prst="ellipse">
+            <a:avLst/>
+          </a:prstGeom>
+          <a:solidFill>
+            <a:schemeClr val="tx1"/>
+          </a:solidFill>
+          <a:ln>
+            <a:solidFill>
+              <a:schemeClr val="tx1"/>
+            </a:solidFill>
+          </a:ln>
+        </p:spPr>
+        <p:style>
+          <a:lnRef idx="2">
+            <a:schemeClr val="accent1">
+              <a:shade val="15000"/>
+            </a:schemeClr>
+          </a:lnRef>
+          <a:fillRef idx="1">
+            <a:schemeClr val="accent1"/>
+          </a:fillRef>
+          <a:effectRef idx="0">
+            <a:schemeClr val="accent1"/>
+          </a:effectRef>
+          <a:fontRef idx="minor">
+            <a:schemeClr val="lt1"/>
+          </a:fontRef>
+        </p:style>
+        <p:txBody>
+          <a:bodyPr rtlCol="0" anchor="ctr"/>
+          <a:lstStyle/>
+          <a:p>
+            <a:pPr algn="ctr"/>
+            <a:endParaRPr lang="en-DK"/>
+          </a:p>
+        </p:txBody>
+      </p:sp>
+      <p:cxnSp>
+        <p:nvCxnSpPr>
+          <p:cNvPr id="85" name="Straight Arrow Connector 84">
+            <a:extLst>
+              <a:ext uri="{FF2B5EF4-FFF2-40B4-BE49-F238E27FC236}">
+                <a16:creationId xmlns:a16="http://schemas.microsoft.com/office/drawing/2014/main" id="{D1E8175A-4502-2A2F-C458-0D57196BBABD}"/>
+              </a:ext>
+            </a:extLst>
+          </p:cNvPr>
+          <p:cNvCxnSpPr>
+            <a:cxnSpLocks/>
+            <a:stCxn id="83" idx="6"/>
+            <a:endCxn id="16" idx="2"/>
+          </p:cNvCxnSpPr>
+          <p:nvPr/>
+        </p:nvCxnSpPr>
+        <p:spPr>
+          <a:xfrm>
+            <a:off x="9304146" y="2926697"/>
+            <a:ext cx="143147" cy="0"/>
+          </a:xfrm>
+          <a:prstGeom prst="straightConnector1">
+            <a:avLst/>
+          </a:prstGeom>
+          <a:ln>
+            <a:tailEnd type="triangle"/>
+          </a:ln>
+        </p:spPr>
+        <p:style>
+          <a:lnRef idx="2">
+            <a:schemeClr val="dk1"/>
+          </a:lnRef>
+          <a:fillRef idx="0">
+            <a:schemeClr val="dk1"/>
+          </a:fillRef>
+          <a:effectRef idx="1">
+            <a:schemeClr val="dk1"/>
+          </a:effectRef>
+          <a:fontRef idx="minor">
+            <a:schemeClr val="tx1"/>
+          </a:fontRef>
+        </p:style>
+      </p:cxnSp>
+      <p:cxnSp>
+        <p:nvCxnSpPr>
+          <p:cNvPr id="87" name="Straight Arrow Connector 86">
+            <a:extLst>
+              <a:ext uri="{FF2B5EF4-FFF2-40B4-BE49-F238E27FC236}">
+                <a16:creationId xmlns:a16="http://schemas.microsoft.com/office/drawing/2014/main" id="{27EC7A67-4C44-704C-4B60-1A17EA30BDF5}"/>
+              </a:ext>
+            </a:extLst>
+          </p:cNvPr>
+          <p:cNvCxnSpPr>
+            <a:cxnSpLocks/>
+            <a:stCxn id="51" idx="3"/>
+            <a:endCxn id="83" idx="2"/>
+          </p:cNvCxnSpPr>
+          <p:nvPr/>
+        </p:nvCxnSpPr>
+        <p:spPr>
+          <a:xfrm>
+            <a:off x="7999554" y="2922748"/>
+            <a:ext cx="1196592" cy="3949"/>
+          </a:xfrm>
+          <a:prstGeom prst="straightConnector1">
+            <a:avLst/>
+          </a:prstGeom>
+          <a:ln>
+            <a:tailEnd type="triangle"/>
+          </a:ln>
+        </p:spPr>
+        <p:style>
+          <a:lnRef idx="2">
+            <a:schemeClr val="dk1"/>
+          </a:lnRef>
+          <a:fillRef idx="0">
+            <a:schemeClr val="dk1"/>
+          </a:fillRef>
+          <a:effectRef idx="1">
+            <a:schemeClr val="dk1"/>
+          </a:effectRef>
+          <a:fontRef idx="minor">
+            <a:schemeClr val="tx1"/>
+          </a:fontRef>
+        </p:style>
+      </p:cxnSp>
+      <p:cxnSp>
+        <p:nvCxnSpPr>
+          <p:cNvPr id="89" name="Connector: Elbow 88">
+            <a:extLst>
+              <a:ext uri="{FF2B5EF4-FFF2-40B4-BE49-F238E27FC236}">
+                <a16:creationId xmlns:a16="http://schemas.microsoft.com/office/drawing/2014/main" id="{6F3CDC0D-1632-306C-9761-1E79065B3C98}"/>
+              </a:ext>
+            </a:extLst>
+          </p:cNvPr>
+          <p:cNvCxnSpPr>
+            <a:stCxn id="9" idx="3"/>
+            <a:endCxn id="83" idx="0"/>
+          </p:cNvCxnSpPr>
+          <p:nvPr/>
+        </p:nvCxnSpPr>
+        <p:spPr>
+          <a:xfrm>
+            <a:off x="9036535" y="1938402"/>
+            <a:ext cx="213611" cy="934295"/>
+          </a:xfrm>
+          <a:prstGeom prst="bentConnector2">
+            <a:avLst/>
+          </a:prstGeom>
+          <a:ln>
+            <a:tailEnd type="triangle"/>
+          </a:ln>
+        </p:spPr>
+        <p:style>
+          <a:lnRef idx="2">
+            <a:schemeClr val="dk1"/>
+          </a:lnRef>
+          <a:fillRef idx="0">
+            <a:schemeClr val="dk1"/>
+          </a:fillRef>
+          <a:effectRef idx="1">
+            <a:schemeClr val="dk1"/>
+          </a:effectRef>
+          <a:fontRef idx="minor">
+            <a:schemeClr val="tx1"/>
+          </a:fontRef>
+        </p:style>
+      </p:cxnSp>
+      <p:sp>
+        <p:nvSpPr>
+          <p:cNvPr id="90" name="Diamond 89">
+            <a:extLst>
+              <a:ext uri="{FF2B5EF4-FFF2-40B4-BE49-F238E27FC236}">
+                <a16:creationId xmlns:a16="http://schemas.microsoft.com/office/drawing/2014/main" id="{FB9364DB-96CC-4E1A-E139-3A5DC510B127}"/>
+              </a:ext>
+            </a:extLst>
+          </p:cNvPr>
+          <p:cNvSpPr/>
+          <p:nvPr/>
+        </p:nvSpPr>
+        <p:spPr>
+          <a:xfrm>
+            <a:off x="6208994" y="4124004"/>
+            <a:ext cx="458430" cy="325120"/>
+          </a:xfrm>
+          <a:prstGeom prst="diamond">
+            <a:avLst/>
+          </a:prstGeom>
+          <a:solidFill>
+            <a:schemeClr val="tx1"/>
+          </a:solidFill>
+          <a:ln>
+            <a:solidFill>
+              <a:schemeClr val="tx1"/>
+            </a:solidFill>
+          </a:ln>
+        </p:spPr>
+        <p:style>
+          <a:lnRef idx="2">
+            <a:schemeClr val="accent1">
+              <a:shade val="15000"/>
+            </a:schemeClr>
+          </a:lnRef>
+          <a:fillRef idx="1">
+            <a:schemeClr val="accent1"/>
+          </a:fillRef>
+          <a:effectRef idx="0">
+            <a:schemeClr val="accent1"/>
+          </a:effectRef>
+          <a:fontRef idx="minor">
+            <a:schemeClr val="lt1"/>
+          </a:fontRef>
+        </p:style>
+        <p:txBody>
+          <a:bodyPr rtlCol="0" anchor="ctr"/>
+          <a:lstStyle/>
+          <a:p>
+            <a:pPr algn="ctr"/>
+            <a:endParaRPr lang="en-DK"/>
+          </a:p>
+        </p:txBody>
+      </p:sp>
+      <p:sp>
+        <p:nvSpPr>
+          <p:cNvPr id="91" name="TextBox 90">
+            <a:extLst>
+              <a:ext uri="{FF2B5EF4-FFF2-40B4-BE49-F238E27FC236}">
+                <a16:creationId xmlns:a16="http://schemas.microsoft.com/office/drawing/2014/main" id="{69B1ABD7-0029-B152-A66B-F8B10FAEB9C9}"/>
+              </a:ext>
+            </a:extLst>
+          </p:cNvPr>
+          <p:cNvSpPr txBox="1"/>
+          <p:nvPr/>
+        </p:nvSpPr>
+        <p:spPr>
+          <a:xfrm>
+            <a:off x="942564" y="4098886"/>
+            <a:ext cx="5223766" cy="369332"/>
+          </a:xfrm>
+          <a:prstGeom prst="rect">
+            <a:avLst/>
+          </a:prstGeom>
+          <a:noFill/>
+        </p:spPr>
+        <p:txBody>
+          <a:bodyPr wrap="square" rtlCol="0">
+            <a:spAutoFit/>
+          </a:bodyPr>
+          <a:lstStyle/>
+          <a:p>
+            <a:r>
+              <a:rPr lang="en-GB" dirty="0"/>
+              <a:t>Decision about the progress in the Startup Wizard.</a:t>
+            </a:r>
+            <a:endParaRPr lang="en-DK" dirty="0"/>
+          </a:p>
+        </p:txBody>
+      </p:sp>
+      <p:sp>
+        <p:nvSpPr>
+          <p:cNvPr id="92" name="TextBox 91">
+            <a:extLst>
+              <a:ext uri="{FF2B5EF4-FFF2-40B4-BE49-F238E27FC236}">
+                <a16:creationId xmlns:a16="http://schemas.microsoft.com/office/drawing/2014/main" id="{D9D3DC8F-DBAB-DB6B-C944-7E0967F6F6FD}"/>
+              </a:ext>
+            </a:extLst>
+          </p:cNvPr>
+          <p:cNvSpPr txBox="1"/>
+          <p:nvPr/>
+        </p:nvSpPr>
+        <p:spPr>
+          <a:xfrm>
+            <a:off x="6166330" y="3735651"/>
+            <a:ext cx="527645" cy="369332"/>
+          </a:xfrm>
+          <a:prstGeom prst="rect">
+            <a:avLst/>
+          </a:prstGeom>
+          <a:noFill/>
+        </p:spPr>
+        <p:txBody>
+          <a:bodyPr wrap="none" rtlCol="0">
+            <a:spAutoFit/>
+          </a:bodyPr>
+          <a:lstStyle/>
+          <a:p>
+            <a:r>
+              <a:rPr lang="en-GB" dirty="0"/>
+              <a:t>Yes</a:t>
+            </a:r>
+            <a:endParaRPr lang="en-DK" dirty="0"/>
+          </a:p>
+        </p:txBody>
+      </p:sp>
+      <p:sp>
+        <p:nvSpPr>
+          <p:cNvPr id="93" name="TextBox 92">
+            <a:extLst>
+              <a:ext uri="{FF2B5EF4-FFF2-40B4-BE49-F238E27FC236}">
+                <a16:creationId xmlns:a16="http://schemas.microsoft.com/office/drawing/2014/main" id="{2A8381B0-1F7D-FA5C-E303-B67A0287BDC1}"/>
+              </a:ext>
+            </a:extLst>
+          </p:cNvPr>
+          <p:cNvSpPr txBox="1"/>
+          <p:nvPr/>
+        </p:nvSpPr>
+        <p:spPr>
+          <a:xfrm>
+            <a:off x="6647344" y="4104983"/>
+            <a:ext cx="474810" cy="369332"/>
+          </a:xfrm>
+          <a:prstGeom prst="rect">
+            <a:avLst/>
+          </a:prstGeom>
+          <a:noFill/>
+        </p:spPr>
+        <p:txBody>
+          <a:bodyPr wrap="none" rtlCol="0">
+            <a:spAutoFit/>
+          </a:bodyPr>
+          <a:lstStyle/>
+          <a:p>
+            <a:r>
+              <a:rPr lang="en-GB" dirty="0"/>
+              <a:t>No</a:t>
+            </a:r>
+            <a:endParaRPr lang="en-DK" dirty="0"/>
+          </a:p>
+        </p:txBody>
+      </p:sp>
+      <p:sp>
+        <p:nvSpPr>
+          <p:cNvPr id="94" name="TextBox 93">
+            <a:extLst>
+              <a:ext uri="{FF2B5EF4-FFF2-40B4-BE49-F238E27FC236}">
+                <a16:creationId xmlns:a16="http://schemas.microsoft.com/office/drawing/2014/main" id="{E0A980B7-0B14-D6E8-D863-11684D5AA843}"/>
+              </a:ext>
+            </a:extLst>
+          </p:cNvPr>
+          <p:cNvSpPr txBox="1"/>
+          <p:nvPr/>
+        </p:nvSpPr>
+        <p:spPr>
+          <a:xfrm>
+            <a:off x="2057102" y="3081801"/>
+            <a:ext cx="1957587" cy="369332"/>
+          </a:xfrm>
+          <a:prstGeom prst="rect">
+            <a:avLst/>
+          </a:prstGeom>
+          <a:noFill/>
+        </p:spPr>
+        <p:txBody>
+          <a:bodyPr wrap="none" rtlCol="0">
+            <a:spAutoFit/>
+          </a:bodyPr>
+          <a:lstStyle/>
+          <a:p>
+            <a:r>
+              <a:rPr lang="en-GB" dirty="0"/>
+              <a:t>Is the it localized?</a:t>
+            </a:r>
+            <a:endParaRPr lang="en-DK" dirty="0"/>
+          </a:p>
+        </p:txBody>
+      </p:sp>
+      <p:sp>
+        <p:nvSpPr>
+          <p:cNvPr id="95" name="TextBox 94">
+            <a:extLst>
+              <a:ext uri="{FF2B5EF4-FFF2-40B4-BE49-F238E27FC236}">
+                <a16:creationId xmlns:a16="http://schemas.microsoft.com/office/drawing/2014/main" id="{7A281021-D460-6B04-F716-0C4F31CBBADF}"/>
+              </a:ext>
+            </a:extLst>
+          </p:cNvPr>
+          <p:cNvSpPr txBox="1"/>
+          <p:nvPr/>
+        </p:nvSpPr>
+        <p:spPr>
+          <a:xfrm>
+            <a:off x="5052683" y="3081801"/>
+            <a:ext cx="2049151" cy="369332"/>
+          </a:xfrm>
+          <a:prstGeom prst="rect">
+            <a:avLst/>
+          </a:prstGeom>
+          <a:noFill/>
+        </p:spPr>
+        <p:txBody>
+          <a:bodyPr wrap="none" rtlCol="0">
+            <a:spAutoFit/>
+          </a:bodyPr>
+          <a:lstStyle/>
+          <a:p>
+            <a:r>
+              <a:rPr lang="en-GB" dirty="0"/>
+              <a:t>Is it multi-session?</a:t>
+            </a:r>
+            <a:endParaRPr lang="en-DK" dirty="0"/>
+          </a:p>
+        </p:txBody>
+      </p:sp>
+      <p:sp>
+        <p:nvSpPr>
+          <p:cNvPr id="96" name="TextBox 95">
+            <a:extLst>
+              <a:ext uri="{FF2B5EF4-FFF2-40B4-BE49-F238E27FC236}">
+                <a16:creationId xmlns:a16="http://schemas.microsoft.com/office/drawing/2014/main" id="{094880A6-3386-0C03-7C7B-64436BEE9E39}"/>
+              </a:ext>
+            </a:extLst>
+          </p:cNvPr>
+          <p:cNvSpPr txBox="1"/>
+          <p:nvPr/>
+        </p:nvSpPr>
+        <p:spPr>
+          <a:xfrm>
+            <a:off x="7175556" y="3081801"/>
+            <a:ext cx="1335622" cy="646331"/>
+          </a:xfrm>
+          <a:prstGeom prst="rect">
+            <a:avLst/>
+          </a:prstGeom>
+          <a:noFill/>
+        </p:spPr>
+        <p:txBody>
+          <a:bodyPr wrap="none" rtlCol="0">
+            <a:spAutoFit/>
+          </a:bodyPr>
+          <a:lstStyle/>
+          <a:p>
+            <a:pPr algn="ctr"/>
+            <a:r>
+              <a:rPr lang="en-GB" dirty="0"/>
+              <a:t>Does it use </a:t>
+            </a:r>
+          </a:p>
+          <a:p>
+            <a:pPr algn="ctr"/>
+            <a:r>
+              <a:rPr lang="en-GB" dirty="0"/>
+              <a:t>devices?</a:t>
+            </a:r>
+            <a:endParaRPr lang="en-DK" dirty="0"/>
+          </a:p>
+        </p:txBody>
+      </p:sp>
+      <p:cxnSp>
+        <p:nvCxnSpPr>
+          <p:cNvPr id="104" name="Connector: Elbow 103">
+            <a:extLst>
+              <a:ext uri="{FF2B5EF4-FFF2-40B4-BE49-F238E27FC236}">
+                <a16:creationId xmlns:a16="http://schemas.microsoft.com/office/drawing/2014/main" id="{CA94C024-2A67-9516-A238-FD7A8B861B24}"/>
+              </a:ext>
+            </a:extLst>
+          </p:cNvPr>
+          <p:cNvCxnSpPr>
+            <a:stCxn id="19" idx="0"/>
+            <a:endCxn id="5" idx="1"/>
+          </p:cNvCxnSpPr>
+          <p:nvPr/>
+        </p:nvCxnSpPr>
+        <p:spPr>
+          <a:xfrm rot="5400000" flipH="1" flipV="1">
+            <a:off x="945748" y="2184433"/>
+            <a:ext cx="812891" cy="326924"/>
+          </a:xfrm>
+          <a:prstGeom prst="bentConnector2">
+            <a:avLst/>
+          </a:prstGeom>
+          <a:ln>
+            <a:tailEnd type="triangle"/>
+          </a:ln>
+        </p:spPr>
+        <p:style>
+          <a:lnRef idx="2">
+            <a:schemeClr val="dk1"/>
+          </a:lnRef>
+          <a:fillRef idx="0">
+            <a:schemeClr val="dk1"/>
+          </a:fillRef>
+          <a:effectRef idx="1">
+            <a:schemeClr val="dk1"/>
+          </a:effectRef>
+          <a:fontRef idx="minor">
+            <a:schemeClr val="tx1"/>
+          </a:fontRef>
+        </p:style>
+      </p:cxnSp>
     </p:spTree>
     <p:extLst>
       <p:ext uri="{BB962C8B-B14F-4D97-AF65-F5344CB8AC3E}">
@@ -5091,7 +6776,7 @@
           <p:cNvPr id="5" name="Picture 4">
             <a:extLst>
               <a:ext uri="{FF2B5EF4-FFF2-40B4-BE49-F238E27FC236}">
-                <a16:creationId xmlns:a16="http://schemas.microsoft.com/office/drawing/2014/main" id="{93CAA074-306E-94F4-3ED7-BB4946D61A3B}"/>
+                <a16:creationId xmlns:a16="http://schemas.microsoft.com/office/drawing/2014/main" id="{E746CA22-D853-6698-C64F-84EFDD1B75FC}"/>
               </a:ext>
             </a:extLst>
           </p:cNvPr>
@@ -5108,18 +6793,538 @@
         </p:blipFill>
         <p:spPr>
           <a:xfrm>
-            <a:off x="3156857" y="0"/>
-            <a:ext cx="5878286" cy="6858000"/>
+            <a:off x="3646805" y="1197610"/>
+            <a:ext cx="4166235" cy="2918811"/>
           </a:xfrm>
           <a:prstGeom prst="rect">
             <a:avLst/>
           </a:prstGeom>
         </p:spPr>
       </p:pic>
+      <p:sp>
+        <p:nvSpPr>
+          <p:cNvPr id="6" name="Rectangle 5">
+            <a:extLst>
+              <a:ext uri="{FF2B5EF4-FFF2-40B4-BE49-F238E27FC236}">
+                <a16:creationId xmlns:a16="http://schemas.microsoft.com/office/drawing/2014/main" id="{E150A57D-A6E1-84A1-1A34-15AD135529CF}"/>
+              </a:ext>
+            </a:extLst>
+          </p:cNvPr>
+          <p:cNvSpPr/>
+          <p:nvPr/>
+        </p:nvSpPr>
+        <p:spPr>
+          <a:xfrm>
+            <a:off x="3646805" y="1351280"/>
+            <a:ext cx="1534795" cy="2765141"/>
+          </a:xfrm>
+          <a:prstGeom prst="rect">
+            <a:avLst/>
+          </a:prstGeom>
+          <a:noFill/>
+          <a:ln>
+            <a:solidFill>
+              <a:srgbClr val="FF0000"/>
+            </a:solidFill>
+          </a:ln>
+        </p:spPr>
+        <p:style>
+          <a:lnRef idx="2">
+            <a:schemeClr val="accent1">
+              <a:shade val="15000"/>
+            </a:schemeClr>
+          </a:lnRef>
+          <a:fillRef idx="1">
+            <a:schemeClr val="accent1"/>
+          </a:fillRef>
+          <a:effectRef idx="0">
+            <a:schemeClr val="accent1"/>
+          </a:effectRef>
+          <a:fontRef idx="minor">
+            <a:schemeClr val="lt1"/>
+          </a:fontRef>
+        </p:style>
+        <p:txBody>
+          <a:bodyPr rtlCol="0" anchor="ctr"/>
+          <a:lstStyle/>
+          <a:p>
+            <a:pPr algn="ctr"/>
+            <a:endParaRPr lang="en-DK"/>
+          </a:p>
+        </p:txBody>
+      </p:sp>
+      <p:sp>
+        <p:nvSpPr>
+          <p:cNvPr id="7" name="Rectangle 6">
+            <a:extLst>
+              <a:ext uri="{FF2B5EF4-FFF2-40B4-BE49-F238E27FC236}">
+                <a16:creationId xmlns:a16="http://schemas.microsoft.com/office/drawing/2014/main" id="{F9082C03-E70A-2FC4-BEAC-18D6769E4550}"/>
+              </a:ext>
+            </a:extLst>
+          </p:cNvPr>
+          <p:cNvSpPr/>
+          <p:nvPr/>
+        </p:nvSpPr>
+        <p:spPr>
+          <a:xfrm>
+            <a:off x="5181600" y="1777999"/>
+            <a:ext cx="2621280" cy="1808481"/>
+          </a:xfrm>
+          <a:prstGeom prst="rect">
+            <a:avLst/>
+          </a:prstGeom>
+          <a:noFill/>
+          <a:ln>
+            <a:solidFill>
+              <a:srgbClr val="FF0000"/>
+            </a:solidFill>
+          </a:ln>
+        </p:spPr>
+        <p:style>
+          <a:lnRef idx="2">
+            <a:schemeClr val="accent1">
+              <a:shade val="15000"/>
+            </a:schemeClr>
+          </a:lnRef>
+          <a:fillRef idx="1">
+            <a:schemeClr val="accent1"/>
+          </a:fillRef>
+          <a:effectRef idx="0">
+            <a:schemeClr val="accent1"/>
+          </a:effectRef>
+          <a:fontRef idx="minor">
+            <a:schemeClr val="lt1"/>
+          </a:fontRef>
+        </p:style>
+        <p:txBody>
+          <a:bodyPr rtlCol="0" anchor="ctr"/>
+          <a:lstStyle/>
+          <a:p>
+            <a:pPr algn="ctr"/>
+            <a:endParaRPr lang="en-DK"/>
+          </a:p>
+        </p:txBody>
+      </p:sp>
+      <p:sp>
+        <p:nvSpPr>
+          <p:cNvPr id="8" name="Rectangle 7">
+            <a:extLst>
+              <a:ext uri="{FF2B5EF4-FFF2-40B4-BE49-F238E27FC236}">
+                <a16:creationId xmlns:a16="http://schemas.microsoft.com/office/drawing/2014/main" id="{D62509C9-5748-0E07-2DA9-402B97755AFE}"/>
+              </a:ext>
+            </a:extLst>
+          </p:cNvPr>
+          <p:cNvSpPr/>
+          <p:nvPr/>
+        </p:nvSpPr>
+        <p:spPr>
+          <a:xfrm>
+            <a:off x="5181600" y="3586480"/>
+            <a:ext cx="2621280" cy="529941"/>
+          </a:xfrm>
+          <a:prstGeom prst="rect">
+            <a:avLst/>
+          </a:prstGeom>
+          <a:noFill/>
+          <a:ln>
+            <a:solidFill>
+              <a:srgbClr val="FF0000"/>
+            </a:solidFill>
+          </a:ln>
+        </p:spPr>
+        <p:style>
+          <a:lnRef idx="2">
+            <a:schemeClr val="accent1">
+              <a:shade val="15000"/>
+            </a:schemeClr>
+          </a:lnRef>
+          <a:fillRef idx="1">
+            <a:schemeClr val="accent1"/>
+          </a:fillRef>
+          <a:effectRef idx="0">
+            <a:schemeClr val="accent1"/>
+          </a:effectRef>
+          <a:fontRef idx="minor">
+            <a:schemeClr val="lt1"/>
+          </a:fontRef>
+        </p:style>
+        <p:txBody>
+          <a:bodyPr rtlCol="0" anchor="ctr"/>
+          <a:lstStyle/>
+          <a:p>
+            <a:pPr algn="ctr"/>
+            <a:endParaRPr lang="en-DK"/>
+          </a:p>
+        </p:txBody>
+      </p:sp>
+      <p:sp>
+        <p:nvSpPr>
+          <p:cNvPr id="9" name="Rectangle 8">
+            <a:extLst>
+              <a:ext uri="{FF2B5EF4-FFF2-40B4-BE49-F238E27FC236}">
+                <a16:creationId xmlns:a16="http://schemas.microsoft.com/office/drawing/2014/main" id="{78653534-6CF3-AC09-7360-2AC6398752B8}"/>
+              </a:ext>
+            </a:extLst>
+          </p:cNvPr>
+          <p:cNvSpPr/>
+          <p:nvPr/>
+        </p:nvSpPr>
+        <p:spPr>
+          <a:xfrm>
+            <a:off x="5181600" y="1351280"/>
+            <a:ext cx="2621280" cy="426719"/>
+          </a:xfrm>
+          <a:prstGeom prst="rect">
+            <a:avLst/>
+          </a:prstGeom>
+          <a:noFill/>
+          <a:ln>
+            <a:solidFill>
+              <a:srgbClr val="FF0000"/>
+            </a:solidFill>
+          </a:ln>
+        </p:spPr>
+        <p:style>
+          <a:lnRef idx="2">
+            <a:schemeClr val="accent1">
+              <a:shade val="15000"/>
+            </a:schemeClr>
+          </a:lnRef>
+          <a:fillRef idx="1">
+            <a:schemeClr val="accent1"/>
+          </a:fillRef>
+          <a:effectRef idx="0">
+            <a:schemeClr val="accent1"/>
+          </a:effectRef>
+          <a:fontRef idx="minor">
+            <a:schemeClr val="lt1"/>
+          </a:fontRef>
+        </p:style>
+        <p:txBody>
+          <a:bodyPr rtlCol="0" anchor="ctr"/>
+          <a:lstStyle/>
+          <a:p>
+            <a:pPr algn="ctr"/>
+            <a:endParaRPr lang="en-DK"/>
+          </a:p>
+        </p:txBody>
+      </p:sp>
+      <p:sp>
+        <p:nvSpPr>
+          <p:cNvPr id="10" name="TextBox 9">
+            <a:extLst>
+              <a:ext uri="{FF2B5EF4-FFF2-40B4-BE49-F238E27FC236}">
+                <a16:creationId xmlns:a16="http://schemas.microsoft.com/office/drawing/2014/main" id="{42C4D6CA-5BA7-C7FF-3ECC-8DD30BC2C3C4}"/>
+              </a:ext>
+            </a:extLst>
+          </p:cNvPr>
+          <p:cNvSpPr txBox="1"/>
+          <p:nvPr/>
+        </p:nvSpPr>
+        <p:spPr>
+          <a:xfrm>
+            <a:off x="2354817" y="2549185"/>
+            <a:ext cx="1024511" cy="369332"/>
+          </a:xfrm>
+          <a:prstGeom prst="rect">
+            <a:avLst/>
+          </a:prstGeom>
+          <a:noFill/>
+        </p:spPr>
+        <p:txBody>
+          <a:bodyPr wrap="none" rtlCol="0">
+            <a:spAutoFit/>
+          </a:bodyPr>
+          <a:lstStyle/>
+          <a:p>
+            <a:r>
+              <a:rPr lang="en-GB" dirty="0"/>
+              <a:t>Protocol</a:t>
+            </a:r>
+            <a:endParaRPr lang="en-DK" dirty="0"/>
+          </a:p>
+        </p:txBody>
+      </p:sp>
+      <p:sp>
+        <p:nvSpPr>
+          <p:cNvPr id="11" name="TextBox 10">
+            <a:extLst>
+              <a:ext uri="{FF2B5EF4-FFF2-40B4-BE49-F238E27FC236}">
+                <a16:creationId xmlns:a16="http://schemas.microsoft.com/office/drawing/2014/main" id="{01899227-DCB3-0D8B-BF8E-28075E8F6D78}"/>
+              </a:ext>
+            </a:extLst>
+          </p:cNvPr>
+          <p:cNvSpPr txBox="1"/>
+          <p:nvPr/>
+        </p:nvSpPr>
+        <p:spPr>
+          <a:xfrm>
+            <a:off x="8061960" y="1379973"/>
+            <a:ext cx="2966774" cy="369332"/>
+          </a:xfrm>
+          <a:prstGeom prst="rect">
+            <a:avLst/>
+          </a:prstGeom>
+          <a:noFill/>
+        </p:spPr>
+        <p:txBody>
+          <a:bodyPr wrap="none" rtlCol="0">
+            <a:spAutoFit/>
+          </a:bodyPr>
+          <a:lstStyle/>
+          <a:p>
+            <a:r>
+              <a:rPr lang="en-GB" dirty="0"/>
+              <a:t>Test information and control</a:t>
+            </a:r>
+            <a:endParaRPr lang="en-DK" dirty="0"/>
+          </a:p>
+        </p:txBody>
+      </p:sp>
+      <p:sp>
+        <p:nvSpPr>
+          <p:cNvPr id="12" name="TextBox 11">
+            <a:extLst>
+              <a:ext uri="{FF2B5EF4-FFF2-40B4-BE49-F238E27FC236}">
+                <a16:creationId xmlns:a16="http://schemas.microsoft.com/office/drawing/2014/main" id="{8753C3CE-5EB3-5AE5-DED4-D62CA6308661}"/>
+              </a:ext>
+            </a:extLst>
+          </p:cNvPr>
+          <p:cNvSpPr txBox="1"/>
+          <p:nvPr/>
+        </p:nvSpPr>
+        <p:spPr>
+          <a:xfrm>
+            <a:off x="8061960" y="2495209"/>
+            <a:ext cx="1400127" cy="369332"/>
+          </a:xfrm>
+          <a:prstGeom prst="rect">
+            <a:avLst/>
+          </a:prstGeom>
+          <a:noFill/>
+        </p:spPr>
+        <p:txBody>
+          <a:bodyPr wrap="none" rtlCol="0">
+            <a:spAutoFit/>
+          </a:bodyPr>
+          <a:lstStyle/>
+          <a:p>
+            <a:r>
+              <a:rPr lang="en-GB" dirty="0"/>
+              <a:t>Test window</a:t>
+            </a:r>
+            <a:endParaRPr lang="en-DK" dirty="0"/>
+          </a:p>
+        </p:txBody>
+      </p:sp>
+      <p:sp>
+        <p:nvSpPr>
+          <p:cNvPr id="13" name="TextBox 12">
+            <a:extLst>
+              <a:ext uri="{FF2B5EF4-FFF2-40B4-BE49-F238E27FC236}">
+                <a16:creationId xmlns:a16="http://schemas.microsoft.com/office/drawing/2014/main" id="{231F98C7-169E-6755-9B34-BB71C2E3F7E6}"/>
+              </a:ext>
+            </a:extLst>
+          </p:cNvPr>
+          <p:cNvSpPr txBox="1"/>
+          <p:nvPr/>
+        </p:nvSpPr>
+        <p:spPr>
+          <a:xfrm>
+            <a:off x="8057324" y="3666784"/>
+            <a:ext cx="1354794" cy="369332"/>
+          </a:xfrm>
+          <a:prstGeom prst="rect">
+            <a:avLst/>
+          </a:prstGeom>
+          <a:noFill/>
+        </p:spPr>
+        <p:txBody>
+          <a:bodyPr wrap="none" rtlCol="0">
+            <a:spAutoFit/>
+          </a:bodyPr>
+          <a:lstStyle/>
+          <a:p>
+            <a:r>
+              <a:rPr lang="en-GB" dirty="0"/>
+              <a:t>Log window</a:t>
+            </a:r>
+            <a:endParaRPr lang="en-DK" dirty="0"/>
+          </a:p>
+        </p:txBody>
+      </p:sp>
+      <p:cxnSp>
+        <p:nvCxnSpPr>
+          <p:cNvPr id="15" name="Straight Arrow Connector 14">
+            <a:extLst>
+              <a:ext uri="{FF2B5EF4-FFF2-40B4-BE49-F238E27FC236}">
+                <a16:creationId xmlns:a16="http://schemas.microsoft.com/office/drawing/2014/main" id="{8D40413E-133A-8580-A057-F62261187EEF}"/>
+              </a:ext>
+            </a:extLst>
+          </p:cNvPr>
+          <p:cNvCxnSpPr>
+            <a:stCxn id="10" idx="3"/>
+            <a:endCxn id="6" idx="1"/>
+          </p:cNvCxnSpPr>
+          <p:nvPr/>
+        </p:nvCxnSpPr>
+        <p:spPr>
+          <a:xfrm>
+            <a:off x="3379328" y="2733851"/>
+            <a:ext cx="267477" cy="0"/>
+          </a:xfrm>
+          <a:prstGeom prst="straightConnector1">
+            <a:avLst/>
+          </a:prstGeom>
+          <a:ln>
+            <a:tailEnd type="triangle"/>
+          </a:ln>
+        </p:spPr>
+        <p:style>
+          <a:lnRef idx="2">
+            <a:schemeClr val="dk1"/>
+          </a:lnRef>
+          <a:fillRef idx="0">
+            <a:schemeClr val="dk1"/>
+          </a:fillRef>
+          <a:effectRef idx="1">
+            <a:schemeClr val="dk1"/>
+          </a:effectRef>
+          <a:fontRef idx="minor">
+            <a:schemeClr val="tx1"/>
+          </a:fontRef>
+        </p:style>
+      </p:cxnSp>
+      <p:cxnSp>
+        <p:nvCxnSpPr>
+          <p:cNvPr id="18" name="Straight Arrow Connector 17">
+            <a:extLst>
+              <a:ext uri="{FF2B5EF4-FFF2-40B4-BE49-F238E27FC236}">
+                <a16:creationId xmlns:a16="http://schemas.microsoft.com/office/drawing/2014/main" id="{C18F7B61-26EB-B516-2551-33C47EC05CD4}"/>
+              </a:ext>
+            </a:extLst>
+          </p:cNvPr>
+          <p:cNvCxnSpPr>
+            <a:stCxn id="11" idx="1"/>
+            <a:endCxn id="9" idx="3"/>
+          </p:cNvCxnSpPr>
+          <p:nvPr/>
+        </p:nvCxnSpPr>
+        <p:spPr>
+          <a:xfrm flipH="1">
+            <a:off x="7802880" y="1564639"/>
+            <a:ext cx="259080" cy="1"/>
+          </a:xfrm>
+          <a:prstGeom prst="straightConnector1">
+            <a:avLst/>
+          </a:prstGeom>
+          <a:ln>
+            <a:tailEnd type="triangle"/>
+          </a:ln>
+        </p:spPr>
+        <p:style>
+          <a:lnRef idx="2">
+            <a:schemeClr val="dk1"/>
+          </a:lnRef>
+          <a:fillRef idx="0">
+            <a:schemeClr val="dk1"/>
+          </a:fillRef>
+          <a:effectRef idx="1">
+            <a:schemeClr val="dk1"/>
+          </a:effectRef>
+          <a:fontRef idx="minor">
+            <a:schemeClr val="tx1"/>
+          </a:fontRef>
+        </p:style>
+      </p:cxnSp>
+      <p:cxnSp>
+        <p:nvCxnSpPr>
+          <p:cNvPr id="20" name="Straight Arrow Connector 19">
+            <a:extLst>
+              <a:ext uri="{FF2B5EF4-FFF2-40B4-BE49-F238E27FC236}">
+                <a16:creationId xmlns:a16="http://schemas.microsoft.com/office/drawing/2014/main" id="{00893104-6E64-3C0A-6158-F663CE9BD57A}"/>
+              </a:ext>
+            </a:extLst>
+          </p:cNvPr>
+          <p:cNvCxnSpPr>
+            <a:stCxn id="12" idx="1"/>
+            <a:endCxn id="7" idx="3"/>
+          </p:cNvCxnSpPr>
+          <p:nvPr/>
+        </p:nvCxnSpPr>
+        <p:spPr>
+          <a:xfrm flipH="1">
+            <a:off x="7802880" y="2679875"/>
+            <a:ext cx="259080" cy="2365"/>
+          </a:xfrm>
+          <a:prstGeom prst="straightConnector1">
+            <a:avLst/>
+          </a:prstGeom>
+          <a:ln>
+            <a:tailEnd type="triangle"/>
+          </a:ln>
+        </p:spPr>
+        <p:style>
+          <a:lnRef idx="2">
+            <a:schemeClr val="dk1"/>
+          </a:lnRef>
+          <a:fillRef idx="0">
+            <a:schemeClr val="dk1"/>
+          </a:fillRef>
+          <a:effectRef idx="1">
+            <a:schemeClr val="dk1"/>
+          </a:effectRef>
+          <a:fontRef idx="minor">
+            <a:schemeClr val="tx1"/>
+          </a:fontRef>
+        </p:style>
+      </p:cxnSp>
+      <p:cxnSp>
+        <p:nvCxnSpPr>
+          <p:cNvPr id="22" name="Straight Arrow Connector 21">
+            <a:extLst>
+              <a:ext uri="{FF2B5EF4-FFF2-40B4-BE49-F238E27FC236}">
+                <a16:creationId xmlns:a16="http://schemas.microsoft.com/office/drawing/2014/main" id="{AF57099C-2FAE-F6E1-A985-12D9A4425973}"/>
+              </a:ext>
+            </a:extLst>
+          </p:cNvPr>
+          <p:cNvCxnSpPr>
+            <a:stCxn id="13" idx="1"/>
+            <a:endCxn id="8" idx="3"/>
+          </p:cNvCxnSpPr>
+          <p:nvPr/>
+        </p:nvCxnSpPr>
+        <p:spPr>
+          <a:xfrm flipH="1">
+            <a:off x="7802880" y="3851450"/>
+            <a:ext cx="254444" cy="1"/>
+          </a:xfrm>
+          <a:prstGeom prst="straightConnector1">
+            <a:avLst/>
+          </a:prstGeom>
+          <a:ln>
+            <a:tailEnd type="triangle"/>
+          </a:ln>
+        </p:spPr>
+        <p:style>
+          <a:lnRef idx="2">
+            <a:schemeClr val="dk1"/>
+          </a:lnRef>
+          <a:fillRef idx="0">
+            <a:schemeClr val="dk1"/>
+          </a:fillRef>
+          <a:effectRef idx="1">
+            <a:schemeClr val="dk1"/>
+          </a:effectRef>
+          <a:fontRef idx="minor">
+            <a:schemeClr val="tx1"/>
+          </a:fontRef>
+        </p:style>
+      </p:cxnSp>
     </p:spTree>
     <p:extLst>
       <p:ext uri="{BB962C8B-B14F-4D97-AF65-F5344CB8AC3E}">
-        <p14:creationId xmlns:p14="http://schemas.microsoft.com/office/powerpoint/2010/main" val="1142021142"/>
+        <p14:creationId xmlns:p14="http://schemas.microsoft.com/office/powerpoint/2010/main" val="3682180786"/>
       </p:ext>
     </p:extLst>
   </p:cSld>
@@ -5148,10 +7353,10 @@
       </p:grpSpPr>
       <p:pic>
         <p:nvPicPr>
-          <p:cNvPr id="5" name="Picture 4">
-            <a:extLst>
-              <a:ext uri="{FF2B5EF4-FFF2-40B4-BE49-F238E27FC236}">
-                <a16:creationId xmlns:a16="http://schemas.microsoft.com/office/drawing/2014/main" id="{E83D5CE8-B943-529B-0F73-DC81A42CBD68}"/>
+          <p:cNvPr id="3" name="Picture 2">
+            <a:extLst>
+              <a:ext uri="{FF2B5EF4-FFF2-40B4-BE49-F238E27FC236}">
+                <a16:creationId xmlns:a16="http://schemas.microsoft.com/office/drawing/2014/main" id="{1AE26459-B3B8-8C9D-61EE-3912FB7E051A}"/>
               </a:ext>
             </a:extLst>
           </p:cNvPr>
@@ -5162,24 +7367,422 @@
         </p:nvPicPr>
         <p:blipFill>
           <a:blip r:embed="rId2"/>
-          <a:stretch>
-            <a:fillRect/>
-          </a:stretch>
+          <a:srcRect b="40933"/>
+          <a:stretch/>
         </p:blipFill>
         <p:spPr>
           <a:xfrm>
-            <a:off x="3156857" y="0"/>
-            <a:ext cx="5878286" cy="6858000"/>
+            <a:off x="4140913" y="1475435"/>
+            <a:ext cx="2959269" cy="1592885"/>
           </a:xfrm>
           <a:prstGeom prst="rect">
             <a:avLst/>
           </a:prstGeom>
         </p:spPr>
       </p:pic>
+      <p:sp>
+        <p:nvSpPr>
+          <p:cNvPr id="4" name="TextBox 3">
+            <a:extLst>
+              <a:ext uri="{FF2B5EF4-FFF2-40B4-BE49-F238E27FC236}">
+                <a16:creationId xmlns:a16="http://schemas.microsoft.com/office/drawing/2014/main" id="{C7FF0A33-375C-DB04-BFB7-F14145C88530}"/>
+              </a:ext>
+            </a:extLst>
+          </p:cNvPr>
+          <p:cNvSpPr txBox="1"/>
+          <p:nvPr/>
+        </p:nvSpPr>
+        <p:spPr>
+          <a:xfrm>
+            <a:off x="7083647" y="2445920"/>
+            <a:ext cx="1253805" cy="369332"/>
+          </a:xfrm>
+          <a:prstGeom prst="rect">
+            <a:avLst/>
+          </a:prstGeom>
+          <a:noFill/>
+        </p:spPr>
+        <p:txBody>
+          <a:bodyPr wrap="none" rtlCol="0">
+            <a:spAutoFit/>
+          </a:bodyPr>
+          <a:lstStyle/>
+          <a:p>
+            <a:r>
+              <a:rPr lang="en-GB" dirty="0"/>
+              <a:t>Test status</a:t>
+            </a:r>
+            <a:endParaRPr lang="en-DK" dirty="0"/>
+          </a:p>
+        </p:txBody>
+      </p:sp>
+      <p:sp>
+        <p:nvSpPr>
+          <p:cNvPr id="5" name="TextBox 4">
+            <a:extLst>
+              <a:ext uri="{FF2B5EF4-FFF2-40B4-BE49-F238E27FC236}">
+                <a16:creationId xmlns:a16="http://schemas.microsoft.com/office/drawing/2014/main" id="{72DF0CD4-BAB7-80D8-B166-D9CE2E69EFD9}"/>
+              </a:ext>
+            </a:extLst>
+          </p:cNvPr>
+          <p:cNvSpPr txBox="1"/>
+          <p:nvPr/>
+        </p:nvSpPr>
+        <p:spPr>
+          <a:xfrm>
+            <a:off x="7118620" y="1475435"/>
+            <a:ext cx="1200393" cy="369332"/>
+          </a:xfrm>
+          <a:prstGeom prst="rect">
+            <a:avLst/>
+          </a:prstGeom>
+          <a:noFill/>
+        </p:spPr>
+        <p:txBody>
+          <a:bodyPr wrap="none" rtlCol="0">
+            <a:spAutoFit/>
+          </a:bodyPr>
+          <a:lstStyle/>
+          <a:p>
+            <a:r>
+              <a:rPr lang="en-GB" dirty="0"/>
+              <a:t>Test name</a:t>
+            </a:r>
+            <a:endParaRPr lang="en-DK" dirty="0"/>
+          </a:p>
+        </p:txBody>
+      </p:sp>
+      <p:sp>
+        <p:nvSpPr>
+          <p:cNvPr id="6" name="TextBox 5">
+            <a:extLst>
+              <a:ext uri="{FF2B5EF4-FFF2-40B4-BE49-F238E27FC236}">
+                <a16:creationId xmlns:a16="http://schemas.microsoft.com/office/drawing/2014/main" id="{97805529-4056-594A-535D-5603F6DF50CE}"/>
+              </a:ext>
+            </a:extLst>
+          </p:cNvPr>
+          <p:cNvSpPr txBox="1"/>
+          <p:nvPr/>
+        </p:nvSpPr>
+        <p:spPr>
+          <a:xfrm>
+            <a:off x="2737230" y="1944709"/>
+            <a:ext cx="1182440" cy="369332"/>
+          </a:xfrm>
+          <a:prstGeom prst="rect">
+            <a:avLst/>
+          </a:prstGeom>
+          <a:noFill/>
+        </p:spPr>
+        <p:txBody>
+          <a:bodyPr wrap="none" rtlCol="0">
+            <a:spAutoFit/>
+          </a:bodyPr>
+          <a:lstStyle/>
+          <a:p>
+            <a:r>
+              <a:rPr lang="en-GB" dirty="0"/>
+              <a:t>State icon</a:t>
+            </a:r>
+            <a:endParaRPr lang="en-DK" dirty="0"/>
+          </a:p>
+        </p:txBody>
+      </p:sp>
+      <p:sp>
+        <p:nvSpPr>
+          <p:cNvPr id="7" name="Rectangle 6">
+            <a:extLst>
+              <a:ext uri="{FF2B5EF4-FFF2-40B4-BE49-F238E27FC236}">
+                <a16:creationId xmlns:a16="http://schemas.microsoft.com/office/drawing/2014/main" id="{BEE4C3E2-9F0E-8AD2-6F75-DF5C32DEA1E3}"/>
+              </a:ext>
+            </a:extLst>
+          </p:cNvPr>
+          <p:cNvSpPr/>
+          <p:nvPr/>
+        </p:nvSpPr>
+        <p:spPr>
+          <a:xfrm>
+            <a:off x="4570095" y="2132670"/>
+            <a:ext cx="1251585" cy="215145"/>
+          </a:xfrm>
+          <a:prstGeom prst="rect">
+            <a:avLst/>
+          </a:prstGeom>
+          <a:noFill/>
+          <a:ln w="28575">
+            <a:solidFill>
+              <a:srgbClr val="FF0000">
+                <a:alpha val="25098"/>
+              </a:srgbClr>
+            </a:solidFill>
+            <a:prstDash val="sysDash"/>
+          </a:ln>
+        </p:spPr>
+        <p:style>
+          <a:lnRef idx="2">
+            <a:schemeClr val="accent1">
+              <a:shade val="15000"/>
+            </a:schemeClr>
+          </a:lnRef>
+          <a:fillRef idx="1">
+            <a:schemeClr val="accent1"/>
+          </a:fillRef>
+          <a:effectRef idx="0">
+            <a:schemeClr val="accent1"/>
+          </a:effectRef>
+          <a:fontRef idx="minor">
+            <a:schemeClr val="lt1"/>
+          </a:fontRef>
+        </p:style>
+        <p:txBody>
+          <a:bodyPr rtlCol="0" anchor="ctr"/>
+          <a:lstStyle/>
+          <a:p>
+            <a:pPr algn="ctr"/>
+            <a:endParaRPr lang="en-DK"/>
+          </a:p>
+        </p:txBody>
+      </p:sp>
+      <p:sp>
+        <p:nvSpPr>
+          <p:cNvPr id="8" name="Rectangle 7">
+            <a:extLst>
+              <a:ext uri="{FF2B5EF4-FFF2-40B4-BE49-F238E27FC236}">
+                <a16:creationId xmlns:a16="http://schemas.microsoft.com/office/drawing/2014/main" id="{E4D36D58-F38D-AE83-53EA-94DAF103B7A8}"/>
+              </a:ext>
+            </a:extLst>
+          </p:cNvPr>
+          <p:cNvSpPr/>
+          <p:nvPr/>
+        </p:nvSpPr>
+        <p:spPr>
+          <a:xfrm>
+            <a:off x="4570095" y="1909150"/>
+            <a:ext cx="1251585" cy="215145"/>
+          </a:xfrm>
+          <a:prstGeom prst="rect">
+            <a:avLst/>
+          </a:prstGeom>
+          <a:noFill/>
+          <a:ln w="28575">
+            <a:solidFill>
+              <a:srgbClr val="FF0000">
+                <a:alpha val="25098"/>
+              </a:srgbClr>
+            </a:solidFill>
+            <a:prstDash val="sysDash"/>
+          </a:ln>
+        </p:spPr>
+        <p:style>
+          <a:lnRef idx="2">
+            <a:schemeClr val="accent1">
+              <a:shade val="15000"/>
+            </a:schemeClr>
+          </a:lnRef>
+          <a:fillRef idx="1">
+            <a:schemeClr val="accent1"/>
+          </a:fillRef>
+          <a:effectRef idx="0">
+            <a:schemeClr val="accent1"/>
+          </a:effectRef>
+          <a:fontRef idx="minor">
+            <a:schemeClr val="lt1"/>
+          </a:fontRef>
+        </p:style>
+        <p:txBody>
+          <a:bodyPr rtlCol="0" anchor="ctr"/>
+          <a:lstStyle/>
+          <a:p>
+            <a:pPr algn="ctr"/>
+            <a:endParaRPr lang="en-DK"/>
+          </a:p>
+        </p:txBody>
+      </p:sp>
+      <p:sp>
+        <p:nvSpPr>
+          <p:cNvPr id="9" name="Rectangle 8">
+            <a:extLst>
+              <a:ext uri="{FF2B5EF4-FFF2-40B4-BE49-F238E27FC236}">
+                <a16:creationId xmlns:a16="http://schemas.microsoft.com/office/drawing/2014/main" id="{FDECBC3C-E399-31E2-F63D-E3BEFC5FA02B}"/>
+              </a:ext>
+            </a:extLst>
+          </p:cNvPr>
+          <p:cNvSpPr/>
+          <p:nvPr/>
+        </p:nvSpPr>
+        <p:spPr>
+          <a:xfrm>
+            <a:off x="4211320" y="1909150"/>
+            <a:ext cx="358776" cy="438665"/>
+          </a:xfrm>
+          <a:prstGeom prst="rect">
+            <a:avLst/>
+          </a:prstGeom>
+          <a:noFill/>
+          <a:ln w="28575">
+            <a:solidFill>
+              <a:srgbClr val="FF0000">
+                <a:alpha val="25098"/>
+              </a:srgbClr>
+            </a:solidFill>
+            <a:prstDash val="sysDash"/>
+          </a:ln>
+        </p:spPr>
+        <p:style>
+          <a:lnRef idx="2">
+            <a:schemeClr val="accent1">
+              <a:shade val="15000"/>
+            </a:schemeClr>
+          </a:lnRef>
+          <a:fillRef idx="1">
+            <a:schemeClr val="accent1"/>
+          </a:fillRef>
+          <a:effectRef idx="0">
+            <a:schemeClr val="accent1"/>
+          </a:effectRef>
+          <a:fontRef idx="minor">
+            <a:schemeClr val="lt1"/>
+          </a:fontRef>
+        </p:style>
+        <p:txBody>
+          <a:bodyPr rtlCol="0" anchor="ctr"/>
+          <a:lstStyle/>
+          <a:p>
+            <a:pPr algn="ctr"/>
+            <a:endParaRPr lang="en-DK"/>
+          </a:p>
+        </p:txBody>
+      </p:sp>
+      <p:cxnSp>
+        <p:nvCxnSpPr>
+          <p:cNvPr id="11" name="Straight Arrow Connector 10">
+            <a:extLst>
+              <a:ext uri="{FF2B5EF4-FFF2-40B4-BE49-F238E27FC236}">
+                <a16:creationId xmlns:a16="http://schemas.microsoft.com/office/drawing/2014/main" id="{49D8FBEB-F1E1-ADD3-CD30-D89E8A251E6F}"/>
+              </a:ext>
+            </a:extLst>
+          </p:cNvPr>
+          <p:cNvCxnSpPr>
+            <a:stCxn id="6" idx="3"/>
+            <a:endCxn id="9" idx="1"/>
+          </p:cNvCxnSpPr>
+          <p:nvPr/>
+        </p:nvCxnSpPr>
+        <p:spPr>
+          <a:xfrm flipV="1">
+            <a:off x="3919670" y="2128483"/>
+            <a:ext cx="291650" cy="892"/>
+          </a:xfrm>
+          <a:prstGeom prst="straightConnector1">
+            <a:avLst/>
+          </a:prstGeom>
+          <a:ln>
+            <a:tailEnd type="triangle"/>
+          </a:ln>
+        </p:spPr>
+        <p:style>
+          <a:lnRef idx="2">
+            <a:schemeClr val="dk1"/>
+          </a:lnRef>
+          <a:fillRef idx="0">
+            <a:schemeClr val="dk1"/>
+          </a:fillRef>
+          <a:effectRef idx="1">
+            <a:schemeClr val="dk1"/>
+          </a:effectRef>
+          <a:fontRef idx="minor">
+            <a:schemeClr val="tx1"/>
+          </a:fontRef>
+        </p:style>
+      </p:cxnSp>
+      <p:cxnSp>
+        <p:nvCxnSpPr>
+          <p:cNvPr id="13" name="Connector: Elbow 12">
+            <a:extLst>
+              <a:ext uri="{FF2B5EF4-FFF2-40B4-BE49-F238E27FC236}">
+                <a16:creationId xmlns:a16="http://schemas.microsoft.com/office/drawing/2014/main" id="{292F0B59-2F6A-5B82-D986-465DBF6A21B3}"/>
+              </a:ext>
+            </a:extLst>
+          </p:cNvPr>
+          <p:cNvCxnSpPr>
+            <a:stCxn id="4" idx="0"/>
+            <a:endCxn id="7" idx="3"/>
+          </p:cNvCxnSpPr>
+          <p:nvPr/>
+        </p:nvCxnSpPr>
+        <p:spPr>
+          <a:xfrm rot="16200000" flipV="1">
+            <a:off x="6663277" y="1398647"/>
+            <a:ext cx="205677" cy="1888870"/>
+          </a:xfrm>
+          <a:prstGeom prst="bentConnector2">
+            <a:avLst/>
+          </a:prstGeom>
+          <a:ln>
+            <a:tailEnd type="triangle"/>
+          </a:ln>
+        </p:spPr>
+        <p:style>
+          <a:lnRef idx="2">
+            <a:schemeClr val="dk1"/>
+          </a:lnRef>
+          <a:fillRef idx="0">
+            <a:schemeClr val="dk1"/>
+          </a:fillRef>
+          <a:effectRef idx="1">
+            <a:schemeClr val="dk1"/>
+          </a:effectRef>
+          <a:fontRef idx="minor">
+            <a:schemeClr val="tx1"/>
+          </a:fontRef>
+        </p:style>
+      </p:cxnSp>
+      <p:cxnSp>
+        <p:nvCxnSpPr>
+          <p:cNvPr id="15" name="Connector: Elbow 14">
+            <a:extLst>
+              <a:ext uri="{FF2B5EF4-FFF2-40B4-BE49-F238E27FC236}">
+                <a16:creationId xmlns:a16="http://schemas.microsoft.com/office/drawing/2014/main" id="{B21AC189-B243-1037-3625-AE3E8874C256}"/>
+              </a:ext>
+            </a:extLst>
+          </p:cNvPr>
+          <p:cNvCxnSpPr>
+            <a:stCxn id="5" idx="2"/>
+            <a:endCxn id="8" idx="3"/>
+          </p:cNvCxnSpPr>
+          <p:nvPr/>
+        </p:nvCxnSpPr>
+        <p:spPr>
+          <a:xfrm rot="5400000">
+            <a:off x="6684271" y="982177"/>
+            <a:ext cx="171956" cy="1897137"/>
+          </a:xfrm>
+          <a:prstGeom prst="bentConnector2">
+            <a:avLst/>
+          </a:prstGeom>
+          <a:ln>
+            <a:tailEnd type="triangle"/>
+          </a:ln>
+        </p:spPr>
+        <p:style>
+          <a:lnRef idx="2">
+            <a:schemeClr val="dk1"/>
+          </a:lnRef>
+          <a:fillRef idx="0">
+            <a:schemeClr val="dk1"/>
+          </a:fillRef>
+          <a:effectRef idx="1">
+            <a:schemeClr val="dk1"/>
+          </a:effectRef>
+          <a:fontRef idx="minor">
+            <a:schemeClr val="tx1"/>
+          </a:fontRef>
+        </p:style>
+      </p:cxnSp>
     </p:spTree>
     <p:extLst>
       <p:ext uri="{BB962C8B-B14F-4D97-AF65-F5344CB8AC3E}">
-        <p14:creationId xmlns:p14="http://schemas.microsoft.com/office/powerpoint/2010/main" val="408536176"/>
+        <p14:creationId xmlns:p14="http://schemas.microsoft.com/office/powerpoint/2010/main" val="4243963661"/>
       </p:ext>
     </p:extLst>
   </p:cSld>
@@ -5211,7 +7814,7 @@
           <p:cNvPr id="3" name="Picture 2">
             <a:extLst>
               <a:ext uri="{FF2B5EF4-FFF2-40B4-BE49-F238E27FC236}">
-                <a16:creationId xmlns:a16="http://schemas.microsoft.com/office/drawing/2014/main" id="{99CFDC20-CDE4-8E21-4372-75FABB8AB26B}"/>
+                <a16:creationId xmlns:a16="http://schemas.microsoft.com/office/drawing/2014/main" id="{756F7E61-6F9D-C34C-8F7E-8F2B372DE1FC}"/>
               </a:ext>
             </a:extLst>
           </p:cNvPr>
@@ -5228,18 +7831,553 @@
         </p:blipFill>
         <p:spPr>
           <a:xfrm>
-            <a:off x="3156857" y="0"/>
-            <a:ext cx="5878286" cy="6858000"/>
+            <a:off x="3188613" y="1963471"/>
+            <a:ext cx="4213964" cy="758913"/>
           </a:xfrm>
           <a:prstGeom prst="rect">
             <a:avLst/>
           </a:prstGeom>
+          <a:ln>
+            <a:solidFill>
+              <a:schemeClr val="tx1"/>
+            </a:solidFill>
+          </a:ln>
         </p:spPr>
       </p:pic>
+      <p:sp>
+        <p:nvSpPr>
+          <p:cNvPr id="4" name="Rectangle 3">
+            <a:extLst>
+              <a:ext uri="{FF2B5EF4-FFF2-40B4-BE49-F238E27FC236}">
+                <a16:creationId xmlns:a16="http://schemas.microsoft.com/office/drawing/2014/main" id="{68178FA4-CC26-F4EC-23AD-6DB38E90ABB4}"/>
+              </a:ext>
+            </a:extLst>
+          </p:cNvPr>
+          <p:cNvSpPr/>
+          <p:nvPr/>
+        </p:nvSpPr>
+        <p:spPr>
+          <a:xfrm>
+            <a:off x="3217925" y="2342926"/>
+            <a:ext cx="491491" cy="300705"/>
+          </a:xfrm>
+          <a:prstGeom prst="rect">
+            <a:avLst/>
+          </a:prstGeom>
+          <a:noFill/>
+          <a:ln w="28575">
+            <a:solidFill>
+              <a:srgbClr val="FF0000">
+                <a:alpha val="25098"/>
+              </a:srgbClr>
+            </a:solidFill>
+          </a:ln>
+        </p:spPr>
+        <p:style>
+          <a:lnRef idx="2">
+            <a:schemeClr val="accent1">
+              <a:shade val="15000"/>
+            </a:schemeClr>
+          </a:lnRef>
+          <a:fillRef idx="1">
+            <a:schemeClr val="accent1"/>
+          </a:fillRef>
+          <a:effectRef idx="0">
+            <a:schemeClr val="accent1"/>
+          </a:effectRef>
+          <a:fontRef idx="minor">
+            <a:schemeClr val="lt1"/>
+          </a:fontRef>
+        </p:style>
+        <p:txBody>
+          <a:bodyPr rtlCol="0" anchor="ctr"/>
+          <a:lstStyle/>
+          <a:p>
+            <a:pPr algn="ctr"/>
+            <a:endParaRPr lang="en-DK"/>
+          </a:p>
+        </p:txBody>
+      </p:sp>
+      <p:sp>
+        <p:nvSpPr>
+          <p:cNvPr id="5" name="TextBox 4">
+            <a:extLst>
+              <a:ext uri="{FF2B5EF4-FFF2-40B4-BE49-F238E27FC236}">
+                <a16:creationId xmlns:a16="http://schemas.microsoft.com/office/drawing/2014/main" id="{A9B6F507-7303-115C-CD49-E627BB769DAC}"/>
+              </a:ext>
+            </a:extLst>
+          </p:cNvPr>
+          <p:cNvSpPr txBox="1"/>
+          <p:nvPr/>
+        </p:nvSpPr>
+        <p:spPr>
+          <a:xfrm>
+            <a:off x="4309237" y="3195723"/>
+            <a:ext cx="1463670" cy="369332"/>
+          </a:xfrm>
+          <a:prstGeom prst="rect">
+            <a:avLst/>
+          </a:prstGeom>
+          <a:noFill/>
+        </p:spPr>
+        <p:txBody>
+          <a:bodyPr wrap="none" rtlCol="0">
+            <a:spAutoFit/>
+          </a:bodyPr>
+          <a:lstStyle/>
+          <a:p>
+            <a:r>
+              <a:rPr lang="en-GB" dirty="0"/>
+              <a:t>Start the test</a:t>
+            </a:r>
+            <a:endParaRPr lang="en-DK" dirty="0"/>
+          </a:p>
+        </p:txBody>
+      </p:sp>
+      <p:sp>
+        <p:nvSpPr>
+          <p:cNvPr id="7" name="Rectangle 6">
+            <a:extLst>
+              <a:ext uri="{FF2B5EF4-FFF2-40B4-BE49-F238E27FC236}">
+                <a16:creationId xmlns:a16="http://schemas.microsoft.com/office/drawing/2014/main" id="{8BDEF3B9-F514-1B59-440C-49D634FCF8E1}"/>
+              </a:ext>
+            </a:extLst>
+          </p:cNvPr>
+          <p:cNvSpPr/>
+          <p:nvPr/>
+        </p:nvSpPr>
+        <p:spPr>
+          <a:xfrm>
+            <a:off x="3766565" y="2342926"/>
+            <a:ext cx="491491" cy="300705"/>
+          </a:xfrm>
+          <a:prstGeom prst="rect">
+            <a:avLst/>
+          </a:prstGeom>
+          <a:noFill/>
+          <a:ln w="28575">
+            <a:solidFill>
+              <a:srgbClr val="FF0000">
+                <a:alpha val="25098"/>
+              </a:srgbClr>
+            </a:solidFill>
+          </a:ln>
+        </p:spPr>
+        <p:style>
+          <a:lnRef idx="2">
+            <a:schemeClr val="accent1">
+              <a:shade val="15000"/>
+            </a:schemeClr>
+          </a:lnRef>
+          <a:fillRef idx="1">
+            <a:schemeClr val="accent1"/>
+          </a:fillRef>
+          <a:effectRef idx="0">
+            <a:schemeClr val="accent1"/>
+          </a:effectRef>
+          <a:fontRef idx="minor">
+            <a:schemeClr val="lt1"/>
+          </a:fontRef>
+        </p:style>
+        <p:txBody>
+          <a:bodyPr rtlCol="0" anchor="ctr"/>
+          <a:lstStyle/>
+          <a:p>
+            <a:pPr algn="ctr"/>
+            <a:endParaRPr lang="en-DK"/>
+          </a:p>
+        </p:txBody>
+      </p:sp>
+      <p:sp>
+        <p:nvSpPr>
+          <p:cNvPr id="8" name="Rectangle 7">
+            <a:extLst>
+              <a:ext uri="{FF2B5EF4-FFF2-40B4-BE49-F238E27FC236}">
+                <a16:creationId xmlns:a16="http://schemas.microsoft.com/office/drawing/2014/main" id="{312A4F07-051F-BEBE-70FC-F6669CE334B5}"/>
+              </a:ext>
+            </a:extLst>
+          </p:cNvPr>
+          <p:cNvSpPr/>
+          <p:nvPr/>
+        </p:nvSpPr>
+        <p:spPr>
+          <a:xfrm>
+            <a:off x="4299967" y="2348154"/>
+            <a:ext cx="3051809" cy="300705"/>
+          </a:xfrm>
+          <a:prstGeom prst="rect">
+            <a:avLst/>
+          </a:prstGeom>
+          <a:noFill/>
+          <a:ln w="28575">
+            <a:solidFill>
+              <a:srgbClr val="FF0000">
+                <a:alpha val="25098"/>
+              </a:srgbClr>
+            </a:solidFill>
+            <a:prstDash val="sysDash"/>
+          </a:ln>
+        </p:spPr>
+        <p:style>
+          <a:lnRef idx="2">
+            <a:schemeClr val="accent1">
+              <a:shade val="15000"/>
+            </a:schemeClr>
+          </a:lnRef>
+          <a:fillRef idx="1">
+            <a:schemeClr val="accent1"/>
+          </a:fillRef>
+          <a:effectRef idx="0">
+            <a:schemeClr val="accent1"/>
+          </a:effectRef>
+          <a:fontRef idx="minor">
+            <a:schemeClr val="lt1"/>
+          </a:fontRef>
+        </p:style>
+        <p:txBody>
+          <a:bodyPr rtlCol="0" anchor="ctr"/>
+          <a:lstStyle/>
+          <a:p>
+            <a:pPr algn="ctr"/>
+            <a:endParaRPr lang="en-DK"/>
+          </a:p>
+        </p:txBody>
+      </p:sp>
+      <p:sp>
+        <p:nvSpPr>
+          <p:cNvPr id="9" name="Rectangle 8">
+            <a:extLst>
+              <a:ext uri="{FF2B5EF4-FFF2-40B4-BE49-F238E27FC236}">
+                <a16:creationId xmlns:a16="http://schemas.microsoft.com/office/drawing/2014/main" id="{C82F298D-4A99-1E3A-9AFA-F5A6979C42C8}"/>
+              </a:ext>
+            </a:extLst>
+          </p:cNvPr>
+          <p:cNvSpPr/>
+          <p:nvPr/>
+        </p:nvSpPr>
+        <p:spPr>
+          <a:xfrm>
+            <a:off x="3217925" y="2002845"/>
+            <a:ext cx="4133851" cy="300705"/>
+          </a:xfrm>
+          <a:prstGeom prst="rect">
+            <a:avLst/>
+          </a:prstGeom>
+          <a:noFill/>
+          <a:ln w="28575">
+            <a:solidFill>
+              <a:srgbClr val="FF0000">
+                <a:alpha val="25098"/>
+              </a:srgbClr>
+            </a:solidFill>
+            <a:prstDash val="sysDash"/>
+          </a:ln>
+        </p:spPr>
+        <p:style>
+          <a:lnRef idx="2">
+            <a:schemeClr val="accent1">
+              <a:shade val="15000"/>
+            </a:schemeClr>
+          </a:lnRef>
+          <a:fillRef idx="1">
+            <a:schemeClr val="accent1"/>
+          </a:fillRef>
+          <a:effectRef idx="0">
+            <a:schemeClr val="accent1"/>
+          </a:effectRef>
+          <a:fontRef idx="minor">
+            <a:schemeClr val="lt1"/>
+          </a:fontRef>
+        </p:style>
+        <p:txBody>
+          <a:bodyPr rtlCol="0" anchor="ctr"/>
+          <a:lstStyle/>
+          <a:p>
+            <a:pPr algn="ctr"/>
+            <a:endParaRPr lang="en-DK"/>
+          </a:p>
+        </p:txBody>
+      </p:sp>
+      <p:sp>
+        <p:nvSpPr>
+          <p:cNvPr id="10" name="TextBox 9">
+            <a:extLst>
+              <a:ext uri="{FF2B5EF4-FFF2-40B4-BE49-F238E27FC236}">
+                <a16:creationId xmlns:a16="http://schemas.microsoft.com/office/drawing/2014/main" id="{0BA4B818-EDA5-6343-E520-B7DE2A8F5AD9}"/>
+              </a:ext>
+            </a:extLst>
+          </p:cNvPr>
+          <p:cNvSpPr txBox="1"/>
+          <p:nvPr/>
+        </p:nvSpPr>
+        <p:spPr>
+          <a:xfrm>
+            <a:off x="4309237" y="2857169"/>
+            <a:ext cx="1528688" cy="369332"/>
+          </a:xfrm>
+          <a:prstGeom prst="rect">
+            <a:avLst/>
+          </a:prstGeom>
+          <a:noFill/>
+        </p:spPr>
+        <p:txBody>
+          <a:bodyPr wrap="none" rtlCol="0">
+            <a:spAutoFit/>
+          </a:bodyPr>
+          <a:lstStyle/>
+          <a:p>
+            <a:r>
+              <a:rPr lang="en-GB" dirty="0"/>
+              <a:t>Abort the test</a:t>
+            </a:r>
+            <a:endParaRPr lang="en-DK" dirty="0"/>
+          </a:p>
+        </p:txBody>
+      </p:sp>
+      <p:sp>
+        <p:nvSpPr>
+          <p:cNvPr id="11" name="TextBox 10">
+            <a:extLst>
+              <a:ext uri="{FF2B5EF4-FFF2-40B4-BE49-F238E27FC236}">
+                <a16:creationId xmlns:a16="http://schemas.microsoft.com/office/drawing/2014/main" id="{AC984CE6-97EC-26CC-0A58-92475A5D65F6}"/>
+              </a:ext>
+            </a:extLst>
+          </p:cNvPr>
+          <p:cNvSpPr txBox="1"/>
+          <p:nvPr/>
+        </p:nvSpPr>
+        <p:spPr>
+          <a:xfrm>
+            <a:off x="7730870" y="2313840"/>
+            <a:ext cx="1253805" cy="369332"/>
+          </a:xfrm>
+          <a:prstGeom prst="rect">
+            <a:avLst/>
+          </a:prstGeom>
+          <a:noFill/>
+        </p:spPr>
+        <p:txBody>
+          <a:bodyPr wrap="none" rtlCol="0">
+            <a:spAutoFit/>
+          </a:bodyPr>
+          <a:lstStyle/>
+          <a:p>
+            <a:r>
+              <a:rPr lang="en-GB" dirty="0"/>
+              <a:t>Test status</a:t>
+            </a:r>
+            <a:endParaRPr lang="en-DK" dirty="0"/>
+          </a:p>
+        </p:txBody>
+      </p:sp>
+      <p:sp>
+        <p:nvSpPr>
+          <p:cNvPr id="12" name="TextBox 11">
+            <a:extLst>
+              <a:ext uri="{FF2B5EF4-FFF2-40B4-BE49-F238E27FC236}">
+                <a16:creationId xmlns:a16="http://schemas.microsoft.com/office/drawing/2014/main" id="{B8579EC0-DC7B-CDAD-58F2-76129D27D595}"/>
+              </a:ext>
+            </a:extLst>
+          </p:cNvPr>
+          <p:cNvSpPr txBox="1"/>
+          <p:nvPr/>
+        </p:nvSpPr>
+        <p:spPr>
+          <a:xfrm>
+            <a:off x="7730870" y="1973631"/>
+            <a:ext cx="1200393" cy="369332"/>
+          </a:xfrm>
+          <a:prstGeom prst="rect">
+            <a:avLst/>
+          </a:prstGeom>
+          <a:noFill/>
+        </p:spPr>
+        <p:txBody>
+          <a:bodyPr wrap="none" rtlCol="0">
+            <a:spAutoFit/>
+          </a:bodyPr>
+          <a:lstStyle/>
+          <a:p>
+            <a:r>
+              <a:rPr lang="en-GB" dirty="0"/>
+              <a:t>Test name</a:t>
+            </a:r>
+            <a:endParaRPr lang="en-DK" dirty="0"/>
+          </a:p>
+        </p:txBody>
+      </p:sp>
+      <p:cxnSp>
+        <p:nvCxnSpPr>
+          <p:cNvPr id="14" name="Connector: Elbow 13">
+            <a:extLst>
+              <a:ext uri="{FF2B5EF4-FFF2-40B4-BE49-F238E27FC236}">
+                <a16:creationId xmlns:a16="http://schemas.microsoft.com/office/drawing/2014/main" id="{2E76829F-2FD8-7431-59F2-F474D1E03AE1}"/>
+              </a:ext>
+            </a:extLst>
+          </p:cNvPr>
+          <p:cNvCxnSpPr>
+            <a:stCxn id="10" idx="1"/>
+            <a:endCxn id="7" idx="2"/>
+          </p:cNvCxnSpPr>
+          <p:nvPr/>
+        </p:nvCxnSpPr>
+        <p:spPr>
+          <a:xfrm rot="10800000">
+            <a:off x="4012311" y="2643631"/>
+            <a:ext cx="296926" cy="398204"/>
+          </a:xfrm>
+          <a:prstGeom prst="bentConnector2">
+            <a:avLst/>
+          </a:prstGeom>
+          <a:ln>
+            <a:tailEnd type="triangle"/>
+          </a:ln>
+        </p:spPr>
+        <p:style>
+          <a:lnRef idx="2">
+            <a:schemeClr val="dk1"/>
+          </a:lnRef>
+          <a:fillRef idx="0">
+            <a:schemeClr val="dk1"/>
+          </a:fillRef>
+          <a:effectRef idx="1">
+            <a:schemeClr val="dk1"/>
+          </a:effectRef>
+          <a:fontRef idx="minor">
+            <a:schemeClr val="tx1"/>
+          </a:fontRef>
+        </p:style>
+      </p:cxnSp>
+      <p:cxnSp>
+        <p:nvCxnSpPr>
+          <p:cNvPr id="16" name="Connector: Elbow 15">
+            <a:extLst>
+              <a:ext uri="{FF2B5EF4-FFF2-40B4-BE49-F238E27FC236}">
+                <a16:creationId xmlns:a16="http://schemas.microsoft.com/office/drawing/2014/main" id="{E9315CFB-E944-3C7E-8892-256B97474348}"/>
+              </a:ext>
+            </a:extLst>
+          </p:cNvPr>
+          <p:cNvCxnSpPr>
+            <a:stCxn id="5" idx="1"/>
+            <a:endCxn id="4" idx="2"/>
+          </p:cNvCxnSpPr>
+          <p:nvPr/>
+        </p:nvCxnSpPr>
+        <p:spPr>
+          <a:xfrm rot="10800000">
+            <a:off x="3463671" y="2643631"/>
+            <a:ext cx="845566" cy="736758"/>
+          </a:xfrm>
+          <a:prstGeom prst="bentConnector2">
+            <a:avLst/>
+          </a:prstGeom>
+          <a:ln>
+            <a:tailEnd type="triangle"/>
+          </a:ln>
+        </p:spPr>
+        <p:style>
+          <a:lnRef idx="2">
+            <a:schemeClr val="dk1"/>
+          </a:lnRef>
+          <a:fillRef idx="0">
+            <a:schemeClr val="dk1"/>
+          </a:fillRef>
+          <a:effectRef idx="1">
+            <a:schemeClr val="dk1"/>
+          </a:effectRef>
+          <a:fontRef idx="minor">
+            <a:schemeClr val="tx1"/>
+          </a:fontRef>
+        </p:style>
+      </p:cxnSp>
+      <p:cxnSp>
+        <p:nvCxnSpPr>
+          <p:cNvPr id="18" name="Straight Arrow Connector 17">
+            <a:extLst>
+              <a:ext uri="{FF2B5EF4-FFF2-40B4-BE49-F238E27FC236}">
+                <a16:creationId xmlns:a16="http://schemas.microsoft.com/office/drawing/2014/main" id="{6E37C1D8-C983-C18C-C7F5-1BE57E4E5D0E}"/>
+              </a:ext>
+            </a:extLst>
+          </p:cNvPr>
+          <p:cNvCxnSpPr>
+            <a:stCxn id="12" idx="1"/>
+            <a:endCxn id="9" idx="3"/>
+          </p:cNvCxnSpPr>
+          <p:nvPr/>
+        </p:nvCxnSpPr>
+        <p:spPr>
+          <a:xfrm flipH="1" flipV="1">
+            <a:off x="7351776" y="2153198"/>
+            <a:ext cx="379094" cy="5099"/>
+          </a:xfrm>
+          <a:prstGeom prst="straightConnector1">
+            <a:avLst/>
+          </a:prstGeom>
+          <a:ln>
+            <a:tailEnd type="triangle"/>
+          </a:ln>
+        </p:spPr>
+        <p:style>
+          <a:lnRef idx="2">
+            <a:schemeClr val="dk1"/>
+          </a:lnRef>
+          <a:fillRef idx="0">
+            <a:schemeClr val="dk1"/>
+          </a:fillRef>
+          <a:effectRef idx="1">
+            <a:schemeClr val="dk1"/>
+          </a:effectRef>
+          <a:fontRef idx="minor">
+            <a:schemeClr val="tx1"/>
+          </a:fontRef>
+        </p:style>
+      </p:cxnSp>
+      <p:cxnSp>
+        <p:nvCxnSpPr>
+          <p:cNvPr id="20" name="Straight Arrow Connector 19">
+            <a:extLst>
+              <a:ext uri="{FF2B5EF4-FFF2-40B4-BE49-F238E27FC236}">
+                <a16:creationId xmlns:a16="http://schemas.microsoft.com/office/drawing/2014/main" id="{80BE17BF-1B3C-21FB-6F0C-1710D1D18F33}"/>
+              </a:ext>
+            </a:extLst>
+          </p:cNvPr>
+          <p:cNvCxnSpPr>
+            <a:stCxn id="11" idx="1"/>
+            <a:endCxn id="8" idx="3"/>
+          </p:cNvCxnSpPr>
+          <p:nvPr/>
+        </p:nvCxnSpPr>
+        <p:spPr>
+          <a:xfrm flipH="1">
+            <a:off x="7351776" y="2498506"/>
+            <a:ext cx="379094" cy="1"/>
+          </a:xfrm>
+          <a:prstGeom prst="straightConnector1">
+            <a:avLst/>
+          </a:prstGeom>
+          <a:ln>
+            <a:tailEnd type="triangle"/>
+          </a:ln>
+        </p:spPr>
+        <p:style>
+          <a:lnRef idx="2">
+            <a:schemeClr val="dk1"/>
+          </a:lnRef>
+          <a:fillRef idx="0">
+            <a:schemeClr val="dk1"/>
+          </a:fillRef>
+          <a:effectRef idx="1">
+            <a:schemeClr val="dk1"/>
+          </a:effectRef>
+          <a:fontRef idx="minor">
+            <a:schemeClr val="tx1"/>
+          </a:fontRef>
+        </p:style>
+      </p:cxnSp>
     </p:spTree>
     <p:extLst>
       <p:ext uri="{BB962C8B-B14F-4D97-AF65-F5344CB8AC3E}">
-        <p14:creationId xmlns:p14="http://schemas.microsoft.com/office/powerpoint/2010/main" val="84227143"/>
+        <p14:creationId xmlns:p14="http://schemas.microsoft.com/office/powerpoint/2010/main" val="1527871053"/>
       </p:ext>
     </p:extLst>
   </p:cSld>
@@ -5268,10 +8406,10 @@
       </p:grpSpPr>
       <p:pic>
         <p:nvPicPr>
-          <p:cNvPr id="3" name="Picture 2">
-            <a:extLst>
-              <a:ext uri="{FF2B5EF4-FFF2-40B4-BE49-F238E27FC236}">
-                <a16:creationId xmlns:a16="http://schemas.microsoft.com/office/drawing/2014/main" id="{3417ED0A-9878-3FE4-F6CE-7BD89B06EA08}"/>
+          <p:cNvPr id="5" name="Picture 4">
+            <a:extLst>
+              <a:ext uri="{FF2B5EF4-FFF2-40B4-BE49-F238E27FC236}">
+                <a16:creationId xmlns:a16="http://schemas.microsoft.com/office/drawing/2014/main" id="{FBAECC76-39FC-3273-2E51-504105CE5803}"/>
               </a:ext>
             </a:extLst>
           </p:cNvPr>
@@ -5288,18 +8426,416 @@
         </p:blipFill>
         <p:spPr>
           <a:xfrm>
-            <a:off x="3156857" y="0"/>
-            <a:ext cx="5878286" cy="6858000"/>
+            <a:off x="2492283" y="2579277"/>
+            <a:ext cx="5858693" cy="1333686"/>
           </a:xfrm>
           <a:prstGeom prst="rect">
             <a:avLst/>
           </a:prstGeom>
         </p:spPr>
       </p:pic>
+      <p:sp>
+        <p:nvSpPr>
+          <p:cNvPr id="6" name="Rectangle 5">
+            <a:extLst>
+              <a:ext uri="{FF2B5EF4-FFF2-40B4-BE49-F238E27FC236}">
+                <a16:creationId xmlns:a16="http://schemas.microsoft.com/office/drawing/2014/main" id="{97AA444C-0807-5311-CAC6-5CEFF45BCF41}"/>
+              </a:ext>
+            </a:extLst>
+          </p:cNvPr>
+          <p:cNvSpPr/>
+          <p:nvPr/>
+        </p:nvSpPr>
+        <p:spPr>
+          <a:xfrm>
+            <a:off x="2549433" y="2665785"/>
+            <a:ext cx="5801543" cy="763215"/>
+          </a:xfrm>
+          <a:prstGeom prst="rect">
+            <a:avLst/>
+          </a:prstGeom>
+          <a:noFill/>
+          <a:ln w="28575">
+            <a:solidFill>
+              <a:srgbClr val="FF0000">
+                <a:alpha val="25098"/>
+              </a:srgbClr>
+            </a:solidFill>
+            <a:prstDash val="sysDash"/>
+          </a:ln>
+        </p:spPr>
+        <p:style>
+          <a:lnRef idx="2">
+            <a:schemeClr val="accent1">
+              <a:shade val="15000"/>
+            </a:schemeClr>
+          </a:lnRef>
+          <a:fillRef idx="1">
+            <a:schemeClr val="accent1"/>
+          </a:fillRef>
+          <a:effectRef idx="0">
+            <a:schemeClr val="accent1"/>
+          </a:effectRef>
+          <a:fontRef idx="minor">
+            <a:schemeClr val="lt1"/>
+          </a:fontRef>
+        </p:style>
+        <p:txBody>
+          <a:bodyPr rtlCol="0" anchor="ctr"/>
+          <a:lstStyle/>
+          <a:p>
+            <a:pPr algn="ctr"/>
+            <a:endParaRPr lang="en-DK"/>
+          </a:p>
+        </p:txBody>
+      </p:sp>
+      <p:sp>
+        <p:nvSpPr>
+          <p:cNvPr id="7" name="Rectangle 6">
+            <a:extLst>
+              <a:ext uri="{FF2B5EF4-FFF2-40B4-BE49-F238E27FC236}">
+                <a16:creationId xmlns:a16="http://schemas.microsoft.com/office/drawing/2014/main" id="{FFFC3C9D-4907-D6AF-B68A-7E826133AF96}"/>
+              </a:ext>
+            </a:extLst>
+          </p:cNvPr>
+          <p:cNvSpPr/>
+          <p:nvPr/>
+        </p:nvSpPr>
+        <p:spPr>
+          <a:xfrm>
+            <a:off x="2549433" y="3429001"/>
+            <a:ext cx="4914357" cy="439420"/>
+          </a:xfrm>
+          <a:prstGeom prst="rect">
+            <a:avLst/>
+          </a:prstGeom>
+          <a:noFill/>
+          <a:ln w="28575">
+            <a:solidFill>
+              <a:srgbClr val="FF0000">
+                <a:alpha val="25098"/>
+              </a:srgbClr>
+            </a:solidFill>
+            <a:prstDash val="sysDash"/>
+          </a:ln>
+        </p:spPr>
+        <p:style>
+          <a:lnRef idx="2">
+            <a:schemeClr val="accent1">
+              <a:shade val="15000"/>
+            </a:schemeClr>
+          </a:lnRef>
+          <a:fillRef idx="1">
+            <a:schemeClr val="accent1"/>
+          </a:fillRef>
+          <a:effectRef idx="0">
+            <a:schemeClr val="accent1"/>
+          </a:effectRef>
+          <a:fontRef idx="minor">
+            <a:schemeClr val="lt1"/>
+          </a:fontRef>
+        </p:style>
+        <p:txBody>
+          <a:bodyPr rtlCol="0" anchor="ctr"/>
+          <a:lstStyle/>
+          <a:p>
+            <a:pPr algn="ctr"/>
+            <a:endParaRPr lang="en-DK"/>
+          </a:p>
+        </p:txBody>
+      </p:sp>
+      <p:sp>
+        <p:nvSpPr>
+          <p:cNvPr id="8" name="Rectangle 7">
+            <a:extLst>
+              <a:ext uri="{FF2B5EF4-FFF2-40B4-BE49-F238E27FC236}">
+                <a16:creationId xmlns:a16="http://schemas.microsoft.com/office/drawing/2014/main" id="{85E73013-3359-C985-F058-23CB947B0AD5}"/>
+              </a:ext>
+            </a:extLst>
+          </p:cNvPr>
+          <p:cNvSpPr/>
+          <p:nvPr/>
+        </p:nvSpPr>
+        <p:spPr>
+          <a:xfrm>
+            <a:off x="7463790" y="3429000"/>
+            <a:ext cx="887186" cy="439421"/>
+          </a:xfrm>
+          <a:prstGeom prst="rect">
+            <a:avLst/>
+          </a:prstGeom>
+          <a:noFill/>
+          <a:ln w="28575">
+            <a:solidFill>
+              <a:srgbClr val="FF0000">
+                <a:alpha val="25098"/>
+              </a:srgbClr>
+            </a:solidFill>
+          </a:ln>
+        </p:spPr>
+        <p:style>
+          <a:lnRef idx="2">
+            <a:schemeClr val="accent1">
+              <a:shade val="15000"/>
+            </a:schemeClr>
+          </a:lnRef>
+          <a:fillRef idx="1">
+            <a:schemeClr val="accent1"/>
+          </a:fillRef>
+          <a:effectRef idx="0">
+            <a:schemeClr val="accent1"/>
+          </a:effectRef>
+          <a:fontRef idx="minor">
+            <a:schemeClr val="lt1"/>
+          </a:fontRef>
+        </p:style>
+        <p:txBody>
+          <a:bodyPr rtlCol="0" anchor="ctr"/>
+          <a:lstStyle/>
+          <a:p>
+            <a:pPr algn="ctr"/>
+            <a:endParaRPr lang="en-DK"/>
+          </a:p>
+        </p:txBody>
+      </p:sp>
+      <p:sp>
+        <p:nvSpPr>
+          <p:cNvPr id="9" name="TextBox 8">
+            <a:extLst>
+              <a:ext uri="{FF2B5EF4-FFF2-40B4-BE49-F238E27FC236}">
+                <a16:creationId xmlns:a16="http://schemas.microsoft.com/office/drawing/2014/main" id="{8A06C1FA-6A14-177C-3818-2E98ADB32A4C}"/>
+              </a:ext>
+            </a:extLst>
+          </p:cNvPr>
+          <p:cNvSpPr txBox="1"/>
+          <p:nvPr/>
+        </p:nvSpPr>
+        <p:spPr>
+          <a:xfrm>
+            <a:off x="8528499" y="4022017"/>
+            <a:ext cx="2284856" cy="369332"/>
+          </a:xfrm>
+          <a:prstGeom prst="rect">
+            <a:avLst/>
+          </a:prstGeom>
+          <a:noFill/>
+        </p:spPr>
+        <p:txBody>
+          <a:bodyPr wrap="none" rtlCol="0">
+            <a:spAutoFit/>
+          </a:bodyPr>
+          <a:lstStyle/>
+          <a:p>
+            <a:r>
+              <a:rPr lang="en-GB" dirty="0"/>
+              <a:t>Add manual log entry</a:t>
+            </a:r>
+            <a:endParaRPr lang="en-DK" dirty="0"/>
+          </a:p>
+        </p:txBody>
+      </p:sp>
+      <p:sp>
+        <p:nvSpPr>
+          <p:cNvPr id="10" name="TextBox 9">
+            <a:extLst>
+              <a:ext uri="{FF2B5EF4-FFF2-40B4-BE49-F238E27FC236}">
+                <a16:creationId xmlns:a16="http://schemas.microsoft.com/office/drawing/2014/main" id="{D6CE4BCE-0276-0844-61EB-DB4C2BE86607}"/>
+              </a:ext>
+            </a:extLst>
+          </p:cNvPr>
+          <p:cNvSpPr txBox="1"/>
+          <p:nvPr/>
+        </p:nvSpPr>
+        <p:spPr>
+          <a:xfrm>
+            <a:off x="8528499" y="2865213"/>
+            <a:ext cx="1275286" cy="369332"/>
+          </a:xfrm>
+          <a:prstGeom prst="rect">
+            <a:avLst/>
+          </a:prstGeom>
+          <a:noFill/>
+        </p:spPr>
+        <p:txBody>
+          <a:bodyPr wrap="none" rtlCol="0">
+            <a:spAutoFit/>
+          </a:bodyPr>
+          <a:lstStyle/>
+          <a:p>
+            <a:r>
+              <a:rPr lang="en-GB" dirty="0"/>
+              <a:t>Log entries</a:t>
+            </a:r>
+            <a:endParaRPr lang="en-DK" dirty="0"/>
+          </a:p>
+        </p:txBody>
+      </p:sp>
+      <p:sp>
+        <p:nvSpPr>
+          <p:cNvPr id="11" name="TextBox 10">
+            <a:extLst>
+              <a:ext uri="{FF2B5EF4-FFF2-40B4-BE49-F238E27FC236}">
+                <a16:creationId xmlns:a16="http://schemas.microsoft.com/office/drawing/2014/main" id="{D0C87748-EAD4-003E-CD3D-DC4178FC71A8}"/>
+              </a:ext>
+            </a:extLst>
+          </p:cNvPr>
+          <p:cNvSpPr txBox="1"/>
+          <p:nvPr/>
+        </p:nvSpPr>
+        <p:spPr>
+          <a:xfrm>
+            <a:off x="2749501" y="4022017"/>
+            <a:ext cx="1828001" cy="369332"/>
+          </a:xfrm>
+          <a:prstGeom prst="rect">
+            <a:avLst/>
+          </a:prstGeom>
+          <a:noFill/>
+        </p:spPr>
+        <p:txBody>
+          <a:bodyPr wrap="none" rtlCol="0">
+            <a:spAutoFit/>
+          </a:bodyPr>
+          <a:lstStyle/>
+          <a:p>
+            <a:r>
+              <a:rPr lang="en-GB" dirty="0"/>
+              <a:t>Manual log entry</a:t>
+            </a:r>
+            <a:endParaRPr lang="en-DK" dirty="0"/>
+          </a:p>
+        </p:txBody>
+      </p:sp>
+      <p:cxnSp>
+        <p:nvCxnSpPr>
+          <p:cNvPr id="13" name="Connector: Elbow 12">
+            <a:extLst>
+              <a:ext uri="{FF2B5EF4-FFF2-40B4-BE49-F238E27FC236}">
+                <a16:creationId xmlns:a16="http://schemas.microsoft.com/office/drawing/2014/main" id="{41D89B25-7341-2779-DFA6-B84D340C73C7}"/>
+              </a:ext>
+            </a:extLst>
+          </p:cNvPr>
+          <p:cNvCxnSpPr>
+            <a:stCxn id="11" idx="3"/>
+            <a:endCxn id="7" idx="2"/>
+          </p:cNvCxnSpPr>
+          <p:nvPr/>
+        </p:nvCxnSpPr>
+        <p:spPr>
+          <a:xfrm flipV="1">
+            <a:off x="4577502" y="3868421"/>
+            <a:ext cx="429110" cy="338262"/>
+          </a:xfrm>
+          <a:prstGeom prst="bentConnector2">
+            <a:avLst/>
+          </a:prstGeom>
+          <a:ln>
+            <a:tailEnd type="triangle"/>
+          </a:ln>
+        </p:spPr>
+        <p:style>
+          <a:lnRef idx="2">
+            <a:schemeClr val="dk1"/>
+          </a:lnRef>
+          <a:fillRef idx="0">
+            <a:schemeClr val="dk1"/>
+          </a:fillRef>
+          <a:effectRef idx="1">
+            <a:schemeClr val="dk1"/>
+          </a:effectRef>
+          <a:fontRef idx="minor">
+            <a:schemeClr val="tx1"/>
+          </a:fontRef>
+        </p:style>
+      </p:cxnSp>
+      <p:cxnSp>
+        <p:nvCxnSpPr>
+          <p:cNvPr id="15" name="Connector: Elbow 14">
+            <a:extLst>
+              <a:ext uri="{FF2B5EF4-FFF2-40B4-BE49-F238E27FC236}">
+                <a16:creationId xmlns:a16="http://schemas.microsoft.com/office/drawing/2014/main" id="{20B94F5E-9CAE-5E69-7ECC-4686BA21C316}"/>
+              </a:ext>
+            </a:extLst>
+          </p:cNvPr>
+          <p:cNvCxnSpPr>
+            <a:stCxn id="9" idx="1"/>
+            <a:endCxn id="8" idx="2"/>
+          </p:cNvCxnSpPr>
+          <p:nvPr/>
+        </p:nvCxnSpPr>
+        <p:spPr>
+          <a:xfrm rot="10800000">
+            <a:off x="7907383" y="3868421"/>
+            <a:ext cx="621116" cy="338262"/>
+          </a:xfrm>
+          <a:prstGeom prst="bentConnector2">
+            <a:avLst/>
+          </a:prstGeom>
+          <a:ln>
+            <a:tailEnd type="triangle"/>
+          </a:ln>
+        </p:spPr>
+        <p:style>
+          <a:lnRef idx="2">
+            <a:schemeClr val="dk1"/>
+          </a:lnRef>
+          <a:fillRef idx="0">
+            <a:schemeClr val="dk1"/>
+          </a:fillRef>
+          <a:effectRef idx="1">
+            <a:schemeClr val="dk1"/>
+          </a:effectRef>
+          <a:fontRef idx="minor">
+            <a:schemeClr val="tx1"/>
+          </a:fontRef>
+        </p:style>
+      </p:cxnSp>
+      <p:cxnSp>
+        <p:nvCxnSpPr>
+          <p:cNvPr id="17" name="Straight Arrow Connector 16">
+            <a:extLst>
+              <a:ext uri="{FF2B5EF4-FFF2-40B4-BE49-F238E27FC236}">
+                <a16:creationId xmlns:a16="http://schemas.microsoft.com/office/drawing/2014/main" id="{4FB3BD7E-FC88-E276-41B3-73814FBF9847}"/>
+              </a:ext>
+            </a:extLst>
+          </p:cNvPr>
+          <p:cNvCxnSpPr>
+            <a:stCxn id="10" idx="1"/>
+            <a:endCxn id="6" idx="3"/>
+          </p:cNvCxnSpPr>
+          <p:nvPr/>
+        </p:nvCxnSpPr>
+        <p:spPr>
+          <a:xfrm flipH="1" flipV="1">
+            <a:off x="8350976" y="3047393"/>
+            <a:ext cx="177523" cy="2486"/>
+          </a:xfrm>
+          <a:prstGeom prst="straightConnector1">
+            <a:avLst/>
+          </a:prstGeom>
+          <a:ln>
+            <a:tailEnd type="triangle"/>
+          </a:ln>
+        </p:spPr>
+        <p:style>
+          <a:lnRef idx="2">
+            <a:schemeClr val="dk1"/>
+          </a:lnRef>
+          <a:fillRef idx="0">
+            <a:schemeClr val="dk1"/>
+          </a:fillRef>
+          <a:effectRef idx="1">
+            <a:schemeClr val="dk1"/>
+          </a:effectRef>
+          <a:fontRef idx="minor">
+            <a:schemeClr val="tx1"/>
+          </a:fontRef>
+        </p:style>
+      </p:cxnSp>
     </p:spTree>
     <p:extLst>
       <p:ext uri="{BB962C8B-B14F-4D97-AF65-F5344CB8AC3E}">
-        <p14:creationId xmlns:p14="http://schemas.microsoft.com/office/powerpoint/2010/main" val="2682983898"/>
+        <p14:creationId xmlns:p14="http://schemas.microsoft.com/office/powerpoint/2010/main" val="2205650836"/>
       </p:ext>
     </p:extLst>
   </p:cSld>
@@ -5331,7 +8867,7 @@
           <p:cNvPr id="3" name="Picture 2">
             <a:extLst>
               <a:ext uri="{FF2B5EF4-FFF2-40B4-BE49-F238E27FC236}">
-                <a16:creationId xmlns:a16="http://schemas.microsoft.com/office/drawing/2014/main" id="{8D5C035E-9EF1-2CBC-0347-95A74CA7F0DA}"/>
+                <a16:creationId xmlns:a16="http://schemas.microsoft.com/office/drawing/2014/main" id="{2ACDEB22-4A39-D62C-9DE5-5D4A31524EDE}"/>
               </a:ext>
             </a:extLst>
           </p:cNvPr>
@@ -5348,18 +8884,23 @@
         </p:blipFill>
         <p:spPr>
           <a:xfrm>
-            <a:off x="2470155" y="1200150"/>
-            <a:ext cx="6070171" cy="3714750"/>
+            <a:off x="2130169" y="1620927"/>
+            <a:ext cx="5749153" cy="3050284"/>
           </a:xfrm>
           <a:prstGeom prst="rect">
             <a:avLst/>
           </a:prstGeom>
+          <a:ln>
+            <a:solidFill>
+              <a:schemeClr val="tx1"/>
+            </a:solidFill>
+          </a:ln>
         </p:spPr>
       </p:pic>
     </p:spTree>
     <p:extLst>
       <p:ext uri="{BB962C8B-B14F-4D97-AF65-F5344CB8AC3E}">
-        <p14:creationId xmlns:p14="http://schemas.microsoft.com/office/powerpoint/2010/main" val="3682180786"/>
+        <p14:creationId xmlns:p14="http://schemas.microsoft.com/office/powerpoint/2010/main" val="2010364799"/>
       </p:ext>
     </p:extLst>
   </p:cSld>
@@ -5448,71 +8989,6 @@
       </p:grpSpPr>
       <p:pic>
         <p:nvPicPr>
-          <p:cNvPr id="3" name="Picture 2">
-            <a:extLst>
-              <a:ext uri="{FF2B5EF4-FFF2-40B4-BE49-F238E27FC236}">
-                <a16:creationId xmlns:a16="http://schemas.microsoft.com/office/drawing/2014/main" id="{2ACDEB22-4A39-D62C-9DE5-5D4A31524EDE}"/>
-              </a:ext>
-            </a:extLst>
-          </p:cNvPr>
-          <p:cNvPicPr>
-            <a:picLocks noChangeAspect="1"/>
-          </p:cNvPicPr>
-          <p:nvPr/>
-        </p:nvPicPr>
-        <p:blipFill>
-          <a:blip r:embed="rId2"/>
-          <a:stretch>
-            <a:fillRect/>
-          </a:stretch>
-        </p:blipFill>
-        <p:spPr>
-          <a:xfrm>
-            <a:off x="1806077" y="1528330"/>
-            <a:ext cx="5749153" cy="3050284"/>
-          </a:xfrm>
-          <a:prstGeom prst="rect">
-            <a:avLst/>
-          </a:prstGeom>
-          <a:ln>
-            <a:solidFill>
-              <a:schemeClr val="tx1"/>
-            </a:solidFill>
-          </a:ln>
-        </p:spPr>
-      </p:pic>
-    </p:spTree>
-    <p:extLst>
-      <p:ext uri="{BB962C8B-B14F-4D97-AF65-F5344CB8AC3E}">
-        <p14:creationId xmlns:p14="http://schemas.microsoft.com/office/powerpoint/2010/main" val="2010364799"/>
-      </p:ext>
-    </p:extLst>
-  </p:cSld>
-  <p:clrMapOvr>
-    <a:masterClrMapping/>
-  </p:clrMapOvr>
-</p:sld>
-</file>
-
-<file path=ppt/slides/slide21.xml><?xml version="1.0" encoding="utf-8"?>
-<p:sld xmlns:a="http://schemas.openxmlformats.org/drawingml/2006/main" xmlns:r="http://schemas.openxmlformats.org/officeDocument/2006/relationships" xmlns:p="http://schemas.openxmlformats.org/presentationml/2006/main">
-  <p:cSld>
-    <p:spTree>
-      <p:nvGrpSpPr>
-        <p:cNvPr id="1" name=""/>
-        <p:cNvGrpSpPr/>
-        <p:nvPr/>
-      </p:nvGrpSpPr>
-      <p:grpSpPr>
-        <a:xfrm>
-          <a:off x="0" y="0"/>
-          <a:ext cx="0" cy="0"/>
-          <a:chOff x="0" y="0"/>
-          <a:chExt cx="0" cy="0"/>
-        </a:xfrm>
-      </p:grpSpPr>
-      <p:pic>
-        <p:nvPicPr>
           <p:cNvPr id="5" name="Picture 4">
             <a:extLst>
               <a:ext uri="{FF2B5EF4-FFF2-40B4-BE49-F238E27FC236}">
@@ -5554,67 +9030,7 @@
 </p:sld>
 </file>
 
-<file path=ppt/slides/slide22.xml><?xml version="1.0" encoding="utf-8"?>
-<p:sld xmlns:a="http://schemas.openxmlformats.org/drawingml/2006/main" xmlns:r="http://schemas.openxmlformats.org/officeDocument/2006/relationships" xmlns:p="http://schemas.openxmlformats.org/presentationml/2006/main">
-  <p:cSld>
-    <p:spTree>
-      <p:nvGrpSpPr>
-        <p:cNvPr id="1" name=""/>
-        <p:cNvGrpSpPr/>
-        <p:nvPr/>
-      </p:nvGrpSpPr>
-      <p:grpSpPr>
-        <a:xfrm>
-          <a:off x="0" y="0"/>
-          <a:ext cx="0" cy="0"/>
-          <a:chOff x="0" y="0"/>
-          <a:chExt cx="0" cy="0"/>
-        </a:xfrm>
-      </p:grpSpPr>
-      <p:pic>
-        <p:nvPicPr>
-          <p:cNvPr id="3" name="Picture 2">
-            <a:extLst>
-              <a:ext uri="{FF2B5EF4-FFF2-40B4-BE49-F238E27FC236}">
-                <a16:creationId xmlns:a16="http://schemas.microsoft.com/office/drawing/2014/main" id="{076F2ED9-252F-475F-37A1-2818F6C0027D}"/>
-              </a:ext>
-            </a:extLst>
-          </p:cNvPr>
-          <p:cNvPicPr>
-            <a:picLocks noChangeAspect="1"/>
-          </p:cNvPicPr>
-          <p:nvPr/>
-        </p:nvPicPr>
-        <p:blipFill>
-          <a:blip r:embed="rId2"/>
-          <a:stretch>
-            <a:fillRect/>
-          </a:stretch>
-        </p:blipFill>
-        <p:spPr>
-          <a:xfrm>
-            <a:off x="170623" y="2204866"/>
-            <a:ext cx="11850754" cy="2448267"/>
-          </a:xfrm>
-          <a:prstGeom prst="rect">
-            <a:avLst/>
-          </a:prstGeom>
-        </p:spPr>
-      </p:pic>
-    </p:spTree>
-    <p:extLst>
-      <p:ext uri="{BB962C8B-B14F-4D97-AF65-F5344CB8AC3E}">
-        <p14:creationId xmlns:p14="http://schemas.microsoft.com/office/powerpoint/2010/main" val="2205650836"/>
-      </p:ext>
-    </p:extLst>
-  </p:cSld>
-  <p:clrMapOvr>
-    <a:masterClrMapping/>
-  </p:clrMapOvr>
-</p:sld>
-</file>
-
-<file path=ppt/slides/slide23.xml><?xml version="1.0" encoding="utf-8"?>
+<file path=ppt/slides/slide21.xml><?xml version="1.0" encoding="utf-8"?>
 <p:sld xmlns:a="http://schemas.openxmlformats.org/drawingml/2006/main" xmlns:r="http://schemas.openxmlformats.org/officeDocument/2006/relationships" xmlns:p="http://schemas.openxmlformats.org/presentationml/2006/main">
   <p:cSld>
     <p:spTree>
